--- a/trunk/docs/presentations/OBI tutorial July 2011 ICBO/OBI overview and IEDB.pptx
+++ b/trunk/docs/presentations/OBI tutorial July 2011 ICBO/OBI overview and IEDB.pptx
@@ -5,7 +5,7 @@
     <p:sldMasterId id="2147483648" r:id="rId1"/>
   </p:sldMasterIdLst>
   <p:notesMasterIdLst>
-    <p:notesMasterId r:id="rId31"/>
+    <p:notesMasterId r:id="rId33"/>
   </p:notesMasterIdLst>
   <p:sldIdLst>
     <p:sldId id="256" r:id="rId2"/>
@@ -21,22 +21,24 @@
     <p:sldId id="275" r:id="rId12"/>
     <p:sldId id="291" r:id="rId13"/>
     <p:sldId id="276" r:id="rId14"/>
-    <p:sldId id="277" r:id="rId15"/>
-    <p:sldId id="278" r:id="rId16"/>
-    <p:sldId id="279" r:id="rId17"/>
-    <p:sldId id="281" r:id="rId18"/>
-    <p:sldId id="282" r:id="rId19"/>
-    <p:sldId id="283" r:id="rId20"/>
-    <p:sldId id="285" r:id="rId21"/>
-    <p:sldId id="286" r:id="rId22"/>
-    <p:sldId id="287" r:id="rId23"/>
-    <p:sldId id="288" r:id="rId24"/>
-    <p:sldId id="289" r:id="rId25"/>
-    <p:sldId id="290" r:id="rId26"/>
-    <p:sldId id="292" r:id="rId27"/>
-    <p:sldId id="293" r:id="rId28"/>
-    <p:sldId id="296" r:id="rId29"/>
-    <p:sldId id="297" r:id="rId30"/>
+    <p:sldId id="298" r:id="rId15"/>
+    <p:sldId id="277" r:id="rId16"/>
+    <p:sldId id="278" r:id="rId17"/>
+    <p:sldId id="279" r:id="rId18"/>
+    <p:sldId id="281" r:id="rId19"/>
+    <p:sldId id="282" r:id="rId20"/>
+    <p:sldId id="283" r:id="rId21"/>
+    <p:sldId id="285" r:id="rId22"/>
+    <p:sldId id="286" r:id="rId23"/>
+    <p:sldId id="287" r:id="rId24"/>
+    <p:sldId id="288" r:id="rId25"/>
+    <p:sldId id="289" r:id="rId26"/>
+    <p:sldId id="290" r:id="rId27"/>
+    <p:sldId id="292" r:id="rId28"/>
+    <p:sldId id="293" r:id="rId29"/>
+    <p:sldId id="296" r:id="rId30"/>
+    <p:sldId id="297" r:id="rId31"/>
+    <p:sldId id="299" r:id="rId32"/>
   </p:sldIdLst>
   <p:sldSz cx="9144000" cy="6858000" type="screen4x3"/>
   <p:notesSz cx="6858000" cy="9144000"/>
@@ -534,7 +536,7 @@
                 <a:ea typeface="ＭＳ Ｐゴシック" charset="-128"/>
               </a:rPr>
               <a:pPr/>
-              <a:t>14</a:t>
+              <a:t>15</a:t>
             </a:fld>
             <a:endParaRPr lang="en-US" smtClean="0">
               <a:ea typeface="ＭＳ Ｐゴシック" charset="-128"/>
@@ -688,7 +690,7 @@
             <a:fld id="{EA7AA547-5FED-41BA-AB2A-0210BEECAC0E}" type="slidenum">
               <a:rPr lang="en-US" smtClean="0"/>
               <a:pPr/>
-              <a:t>23</a:t>
+              <a:t>24</a:t>
             </a:fld>
             <a:endParaRPr lang="en-US" smtClean="0"/>
           </a:p>
@@ -775,7 +777,7 @@
             <a:fld id="{B52EDEB2-2B3E-4BA8-BD79-2F1760810C9F}" type="slidenum">
               <a:rPr lang="en-US" smtClean="0"/>
               <a:pPr/>
-              <a:t>24</a:t>
+              <a:t>25</a:t>
             </a:fld>
             <a:endParaRPr lang="en-US" smtClean="0"/>
           </a:p>
@@ -828,7 +830,7 @@
                 <a:ea typeface="ＭＳ Ｐゴシック" charset="-128"/>
               </a:rPr>
               <a:pPr/>
-              <a:t>15</a:t>
+              <a:t>16</a:t>
             </a:fld>
             <a:endParaRPr lang="en-US" smtClean="0">
               <a:ea typeface="ＭＳ Ｐゴシック" charset="-128"/>
@@ -953,7 +955,7 @@
             <a:fld id="{4D40448F-3513-451C-8997-D88153845639}" type="slidenum">
               <a:rPr lang="en-US" smtClean="0"/>
               <a:pPr/>
-              <a:t>16</a:t>
+              <a:t>17</a:t>
             </a:fld>
             <a:endParaRPr lang="en-US" smtClean="0"/>
           </a:p>
@@ -1115,7 +1117,7 @@
                 <a:ea typeface="ＭＳ Ｐゴシック" charset="-128"/>
               </a:rPr>
               <a:pPr/>
-              <a:t>18</a:t>
+              <a:t>19</a:t>
             </a:fld>
             <a:endParaRPr lang="en-US" smtClean="0">
               <a:ea typeface="ＭＳ Ｐゴシック" charset="-128"/>
@@ -1208,7 +1210,7 @@
                 <a:ea typeface="ＭＳ Ｐゴシック" charset="-128"/>
               </a:rPr>
               <a:pPr/>
-              <a:t>19</a:t>
+              <a:t>20</a:t>
             </a:fld>
             <a:endParaRPr lang="en-US" smtClean="0">
               <a:ea typeface="ＭＳ Ｐゴシック" charset="-128"/>
@@ -1301,7 +1303,7 @@
                 <a:ea typeface="ＭＳ Ｐゴシック" charset="-128"/>
               </a:rPr>
               <a:pPr/>
-              <a:t>20</a:t>
+              <a:t>21</a:t>
             </a:fld>
             <a:endParaRPr lang="en-US" smtClean="0">
               <a:ea typeface="ＭＳ Ｐゴシック" charset="-128"/>
@@ -1390,7 +1392,7 @@
             <a:fld id="{4C462C54-E486-4B28-9307-CDB491BA79F0}" type="slidenum">
               <a:rPr lang="en-US" smtClean="0"/>
               <a:pPr/>
-              <a:t>21</a:t>
+              <a:t>22</a:t>
             </a:fld>
             <a:endParaRPr lang="en-US" smtClean="0"/>
           </a:p>
@@ -1477,7 +1479,7 @@
             <a:fld id="{6ED9C3A4-E234-4BA6-996A-11FF1DC5F2CF}" type="slidenum">
               <a:rPr lang="en-US" smtClean="0"/>
               <a:pPr/>
-              <a:t>22</a:t>
+              <a:t>23</a:t>
             </a:fld>
             <a:endParaRPr lang="en-US" smtClean="0"/>
           </a:p>
@@ -4797,7 +4799,6 @@
               <a:rPr lang="en-US" sz="1800" dirty="0" smtClean="0"/>
               <a:t>enable enhanced consistency, documentation and queries </a:t>
             </a:r>
-            <a:endParaRPr lang="en-US" sz="1800" dirty="0" smtClean="0"/>
           </a:p>
           <a:p>
             <a:r>
@@ -4806,38 +4807,21 @@
             </a:r>
             <a:r>
               <a:rPr lang="en-US" sz="1800" dirty="0" smtClean="0"/>
-              <a:t> - annotation </a:t>
-            </a:r>
+              <a:t> - annotation of genomic-scale datasets associated with eukaryotic pathogens </a:t>
+            </a:r>
+          </a:p>
+          <a:p>
+            <a:pPr lvl="1"/>
             <a:r>
               <a:rPr lang="en-US" sz="1800" dirty="0" smtClean="0"/>
-              <a:t>of genomic-scale datasets associated with eukaryotic pathogens </a:t>
-            </a:r>
-            <a:endParaRPr lang="en-US" sz="1800" dirty="0" smtClean="0"/>
+              <a:t> How to design a data submission form based on an ontology model</a:t>
+            </a:r>
           </a:p>
           <a:p>
             <a:pPr lvl="1"/>
             <a:r>
               <a:rPr lang="en-US" sz="1800" dirty="0" smtClean="0"/>
-              <a:t> </a:t>
-            </a:r>
-            <a:r>
-              <a:rPr lang="en-US" sz="1800" dirty="0" smtClean="0"/>
-              <a:t>How to design a data submission form based on an ontology </a:t>
-            </a:r>
-            <a:r>
-              <a:rPr lang="en-US" sz="1800" dirty="0" smtClean="0"/>
-              <a:t>model</a:t>
-            </a:r>
-          </a:p>
-          <a:p>
-            <a:pPr lvl="1"/>
-            <a:r>
-              <a:rPr lang="en-US" sz="1800" dirty="0" smtClean="0"/>
-              <a:t>How </a:t>
-            </a:r>
-            <a:r>
-              <a:rPr lang="en-US" sz="1800" dirty="0" smtClean="0"/>
-              <a:t>to reduce user effort in submission using restrictions defined in an ontology</a:t>
+              <a:t>How to reduce user effort in submission using restrictions defined in an ontology</a:t>
             </a:r>
           </a:p>
           <a:p>
@@ -4851,11 +4835,7 @@
             </a:r>
             <a:r>
               <a:rPr lang="en-US" sz="1800" dirty="0" smtClean="0"/>
-              <a:t>  - representation </a:t>
-            </a:r>
-            <a:r>
-              <a:rPr lang="en-US" sz="1800" dirty="0" smtClean="0"/>
-              <a:t>of research </a:t>
+              <a:t>  - representation of research </a:t>
             </a:r>
             <a:r>
               <a:rPr lang="en-US" sz="1800" dirty="0" smtClean="0"/>
@@ -4866,73 +4846,53 @@
             <a:pPr lvl="1"/>
             <a:r>
               <a:rPr lang="en-US" sz="1400" dirty="0" smtClean="0"/>
-              <a:t> </a:t>
-            </a:r>
+              <a:t>To inform development of an interoperable  ontology </a:t>
+            </a:r>
+            <a:endParaRPr lang="en-US" sz="1400" dirty="0" smtClean="0"/>
+          </a:p>
+          <a:p>
+            <a:pPr lvl="1"/>
             <a:r>
               <a:rPr lang="en-US" sz="1400" dirty="0" smtClean="0"/>
-              <a:t>How to use OBI to speed up ontology development for annotation of research resources</a:t>
+              <a:t>How </a:t>
+            </a:r>
+            <a:r>
+              <a:rPr lang="en-US" sz="1400" dirty="0" smtClean="0"/>
+              <a:t>to use OBI to speed up ontology development for annotation of research resources</a:t>
             </a:r>
           </a:p>
           <a:p>
             <a:r>
               <a:rPr lang="en-US" sz="1800" dirty="0" smtClean="0"/>
-              <a:t>ISA suite - tools for the annotation </a:t>
-            </a:r>
+              <a:t>ISA suite - tools for the annotation of functional genomics experiments</a:t>
+            </a:r>
+          </a:p>
+          <a:p>
+            <a:pPr lvl="1"/>
+            <a:r>
+              <a:rPr lang="en-US" sz="1400" dirty="0" smtClean="0"/>
+              <a:t> Configuration of OBI in annotation</a:t>
+            </a:r>
+          </a:p>
+          <a:p>
             <a:r>
               <a:rPr lang="en-US" sz="1800" dirty="0" smtClean="0"/>
-              <a:t>of functional genomics </a:t>
-            </a:r>
-            <a:r>
-              <a:rPr lang="en-US" sz="1800" dirty="0" smtClean="0"/>
-              <a:t>experiments</a:t>
+              <a:t>Evidence Code Ontology - Cross references to OBI within the (Marcus)</a:t>
             </a:r>
           </a:p>
           <a:p>
             <a:pPr lvl="1"/>
             <a:r>
               <a:rPr lang="en-US" sz="1400" dirty="0" smtClean="0"/>
-              <a:t> </a:t>
+              <a:t> How to use OBI  </a:t>
             </a:r>
             <a:r>
               <a:rPr lang="en-US" sz="1400" dirty="0" smtClean="0"/>
-              <a:t>Configuration of OBI in annotation</a:t>
-            </a:r>
-          </a:p>
-          <a:p>
-            <a:r>
-              <a:rPr lang="en-US" sz="1800" dirty="0" smtClean="0"/>
-              <a:t>Evidence Code Ontology </a:t>
-            </a:r>
-            <a:r>
-              <a:rPr lang="en-US" sz="1800" dirty="0" smtClean="0"/>
-              <a:t>- Cross </a:t>
-            </a:r>
-            <a:r>
-              <a:rPr lang="en-US" sz="1800" dirty="0" smtClean="0"/>
-              <a:t>references to OBI within the </a:t>
-            </a:r>
-            <a:r>
-              <a:rPr lang="en-US" sz="1800" dirty="0" smtClean="0"/>
-              <a:t>(</a:t>
-            </a:r>
-            <a:r>
-              <a:rPr lang="en-US" sz="1800" dirty="0" smtClean="0"/>
-              <a:t>Marcus)</a:t>
-            </a:r>
-          </a:p>
-          <a:p>
-            <a:pPr lvl="1"/>
+              <a:t>to guide the </a:t>
+            </a:r>
             <a:r>
               <a:rPr lang="en-US" sz="1400" dirty="0" smtClean="0"/>
-              <a:t> </a:t>
-            </a:r>
-            <a:r>
-              <a:rPr lang="en-US" sz="1400" dirty="0" smtClean="0"/>
-              <a:t>How to </a:t>
-            </a:r>
-            <a:r>
-              <a:rPr lang="en-US" sz="1400" dirty="0" smtClean="0"/>
-              <a:t>use OBI  in the development of an existing ontology</a:t>
+              <a:t>development of an existing ontology</a:t>
             </a:r>
             <a:endParaRPr lang="en-US" sz="1400" dirty="0"/>
           </a:p>
@@ -4975,12 +4935,29 @@
         </p:nvSpPr>
         <p:spPr/>
         <p:txBody>
-          <a:bodyPr/>
+          <a:bodyPr>
+            <a:normAutofit fontScale="90000"/>
+          </a:bodyPr>
           <a:lstStyle/>
           <a:p>
             <a:r>
               <a:rPr lang="en-US" dirty="0" smtClean="0"/>
-              <a:t>Immune Epitope Database</a:t>
+              <a:t>Using OBI to enhance an existing database </a:t>
+            </a:r>
+            <a:br>
+              <a:rPr lang="en-US" dirty="0" smtClean="0"/>
+            </a:br>
+            <a:r>
+              <a:rPr lang="en-US" dirty="0" smtClean="0"/>
+              <a:t>(Immune </a:t>
+            </a:r>
+            <a:r>
+              <a:rPr lang="en-US" dirty="0" smtClean="0"/>
+              <a:t>Epitope </a:t>
+            </a:r>
+            <a:r>
+              <a:rPr lang="en-US" dirty="0" smtClean="0"/>
+              <a:t>Database)</a:t>
             </a:r>
             <a:endParaRPr lang="en-US" dirty="0"/>
           </a:p>
@@ -5014,6 +4991,79 @@
 </file>
 
 <file path=ppt/slides/slide14.xml><?xml version="1.0" encoding="utf-8"?>
+<p:sld xmlns:a="http://schemas.openxmlformats.org/drawingml/2006/main" xmlns:r="http://schemas.openxmlformats.org/officeDocument/2006/relationships" xmlns:p="http://schemas.openxmlformats.org/presentationml/2006/main">
+  <p:cSld>
+    <p:spTree>
+      <p:nvGrpSpPr>
+        <p:cNvPr id="1" name=""/>
+        <p:cNvGrpSpPr/>
+        <p:nvPr/>
+      </p:nvGrpSpPr>
+      <p:grpSpPr>
+        <a:xfrm>
+          <a:off x="0" y="0"/>
+          <a:ext cx="0" cy="0"/>
+          <a:chOff x="0" y="0"/>
+          <a:chExt cx="0" cy="0"/>
+        </a:xfrm>
+      </p:grpSpPr>
+      <p:sp>
+        <p:nvSpPr>
+          <p:cNvPr id="2" name="Title 1"/>
+          <p:cNvSpPr>
+            <a:spLocks noGrp="1"/>
+          </p:cNvSpPr>
+          <p:nvPr>
+            <p:ph type="title"/>
+          </p:nvPr>
+        </p:nvSpPr>
+        <p:spPr/>
+        <p:txBody>
+          <a:bodyPr/>
+          <a:lstStyle/>
+          <a:p>
+            <a:r>
+              <a:rPr lang="en-US" dirty="0" smtClean="0"/>
+              <a:t>Goals of this presentation</a:t>
+            </a:r>
+            <a:endParaRPr lang="en-US" dirty="0"/>
+          </a:p>
+        </p:txBody>
+      </p:sp>
+      <p:sp>
+        <p:nvSpPr>
+          <p:cNvPr id="3" name="Content Placeholder 2"/>
+          <p:cNvSpPr>
+            <a:spLocks noGrp="1"/>
+          </p:cNvSpPr>
+          <p:nvPr>
+            <p:ph idx="1"/>
+          </p:nvPr>
+        </p:nvSpPr>
+        <p:spPr/>
+        <p:txBody>
+          <a:bodyPr/>
+          <a:lstStyle/>
+          <a:p>
+            <a:r>
+              <a:rPr lang="en-US" dirty="0" smtClean="0"/>
+              <a:t>OBI…</a:t>
+            </a:r>
+          </a:p>
+          <a:p>
+            <a:endParaRPr lang="en-US" dirty="0"/>
+          </a:p>
+        </p:txBody>
+      </p:sp>
+    </p:spTree>
+  </p:cSld>
+  <p:clrMapOvr>
+    <a:masterClrMapping/>
+  </p:clrMapOvr>
+</p:sld>
+</file>
+
+<file path=ppt/slides/slide15.xml><?xml version="1.0" encoding="utf-8"?>
 <p:sld xmlns:a="http://schemas.openxmlformats.org/drawingml/2006/main" xmlns:r="http://schemas.openxmlformats.org/officeDocument/2006/relationships" xmlns:p="http://schemas.openxmlformats.org/presentationml/2006/main">
   <p:cSld>
     <p:spTree>
@@ -5330,7 +5380,7 @@
 </p:sld>
 </file>
 
-<file path=ppt/slides/slide15.xml><?xml version="1.0" encoding="utf-8"?>
+<file path=ppt/slides/slide16.xml><?xml version="1.0" encoding="utf-8"?>
 <p:sld xmlns:a="http://schemas.openxmlformats.org/drawingml/2006/main" xmlns:r="http://schemas.openxmlformats.org/officeDocument/2006/relationships" xmlns:p="http://schemas.openxmlformats.org/presentationml/2006/main">
   <p:cSld>
     <p:spTree>
@@ -6144,7 +6194,6 @@
               <a:rPr lang="en-US" sz="3600" dirty="0" smtClean="0"/>
               <a:t> of free text information into structured format</a:t>
             </a:r>
-            <a:endParaRPr lang="en-US" sz="3600" dirty="0" smtClean="0"/>
           </a:p>
         </p:txBody>
       </p:sp>
@@ -6342,7 +6391,7 @@
 </p:sld>
 </file>
 
-<file path=ppt/slides/slide16.xml><?xml version="1.0" encoding="utf-8"?>
+<file path=ppt/slides/slide17.xml><?xml version="1.0" encoding="utf-8"?>
 <p:sld xmlns:a="http://schemas.openxmlformats.org/drawingml/2006/main" xmlns:r="http://schemas.openxmlformats.org/officeDocument/2006/relationships" xmlns:p="http://schemas.openxmlformats.org/presentationml/2006/main">
   <p:cSld>
     <p:spTree>
@@ -8877,7 +8926,7 @@
 </p:sld>
 </file>
 
-<file path=ppt/slides/slide17.xml><?xml version="1.0" encoding="utf-8"?>
+<file path=ppt/slides/slide18.xml><?xml version="1.0" encoding="utf-8"?>
 <p:sld xmlns:a="http://schemas.openxmlformats.org/drawingml/2006/main" xmlns:r="http://schemas.openxmlformats.org/officeDocument/2006/relationships" xmlns:p="http://schemas.openxmlformats.org/presentationml/2006/main">
   <p:cSld>
     <p:spTree>
@@ -11253,7 +11302,7 @@
 </p:sld>
 </file>
 
-<file path=ppt/slides/slide18.xml><?xml version="1.0" encoding="utf-8"?>
+<file path=ppt/slides/slide19.xml><?xml version="1.0" encoding="utf-8"?>
 <p:sld xmlns:a="http://schemas.openxmlformats.org/drawingml/2006/main" xmlns:r="http://schemas.openxmlformats.org/officeDocument/2006/relationships" xmlns:p="http://schemas.openxmlformats.org/presentationml/2006/main">
   <p:cSld>
     <p:spTree>
@@ -11423,7 +11472,116 @@
 </p:sld>
 </file>
 
-<file path=ppt/slides/slide19.xml><?xml version="1.0" encoding="utf-8"?>
+<file path=ppt/slides/slide2.xml><?xml version="1.0" encoding="utf-8"?>
+<p:sld xmlns:a="http://schemas.openxmlformats.org/drawingml/2006/main" xmlns:r="http://schemas.openxmlformats.org/officeDocument/2006/relationships" xmlns:p="http://schemas.openxmlformats.org/presentationml/2006/main">
+  <p:cSld>
+    <p:spTree>
+      <p:nvGrpSpPr>
+        <p:cNvPr id="1" name=""/>
+        <p:cNvGrpSpPr/>
+        <p:nvPr/>
+      </p:nvGrpSpPr>
+      <p:grpSpPr>
+        <a:xfrm>
+          <a:off x="0" y="0"/>
+          <a:ext cx="0" cy="0"/>
+          <a:chOff x="0" y="0"/>
+          <a:chExt cx="0" cy="0"/>
+        </a:xfrm>
+      </p:grpSpPr>
+      <p:sp>
+        <p:nvSpPr>
+          <p:cNvPr id="2" name="Title 1"/>
+          <p:cNvSpPr>
+            <a:spLocks noGrp="1"/>
+          </p:cNvSpPr>
+          <p:nvPr>
+            <p:ph type="title"/>
+          </p:nvPr>
+        </p:nvSpPr>
+        <p:spPr/>
+        <p:txBody>
+          <a:bodyPr/>
+          <a:lstStyle/>
+          <a:p>
+            <a:r>
+              <a:rPr lang="en-US" dirty="0" smtClean="0"/>
+              <a:t>OBI – a user driven project</a:t>
+            </a:r>
+            <a:endParaRPr lang="en-US" dirty="0"/>
+          </a:p>
+        </p:txBody>
+      </p:sp>
+      <p:sp>
+        <p:nvSpPr>
+          <p:cNvPr id="3" name="Content Placeholder 2"/>
+          <p:cNvSpPr>
+            <a:spLocks noGrp="1"/>
+          </p:cNvSpPr>
+          <p:nvPr>
+            <p:ph idx="1"/>
+          </p:nvPr>
+        </p:nvSpPr>
+        <p:spPr/>
+        <p:txBody>
+          <a:bodyPr>
+            <a:normAutofit/>
+          </a:bodyPr>
+          <a:lstStyle/>
+          <a:p>
+            <a:r>
+              <a:rPr lang="en-US" dirty="0" smtClean="0"/>
+              <a:t>19 communities that recognized they were trying to solve the same / related problems</a:t>
+            </a:r>
+          </a:p>
+          <a:p>
+            <a:r>
+              <a:rPr lang="en-US" dirty="0" smtClean="0"/>
+              <a:t>6 year effort</a:t>
+            </a:r>
+          </a:p>
+          <a:p>
+            <a:r>
+              <a:rPr lang="en-US" dirty="0" smtClean="0"/>
+              <a:t>1-2 phone calls per week, 1-2 meetings per year</a:t>
+            </a:r>
+          </a:p>
+          <a:p>
+            <a:r>
+              <a:rPr lang="en-US" dirty="0" smtClean="0"/>
+              <a:t>first stable release (Philly / 1.0) in Oct. 2009</a:t>
+            </a:r>
+          </a:p>
+          <a:p>
+            <a:pPr>
+              <a:buNone/>
+            </a:pPr>
+            <a:r>
+              <a:rPr lang="en-US" dirty="0" smtClean="0">
+                <a:sym typeface="Wingdings" pitchFamily="2" charset="2"/>
+              </a:rPr>
+              <a:t> Open project with constant addition of new communities, please consider joining!</a:t>
+            </a:r>
+            <a:endParaRPr lang="en-US" dirty="0" smtClean="0"/>
+          </a:p>
+        </p:txBody>
+      </p:sp>
+    </p:spTree>
+  </p:cSld>
+  <p:clrMapOvr>
+    <a:masterClrMapping/>
+  </p:clrMapOvr>
+  <p:timing>
+    <p:tnLst>
+      <p:par>
+        <p:cTn id="1" dur="indefinite" restart="never" nodeType="tmRoot"/>
+      </p:par>
+    </p:tnLst>
+  </p:timing>
+</p:sld>
+</file>
+
+<file path=ppt/slides/slide20.xml><?xml version="1.0" encoding="utf-8"?>
 <p:sld xmlns:a="http://schemas.openxmlformats.org/drawingml/2006/main" xmlns:r="http://schemas.openxmlformats.org/officeDocument/2006/relationships" xmlns:p="http://schemas.openxmlformats.org/presentationml/2006/main">
   <p:cSld>
     <p:spTree>
@@ -11627,120 +11785,7 @@
 </p:sld>
 </file>
 
-<file path=ppt/slides/slide2.xml><?xml version="1.0" encoding="utf-8"?>
-<p:sld xmlns:a="http://schemas.openxmlformats.org/drawingml/2006/main" xmlns:r="http://schemas.openxmlformats.org/officeDocument/2006/relationships" xmlns:p="http://schemas.openxmlformats.org/presentationml/2006/main">
-  <p:cSld>
-    <p:spTree>
-      <p:nvGrpSpPr>
-        <p:cNvPr id="1" name=""/>
-        <p:cNvGrpSpPr/>
-        <p:nvPr/>
-      </p:nvGrpSpPr>
-      <p:grpSpPr>
-        <a:xfrm>
-          <a:off x="0" y="0"/>
-          <a:ext cx="0" cy="0"/>
-          <a:chOff x="0" y="0"/>
-          <a:chExt cx="0" cy="0"/>
-        </a:xfrm>
-      </p:grpSpPr>
-      <p:sp>
-        <p:nvSpPr>
-          <p:cNvPr id="2" name="Title 1"/>
-          <p:cNvSpPr>
-            <a:spLocks noGrp="1"/>
-          </p:cNvSpPr>
-          <p:nvPr>
-            <p:ph type="title"/>
-          </p:nvPr>
-        </p:nvSpPr>
-        <p:spPr/>
-        <p:txBody>
-          <a:bodyPr/>
-          <a:lstStyle/>
-          <a:p>
-            <a:r>
-              <a:rPr lang="en-US" dirty="0" smtClean="0"/>
-              <a:t>OBI – a user driven project</a:t>
-            </a:r>
-            <a:endParaRPr lang="en-US" dirty="0"/>
-          </a:p>
-        </p:txBody>
-      </p:sp>
-      <p:sp>
-        <p:nvSpPr>
-          <p:cNvPr id="3" name="Content Placeholder 2"/>
-          <p:cNvSpPr>
-            <a:spLocks noGrp="1"/>
-          </p:cNvSpPr>
-          <p:nvPr>
-            <p:ph idx="1"/>
-          </p:nvPr>
-        </p:nvSpPr>
-        <p:spPr/>
-        <p:txBody>
-          <a:bodyPr>
-            <a:normAutofit/>
-          </a:bodyPr>
-          <a:lstStyle/>
-          <a:p>
-            <a:r>
-              <a:rPr lang="en-US" dirty="0" smtClean="0"/>
-              <a:t>19 communities that recognized they were trying to solve the same / related problems</a:t>
-            </a:r>
-          </a:p>
-          <a:p>
-            <a:r>
-              <a:rPr lang="en-US" dirty="0" smtClean="0"/>
-              <a:t>6 year effort</a:t>
-            </a:r>
-          </a:p>
-          <a:p>
-            <a:r>
-              <a:rPr lang="en-US" dirty="0" smtClean="0"/>
-              <a:t>1-2 phone calls per week, 1-2 meetings per year</a:t>
-            </a:r>
-          </a:p>
-          <a:p>
-            <a:r>
-              <a:rPr lang="en-US" dirty="0" smtClean="0"/>
-              <a:t>first stable release (Philly / 1.0) in Oct. </a:t>
-            </a:r>
-            <a:r>
-              <a:rPr lang="en-US" dirty="0" smtClean="0"/>
-              <a:t>2009</a:t>
-            </a:r>
-          </a:p>
-          <a:p>
-            <a:pPr>
-              <a:buNone/>
-            </a:pPr>
-            <a:r>
-              <a:rPr lang="en-US" dirty="0" smtClean="0">
-                <a:sym typeface="Wingdings" pitchFamily="2" charset="2"/>
-              </a:rPr>
-              <a:t> Open project with constant addition of new communities, please consider joining!</a:t>
-            </a:r>
-            <a:endParaRPr lang="en-US" dirty="0" smtClean="0"/>
-          </a:p>
-        </p:txBody>
-      </p:sp>
-    </p:spTree>
-  </p:cSld>
-  <p:clrMapOvr>
-    <a:masterClrMapping/>
-  </p:clrMapOvr>
-  <p:timing>
-    <p:tnLst>
-      <p:par>
-        <p:cTn id="1" dur="indefinite" restart="never" nodeType="tmRoot"/>
-      </p:par>
-    </p:tnLst>
-  </p:timing>
-</p:sld>
-</file>
-
-<file path=ppt/slides/slide20.xml><?xml version="1.0" encoding="utf-8"?>
+<file path=ppt/slides/slide21.xml><?xml version="1.0" encoding="utf-8"?>
 <p:sld xmlns:a="http://schemas.openxmlformats.org/drawingml/2006/main" xmlns:r="http://schemas.openxmlformats.org/officeDocument/2006/relationships" xmlns:p="http://schemas.openxmlformats.org/presentationml/2006/main">
   <p:cSld>
     <p:spTree>
@@ -11802,182 +11847,6 @@
         <p:spPr bwMode="auto">
           <a:xfrm flipH="1">
             <a:off x="762000" y="3981450"/>
-            <a:ext cx="560388" cy="361950"/>
-          </a:xfrm>
-          <a:prstGeom prst="rightArrow">
-            <a:avLst>
-              <a:gd name="adj1" fmla="val 50000"/>
-              <a:gd name="adj2" fmla="val 40240"/>
-            </a:avLst>
-          </a:prstGeom>
-          <a:solidFill>
-            <a:srgbClr val="FF0212"/>
-          </a:solidFill>
-          <a:ln w="9525">
-            <a:solidFill>
-              <a:schemeClr val="tx1"/>
-            </a:solidFill>
-            <a:miter lim="800000"/>
-            <a:headEnd/>
-            <a:tailEnd/>
-          </a:ln>
-        </p:spPr>
-        <p:txBody>
-          <a:bodyPr wrap="none" anchor="ctr"/>
-          <a:lstStyle/>
-          <a:p>
-            <a:endParaRPr lang="en-US"/>
-          </a:p>
-        </p:txBody>
-      </p:sp>
-    </p:spTree>
-  </p:cSld>
-  <p:clrMapOvr>
-    <a:masterClrMapping/>
-  </p:clrMapOvr>
-  <p:timing>
-    <p:tnLst>
-      <p:par>
-        <p:cTn id="1" dur="indefinite" restart="never" nodeType="tmRoot">
-          <p:childTnLst>
-            <p:seq concurrent="1" nextAc="seek">
-              <p:cTn id="2" dur="indefinite" nodeType="mainSeq">
-                <p:childTnLst>
-                  <p:par>
-                    <p:cTn id="3" fill="hold">
-                      <p:stCondLst>
-                        <p:cond delay="indefinite"/>
-                      </p:stCondLst>
-                      <p:childTnLst>
-                        <p:par>
-                          <p:cTn id="4" fill="hold">
-                            <p:stCondLst>
-                              <p:cond delay="0"/>
-                            </p:stCondLst>
-                            <p:childTnLst>
-                              <p:par>
-                                <p:cTn id="5" presetID="1" presetClass="entr" presetSubtype="0" fill="hold" grpId="0" nodeType="clickEffect">
-                                  <p:stCondLst>
-                                    <p:cond delay="0"/>
-                                  </p:stCondLst>
-                                  <p:childTnLst>
-                                    <p:set>
-                                      <p:cBhvr>
-                                        <p:cTn id="6" dur="1" fill="hold">
-                                          <p:stCondLst>
-                                            <p:cond delay="0"/>
-                                          </p:stCondLst>
-                                        </p:cTn>
-                                        <p:tgtEl>
-                                          <p:spTgt spid="3"/>
-                                        </p:tgtEl>
-                                        <p:attrNameLst>
-                                          <p:attrName>style.visibility</p:attrName>
-                                        </p:attrNameLst>
-                                      </p:cBhvr>
-                                      <p:to>
-                                        <p:strVal val="visible"/>
-                                      </p:to>
-                                    </p:set>
-                                  </p:childTnLst>
-                                </p:cTn>
-                              </p:par>
-                            </p:childTnLst>
-                          </p:cTn>
-                        </p:par>
-                      </p:childTnLst>
-                    </p:cTn>
-                  </p:par>
-                </p:childTnLst>
-              </p:cTn>
-              <p:prevCondLst>
-                <p:cond evt="onPrev" delay="0">
-                  <p:tgtEl>
-                    <p:sldTgt/>
-                  </p:tgtEl>
-                </p:cond>
-              </p:prevCondLst>
-              <p:nextCondLst>
-                <p:cond evt="onNext" delay="0">
-                  <p:tgtEl>
-                    <p:sldTgt/>
-                  </p:tgtEl>
-                </p:cond>
-              </p:nextCondLst>
-            </p:seq>
-          </p:childTnLst>
-        </p:cTn>
-      </p:par>
-    </p:tnLst>
-    <p:bldLst>
-      <p:bldP spid="3" grpId="0" animBg="1"/>
-    </p:bldLst>
-  </p:timing>
-</p:sld>
-</file>
-
-<file path=ppt/slides/slide21.xml><?xml version="1.0" encoding="utf-8"?>
-<p:sld xmlns:a="http://schemas.openxmlformats.org/drawingml/2006/main" xmlns:r="http://schemas.openxmlformats.org/officeDocument/2006/relationships" xmlns:p="http://schemas.openxmlformats.org/presentationml/2006/main">
-  <p:cSld>
-    <p:spTree>
-      <p:nvGrpSpPr>
-        <p:cNvPr id="1" name=""/>
-        <p:cNvGrpSpPr/>
-        <p:nvPr/>
-      </p:nvGrpSpPr>
-      <p:grpSpPr>
-        <a:xfrm>
-          <a:off x="0" y="0"/>
-          <a:ext cx="0" cy="0"/>
-          <a:chOff x="0" y="0"/>
-          <a:chExt cx="0" cy="0"/>
-        </a:xfrm>
-      </p:grpSpPr>
-      <p:pic>
-        <p:nvPicPr>
-          <p:cNvPr id="21506" name="Picture 2"/>
-          <p:cNvPicPr>
-            <a:picLocks noChangeAspect="1" noChangeArrowheads="1"/>
-          </p:cNvPicPr>
-          <p:nvPr/>
-        </p:nvPicPr>
-        <p:blipFill>
-          <a:blip r:embed="rId3" cstate="print"/>
-          <a:srcRect/>
-          <a:stretch>
-            <a:fillRect/>
-          </a:stretch>
-        </p:blipFill>
-        <p:spPr bwMode="auto">
-          <a:xfrm>
-            <a:off x="0" y="0"/>
-            <a:ext cx="13011150" cy="7315200"/>
-          </a:xfrm>
-          <a:prstGeom prst="rect">
-            <a:avLst/>
-          </a:prstGeom>
-          <a:noFill/>
-          <a:ln w="9525">
-            <a:noFill/>
-            <a:miter lim="800000"/>
-            <a:headEnd/>
-            <a:tailEnd/>
-          </a:ln>
-        </p:spPr>
-      </p:pic>
-      <p:sp>
-        <p:nvSpPr>
-          <p:cNvPr id="3" name="AutoShape 4">
-            <a:hlinkClick r:id="rId4"/>
-          </p:cNvPr>
-          <p:cNvSpPr>
-            <a:spLocks noChangeArrowheads="1"/>
-          </p:cNvSpPr>
-          <p:nvPr/>
-        </p:nvSpPr>
-        <p:spPr bwMode="auto">
-          <a:xfrm flipH="1">
-            <a:off x="762000" y="2609850"/>
             <a:ext cx="560388" cy="361950"/>
           </a:xfrm>
           <a:prstGeom prst="rightArrow">
@@ -12111,7 +11980,7 @@
       </p:grpSpPr>
       <p:pic>
         <p:nvPicPr>
-          <p:cNvPr id="22530" name="Picture 2"/>
+          <p:cNvPr id="21506" name="Picture 2"/>
           <p:cNvPicPr>
             <a:picLocks noChangeAspect="1" noChangeArrowheads="1"/>
           </p:cNvPicPr>
@@ -12152,14 +12021,14 @@
           <p:nvPr/>
         </p:nvSpPr>
         <p:spPr bwMode="auto">
-          <a:xfrm rot="16200000" flipH="1">
-            <a:off x="4016375" y="3913188"/>
-            <a:ext cx="558800" cy="361950"/>
+          <a:xfrm flipH="1">
+            <a:off x="762000" y="2609850"/>
+            <a:ext cx="560388" cy="361950"/>
           </a:xfrm>
           <a:prstGeom prst="rightArrow">
             <a:avLst>
               <a:gd name="adj1" fmla="val 50000"/>
-              <a:gd name="adj2" fmla="val 40126"/>
+              <a:gd name="adj2" fmla="val 40240"/>
             </a:avLst>
           </a:prstGeom>
           <a:solidFill>
@@ -12287,6 +12156,182 @@
       </p:grpSpPr>
       <p:pic>
         <p:nvPicPr>
+          <p:cNvPr id="22530" name="Picture 2"/>
+          <p:cNvPicPr>
+            <a:picLocks noChangeAspect="1" noChangeArrowheads="1"/>
+          </p:cNvPicPr>
+          <p:nvPr/>
+        </p:nvPicPr>
+        <p:blipFill>
+          <a:blip r:embed="rId3" cstate="print"/>
+          <a:srcRect/>
+          <a:stretch>
+            <a:fillRect/>
+          </a:stretch>
+        </p:blipFill>
+        <p:spPr bwMode="auto">
+          <a:xfrm>
+            <a:off x="0" y="0"/>
+            <a:ext cx="13011150" cy="7315200"/>
+          </a:xfrm>
+          <a:prstGeom prst="rect">
+            <a:avLst/>
+          </a:prstGeom>
+          <a:noFill/>
+          <a:ln w="9525">
+            <a:noFill/>
+            <a:miter lim="800000"/>
+            <a:headEnd/>
+            <a:tailEnd/>
+          </a:ln>
+        </p:spPr>
+      </p:pic>
+      <p:sp>
+        <p:nvSpPr>
+          <p:cNvPr id="3" name="AutoShape 4">
+            <a:hlinkClick r:id="rId4"/>
+          </p:cNvPr>
+          <p:cNvSpPr>
+            <a:spLocks noChangeArrowheads="1"/>
+          </p:cNvSpPr>
+          <p:nvPr/>
+        </p:nvSpPr>
+        <p:spPr bwMode="auto">
+          <a:xfrm rot="16200000" flipH="1">
+            <a:off x="4016375" y="3913188"/>
+            <a:ext cx="558800" cy="361950"/>
+          </a:xfrm>
+          <a:prstGeom prst="rightArrow">
+            <a:avLst>
+              <a:gd name="adj1" fmla="val 50000"/>
+              <a:gd name="adj2" fmla="val 40126"/>
+            </a:avLst>
+          </a:prstGeom>
+          <a:solidFill>
+            <a:srgbClr val="FF0212"/>
+          </a:solidFill>
+          <a:ln w="9525">
+            <a:solidFill>
+              <a:schemeClr val="tx1"/>
+            </a:solidFill>
+            <a:miter lim="800000"/>
+            <a:headEnd/>
+            <a:tailEnd/>
+          </a:ln>
+        </p:spPr>
+        <p:txBody>
+          <a:bodyPr wrap="none" anchor="ctr"/>
+          <a:lstStyle/>
+          <a:p>
+            <a:endParaRPr lang="en-US"/>
+          </a:p>
+        </p:txBody>
+      </p:sp>
+    </p:spTree>
+  </p:cSld>
+  <p:clrMapOvr>
+    <a:masterClrMapping/>
+  </p:clrMapOvr>
+  <p:timing>
+    <p:tnLst>
+      <p:par>
+        <p:cTn id="1" dur="indefinite" restart="never" nodeType="tmRoot">
+          <p:childTnLst>
+            <p:seq concurrent="1" nextAc="seek">
+              <p:cTn id="2" dur="indefinite" nodeType="mainSeq">
+                <p:childTnLst>
+                  <p:par>
+                    <p:cTn id="3" fill="hold">
+                      <p:stCondLst>
+                        <p:cond delay="indefinite"/>
+                      </p:stCondLst>
+                      <p:childTnLst>
+                        <p:par>
+                          <p:cTn id="4" fill="hold">
+                            <p:stCondLst>
+                              <p:cond delay="0"/>
+                            </p:stCondLst>
+                            <p:childTnLst>
+                              <p:par>
+                                <p:cTn id="5" presetID="1" presetClass="entr" presetSubtype="0" fill="hold" grpId="0" nodeType="clickEffect">
+                                  <p:stCondLst>
+                                    <p:cond delay="0"/>
+                                  </p:stCondLst>
+                                  <p:childTnLst>
+                                    <p:set>
+                                      <p:cBhvr>
+                                        <p:cTn id="6" dur="1" fill="hold">
+                                          <p:stCondLst>
+                                            <p:cond delay="0"/>
+                                          </p:stCondLst>
+                                        </p:cTn>
+                                        <p:tgtEl>
+                                          <p:spTgt spid="3"/>
+                                        </p:tgtEl>
+                                        <p:attrNameLst>
+                                          <p:attrName>style.visibility</p:attrName>
+                                        </p:attrNameLst>
+                                      </p:cBhvr>
+                                      <p:to>
+                                        <p:strVal val="visible"/>
+                                      </p:to>
+                                    </p:set>
+                                  </p:childTnLst>
+                                </p:cTn>
+                              </p:par>
+                            </p:childTnLst>
+                          </p:cTn>
+                        </p:par>
+                      </p:childTnLst>
+                    </p:cTn>
+                  </p:par>
+                </p:childTnLst>
+              </p:cTn>
+              <p:prevCondLst>
+                <p:cond evt="onPrev" delay="0">
+                  <p:tgtEl>
+                    <p:sldTgt/>
+                  </p:tgtEl>
+                </p:cond>
+              </p:prevCondLst>
+              <p:nextCondLst>
+                <p:cond evt="onNext" delay="0">
+                  <p:tgtEl>
+                    <p:sldTgt/>
+                  </p:tgtEl>
+                </p:cond>
+              </p:nextCondLst>
+            </p:seq>
+          </p:childTnLst>
+        </p:cTn>
+      </p:par>
+    </p:tnLst>
+    <p:bldLst>
+      <p:bldP spid="3" grpId="0" animBg="1"/>
+    </p:bldLst>
+  </p:timing>
+</p:sld>
+</file>
+
+<file path=ppt/slides/slide24.xml><?xml version="1.0" encoding="utf-8"?>
+<p:sld xmlns:a="http://schemas.openxmlformats.org/drawingml/2006/main" xmlns:r="http://schemas.openxmlformats.org/officeDocument/2006/relationships" xmlns:p="http://schemas.openxmlformats.org/presentationml/2006/main">
+  <p:cSld>
+    <p:spTree>
+      <p:nvGrpSpPr>
+        <p:cNvPr id="1" name=""/>
+        <p:cNvGrpSpPr/>
+        <p:nvPr/>
+      </p:nvGrpSpPr>
+      <p:grpSpPr>
+        <a:xfrm>
+          <a:off x="0" y="0"/>
+          <a:ext cx="0" cy="0"/>
+          <a:chOff x="0" y="0"/>
+          <a:chExt cx="0" cy="0"/>
+        </a:xfrm>
+      </p:grpSpPr>
+      <p:pic>
+        <p:nvPicPr>
           <p:cNvPr id="23554" name="Picture 2"/>
           <p:cNvPicPr>
             <a:picLocks noChangeAspect="1" noChangeArrowheads="1"/>
@@ -12373,7 +12418,7 @@
 </p:sld>
 </file>
 
-<file path=ppt/slides/slide24.xml><?xml version="1.0" encoding="utf-8"?>
+<file path=ppt/slides/slide25.xml><?xml version="1.0" encoding="utf-8"?>
 <p:sld xmlns:a="http://schemas.openxmlformats.org/drawingml/2006/main" xmlns:r="http://schemas.openxmlformats.org/officeDocument/2006/relationships" xmlns:p="http://schemas.openxmlformats.org/presentationml/2006/main">
   <p:cSld>
     <p:spTree>
@@ -12437,99 +12482,6 @@
 </p:sld>
 </file>
 
-<file path=ppt/slides/slide25.xml><?xml version="1.0" encoding="utf-8"?>
-<p:sld xmlns:a="http://schemas.openxmlformats.org/drawingml/2006/main" xmlns:r="http://schemas.openxmlformats.org/officeDocument/2006/relationships" xmlns:p="http://schemas.openxmlformats.org/presentationml/2006/main">
-  <p:cSld>
-    <p:spTree>
-      <p:nvGrpSpPr>
-        <p:cNvPr id="1" name=""/>
-        <p:cNvGrpSpPr/>
-        <p:nvPr/>
-      </p:nvGrpSpPr>
-      <p:grpSpPr>
-        <a:xfrm>
-          <a:off x="0" y="0"/>
-          <a:ext cx="0" cy="0"/>
-          <a:chOff x="0" y="0"/>
-          <a:chExt cx="0" cy="0"/>
-        </a:xfrm>
-      </p:grpSpPr>
-      <p:sp>
-        <p:nvSpPr>
-          <p:cNvPr id="2" name="Title 1"/>
-          <p:cNvSpPr>
-            <a:spLocks noGrp="1"/>
-          </p:cNvSpPr>
-          <p:nvPr>
-            <p:ph type="title"/>
-          </p:nvPr>
-        </p:nvSpPr>
-        <p:spPr/>
-        <p:txBody>
-          <a:bodyPr/>
-          <a:lstStyle/>
-          <a:p>
-            <a:r>
-              <a:rPr lang="en-US" dirty="0" smtClean="0"/>
-              <a:t>OBI development for IEDB</a:t>
-            </a:r>
-            <a:endParaRPr lang="en-US" dirty="0"/>
-          </a:p>
-        </p:txBody>
-      </p:sp>
-      <p:sp>
-        <p:nvSpPr>
-          <p:cNvPr id="3" name="Content Placeholder 2"/>
-          <p:cNvSpPr>
-            <a:spLocks noGrp="1"/>
-          </p:cNvSpPr>
-          <p:nvPr>
-            <p:ph idx="1"/>
-          </p:nvPr>
-        </p:nvSpPr>
-        <p:spPr/>
-        <p:txBody>
-          <a:bodyPr/>
-          <a:lstStyle/>
-          <a:p>
-            <a:r>
-              <a:rPr lang="en-US" dirty="0" smtClean="0"/>
-              <a:t>Provide mapping of all content in the IEDB to OBI (in OWL)</a:t>
-            </a:r>
-          </a:p>
-          <a:p>
-            <a:r>
-              <a:rPr lang="en-US" dirty="0" smtClean="0"/>
-              <a:t>Primary current focus: </a:t>
-            </a:r>
-            <a:r>
-              <a:rPr lang="en-US" dirty="0" smtClean="0"/>
-              <a:t>assays</a:t>
-            </a:r>
-            <a:endParaRPr lang="en-US" dirty="0" smtClean="0"/>
-          </a:p>
-          <a:p>
-            <a:pPr>
-              <a:buNone/>
-            </a:pPr>
-            <a:r>
-              <a:rPr lang="en-US" dirty="0" smtClean="0">
-                <a:sym typeface="Wingdings" pitchFamily="2" charset="2"/>
-              </a:rPr>
-              <a:t> Needs to be capable to present all T cell epitope experiments ever made (100k+)</a:t>
-            </a:r>
-            <a:endParaRPr lang="en-US" dirty="0" smtClean="0"/>
-          </a:p>
-        </p:txBody>
-      </p:sp>
-    </p:spTree>
-  </p:cSld>
-  <p:clrMapOvr>
-    <a:masterClrMapping/>
-  </p:clrMapOvr>
-</p:sld>
-</file>
-
 <file path=ppt/slides/slide26.xml><?xml version="1.0" encoding="utf-8"?>
 <p:sld xmlns:a="http://schemas.openxmlformats.org/drawingml/2006/main" xmlns:r="http://schemas.openxmlformats.org/officeDocument/2006/relationships" xmlns:p="http://schemas.openxmlformats.org/presentationml/2006/main">
   <p:cSld>
@@ -12559,14 +12511,12 @@
         </p:nvSpPr>
         <p:spPr/>
         <p:txBody>
-          <a:bodyPr>
-            <a:normAutofit/>
-          </a:bodyPr>
+          <a:bodyPr/>
           <a:lstStyle/>
           <a:p>
             <a:r>
               <a:rPr lang="en-US" dirty="0" smtClean="0"/>
-              <a:t>Original IEDB approach</a:t>
+              <a:t>OBI development for IEDB</a:t>
             </a:r>
             <a:endParaRPr lang="en-US" dirty="0"/>
           </a:p>
@@ -12584,89 +12534,31 @@
         </p:nvSpPr>
         <p:spPr/>
         <p:txBody>
-          <a:bodyPr>
-            <a:normAutofit/>
-          </a:bodyPr>
-          <a:lstStyle/>
-          <a:p>
-            <a:r>
-              <a:rPr lang="en-US" sz="2400" dirty="0" smtClean="0"/>
-              <a:t>Original approach: maintain </a:t>
-            </a:r>
-            <a:r>
-              <a:rPr lang="en-US" sz="2400" dirty="0" smtClean="0"/>
-              <a:t>list of </a:t>
-            </a:r>
-            <a:r>
-              <a:rPr lang="en-US" sz="2400" dirty="0" smtClean="0"/>
-              <a:t>assays; if a publication uses an assay that is different, add to this list</a:t>
-            </a:r>
-          </a:p>
-          <a:p>
-            <a:r>
-              <a:rPr lang="en-US" sz="2400" dirty="0" smtClean="0"/>
-              <a:t>At present 140 T cell assays</a:t>
-            </a:r>
-          </a:p>
-          <a:p>
-            <a:r>
-              <a:rPr lang="en-US" sz="2400" dirty="0" smtClean="0"/>
-              <a:t>Challenges: </a:t>
-            </a:r>
-          </a:p>
-          <a:p>
-            <a:pPr lvl="1"/>
-            <a:r>
-              <a:rPr lang="en-US" sz="2000" dirty="0" smtClean="0"/>
-              <a:t>Ensuring consistency in </a:t>
-            </a:r>
-            <a:r>
-              <a:rPr lang="en-US" sz="2000" dirty="0" err="1" smtClean="0"/>
-              <a:t>curation</a:t>
-            </a:r>
-            <a:r>
-              <a:rPr lang="en-US" sz="2000" dirty="0" smtClean="0"/>
-              <a:t>  (document what each assay is)</a:t>
-            </a:r>
-          </a:p>
-          <a:p>
-            <a:pPr lvl="1"/>
-            <a:r>
-              <a:rPr lang="en-US" sz="2000" dirty="0" smtClean="0"/>
-              <a:t>Ensuring external users get what they expect when querying</a:t>
-            </a:r>
-          </a:p>
-          <a:p>
-            <a:pPr lvl="1"/>
-            <a:r>
-              <a:rPr lang="en-US" sz="2000" dirty="0" smtClean="0"/>
-              <a:t>Interoperability </a:t>
-            </a:r>
-          </a:p>
-          <a:p>
-            <a:pPr lvl="1"/>
-            <a:r>
-              <a:rPr lang="en-US" sz="2000" dirty="0" smtClean="0"/>
-              <a:t>Avoiding duplicates (MCP-1 IFA = CCL-2 </a:t>
-            </a:r>
-            <a:r>
-              <a:rPr lang="en-US" sz="2000" dirty="0" err="1" smtClean="0"/>
-              <a:t>histostaining</a:t>
-            </a:r>
-            <a:r>
-              <a:rPr lang="en-US" sz="2000" dirty="0" smtClean="0"/>
-              <a:t>)</a:t>
-            </a:r>
-          </a:p>
-          <a:p>
-            <a:pPr lvl="1"/>
-            <a:r>
-              <a:rPr lang="en-US" sz="2000" dirty="0" smtClean="0"/>
-              <a:t>Searching for groups of related assays</a:t>
-            </a:r>
-          </a:p>
-          <a:p>
-            <a:endParaRPr lang="en-US" sz="2400" dirty="0" smtClean="0"/>
+          <a:bodyPr/>
+          <a:lstStyle/>
+          <a:p>
+            <a:r>
+              <a:rPr lang="en-US" dirty="0" smtClean="0"/>
+              <a:t>Provide mapping of all content in the IEDB to OBI (in OWL)</a:t>
+            </a:r>
+          </a:p>
+          <a:p>
+            <a:r>
+              <a:rPr lang="en-US" dirty="0" smtClean="0"/>
+              <a:t>Primary current focus: assays</a:t>
+            </a:r>
+          </a:p>
+          <a:p>
+            <a:pPr>
+              <a:buNone/>
+            </a:pPr>
+            <a:r>
+              <a:rPr lang="en-US" dirty="0" smtClean="0">
+                <a:sym typeface="Wingdings" pitchFamily="2" charset="2"/>
+              </a:rPr>
+              <a:t> Needs to be capable to present all T cell epitope experiments ever made (100k+)</a:t>
+            </a:r>
+            <a:endParaRPr lang="en-US" dirty="0" smtClean="0"/>
           </a:p>
         </p:txBody>
       </p:sp>
@@ -12707,12 +12599,14 @@
         </p:nvSpPr>
         <p:spPr/>
         <p:txBody>
-          <a:bodyPr/>
+          <a:bodyPr>
+            <a:normAutofit/>
+          </a:bodyPr>
           <a:lstStyle/>
           <a:p>
             <a:r>
               <a:rPr lang="en-US" dirty="0" smtClean="0"/>
-              <a:t>IEDB assay</a:t>
+              <a:t>Original IEDB approach</a:t>
             </a:r>
             <a:endParaRPr lang="en-US" dirty="0"/>
           </a:p>
@@ -12730,63 +12624,81 @@
         </p:nvSpPr>
         <p:spPr/>
         <p:txBody>
-          <a:bodyPr/>
-          <a:lstStyle/>
-          <a:p>
-            <a:r>
-              <a:rPr lang="en-US" dirty="0" smtClean="0"/>
-              <a:t>Show assay template, link to GO</a:t>
-            </a:r>
-          </a:p>
-          <a:p>
-            <a:r>
-              <a:rPr lang="en-US" dirty="0" smtClean="0"/>
-              <a:t>Show</a:t>
-            </a:r>
-            <a:r>
-              <a:rPr lang="en-US" smtClean="0"/>
-              <a:t>: this correponds</a:t>
-            </a:r>
-            <a:r>
-              <a:rPr lang="en-US" dirty="0" smtClean="0"/>
-              <a:t> to adding one column into existing database table</a:t>
-            </a:r>
-          </a:p>
-          <a:p>
-            <a:pPr>
-              <a:buFont typeface="Wingdings" pitchFamily="2" charset="2"/>
-              <a:buChar char="à"/>
-            </a:pPr>
-            <a:r>
-              <a:rPr lang="en-US" dirty="0" smtClean="0">
-                <a:sym typeface="Wingdings" pitchFamily="2" charset="2"/>
-              </a:rPr>
-              <a:t> Identification of duplicates in writing definitions</a:t>
-            </a:r>
-          </a:p>
-          <a:p>
-            <a:pPr>
-              <a:buFont typeface="Wingdings" pitchFamily="2" charset="2"/>
-              <a:buChar char="à"/>
-            </a:pPr>
-            <a:r>
-              <a:rPr lang="en-US" dirty="0" smtClean="0"/>
-              <a:t> Definitions provide </a:t>
-            </a:r>
-            <a:r>
-              <a:rPr lang="en-US" dirty="0" err="1" smtClean="0"/>
+          <a:bodyPr>
+            <a:normAutofit/>
+          </a:bodyPr>
+          <a:lstStyle/>
+          <a:p>
+            <a:r>
+              <a:rPr lang="en-US" sz="2400" dirty="0" smtClean="0"/>
+              <a:t>Original approach: maintain list of assays; if a publication uses an assay that is different, add to this list</a:t>
+            </a:r>
+          </a:p>
+          <a:p>
+            <a:r>
+              <a:rPr lang="en-US" sz="2400" dirty="0" smtClean="0"/>
+              <a:t>At present 140 T cell assays</a:t>
+            </a:r>
+          </a:p>
+          <a:p>
+            <a:r>
+              <a:rPr lang="en-US" sz="2400" dirty="0" smtClean="0"/>
+              <a:t>Challenges: </a:t>
+            </a:r>
+          </a:p>
+          <a:p>
+            <a:pPr lvl="1"/>
+            <a:r>
+              <a:rPr lang="en-US" sz="2000" dirty="0" smtClean="0"/>
+              <a:t>Ensuring consistency in </a:t>
+            </a:r>
+            <a:r>
+              <a:rPr lang="en-US" sz="2000" dirty="0" err="1" smtClean="0"/>
               <a:t>curation</a:t>
             </a:r>
             <a:r>
-              <a:rPr lang="en-US" dirty="0" smtClean="0"/>
-              <a:t> rules</a:t>
-            </a:r>
-          </a:p>
-          <a:p>
-            <a:pPr>
-              <a:buNone/>
-            </a:pPr>
-            <a:endParaRPr lang="en-US" dirty="0"/>
+              <a:rPr lang="en-US" sz="2000" dirty="0" smtClean="0"/>
+              <a:t>  (document what each assay is)</a:t>
+            </a:r>
+          </a:p>
+          <a:p>
+            <a:pPr lvl="1"/>
+            <a:r>
+              <a:rPr lang="en-US" sz="2000" dirty="0" smtClean="0"/>
+              <a:t>Ensuring external users get what they expect when querying</a:t>
+            </a:r>
+          </a:p>
+          <a:p>
+            <a:pPr lvl="1"/>
+            <a:r>
+              <a:rPr lang="en-US" sz="2000" dirty="0" smtClean="0"/>
+              <a:t>Interoperability </a:t>
+            </a:r>
+          </a:p>
+          <a:p>
+            <a:pPr lvl="1"/>
+            <a:r>
+              <a:rPr lang="en-US" sz="2000" dirty="0" smtClean="0"/>
+              <a:t>Avoiding duplicates (MCP-1 IFA = CCL-2 </a:t>
+            </a:r>
+            <a:r>
+              <a:rPr lang="en-US" sz="2000" dirty="0" err="1" smtClean="0"/>
+              <a:t>histostaining</a:t>
+            </a:r>
+            <a:r>
+              <a:rPr lang="en-US" sz="2000" dirty="0" smtClean="0"/>
+              <a:t>)</a:t>
+            </a:r>
+          </a:p>
+          <a:p>
+            <a:pPr lvl="1"/>
+            <a:r>
+              <a:rPr lang="en-US" sz="2000" dirty="0" smtClean="0"/>
+              <a:t>Searching for groups of related assays</a:t>
+            </a:r>
+          </a:p>
+          <a:p>
+            <a:endParaRPr lang="en-US" sz="2400" dirty="0" smtClean="0"/>
           </a:p>
         </p:txBody>
       </p:sp>
@@ -12832,7 +12744,7 @@
           <a:p>
             <a:r>
               <a:rPr lang="en-US" dirty="0" smtClean="0"/>
-              <a:t>Old vs. new assay finder</a:t>
+              <a:t>IEDB assay</a:t>
             </a:r>
             <a:endParaRPr lang="en-US" dirty="0"/>
           </a:p>
@@ -12855,16 +12767,67 @@
           <a:p>
             <a:r>
               <a:rPr lang="en-US" dirty="0" smtClean="0"/>
-              <a:t>Show: from list to tree; search by grouping</a:t>
+              <a:t>Where are assays in OBI</a:t>
             </a:r>
           </a:p>
           <a:p>
             <a:r>
               <a:rPr lang="en-US" dirty="0" smtClean="0"/>
-              <a:t>Show: use of community labels (community view of OBI)</a:t>
-            </a:r>
-          </a:p>
-          <a:p>
+              <a:t>Show </a:t>
+            </a:r>
+            <a:r>
+              <a:rPr lang="en-US" dirty="0" smtClean="0"/>
+              <a:t>assay template, link to GO</a:t>
+            </a:r>
+          </a:p>
+          <a:p>
+            <a:r>
+              <a:rPr lang="en-US" dirty="0" smtClean="0"/>
+              <a:t>Show: this </a:t>
+            </a:r>
+            <a:r>
+              <a:rPr lang="en-US" dirty="0" err="1" smtClean="0"/>
+              <a:t>correponds</a:t>
+            </a:r>
+            <a:r>
+              <a:rPr lang="en-US" dirty="0" smtClean="0"/>
+              <a:t> to adding one column into existing database table</a:t>
+            </a:r>
+          </a:p>
+          <a:p>
+            <a:pPr>
+              <a:buFont typeface="Wingdings" pitchFamily="2" charset="2"/>
+              <a:buChar char="à"/>
+            </a:pPr>
+            <a:r>
+              <a:rPr lang="en-US" dirty="0" smtClean="0">
+                <a:sym typeface="Wingdings" pitchFamily="2" charset="2"/>
+              </a:rPr>
+              <a:t> Identification of duplicates in writing definitions</a:t>
+            </a:r>
+          </a:p>
+          <a:p>
+            <a:pPr>
+              <a:buFont typeface="Wingdings" pitchFamily="2" charset="2"/>
+              <a:buChar char="à"/>
+            </a:pPr>
+            <a:r>
+              <a:rPr lang="en-US" dirty="0" smtClean="0"/>
+              <a:t> Definitions provide </a:t>
+            </a:r>
+            <a:r>
+              <a:rPr lang="en-US" dirty="0" err="1" smtClean="0"/>
+              <a:t>curation</a:t>
+            </a:r>
+            <a:r>
+              <a:rPr lang="en-US" dirty="0" smtClean="0"/>
+              <a:t> rules</a:t>
+            </a:r>
+          </a:p>
+          <a:p>
+            <a:pPr>
+              <a:buNone/>
+            </a:pPr>
             <a:endParaRPr lang="en-US" dirty="0"/>
           </a:p>
         </p:txBody>
@@ -12911,7 +12874,7 @@
           <a:p>
             <a:r>
               <a:rPr lang="en-US" dirty="0" smtClean="0"/>
-              <a:t>Future work</a:t>
+              <a:t>Old vs. new assay finder</a:t>
             </a:r>
             <a:endParaRPr lang="en-US" dirty="0"/>
           </a:p>
@@ -12934,31 +12897,29 @@
           <a:p>
             <a:r>
               <a:rPr lang="en-US" dirty="0" smtClean="0"/>
-              <a:t>Show: </a:t>
-            </a:r>
-            <a:r>
-              <a:rPr lang="en-US" dirty="0" err="1" smtClean="0"/>
-              <a:t>Sparql</a:t>
-            </a:r>
+              <a:t>Show: from list to tree; search by grouping</a:t>
+            </a:r>
+          </a:p>
+          <a:p>
             <a:r>
               <a:rPr lang="en-US" dirty="0" smtClean="0"/>
-              <a:t> query against IEDB export</a:t>
-            </a:r>
-          </a:p>
-          <a:p>
-            <a:r>
-              <a:rPr lang="en-US" dirty="0" smtClean="0">
-                <a:sym typeface="Wingdings" pitchFamily="2" charset="2"/>
-              </a:rPr>
-              <a:t> interoperability</a:t>
-            </a:r>
+              <a:t>Show: use of community labels (community view of OBI</a:t>
+            </a:r>
+            <a:r>
+              <a:rPr lang="en-US" dirty="0" smtClean="0"/>
+              <a:t>)</a:t>
+            </a:r>
+          </a:p>
+          <a:p>
+            <a:pPr lvl="1"/>
+            <a:r>
+              <a:rPr lang="en-US" dirty="0" smtClean="0"/>
+              <a:t>Refer to second session? Alternative mechanisms of using community specific labels (as annotation properties in OBI.owl, or in external spreadsheet)</a:t>
+            </a:r>
+          </a:p>
+          <a:p>
+            <a:pPr lvl="1"/>
             <a:endParaRPr lang="en-US" dirty="0" smtClean="0"/>
-          </a:p>
-          <a:p>
-            <a:r>
-              <a:rPr lang="en-US" dirty="0" smtClean="0"/>
-              <a:t>Show: link to OBI for assays provides definitions</a:t>
-            </a:r>
           </a:p>
           <a:p>
             <a:endParaRPr lang="en-US" dirty="0"/>
@@ -13095,25 +13056,7 @@
               <a:rPr lang="en-US" sz="2000" i="1" dirty="0" smtClean="0">
                 <a:latin typeface="Arial" charset="0"/>
               </a:rPr>
-              <a:t>2004 </a:t>
-            </a:r>
-            <a:r>
-              <a:rPr lang="en-US" sz="2000" i="1" dirty="0" smtClean="0">
-                <a:latin typeface="Arial" charset="0"/>
-              </a:rPr>
-              <a:t>		</a:t>
-            </a:r>
-            <a:r>
-              <a:rPr lang="en-US" sz="2000" i="1" dirty="0" smtClean="0">
-                <a:latin typeface="Arial" charset="0"/>
-              </a:rPr>
-              <a:t>2005	</a:t>
-            </a:r>
-            <a:r>
-              <a:rPr lang="en-US" sz="2000" i="1" dirty="0" smtClean="0">
-                <a:latin typeface="Arial" charset="0"/>
-              </a:rPr>
-              <a:t>	</a:t>
+              <a:t>2004 		2005		</a:t>
             </a:r>
             <a:r>
               <a:rPr lang="en-US" sz="2000" i="1" dirty="0">
@@ -14474,6 +14417,248 @@
 </p:sld>
 </file>
 
+<file path=ppt/slides/slide30.xml><?xml version="1.0" encoding="utf-8"?>
+<p:sld xmlns:a="http://schemas.openxmlformats.org/drawingml/2006/main" xmlns:r="http://schemas.openxmlformats.org/officeDocument/2006/relationships" xmlns:p="http://schemas.openxmlformats.org/presentationml/2006/main">
+  <p:cSld>
+    <p:spTree>
+      <p:nvGrpSpPr>
+        <p:cNvPr id="1" name=""/>
+        <p:cNvGrpSpPr/>
+        <p:nvPr/>
+      </p:nvGrpSpPr>
+      <p:grpSpPr>
+        <a:xfrm>
+          <a:off x="0" y="0"/>
+          <a:ext cx="0" cy="0"/>
+          <a:chOff x="0" y="0"/>
+          <a:chExt cx="0" cy="0"/>
+        </a:xfrm>
+      </p:grpSpPr>
+      <p:sp>
+        <p:nvSpPr>
+          <p:cNvPr id="2" name="Title 1"/>
+          <p:cNvSpPr>
+            <a:spLocks noGrp="1"/>
+          </p:cNvSpPr>
+          <p:nvPr>
+            <p:ph type="title"/>
+          </p:nvPr>
+        </p:nvSpPr>
+        <p:spPr/>
+        <p:txBody>
+          <a:bodyPr/>
+          <a:lstStyle/>
+          <a:p>
+            <a:r>
+              <a:rPr lang="en-US" dirty="0" smtClean="0"/>
+              <a:t>Future work</a:t>
+            </a:r>
+            <a:endParaRPr lang="en-US" dirty="0"/>
+          </a:p>
+        </p:txBody>
+      </p:sp>
+      <p:sp>
+        <p:nvSpPr>
+          <p:cNvPr id="3" name="Content Placeholder 2"/>
+          <p:cNvSpPr>
+            <a:spLocks noGrp="1"/>
+          </p:cNvSpPr>
+          <p:nvPr>
+            <p:ph idx="1"/>
+          </p:nvPr>
+        </p:nvSpPr>
+        <p:spPr/>
+        <p:txBody>
+          <a:bodyPr/>
+          <a:lstStyle/>
+          <a:p>
+            <a:r>
+              <a:rPr lang="en-US" dirty="0" smtClean="0"/>
+              <a:t>Show: </a:t>
+            </a:r>
+            <a:r>
+              <a:rPr lang="en-US" dirty="0" err="1" smtClean="0"/>
+              <a:t>Sparql</a:t>
+            </a:r>
+            <a:r>
+              <a:rPr lang="en-US" dirty="0" smtClean="0"/>
+              <a:t> query against IEDB export</a:t>
+            </a:r>
+          </a:p>
+          <a:p>
+            <a:r>
+              <a:rPr lang="en-US" dirty="0" smtClean="0">
+                <a:sym typeface="Wingdings" pitchFamily="2" charset="2"/>
+              </a:rPr>
+              <a:t> interoperability</a:t>
+            </a:r>
+            <a:endParaRPr lang="en-US" dirty="0" smtClean="0"/>
+          </a:p>
+          <a:p>
+            <a:r>
+              <a:rPr lang="en-US" dirty="0" smtClean="0"/>
+              <a:t>Show: link to OBI for assays provides definitions</a:t>
+            </a:r>
+          </a:p>
+          <a:p>
+            <a:endParaRPr lang="en-US" dirty="0"/>
+          </a:p>
+        </p:txBody>
+      </p:sp>
+    </p:spTree>
+  </p:cSld>
+  <p:clrMapOvr>
+    <a:masterClrMapping/>
+  </p:clrMapOvr>
+</p:sld>
+</file>
+
+<file path=ppt/slides/slide31.xml><?xml version="1.0" encoding="utf-8"?>
+<p:sld xmlns:a="http://schemas.openxmlformats.org/drawingml/2006/main" xmlns:r="http://schemas.openxmlformats.org/officeDocument/2006/relationships" xmlns:p="http://schemas.openxmlformats.org/presentationml/2006/main">
+  <p:cSld>
+    <p:spTree>
+      <p:nvGrpSpPr>
+        <p:cNvPr id="1" name=""/>
+        <p:cNvGrpSpPr/>
+        <p:nvPr/>
+      </p:nvGrpSpPr>
+      <p:grpSpPr>
+        <a:xfrm>
+          <a:off x="0" y="0"/>
+          <a:ext cx="0" cy="0"/>
+          <a:chOff x="0" y="0"/>
+          <a:chExt cx="0" cy="0"/>
+        </a:xfrm>
+      </p:grpSpPr>
+      <p:sp>
+        <p:nvSpPr>
+          <p:cNvPr id="2" name="Title 1"/>
+          <p:cNvSpPr>
+            <a:spLocks noGrp="1"/>
+          </p:cNvSpPr>
+          <p:nvPr>
+            <p:ph type="title"/>
+          </p:nvPr>
+        </p:nvSpPr>
+        <p:spPr/>
+        <p:txBody>
+          <a:bodyPr/>
+          <a:lstStyle/>
+          <a:p>
+            <a:r>
+              <a:rPr lang="en-US" dirty="0" smtClean="0"/>
+              <a:t>Lessons learned</a:t>
+            </a:r>
+            <a:endParaRPr lang="en-US" dirty="0"/>
+          </a:p>
+        </p:txBody>
+      </p:sp>
+      <p:sp>
+        <p:nvSpPr>
+          <p:cNvPr id="3" name="Content Placeholder 2"/>
+          <p:cNvSpPr>
+            <a:spLocks noGrp="1"/>
+          </p:cNvSpPr>
+          <p:nvPr>
+            <p:ph idx="1"/>
+          </p:nvPr>
+        </p:nvSpPr>
+        <p:spPr/>
+        <p:txBody>
+          <a:bodyPr/>
+          <a:lstStyle/>
+          <a:p>
+            <a:endParaRPr lang="en-US"/>
+          </a:p>
+        </p:txBody>
+      </p:sp>
+      <p:sp>
+        <p:nvSpPr>
+          <p:cNvPr id="4" name="Rectangle 3"/>
+          <p:cNvSpPr/>
+          <p:nvPr/>
+        </p:nvSpPr>
+        <p:spPr>
+          <a:xfrm>
+            <a:off x="2286000" y="1967062"/>
+            <a:ext cx="4572000" cy="2923877"/>
+          </a:xfrm>
+          <a:prstGeom prst="rect">
+            <a:avLst/>
+          </a:prstGeom>
+        </p:spPr>
+        <p:txBody>
+          <a:bodyPr>
+            <a:spAutoFit/>
+          </a:bodyPr>
+          <a:lstStyle/>
+          <a:p>
+            <a:r>
+              <a:rPr lang="en-US" sz="2400" dirty="0" smtClean="0"/>
+              <a:t>Challenges: </a:t>
+            </a:r>
+          </a:p>
+          <a:p>
+            <a:pPr lvl="1"/>
+            <a:r>
+              <a:rPr lang="en-US" sz="2000" dirty="0" smtClean="0"/>
+              <a:t>Ensuring consistency in </a:t>
+            </a:r>
+            <a:r>
+              <a:rPr lang="en-US" sz="2000" dirty="0" err="1" smtClean="0"/>
+              <a:t>curation</a:t>
+            </a:r>
+            <a:r>
+              <a:rPr lang="en-US" sz="2000" dirty="0" smtClean="0"/>
+              <a:t>  (document what each assay is)</a:t>
+            </a:r>
+          </a:p>
+          <a:p>
+            <a:pPr lvl="1"/>
+            <a:r>
+              <a:rPr lang="en-US" sz="2000" dirty="0" smtClean="0"/>
+              <a:t>Ensuring external users get what they expect when querying</a:t>
+            </a:r>
+          </a:p>
+          <a:p>
+            <a:pPr lvl="1"/>
+            <a:r>
+              <a:rPr lang="en-US" sz="2000" dirty="0" smtClean="0"/>
+              <a:t>Interoperability </a:t>
+            </a:r>
+          </a:p>
+          <a:p>
+            <a:pPr lvl="1"/>
+            <a:r>
+              <a:rPr lang="en-US" sz="2000" dirty="0" smtClean="0"/>
+              <a:t>Avoiding duplicates (MCP-1 IFA = CCL-2 </a:t>
+            </a:r>
+            <a:r>
+              <a:rPr lang="en-US" sz="2000" dirty="0" err="1" smtClean="0"/>
+              <a:t>histostaining</a:t>
+            </a:r>
+            <a:r>
+              <a:rPr lang="en-US" sz="2000" dirty="0" smtClean="0"/>
+              <a:t>)</a:t>
+            </a:r>
+          </a:p>
+          <a:p>
+            <a:pPr lvl="1"/>
+            <a:r>
+              <a:rPr lang="en-US" sz="2000" dirty="0" smtClean="0"/>
+              <a:t>Searching for groups of related assays</a:t>
+            </a:r>
+          </a:p>
+        </p:txBody>
+      </p:sp>
+    </p:spTree>
+  </p:cSld>
+  <p:clrMapOvr>
+    <a:masterClrMapping/>
+  </p:clrMapOvr>
+</p:sld>
+</file>
+
 <file path=ppt/slides/slide4.xml><?xml version="1.0" encoding="utf-8"?>
 <p:sld xmlns:a="http://schemas.openxmlformats.org/drawingml/2006/main" xmlns:r="http://schemas.openxmlformats.org/officeDocument/2006/relationships" xmlns:p="http://schemas.openxmlformats.org/presentationml/2006/main">
   <p:cSld>
@@ -14596,49 +14781,7 @@
               <a:rPr lang="en-US" sz="2000" i="1" dirty="0" smtClean="0">
                 <a:latin typeface="Arial" charset="0"/>
               </a:rPr>
-              <a:t>2007	</a:t>
-            </a:r>
-            <a:r>
-              <a:rPr lang="en-US" sz="2000" i="1" dirty="0" smtClean="0">
-                <a:latin typeface="Arial" charset="0"/>
-              </a:rPr>
-              <a:t>     2008</a:t>
-            </a:r>
-            <a:r>
-              <a:rPr lang="en-US" sz="2000" i="1" dirty="0" smtClean="0">
-                <a:latin typeface="Arial" charset="0"/>
-              </a:rPr>
-              <a:t>	</a:t>
-            </a:r>
-            <a:r>
-              <a:rPr lang="en-US" sz="2000" i="1" dirty="0" smtClean="0">
-                <a:latin typeface="Arial" charset="0"/>
-              </a:rPr>
-              <a:t>      2009 </a:t>
-            </a:r>
-            <a:r>
-              <a:rPr lang="en-US" sz="2000" i="1" dirty="0" smtClean="0">
-                <a:latin typeface="Arial" charset="0"/>
-              </a:rPr>
-              <a:t>	</a:t>
-            </a:r>
-            <a:r>
-              <a:rPr lang="en-US" sz="2000" i="1" dirty="0" smtClean="0">
-                <a:latin typeface="Arial" charset="0"/>
-              </a:rPr>
-              <a:t>    2010</a:t>
-            </a:r>
-            <a:r>
-              <a:rPr lang="en-US" sz="2000" i="1" dirty="0" smtClean="0">
-                <a:latin typeface="Arial" charset="0"/>
-              </a:rPr>
-              <a:t>		</a:t>
-            </a:r>
-            <a:r>
-              <a:rPr lang="en-US" sz="2000" i="1" dirty="0" smtClean="0">
-                <a:latin typeface="Arial" charset="0"/>
-              </a:rPr>
-              <a:t>       2011</a:t>
+              <a:t>2007	     2008	      2009 	    2010		       2011</a:t>
             </a:r>
             <a:endParaRPr lang="en-US" sz="1400" b="1" i="1" dirty="0">
               <a:latin typeface="Arial" charset="0"/>
@@ -15084,11 +15227,7 @@
           <a:p>
             <a:r>
               <a:rPr lang="en-US" dirty="0" smtClean="0"/>
-              <a:t>Workshops: Bethesda     Vancouver    EBI                        EBI    Philly     Vancouver     </a:t>
-            </a:r>
-            <a:r>
-              <a:rPr lang="en-US" dirty="0" smtClean="0"/>
-              <a:t>     </a:t>
+              <a:t>Workshops: Bethesda     Vancouver    EBI                        EBI    Philly     Vancouver          </a:t>
             </a:r>
             <a:r>
               <a:rPr lang="en-US" dirty="0" smtClean="0">

--- a/trunk/docs/presentations/OBI tutorial July 2011 ICBO/OBI overview and IEDB.pptx
+++ b/trunk/docs/presentations/OBI tutorial July 2011 ICBO/OBI overview and IEDB.pptx
@@ -5,41 +5,46 @@
     <p:sldMasterId id="2147483648" r:id="rId1"/>
   </p:sldMasterIdLst>
   <p:notesMasterIdLst>
-    <p:notesMasterId r:id="rId34"/>
+    <p:notesMasterId r:id="rId36"/>
   </p:notesMasterIdLst>
+  <p:handoutMasterIdLst>
+    <p:handoutMasterId r:id="rId37"/>
+  </p:handoutMasterIdLst>
   <p:sldIdLst>
     <p:sldId id="301" r:id="rId2"/>
     <p:sldId id="302" r:id="rId3"/>
-    <p:sldId id="256" r:id="rId4"/>
-    <p:sldId id="271" r:id="rId5"/>
-    <p:sldId id="294" r:id="rId6"/>
-    <p:sldId id="295" r:id="rId7"/>
-    <p:sldId id="265" r:id="rId8"/>
-    <p:sldId id="264" r:id="rId9"/>
-    <p:sldId id="266" r:id="rId10"/>
-    <p:sldId id="267" r:id="rId11"/>
-    <p:sldId id="268" r:id="rId12"/>
-    <p:sldId id="269" r:id="rId13"/>
-    <p:sldId id="275" r:id="rId14"/>
-    <p:sldId id="291" r:id="rId15"/>
-    <p:sldId id="276" r:id="rId16"/>
-    <p:sldId id="298" r:id="rId17"/>
-    <p:sldId id="278" r:id="rId18"/>
-    <p:sldId id="282" r:id="rId19"/>
-    <p:sldId id="283" r:id="rId20"/>
-    <p:sldId id="285" r:id="rId21"/>
-    <p:sldId id="286" r:id="rId22"/>
-    <p:sldId id="287" r:id="rId23"/>
-    <p:sldId id="288" r:id="rId24"/>
-    <p:sldId id="289" r:id="rId25"/>
-    <p:sldId id="292" r:id="rId26"/>
-    <p:sldId id="300" r:id="rId27"/>
-    <p:sldId id="303" r:id="rId28"/>
-    <p:sldId id="290" r:id="rId29"/>
-    <p:sldId id="293" r:id="rId30"/>
-    <p:sldId id="296" r:id="rId31"/>
-    <p:sldId id="297" r:id="rId32"/>
-    <p:sldId id="299" r:id="rId33"/>
+    <p:sldId id="304" r:id="rId4"/>
+    <p:sldId id="256" r:id="rId5"/>
+    <p:sldId id="271" r:id="rId6"/>
+    <p:sldId id="294" r:id="rId7"/>
+    <p:sldId id="295" r:id="rId8"/>
+    <p:sldId id="265" r:id="rId9"/>
+    <p:sldId id="264" r:id="rId10"/>
+    <p:sldId id="266" r:id="rId11"/>
+    <p:sldId id="267" r:id="rId12"/>
+    <p:sldId id="268" r:id="rId13"/>
+    <p:sldId id="269" r:id="rId14"/>
+    <p:sldId id="275" r:id="rId15"/>
+    <p:sldId id="291" r:id="rId16"/>
+    <p:sldId id="276" r:id="rId17"/>
+    <p:sldId id="298" r:id="rId18"/>
+    <p:sldId id="278" r:id="rId19"/>
+    <p:sldId id="282" r:id="rId20"/>
+    <p:sldId id="283" r:id="rId21"/>
+    <p:sldId id="285" r:id="rId22"/>
+    <p:sldId id="286" r:id="rId23"/>
+    <p:sldId id="287" r:id="rId24"/>
+    <p:sldId id="288" r:id="rId25"/>
+    <p:sldId id="289" r:id="rId26"/>
+    <p:sldId id="292" r:id="rId27"/>
+    <p:sldId id="305" r:id="rId28"/>
+    <p:sldId id="300" r:id="rId29"/>
+    <p:sldId id="303" r:id="rId30"/>
+    <p:sldId id="290" r:id="rId31"/>
+    <p:sldId id="293" r:id="rId32"/>
+    <p:sldId id="296" r:id="rId33"/>
+    <p:sldId id="297" r:id="rId34"/>
+    <p:sldId id="299" r:id="rId35"/>
   </p:sldIdLst>
   <p:sldSz cx="9144000" cy="6858000" type="screen4x3"/>
   <p:notesSz cx="6858000" cy="9144000"/>
@@ -141,6 +146,166 @@
 </p:presentation>
 </file>
 
+<file path=ppt/handoutMasters/handoutMaster1.xml><?xml version="1.0" encoding="utf-8"?>
+<p:handoutMaster xmlns:a="http://schemas.openxmlformats.org/drawingml/2006/main" xmlns:r="http://schemas.openxmlformats.org/officeDocument/2006/relationships" xmlns:p="http://schemas.openxmlformats.org/presentationml/2006/main">
+  <p:cSld>
+    <p:bg>
+      <p:bgRef idx="1001">
+        <a:schemeClr val="bg1"/>
+      </p:bgRef>
+    </p:bg>
+    <p:spTree>
+      <p:nvGrpSpPr>
+        <p:cNvPr id="1" name=""/>
+        <p:cNvGrpSpPr/>
+        <p:nvPr/>
+      </p:nvGrpSpPr>
+      <p:grpSpPr>
+        <a:xfrm>
+          <a:off x="0" y="0"/>
+          <a:ext cx="0" cy="0"/>
+          <a:chOff x="0" y="0"/>
+          <a:chExt cx="0" cy="0"/>
+        </a:xfrm>
+      </p:grpSpPr>
+      <p:sp>
+        <p:nvSpPr>
+          <p:cNvPr id="2" name="Header Placeholder 1"/>
+          <p:cNvSpPr>
+            <a:spLocks noGrp="1"/>
+          </p:cNvSpPr>
+          <p:nvPr>
+            <p:ph type="hdr" sz="quarter"/>
+          </p:nvPr>
+        </p:nvSpPr>
+        <p:spPr>
+          <a:xfrm>
+            <a:off x="0" y="0"/>
+            <a:ext cx="2971800" cy="457200"/>
+          </a:xfrm>
+          <a:prstGeom prst="rect">
+            <a:avLst/>
+          </a:prstGeom>
+        </p:spPr>
+        <p:txBody>
+          <a:bodyPr vert="horz" lIns="91440" tIns="45720" rIns="91440" bIns="45720" rtlCol="0"/>
+          <a:lstStyle>
+            <a:lvl1pPr algn="l">
+              <a:defRPr sz="1200"/>
+            </a:lvl1pPr>
+          </a:lstStyle>
+          <a:p>
+            <a:endParaRPr lang="en-US"/>
+          </a:p>
+        </p:txBody>
+      </p:sp>
+      <p:sp>
+        <p:nvSpPr>
+          <p:cNvPr id="3" name="Date Placeholder 2"/>
+          <p:cNvSpPr>
+            <a:spLocks noGrp="1"/>
+          </p:cNvSpPr>
+          <p:nvPr>
+            <p:ph type="dt" sz="quarter" idx="1"/>
+          </p:nvPr>
+        </p:nvSpPr>
+        <p:spPr>
+          <a:xfrm>
+            <a:off x="3884613" y="0"/>
+            <a:ext cx="2971800" cy="457200"/>
+          </a:xfrm>
+          <a:prstGeom prst="rect">
+            <a:avLst/>
+          </a:prstGeom>
+        </p:spPr>
+        <p:txBody>
+          <a:bodyPr vert="horz" lIns="91440" tIns="45720" rIns="91440" bIns="45720" rtlCol="0"/>
+          <a:lstStyle>
+            <a:lvl1pPr algn="r">
+              <a:defRPr sz="1200"/>
+            </a:lvl1pPr>
+          </a:lstStyle>
+          <a:p>
+            <a:fld id="{AAF942D6-0552-473E-8743-A8E9A7F141B6}" type="datetimeFigureOut">
+              <a:rPr lang="en-US" smtClean="0"/>
+              <a:t>7/21/2011</a:t>
+            </a:fld>
+            <a:endParaRPr lang="en-US"/>
+          </a:p>
+        </p:txBody>
+      </p:sp>
+      <p:sp>
+        <p:nvSpPr>
+          <p:cNvPr id="4" name="Footer Placeholder 3"/>
+          <p:cNvSpPr>
+            <a:spLocks noGrp="1"/>
+          </p:cNvSpPr>
+          <p:nvPr>
+            <p:ph type="ftr" sz="quarter" idx="2"/>
+          </p:nvPr>
+        </p:nvSpPr>
+        <p:spPr>
+          <a:xfrm>
+            <a:off x="0" y="8685213"/>
+            <a:ext cx="2971800" cy="457200"/>
+          </a:xfrm>
+          <a:prstGeom prst="rect">
+            <a:avLst/>
+          </a:prstGeom>
+        </p:spPr>
+        <p:txBody>
+          <a:bodyPr vert="horz" lIns="91440" tIns="45720" rIns="91440" bIns="45720" rtlCol="0" anchor="b"/>
+          <a:lstStyle>
+            <a:lvl1pPr algn="l">
+              <a:defRPr sz="1200"/>
+            </a:lvl1pPr>
+          </a:lstStyle>
+          <a:p>
+            <a:endParaRPr lang="en-US"/>
+          </a:p>
+        </p:txBody>
+      </p:sp>
+      <p:sp>
+        <p:nvSpPr>
+          <p:cNvPr id="5" name="Slide Number Placeholder 4"/>
+          <p:cNvSpPr>
+            <a:spLocks noGrp="1"/>
+          </p:cNvSpPr>
+          <p:nvPr>
+            <p:ph type="sldNum" sz="quarter" idx="3"/>
+          </p:nvPr>
+        </p:nvSpPr>
+        <p:spPr>
+          <a:xfrm>
+            <a:off x="3884613" y="8685213"/>
+            <a:ext cx="2971800" cy="457200"/>
+          </a:xfrm>
+          <a:prstGeom prst="rect">
+            <a:avLst/>
+          </a:prstGeom>
+        </p:spPr>
+        <p:txBody>
+          <a:bodyPr vert="horz" lIns="91440" tIns="45720" rIns="91440" bIns="45720" rtlCol="0" anchor="b"/>
+          <a:lstStyle>
+            <a:lvl1pPr algn="r">
+              <a:defRPr sz="1200"/>
+            </a:lvl1pPr>
+          </a:lstStyle>
+          <a:p>
+            <a:fld id="{6C29E7FB-5482-4D29-9989-9F6C36074206}" type="slidenum">
+              <a:rPr lang="en-US" smtClean="0"/>
+              <a:t>‹#›</a:t>
+            </a:fld>
+            <a:endParaRPr lang="en-US"/>
+          </a:p>
+        </p:txBody>
+      </p:sp>
+    </p:spTree>
+  </p:cSld>
+  <p:clrMap bg1="lt1" tx1="dk1" bg2="lt2" tx2="dk2" accent1="accent1" accent2="accent2" accent3="accent3" accent4="accent4" accent5="accent5" accent6="accent6" hlink="hlink" folHlink="folHlink"/>
+</p:handoutMaster>
+</file>
+
 <file path=ppt/notesMasters/notesMaster1.xml><?xml version="1.0" encoding="utf-8"?>
 <p:notesMaster xmlns:a="http://schemas.openxmlformats.org/drawingml/2006/main" xmlns:r="http://schemas.openxmlformats.org/officeDocument/2006/relationships" xmlns:p="http://schemas.openxmlformats.org/presentationml/2006/main">
   <p:cSld>
@@ -224,7 +389,7 @@
             <a:fld id="{F7CCDDCE-D6AC-4D0B-9F0F-460BBA4686DC}" type="datetimeFigureOut">
               <a:rPr lang="en-US" smtClean="0"/>
               <a:pPr/>
-              <a:t>7/20/2011</a:t>
+              <a:t>7/21/2011</a:t>
             </a:fld>
             <a:endParaRPr lang="en-US"/>
           </a:p>
@@ -536,11 +701,7 @@
           </a:bodyPr>
           <a:lstStyle/>
           <a:p>
-            <a:r>
-              <a:rPr lang="en-US" dirty="0" smtClean="0"/>
-              <a:t>Remove planning</a:t>
-            </a:r>
-            <a:endParaRPr lang="en-US" dirty="0"/>
+            <a:endParaRPr lang="en-US"/>
           </a:p>
         </p:txBody>
       </p:sp>
@@ -562,9 +723,849 @@
             <a:fld id="{043764D9-6848-4674-ACDF-2EF4644A5B96}" type="slidenum">
               <a:rPr lang="en-US" smtClean="0"/>
               <a:pPr/>
-              <a:t>7</a:t>
+              <a:t>1</a:t>
             </a:fld>
             <a:endParaRPr lang="en-US"/>
+          </a:p>
+        </p:txBody>
+      </p:sp>
+    </p:spTree>
+  </p:cSld>
+  <p:clrMapOvr>
+    <a:masterClrMapping/>
+  </p:clrMapOvr>
+</p:notes>
+</file>
+
+<file path=ppt/notesSlides/notesSlide10.xml><?xml version="1.0" encoding="utf-8"?>
+<p:notes xmlns:a="http://schemas.openxmlformats.org/drawingml/2006/main" xmlns:r="http://schemas.openxmlformats.org/officeDocument/2006/relationships" xmlns:p="http://schemas.openxmlformats.org/presentationml/2006/main">
+  <p:cSld>
+    <p:spTree>
+      <p:nvGrpSpPr>
+        <p:cNvPr id="1" name=""/>
+        <p:cNvGrpSpPr/>
+        <p:nvPr/>
+      </p:nvGrpSpPr>
+      <p:grpSpPr>
+        <a:xfrm>
+          <a:off x="0" y="0"/>
+          <a:ext cx="0" cy="0"/>
+          <a:chOff x="0" y="0"/>
+          <a:chExt cx="0" cy="0"/>
+        </a:xfrm>
+      </p:grpSpPr>
+      <p:sp>
+        <p:nvSpPr>
+          <p:cNvPr id="2" name="Slide Image Placeholder 1"/>
+          <p:cNvSpPr>
+            <a:spLocks noGrp="1" noRot="1" noChangeAspect="1"/>
+          </p:cNvSpPr>
+          <p:nvPr>
+            <p:ph type="sldImg"/>
+          </p:nvPr>
+        </p:nvSpPr>
+        <p:spPr/>
+      </p:sp>
+      <p:sp>
+        <p:nvSpPr>
+          <p:cNvPr id="3" name="Notes Placeholder 2"/>
+          <p:cNvSpPr>
+            <a:spLocks noGrp="1"/>
+          </p:cNvSpPr>
+          <p:nvPr>
+            <p:ph type="body" idx="1"/>
+          </p:nvPr>
+        </p:nvSpPr>
+        <p:spPr/>
+        <p:txBody>
+          <a:bodyPr>
+            <a:normAutofit/>
+          </a:bodyPr>
+          <a:lstStyle/>
+          <a:p>
+            <a:endParaRPr lang="en-US"/>
+          </a:p>
+        </p:txBody>
+      </p:sp>
+      <p:sp>
+        <p:nvSpPr>
+          <p:cNvPr id="4" name="Slide Number Placeholder 3"/>
+          <p:cNvSpPr>
+            <a:spLocks noGrp="1"/>
+          </p:cNvSpPr>
+          <p:nvPr>
+            <p:ph type="sldNum" sz="quarter" idx="10"/>
+          </p:nvPr>
+        </p:nvSpPr>
+        <p:spPr/>
+        <p:txBody>
+          <a:bodyPr/>
+          <a:lstStyle/>
+          <a:p>
+            <a:fld id="{043764D9-6848-4674-ACDF-2EF4644A5B96}" type="slidenum">
+              <a:rPr lang="en-US" smtClean="0"/>
+              <a:pPr/>
+              <a:t>10</a:t>
+            </a:fld>
+            <a:endParaRPr lang="en-US"/>
+          </a:p>
+        </p:txBody>
+      </p:sp>
+    </p:spTree>
+  </p:cSld>
+  <p:clrMapOvr>
+    <a:masterClrMapping/>
+  </p:clrMapOvr>
+</p:notes>
+</file>
+
+<file path=ppt/notesSlides/notesSlide11.xml><?xml version="1.0" encoding="utf-8"?>
+<p:notes xmlns:a="http://schemas.openxmlformats.org/drawingml/2006/main" xmlns:r="http://schemas.openxmlformats.org/officeDocument/2006/relationships" xmlns:p="http://schemas.openxmlformats.org/presentationml/2006/main">
+  <p:cSld>
+    <p:spTree>
+      <p:nvGrpSpPr>
+        <p:cNvPr id="1" name=""/>
+        <p:cNvGrpSpPr/>
+        <p:nvPr/>
+      </p:nvGrpSpPr>
+      <p:grpSpPr>
+        <a:xfrm>
+          <a:off x="0" y="0"/>
+          <a:ext cx="0" cy="0"/>
+          <a:chOff x="0" y="0"/>
+          <a:chExt cx="0" cy="0"/>
+        </a:xfrm>
+      </p:grpSpPr>
+      <p:sp>
+        <p:nvSpPr>
+          <p:cNvPr id="2" name="Slide Image Placeholder 1"/>
+          <p:cNvSpPr>
+            <a:spLocks noGrp="1" noRot="1" noChangeAspect="1"/>
+          </p:cNvSpPr>
+          <p:nvPr>
+            <p:ph type="sldImg"/>
+          </p:nvPr>
+        </p:nvSpPr>
+        <p:spPr/>
+      </p:sp>
+      <p:sp>
+        <p:nvSpPr>
+          <p:cNvPr id="3" name="Notes Placeholder 2"/>
+          <p:cNvSpPr>
+            <a:spLocks noGrp="1"/>
+          </p:cNvSpPr>
+          <p:nvPr>
+            <p:ph type="body" idx="1"/>
+          </p:nvPr>
+        </p:nvSpPr>
+        <p:spPr/>
+        <p:txBody>
+          <a:bodyPr>
+            <a:normAutofit/>
+          </a:bodyPr>
+          <a:lstStyle/>
+          <a:p>
+            <a:endParaRPr lang="en-US"/>
+          </a:p>
+        </p:txBody>
+      </p:sp>
+      <p:sp>
+        <p:nvSpPr>
+          <p:cNvPr id="4" name="Slide Number Placeholder 3"/>
+          <p:cNvSpPr>
+            <a:spLocks noGrp="1"/>
+          </p:cNvSpPr>
+          <p:nvPr>
+            <p:ph type="sldNum" sz="quarter" idx="10"/>
+          </p:nvPr>
+        </p:nvSpPr>
+        <p:spPr/>
+        <p:txBody>
+          <a:bodyPr/>
+          <a:lstStyle/>
+          <a:p>
+            <a:fld id="{043764D9-6848-4674-ACDF-2EF4644A5B96}" type="slidenum">
+              <a:rPr lang="en-US" smtClean="0"/>
+              <a:pPr/>
+              <a:t>11</a:t>
+            </a:fld>
+            <a:endParaRPr lang="en-US"/>
+          </a:p>
+        </p:txBody>
+      </p:sp>
+    </p:spTree>
+  </p:cSld>
+  <p:clrMapOvr>
+    <a:masterClrMapping/>
+  </p:clrMapOvr>
+</p:notes>
+</file>
+
+<file path=ppt/notesSlides/notesSlide12.xml><?xml version="1.0" encoding="utf-8"?>
+<p:notes xmlns:a="http://schemas.openxmlformats.org/drawingml/2006/main" xmlns:r="http://schemas.openxmlformats.org/officeDocument/2006/relationships" xmlns:p="http://schemas.openxmlformats.org/presentationml/2006/main">
+  <p:cSld>
+    <p:spTree>
+      <p:nvGrpSpPr>
+        <p:cNvPr id="1" name=""/>
+        <p:cNvGrpSpPr/>
+        <p:nvPr/>
+      </p:nvGrpSpPr>
+      <p:grpSpPr>
+        <a:xfrm>
+          <a:off x="0" y="0"/>
+          <a:ext cx="0" cy="0"/>
+          <a:chOff x="0" y="0"/>
+          <a:chExt cx="0" cy="0"/>
+        </a:xfrm>
+      </p:grpSpPr>
+      <p:sp>
+        <p:nvSpPr>
+          <p:cNvPr id="2" name="Slide Image Placeholder 1"/>
+          <p:cNvSpPr>
+            <a:spLocks noGrp="1" noRot="1" noChangeAspect="1"/>
+          </p:cNvSpPr>
+          <p:nvPr>
+            <p:ph type="sldImg"/>
+          </p:nvPr>
+        </p:nvSpPr>
+        <p:spPr/>
+      </p:sp>
+      <p:sp>
+        <p:nvSpPr>
+          <p:cNvPr id="3" name="Notes Placeholder 2"/>
+          <p:cNvSpPr>
+            <a:spLocks noGrp="1"/>
+          </p:cNvSpPr>
+          <p:nvPr>
+            <p:ph type="body" idx="1"/>
+          </p:nvPr>
+        </p:nvSpPr>
+        <p:spPr/>
+        <p:txBody>
+          <a:bodyPr>
+            <a:normAutofit/>
+          </a:bodyPr>
+          <a:lstStyle/>
+          <a:p>
+            <a:endParaRPr lang="en-US"/>
+          </a:p>
+        </p:txBody>
+      </p:sp>
+      <p:sp>
+        <p:nvSpPr>
+          <p:cNvPr id="4" name="Slide Number Placeholder 3"/>
+          <p:cNvSpPr>
+            <a:spLocks noGrp="1"/>
+          </p:cNvSpPr>
+          <p:nvPr>
+            <p:ph type="sldNum" sz="quarter" idx="10"/>
+          </p:nvPr>
+        </p:nvSpPr>
+        <p:spPr/>
+        <p:txBody>
+          <a:bodyPr/>
+          <a:lstStyle/>
+          <a:p>
+            <a:fld id="{043764D9-6848-4674-ACDF-2EF4644A5B96}" type="slidenum">
+              <a:rPr lang="en-US" smtClean="0"/>
+              <a:pPr/>
+              <a:t>12</a:t>
+            </a:fld>
+            <a:endParaRPr lang="en-US"/>
+          </a:p>
+        </p:txBody>
+      </p:sp>
+    </p:spTree>
+  </p:cSld>
+  <p:clrMapOvr>
+    <a:masterClrMapping/>
+  </p:clrMapOvr>
+</p:notes>
+</file>
+
+<file path=ppt/notesSlides/notesSlide13.xml><?xml version="1.0" encoding="utf-8"?>
+<p:notes xmlns:a="http://schemas.openxmlformats.org/drawingml/2006/main" xmlns:r="http://schemas.openxmlformats.org/officeDocument/2006/relationships" xmlns:p="http://schemas.openxmlformats.org/presentationml/2006/main">
+  <p:cSld>
+    <p:spTree>
+      <p:nvGrpSpPr>
+        <p:cNvPr id="1" name=""/>
+        <p:cNvGrpSpPr/>
+        <p:nvPr/>
+      </p:nvGrpSpPr>
+      <p:grpSpPr>
+        <a:xfrm>
+          <a:off x="0" y="0"/>
+          <a:ext cx="0" cy="0"/>
+          <a:chOff x="0" y="0"/>
+          <a:chExt cx="0" cy="0"/>
+        </a:xfrm>
+      </p:grpSpPr>
+      <p:sp>
+        <p:nvSpPr>
+          <p:cNvPr id="2" name="Slide Image Placeholder 1"/>
+          <p:cNvSpPr>
+            <a:spLocks noGrp="1" noRot="1" noChangeAspect="1"/>
+          </p:cNvSpPr>
+          <p:nvPr>
+            <p:ph type="sldImg"/>
+          </p:nvPr>
+        </p:nvSpPr>
+        <p:spPr/>
+      </p:sp>
+      <p:sp>
+        <p:nvSpPr>
+          <p:cNvPr id="3" name="Notes Placeholder 2"/>
+          <p:cNvSpPr>
+            <a:spLocks noGrp="1"/>
+          </p:cNvSpPr>
+          <p:nvPr>
+            <p:ph type="body" idx="1"/>
+          </p:nvPr>
+        </p:nvSpPr>
+        <p:spPr/>
+        <p:txBody>
+          <a:bodyPr>
+            <a:normAutofit/>
+          </a:bodyPr>
+          <a:lstStyle/>
+          <a:p>
+            <a:endParaRPr lang="en-US"/>
+          </a:p>
+        </p:txBody>
+      </p:sp>
+      <p:sp>
+        <p:nvSpPr>
+          <p:cNvPr id="4" name="Slide Number Placeholder 3"/>
+          <p:cNvSpPr>
+            <a:spLocks noGrp="1"/>
+          </p:cNvSpPr>
+          <p:nvPr>
+            <p:ph type="sldNum" sz="quarter" idx="10"/>
+          </p:nvPr>
+        </p:nvSpPr>
+        <p:spPr/>
+        <p:txBody>
+          <a:bodyPr/>
+          <a:lstStyle/>
+          <a:p>
+            <a:fld id="{043764D9-6848-4674-ACDF-2EF4644A5B96}" type="slidenum">
+              <a:rPr lang="en-US" smtClean="0"/>
+              <a:pPr/>
+              <a:t>13</a:t>
+            </a:fld>
+            <a:endParaRPr lang="en-US"/>
+          </a:p>
+        </p:txBody>
+      </p:sp>
+    </p:spTree>
+  </p:cSld>
+  <p:clrMapOvr>
+    <a:masterClrMapping/>
+  </p:clrMapOvr>
+</p:notes>
+</file>
+
+<file path=ppt/notesSlides/notesSlide14.xml><?xml version="1.0" encoding="utf-8"?>
+<p:notes xmlns:a="http://schemas.openxmlformats.org/drawingml/2006/main" xmlns:r="http://schemas.openxmlformats.org/officeDocument/2006/relationships" xmlns:p="http://schemas.openxmlformats.org/presentationml/2006/main">
+  <p:cSld>
+    <p:spTree>
+      <p:nvGrpSpPr>
+        <p:cNvPr id="1" name=""/>
+        <p:cNvGrpSpPr/>
+        <p:nvPr/>
+      </p:nvGrpSpPr>
+      <p:grpSpPr>
+        <a:xfrm>
+          <a:off x="0" y="0"/>
+          <a:ext cx="0" cy="0"/>
+          <a:chOff x="0" y="0"/>
+          <a:chExt cx="0" cy="0"/>
+        </a:xfrm>
+      </p:grpSpPr>
+      <p:sp>
+        <p:nvSpPr>
+          <p:cNvPr id="2" name="Slide Image Placeholder 1"/>
+          <p:cNvSpPr>
+            <a:spLocks noGrp="1" noRot="1" noChangeAspect="1"/>
+          </p:cNvSpPr>
+          <p:nvPr>
+            <p:ph type="sldImg"/>
+          </p:nvPr>
+        </p:nvSpPr>
+        <p:spPr/>
+      </p:sp>
+      <p:sp>
+        <p:nvSpPr>
+          <p:cNvPr id="3" name="Notes Placeholder 2"/>
+          <p:cNvSpPr>
+            <a:spLocks noGrp="1"/>
+          </p:cNvSpPr>
+          <p:nvPr>
+            <p:ph type="body" idx="1"/>
+          </p:nvPr>
+        </p:nvSpPr>
+        <p:spPr/>
+        <p:txBody>
+          <a:bodyPr>
+            <a:normAutofit/>
+          </a:bodyPr>
+          <a:lstStyle/>
+          <a:p>
+            <a:endParaRPr lang="en-US"/>
+          </a:p>
+        </p:txBody>
+      </p:sp>
+      <p:sp>
+        <p:nvSpPr>
+          <p:cNvPr id="4" name="Slide Number Placeholder 3"/>
+          <p:cNvSpPr>
+            <a:spLocks noGrp="1"/>
+          </p:cNvSpPr>
+          <p:nvPr>
+            <p:ph type="sldNum" sz="quarter" idx="10"/>
+          </p:nvPr>
+        </p:nvSpPr>
+        <p:spPr/>
+        <p:txBody>
+          <a:bodyPr/>
+          <a:lstStyle/>
+          <a:p>
+            <a:fld id="{043764D9-6848-4674-ACDF-2EF4644A5B96}" type="slidenum">
+              <a:rPr lang="en-US" smtClean="0"/>
+              <a:pPr/>
+              <a:t>14</a:t>
+            </a:fld>
+            <a:endParaRPr lang="en-US"/>
+          </a:p>
+        </p:txBody>
+      </p:sp>
+    </p:spTree>
+  </p:cSld>
+  <p:clrMapOvr>
+    <a:masterClrMapping/>
+  </p:clrMapOvr>
+</p:notes>
+</file>
+
+<file path=ppt/notesSlides/notesSlide15.xml><?xml version="1.0" encoding="utf-8"?>
+<p:notes xmlns:a="http://schemas.openxmlformats.org/drawingml/2006/main" xmlns:r="http://schemas.openxmlformats.org/officeDocument/2006/relationships" xmlns:p="http://schemas.openxmlformats.org/presentationml/2006/main">
+  <p:cSld>
+    <p:spTree>
+      <p:nvGrpSpPr>
+        <p:cNvPr id="1" name=""/>
+        <p:cNvGrpSpPr/>
+        <p:nvPr/>
+      </p:nvGrpSpPr>
+      <p:grpSpPr>
+        <a:xfrm>
+          <a:off x="0" y="0"/>
+          <a:ext cx="0" cy="0"/>
+          <a:chOff x="0" y="0"/>
+          <a:chExt cx="0" cy="0"/>
+        </a:xfrm>
+      </p:grpSpPr>
+      <p:sp>
+        <p:nvSpPr>
+          <p:cNvPr id="2" name="Slide Image Placeholder 1"/>
+          <p:cNvSpPr>
+            <a:spLocks noGrp="1" noRot="1" noChangeAspect="1"/>
+          </p:cNvSpPr>
+          <p:nvPr>
+            <p:ph type="sldImg"/>
+          </p:nvPr>
+        </p:nvSpPr>
+        <p:spPr/>
+      </p:sp>
+      <p:sp>
+        <p:nvSpPr>
+          <p:cNvPr id="3" name="Notes Placeholder 2"/>
+          <p:cNvSpPr>
+            <a:spLocks noGrp="1"/>
+          </p:cNvSpPr>
+          <p:nvPr>
+            <p:ph type="body" idx="1"/>
+          </p:nvPr>
+        </p:nvSpPr>
+        <p:spPr/>
+        <p:txBody>
+          <a:bodyPr>
+            <a:normAutofit/>
+          </a:bodyPr>
+          <a:lstStyle/>
+          <a:p>
+            <a:endParaRPr lang="en-US"/>
+          </a:p>
+        </p:txBody>
+      </p:sp>
+      <p:sp>
+        <p:nvSpPr>
+          <p:cNvPr id="4" name="Slide Number Placeholder 3"/>
+          <p:cNvSpPr>
+            <a:spLocks noGrp="1"/>
+          </p:cNvSpPr>
+          <p:nvPr>
+            <p:ph type="sldNum" sz="quarter" idx="10"/>
+          </p:nvPr>
+        </p:nvSpPr>
+        <p:spPr/>
+        <p:txBody>
+          <a:bodyPr/>
+          <a:lstStyle/>
+          <a:p>
+            <a:fld id="{043764D9-6848-4674-ACDF-2EF4644A5B96}" type="slidenum">
+              <a:rPr lang="en-US" smtClean="0"/>
+              <a:pPr/>
+              <a:t>15</a:t>
+            </a:fld>
+            <a:endParaRPr lang="en-US"/>
+          </a:p>
+        </p:txBody>
+      </p:sp>
+    </p:spTree>
+  </p:cSld>
+  <p:clrMapOvr>
+    <a:masterClrMapping/>
+  </p:clrMapOvr>
+</p:notes>
+</file>
+
+<file path=ppt/notesSlides/notesSlide16.xml><?xml version="1.0" encoding="utf-8"?>
+<p:notes xmlns:a="http://schemas.openxmlformats.org/drawingml/2006/main" xmlns:r="http://schemas.openxmlformats.org/officeDocument/2006/relationships" xmlns:p="http://schemas.openxmlformats.org/presentationml/2006/main">
+  <p:cSld>
+    <p:spTree>
+      <p:nvGrpSpPr>
+        <p:cNvPr id="1" name=""/>
+        <p:cNvGrpSpPr/>
+        <p:nvPr/>
+      </p:nvGrpSpPr>
+      <p:grpSpPr>
+        <a:xfrm>
+          <a:off x="0" y="0"/>
+          <a:ext cx="0" cy="0"/>
+          <a:chOff x="0" y="0"/>
+          <a:chExt cx="0" cy="0"/>
+        </a:xfrm>
+      </p:grpSpPr>
+      <p:sp>
+        <p:nvSpPr>
+          <p:cNvPr id="2" name="Slide Image Placeholder 1"/>
+          <p:cNvSpPr>
+            <a:spLocks noGrp="1" noRot="1" noChangeAspect="1"/>
+          </p:cNvSpPr>
+          <p:nvPr>
+            <p:ph type="sldImg"/>
+          </p:nvPr>
+        </p:nvSpPr>
+        <p:spPr/>
+      </p:sp>
+      <p:sp>
+        <p:nvSpPr>
+          <p:cNvPr id="3" name="Notes Placeholder 2"/>
+          <p:cNvSpPr>
+            <a:spLocks noGrp="1"/>
+          </p:cNvSpPr>
+          <p:nvPr>
+            <p:ph type="body" idx="1"/>
+          </p:nvPr>
+        </p:nvSpPr>
+        <p:spPr/>
+        <p:txBody>
+          <a:bodyPr>
+            <a:normAutofit/>
+          </a:bodyPr>
+          <a:lstStyle/>
+          <a:p>
+            <a:endParaRPr lang="en-US"/>
+          </a:p>
+        </p:txBody>
+      </p:sp>
+      <p:sp>
+        <p:nvSpPr>
+          <p:cNvPr id="4" name="Slide Number Placeholder 3"/>
+          <p:cNvSpPr>
+            <a:spLocks noGrp="1"/>
+          </p:cNvSpPr>
+          <p:nvPr>
+            <p:ph type="sldNum" sz="quarter" idx="10"/>
+          </p:nvPr>
+        </p:nvSpPr>
+        <p:spPr/>
+        <p:txBody>
+          <a:bodyPr/>
+          <a:lstStyle/>
+          <a:p>
+            <a:fld id="{043764D9-6848-4674-ACDF-2EF4644A5B96}" type="slidenum">
+              <a:rPr lang="en-US" smtClean="0"/>
+              <a:pPr/>
+              <a:t>16</a:t>
+            </a:fld>
+            <a:endParaRPr lang="en-US"/>
+          </a:p>
+        </p:txBody>
+      </p:sp>
+    </p:spTree>
+  </p:cSld>
+  <p:clrMapOvr>
+    <a:masterClrMapping/>
+  </p:clrMapOvr>
+</p:notes>
+</file>
+
+<file path=ppt/notesSlides/notesSlide17.xml><?xml version="1.0" encoding="utf-8"?>
+<p:notes xmlns:a="http://schemas.openxmlformats.org/drawingml/2006/main" xmlns:r="http://schemas.openxmlformats.org/officeDocument/2006/relationships" xmlns:p="http://schemas.openxmlformats.org/presentationml/2006/main">
+  <p:cSld>
+    <p:spTree>
+      <p:nvGrpSpPr>
+        <p:cNvPr id="1" name=""/>
+        <p:cNvGrpSpPr/>
+        <p:nvPr/>
+      </p:nvGrpSpPr>
+      <p:grpSpPr>
+        <a:xfrm>
+          <a:off x="0" y="0"/>
+          <a:ext cx="0" cy="0"/>
+          <a:chOff x="0" y="0"/>
+          <a:chExt cx="0" cy="0"/>
+        </a:xfrm>
+      </p:grpSpPr>
+      <p:sp>
+        <p:nvSpPr>
+          <p:cNvPr id="2" name="Slide Image Placeholder 1"/>
+          <p:cNvSpPr>
+            <a:spLocks noGrp="1" noRot="1" noChangeAspect="1"/>
+          </p:cNvSpPr>
+          <p:nvPr>
+            <p:ph type="sldImg"/>
+          </p:nvPr>
+        </p:nvSpPr>
+        <p:spPr/>
+      </p:sp>
+      <p:sp>
+        <p:nvSpPr>
+          <p:cNvPr id="3" name="Notes Placeholder 2"/>
+          <p:cNvSpPr>
+            <a:spLocks noGrp="1"/>
+          </p:cNvSpPr>
+          <p:nvPr>
+            <p:ph type="body" idx="1"/>
+          </p:nvPr>
+        </p:nvSpPr>
+        <p:spPr/>
+        <p:txBody>
+          <a:bodyPr>
+            <a:normAutofit/>
+          </a:bodyPr>
+          <a:lstStyle/>
+          <a:p>
+            <a:endParaRPr lang="en-US"/>
+          </a:p>
+        </p:txBody>
+      </p:sp>
+      <p:sp>
+        <p:nvSpPr>
+          <p:cNvPr id="4" name="Slide Number Placeholder 3"/>
+          <p:cNvSpPr>
+            <a:spLocks noGrp="1"/>
+          </p:cNvSpPr>
+          <p:nvPr>
+            <p:ph type="sldNum" sz="quarter" idx="10"/>
+          </p:nvPr>
+        </p:nvSpPr>
+        <p:spPr/>
+        <p:txBody>
+          <a:bodyPr/>
+          <a:lstStyle/>
+          <a:p>
+            <a:fld id="{043764D9-6848-4674-ACDF-2EF4644A5B96}" type="slidenum">
+              <a:rPr lang="en-US" smtClean="0"/>
+              <a:pPr/>
+              <a:t>17</a:t>
+            </a:fld>
+            <a:endParaRPr lang="en-US"/>
+          </a:p>
+        </p:txBody>
+      </p:sp>
+    </p:spTree>
+  </p:cSld>
+  <p:clrMapOvr>
+    <a:masterClrMapping/>
+  </p:clrMapOvr>
+</p:notes>
+</file>
+
+<file path=ppt/notesSlides/notesSlide18.xml><?xml version="1.0" encoding="utf-8"?>
+<p:notes xmlns:a="http://schemas.openxmlformats.org/drawingml/2006/main" xmlns:r="http://schemas.openxmlformats.org/officeDocument/2006/relationships" xmlns:p="http://schemas.openxmlformats.org/presentationml/2006/main">
+  <p:cSld>
+    <p:spTree>
+      <p:nvGrpSpPr>
+        <p:cNvPr id="1" name=""/>
+        <p:cNvGrpSpPr/>
+        <p:nvPr/>
+      </p:nvGrpSpPr>
+      <p:grpSpPr>
+        <a:xfrm>
+          <a:off x="0" y="0"/>
+          <a:ext cx="0" cy="0"/>
+          <a:chOff x="0" y="0"/>
+          <a:chExt cx="0" cy="0"/>
+        </a:xfrm>
+      </p:grpSpPr>
+      <p:sp>
+        <p:nvSpPr>
+          <p:cNvPr id="82946" name="Rectangle 7"/>
+          <p:cNvSpPr>
+            <a:spLocks noGrp="1" noChangeArrowheads="1"/>
+          </p:cNvSpPr>
+          <p:nvPr>
+            <p:ph type="sldNum" sz="quarter" idx="5"/>
+          </p:nvPr>
+        </p:nvSpPr>
+        <p:spPr>
+          <a:noFill/>
+        </p:spPr>
+        <p:txBody>
+          <a:bodyPr/>
+          <a:lstStyle/>
+          <a:p>
+            <a:fld id="{894416AA-3C9C-408B-A6DE-94E07456DEC9}" type="slidenum">
+              <a:rPr lang="en-US" smtClean="0">
+                <a:ea typeface="ＭＳ Ｐゴシック" charset="-128"/>
+              </a:rPr>
+              <a:pPr/>
+              <a:t>18</a:t>
+            </a:fld>
+            <a:endParaRPr lang="en-US" smtClean="0">
+              <a:ea typeface="ＭＳ Ｐゴシック" charset="-128"/>
+            </a:endParaRPr>
+          </a:p>
+        </p:txBody>
+      </p:sp>
+      <p:sp>
+        <p:nvSpPr>
+          <p:cNvPr id="82947" name="Rectangle 2"/>
+          <p:cNvSpPr>
+            <a:spLocks noGrp="1" noRot="1" noChangeAspect="1" noChangeArrowheads="1" noTextEdit="1"/>
+          </p:cNvSpPr>
+          <p:nvPr>
+            <p:ph type="sldImg"/>
+          </p:nvPr>
+        </p:nvSpPr>
+        <p:spPr>
+          <a:ln/>
+        </p:spPr>
+      </p:sp>
+      <p:sp>
+        <p:nvSpPr>
+          <p:cNvPr id="82948" name="Rectangle 3"/>
+          <p:cNvSpPr>
+            <a:spLocks noGrp="1" noChangeArrowheads="1"/>
+          </p:cNvSpPr>
+          <p:nvPr>
+            <p:ph type="body" idx="1"/>
+          </p:nvPr>
+        </p:nvSpPr>
+        <p:spPr>
+          <a:noFill/>
+          <a:ln/>
+        </p:spPr>
+        <p:txBody>
+          <a:bodyPr/>
+          <a:lstStyle/>
+          <a:p>
+            <a:endParaRPr lang="en-US" smtClean="0"/>
+          </a:p>
+        </p:txBody>
+      </p:sp>
+    </p:spTree>
+  </p:cSld>
+  <p:clrMapOvr>
+    <a:masterClrMapping/>
+  </p:clrMapOvr>
+</p:notes>
+</file>
+
+<file path=ppt/notesSlides/notesSlide19.xml><?xml version="1.0" encoding="utf-8"?>
+<p:notes xmlns:a="http://schemas.openxmlformats.org/drawingml/2006/main" xmlns:r="http://schemas.openxmlformats.org/officeDocument/2006/relationships" xmlns:p="http://schemas.openxmlformats.org/presentationml/2006/main">
+  <p:cSld>
+    <p:spTree>
+      <p:nvGrpSpPr>
+        <p:cNvPr id="1" name=""/>
+        <p:cNvGrpSpPr/>
+        <p:nvPr/>
+      </p:nvGrpSpPr>
+      <p:grpSpPr>
+        <a:xfrm>
+          <a:off x="0" y="0"/>
+          <a:ext cx="0" cy="0"/>
+          <a:chOff x="0" y="0"/>
+          <a:chExt cx="0" cy="0"/>
+        </a:xfrm>
+      </p:grpSpPr>
+      <p:sp>
+        <p:nvSpPr>
+          <p:cNvPr id="87042" name="Slide Image Placeholder 1"/>
+          <p:cNvSpPr>
+            <a:spLocks noGrp="1" noRot="1" noChangeAspect="1" noTextEdit="1"/>
+          </p:cNvSpPr>
+          <p:nvPr>
+            <p:ph type="sldImg"/>
+          </p:nvPr>
+        </p:nvSpPr>
+        <p:spPr>
+          <a:ln/>
+        </p:spPr>
+      </p:sp>
+      <p:sp>
+        <p:nvSpPr>
+          <p:cNvPr id="87043" name="Notes Placeholder 2"/>
+          <p:cNvSpPr>
+            <a:spLocks noGrp="1"/>
+          </p:cNvSpPr>
+          <p:nvPr>
+            <p:ph type="body" idx="1"/>
+          </p:nvPr>
+        </p:nvSpPr>
+        <p:spPr>
+          <a:noFill/>
+          <a:ln/>
+        </p:spPr>
+        <p:txBody>
+          <a:bodyPr/>
+          <a:lstStyle/>
+          <a:p>
+            <a:endParaRPr lang="en-US" smtClean="0">
+              <a:ea typeface="ＭＳ Ｐゴシック" charset="-128"/>
+            </a:endParaRPr>
+          </a:p>
+        </p:txBody>
+      </p:sp>
+      <p:sp>
+        <p:nvSpPr>
+          <p:cNvPr id="87044" name="Slide Number Placeholder 3"/>
+          <p:cNvSpPr>
+            <a:spLocks noGrp="1"/>
+          </p:cNvSpPr>
+          <p:nvPr>
+            <p:ph type="sldNum" sz="quarter" idx="5"/>
+          </p:nvPr>
+        </p:nvSpPr>
+        <p:spPr>
+          <a:noFill/>
+        </p:spPr>
+        <p:txBody>
+          <a:bodyPr/>
+          <a:lstStyle/>
+          <a:p>
+            <a:fld id="{5DC8324F-09B4-44AE-991F-8666ABF5C4BE}" type="slidenum">
+              <a:rPr lang="en-US" smtClean="0">
+                <a:ea typeface="ＭＳ Ｐゴシック" charset="-128"/>
+              </a:rPr>
+              <a:pPr/>
+              <a:t>19</a:t>
+            </a:fld>
+            <a:endParaRPr lang="en-US" smtClean="0">
+              <a:ea typeface="ＭＳ Ｐゴシック" charset="-128"/>
+            </a:endParaRPr>
           </a:p>
         </p:txBody>
       </p:sp>
@@ -595,9 +1596,129 @@
       </p:grpSpPr>
       <p:sp>
         <p:nvSpPr>
-          <p:cNvPr id="82946" name="Rectangle 7"/>
-          <p:cNvSpPr>
-            <a:spLocks noGrp="1" noChangeArrowheads="1"/>
+          <p:cNvPr id="2" name="Slide Image Placeholder 1"/>
+          <p:cNvSpPr>
+            <a:spLocks noGrp="1" noRot="1" noChangeAspect="1"/>
+          </p:cNvSpPr>
+          <p:nvPr>
+            <p:ph type="sldImg"/>
+          </p:nvPr>
+        </p:nvSpPr>
+        <p:spPr/>
+      </p:sp>
+      <p:sp>
+        <p:nvSpPr>
+          <p:cNvPr id="3" name="Notes Placeholder 2"/>
+          <p:cNvSpPr>
+            <a:spLocks noGrp="1"/>
+          </p:cNvSpPr>
+          <p:nvPr>
+            <p:ph type="body" idx="1"/>
+          </p:nvPr>
+        </p:nvSpPr>
+        <p:spPr/>
+        <p:txBody>
+          <a:bodyPr>
+            <a:normAutofit/>
+          </a:bodyPr>
+          <a:lstStyle/>
+          <a:p>
+            <a:endParaRPr lang="en-US"/>
+          </a:p>
+        </p:txBody>
+      </p:sp>
+      <p:sp>
+        <p:nvSpPr>
+          <p:cNvPr id="4" name="Slide Number Placeholder 3"/>
+          <p:cNvSpPr>
+            <a:spLocks noGrp="1"/>
+          </p:cNvSpPr>
+          <p:nvPr>
+            <p:ph type="sldNum" sz="quarter" idx="10"/>
+          </p:nvPr>
+        </p:nvSpPr>
+        <p:spPr/>
+        <p:txBody>
+          <a:bodyPr/>
+          <a:lstStyle/>
+          <a:p>
+            <a:fld id="{043764D9-6848-4674-ACDF-2EF4644A5B96}" type="slidenum">
+              <a:rPr lang="en-US" smtClean="0"/>
+              <a:pPr/>
+              <a:t>2</a:t>
+            </a:fld>
+            <a:endParaRPr lang="en-US"/>
+          </a:p>
+        </p:txBody>
+      </p:sp>
+    </p:spTree>
+  </p:cSld>
+  <p:clrMapOvr>
+    <a:masterClrMapping/>
+  </p:clrMapOvr>
+</p:notes>
+</file>
+
+<file path=ppt/notesSlides/notesSlide20.xml><?xml version="1.0" encoding="utf-8"?>
+<p:notes xmlns:a="http://schemas.openxmlformats.org/drawingml/2006/main" xmlns:r="http://schemas.openxmlformats.org/officeDocument/2006/relationships" xmlns:p="http://schemas.openxmlformats.org/presentationml/2006/main">
+  <p:cSld>
+    <p:spTree>
+      <p:nvGrpSpPr>
+        <p:cNvPr id="1" name=""/>
+        <p:cNvGrpSpPr/>
+        <p:nvPr/>
+      </p:nvGrpSpPr>
+      <p:grpSpPr>
+        <a:xfrm>
+          <a:off x="0" y="0"/>
+          <a:ext cx="0" cy="0"/>
+          <a:chOff x="0" y="0"/>
+          <a:chExt cx="0" cy="0"/>
+        </a:xfrm>
+      </p:grpSpPr>
+      <p:sp>
+        <p:nvSpPr>
+          <p:cNvPr id="88066" name="Slide Image Placeholder 1"/>
+          <p:cNvSpPr>
+            <a:spLocks noGrp="1" noRot="1" noChangeAspect="1" noTextEdit="1"/>
+          </p:cNvSpPr>
+          <p:nvPr>
+            <p:ph type="sldImg"/>
+          </p:nvPr>
+        </p:nvSpPr>
+        <p:spPr>
+          <a:ln/>
+        </p:spPr>
+      </p:sp>
+      <p:sp>
+        <p:nvSpPr>
+          <p:cNvPr id="88067" name="Notes Placeholder 2"/>
+          <p:cNvSpPr>
+            <a:spLocks noGrp="1"/>
+          </p:cNvSpPr>
+          <p:nvPr>
+            <p:ph type="body" idx="1"/>
+          </p:nvPr>
+        </p:nvSpPr>
+        <p:spPr>
+          <a:noFill/>
+          <a:ln/>
+        </p:spPr>
+        <p:txBody>
+          <a:bodyPr/>
+          <a:lstStyle/>
+          <a:p>
+            <a:endParaRPr lang="en-US" smtClean="0">
+              <a:ea typeface="ＭＳ Ｐゴシック" charset="-128"/>
+            </a:endParaRPr>
+          </a:p>
+        </p:txBody>
+      </p:sp>
+      <p:sp>
+        <p:nvSpPr>
+          <p:cNvPr id="88068" name="Slide Number Placeholder 3"/>
+          <p:cNvSpPr>
+            <a:spLocks noGrp="1"/>
           </p:cNvSpPr>
           <p:nvPr>
             <p:ph type="sldNum" sz="quarter" idx="5"/>
@@ -610,12 +1731,12 @@
           <a:bodyPr/>
           <a:lstStyle/>
           <a:p>
-            <a:fld id="{894416AA-3C9C-408B-A6DE-94E07456DEC9}" type="slidenum">
+            <a:fld id="{0463E2FA-EB00-4715-B582-79A69EC3DAE8}" type="slidenum">
               <a:rPr lang="en-US" smtClean="0">
                 <a:ea typeface="ＭＳ Ｐゴシック" charset="-128"/>
               </a:rPr>
               <a:pPr/>
-              <a:t>17</a:t>
+              <a:t>20</a:t>
             </a:fld>
             <a:endParaRPr lang="en-US" smtClean="0">
               <a:ea typeface="ＭＳ Ｐゴシック" charset="-128"/>
@@ -623,11 +1744,36 @@
           </a:p>
         </p:txBody>
       </p:sp>
-      <p:sp>
-        <p:nvSpPr>
-          <p:cNvPr id="82947" name="Rectangle 2"/>
-          <p:cNvSpPr>
-            <a:spLocks noGrp="1" noRot="1" noChangeAspect="1" noChangeArrowheads="1" noTextEdit="1"/>
+    </p:spTree>
+  </p:cSld>
+  <p:clrMapOvr>
+    <a:masterClrMapping/>
+  </p:clrMapOvr>
+</p:notes>
+</file>
+
+<file path=ppt/notesSlides/notesSlide21.xml><?xml version="1.0" encoding="utf-8"?>
+<p:notes xmlns:a="http://schemas.openxmlformats.org/drawingml/2006/main" xmlns:r="http://schemas.openxmlformats.org/officeDocument/2006/relationships" xmlns:p="http://schemas.openxmlformats.org/presentationml/2006/main">
+  <p:cSld>
+    <p:spTree>
+      <p:nvGrpSpPr>
+        <p:cNvPr id="1" name=""/>
+        <p:cNvGrpSpPr/>
+        <p:nvPr/>
+      </p:nvGrpSpPr>
+      <p:grpSpPr>
+        <a:xfrm>
+          <a:off x="0" y="0"/>
+          <a:ext cx="0" cy="0"/>
+          <a:chOff x="0" y="0"/>
+          <a:chExt cx="0" cy="0"/>
+        </a:xfrm>
+      </p:grpSpPr>
+      <p:sp>
+        <p:nvSpPr>
+          <p:cNvPr id="90114" name="Slide Image Placeholder 1"/>
+          <p:cNvSpPr>
+            <a:spLocks noGrp="1" noRot="1" noChangeAspect="1" noTextEdit="1"/>
           </p:cNvSpPr>
           <p:nvPr>
             <p:ph type="sldImg"/>
@@ -639,9 +1785,9 @@
       </p:sp>
       <p:sp>
         <p:nvSpPr>
-          <p:cNvPr id="82948" name="Rectangle 3"/>
-          <p:cNvSpPr>
-            <a:spLocks noGrp="1" noChangeArrowheads="1"/>
+          <p:cNvPr id="90115" name="Notes Placeholder 2"/>
+          <p:cNvSpPr>
+            <a:spLocks noGrp="1"/>
           </p:cNvSpPr>
           <p:nvPr>
             <p:ph type="body" idx="1"/>
@@ -655,7 +1801,715 @@
           <a:bodyPr/>
           <a:lstStyle/>
           <a:p>
+            <a:endParaRPr lang="en-US" smtClean="0">
+              <a:ea typeface="ＭＳ Ｐゴシック" charset="-128"/>
+            </a:endParaRPr>
+          </a:p>
+        </p:txBody>
+      </p:sp>
+      <p:sp>
+        <p:nvSpPr>
+          <p:cNvPr id="90116" name="Slide Number Placeholder 3"/>
+          <p:cNvSpPr>
+            <a:spLocks noGrp="1"/>
+          </p:cNvSpPr>
+          <p:nvPr>
+            <p:ph type="sldNum" sz="quarter" idx="5"/>
+          </p:nvPr>
+        </p:nvSpPr>
+        <p:spPr>
+          <a:noFill/>
+        </p:spPr>
+        <p:txBody>
+          <a:bodyPr/>
+          <a:lstStyle/>
+          <a:p>
+            <a:fld id="{E56C5EAE-81B1-4FC3-9EE3-C56C058AC911}" type="slidenum">
+              <a:rPr lang="en-US" smtClean="0">
+                <a:ea typeface="ＭＳ Ｐゴシック" charset="-128"/>
+              </a:rPr>
+              <a:pPr/>
+              <a:t>21</a:t>
+            </a:fld>
+            <a:endParaRPr lang="en-US" smtClean="0">
+              <a:ea typeface="ＭＳ Ｐゴシック" charset="-128"/>
+            </a:endParaRPr>
+          </a:p>
+        </p:txBody>
+      </p:sp>
+    </p:spTree>
+  </p:cSld>
+  <p:clrMapOvr>
+    <a:masterClrMapping/>
+  </p:clrMapOvr>
+</p:notes>
+</file>
+
+<file path=ppt/notesSlides/notesSlide22.xml><?xml version="1.0" encoding="utf-8"?>
+<p:notes xmlns:a="http://schemas.openxmlformats.org/drawingml/2006/main" xmlns:r="http://schemas.openxmlformats.org/officeDocument/2006/relationships" xmlns:p="http://schemas.openxmlformats.org/presentationml/2006/main">
+  <p:cSld>
+    <p:spTree>
+      <p:nvGrpSpPr>
+        <p:cNvPr id="1" name=""/>
+        <p:cNvGrpSpPr/>
+        <p:nvPr/>
+      </p:nvGrpSpPr>
+      <p:grpSpPr>
+        <a:xfrm>
+          <a:off x="0" y="0"/>
+          <a:ext cx="0" cy="0"/>
+          <a:chOff x="0" y="0"/>
+          <a:chExt cx="0" cy="0"/>
+        </a:xfrm>
+      </p:grpSpPr>
+      <p:sp>
+        <p:nvSpPr>
+          <p:cNvPr id="91138" name="Slide Image Placeholder 1"/>
+          <p:cNvSpPr>
+            <a:spLocks noGrp="1" noRot="1" noChangeAspect="1" noTextEdit="1"/>
+          </p:cNvSpPr>
+          <p:nvPr>
+            <p:ph type="sldImg"/>
+          </p:nvPr>
+        </p:nvSpPr>
+        <p:spPr>
+          <a:ln/>
+        </p:spPr>
+      </p:sp>
+      <p:sp>
+        <p:nvSpPr>
+          <p:cNvPr id="91139" name="Notes Placeholder 2"/>
+          <p:cNvSpPr>
+            <a:spLocks noGrp="1"/>
+          </p:cNvSpPr>
+          <p:nvPr>
+            <p:ph type="body" idx="1"/>
+          </p:nvPr>
+        </p:nvSpPr>
+        <p:spPr>
+          <a:noFill/>
+          <a:ln/>
+        </p:spPr>
+        <p:txBody>
+          <a:bodyPr/>
+          <a:lstStyle/>
+          <a:p>
             <a:endParaRPr lang="en-US" smtClean="0"/>
+          </a:p>
+        </p:txBody>
+      </p:sp>
+      <p:sp>
+        <p:nvSpPr>
+          <p:cNvPr id="91140" name="Slide Number Placeholder 3"/>
+          <p:cNvSpPr>
+            <a:spLocks noGrp="1"/>
+          </p:cNvSpPr>
+          <p:nvPr>
+            <p:ph type="sldNum" sz="quarter" idx="5"/>
+          </p:nvPr>
+        </p:nvSpPr>
+        <p:spPr>
+          <a:noFill/>
+        </p:spPr>
+        <p:txBody>
+          <a:bodyPr/>
+          <a:lstStyle/>
+          <a:p>
+            <a:fld id="{4C462C54-E486-4B28-9307-CDB491BA79F0}" type="slidenum">
+              <a:rPr lang="en-US" smtClean="0"/>
+              <a:pPr/>
+              <a:t>22</a:t>
+            </a:fld>
+            <a:endParaRPr lang="en-US" smtClean="0"/>
+          </a:p>
+        </p:txBody>
+      </p:sp>
+    </p:spTree>
+  </p:cSld>
+  <p:clrMapOvr>
+    <a:masterClrMapping/>
+  </p:clrMapOvr>
+</p:notes>
+</file>
+
+<file path=ppt/notesSlides/notesSlide23.xml><?xml version="1.0" encoding="utf-8"?>
+<p:notes xmlns:a="http://schemas.openxmlformats.org/drawingml/2006/main" xmlns:r="http://schemas.openxmlformats.org/officeDocument/2006/relationships" xmlns:p="http://schemas.openxmlformats.org/presentationml/2006/main">
+  <p:cSld>
+    <p:spTree>
+      <p:nvGrpSpPr>
+        <p:cNvPr id="1" name=""/>
+        <p:cNvGrpSpPr/>
+        <p:nvPr/>
+      </p:nvGrpSpPr>
+      <p:grpSpPr>
+        <a:xfrm>
+          <a:off x="0" y="0"/>
+          <a:ext cx="0" cy="0"/>
+          <a:chOff x="0" y="0"/>
+          <a:chExt cx="0" cy="0"/>
+        </a:xfrm>
+      </p:grpSpPr>
+      <p:sp>
+        <p:nvSpPr>
+          <p:cNvPr id="92162" name="Slide Image Placeholder 1"/>
+          <p:cNvSpPr>
+            <a:spLocks noGrp="1" noRot="1" noChangeAspect="1" noTextEdit="1"/>
+          </p:cNvSpPr>
+          <p:nvPr>
+            <p:ph type="sldImg"/>
+          </p:nvPr>
+        </p:nvSpPr>
+        <p:spPr>
+          <a:ln/>
+        </p:spPr>
+      </p:sp>
+      <p:sp>
+        <p:nvSpPr>
+          <p:cNvPr id="92163" name="Notes Placeholder 2"/>
+          <p:cNvSpPr>
+            <a:spLocks noGrp="1"/>
+          </p:cNvSpPr>
+          <p:nvPr>
+            <p:ph type="body" idx="1"/>
+          </p:nvPr>
+        </p:nvSpPr>
+        <p:spPr>
+          <a:noFill/>
+          <a:ln/>
+        </p:spPr>
+        <p:txBody>
+          <a:bodyPr/>
+          <a:lstStyle/>
+          <a:p>
+            <a:endParaRPr lang="en-US" smtClean="0"/>
+          </a:p>
+        </p:txBody>
+      </p:sp>
+      <p:sp>
+        <p:nvSpPr>
+          <p:cNvPr id="92164" name="Slide Number Placeholder 3"/>
+          <p:cNvSpPr>
+            <a:spLocks noGrp="1"/>
+          </p:cNvSpPr>
+          <p:nvPr>
+            <p:ph type="sldNum" sz="quarter" idx="5"/>
+          </p:nvPr>
+        </p:nvSpPr>
+        <p:spPr>
+          <a:noFill/>
+        </p:spPr>
+        <p:txBody>
+          <a:bodyPr/>
+          <a:lstStyle/>
+          <a:p>
+            <a:fld id="{6ED9C3A4-E234-4BA6-996A-11FF1DC5F2CF}" type="slidenum">
+              <a:rPr lang="en-US" smtClean="0"/>
+              <a:pPr/>
+              <a:t>23</a:t>
+            </a:fld>
+            <a:endParaRPr lang="en-US" smtClean="0"/>
+          </a:p>
+        </p:txBody>
+      </p:sp>
+    </p:spTree>
+  </p:cSld>
+  <p:clrMapOvr>
+    <a:masterClrMapping/>
+  </p:clrMapOvr>
+</p:notes>
+</file>
+
+<file path=ppt/notesSlides/notesSlide24.xml><?xml version="1.0" encoding="utf-8"?>
+<p:notes xmlns:a="http://schemas.openxmlformats.org/drawingml/2006/main" xmlns:r="http://schemas.openxmlformats.org/officeDocument/2006/relationships" xmlns:p="http://schemas.openxmlformats.org/presentationml/2006/main">
+  <p:cSld>
+    <p:spTree>
+      <p:nvGrpSpPr>
+        <p:cNvPr id="1" name=""/>
+        <p:cNvGrpSpPr/>
+        <p:nvPr/>
+      </p:nvGrpSpPr>
+      <p:grpSpPr>
+        <a:xfrm>
+          <a:off x="0" y="0"/>
+          <a:ext cx="0" cy="0"/>
+          <a:chOff x="0" y="0"/>
+          <a:chExt cx="0" cy="0"/>
+        </a:xfrm>
+      </p:grpSpPr>
+      <p:sp>
+        <p:nvSpPr>
+          <p:cNvPr id="93186" name="Slide Image Placeholder 1"/>
+          <p:cNvSpPr>
+            <a:spLocks noGrp="1" noRot="1" noChangeAspect="1" noTextEdit="1"/>
+          </p:cNvSpPr>
+          <p:nvPr>
+            <p:ph type="sldImg"/>
+          </p:nvPr>
+        </p:nvSpPr>
+        <p:spPr>
+          <a:ln/>
+        </p:spPr>
+      </p:sp>
+      <p:sp>
+        <p:nvSpPr>
+          <p:cNvPr id="93187" name="Notes Placeholder 2"/>
+          <p:cNvSpPr>
+            <a:spLocks noGrp="1"/>
+          </p:cNvSpPr>
+          <p:nvPr>
+            <p:ph type="body" idx="1"/>
+          </p:nvPr>
+        </p:nvSpPr>
+        <p:spPr>
+          <a:noFill/>
+          <a:ln/>
+        </p:spPr>
+        <p:txBody>
+          <a:bodyPr/>
+          <a:lstStyle/>
+          <a:p>
+            <a:endParaRPr lang="en-US" smtClean="0"/>
+          </a:p>
+        </p:txBody>
+      </p:sp>
+      <p:sp>
+        <p:nvSpPr>
+          <p:cNvPr id="93188" name="Slide Number Placeholder 3"/>
+          <p:cNvSpPr>
+            <a:spLocks noGrp="1"/>
+          </p:cNvSpPr>
+          <p:nvPr>
+            <p:ph type="sldNum" sz="quarter" idx="5"/>
+          </p:nvPr>
+        </p:nvSpPr>
+        <p:spPr>
+          <a:noFill/>
+        </p:spPr>
+        <p:txBody>
+          <a:bodyPr/>
+          <a:lstStyle/>
+          <a:p>
+            <a:fld id="{EA7AA547-5FED-41BA-AB2A-0210BEECAC0E}" type="slidenum">
+              <a:rPr lang="en-US" smtClean="0"/>
+              <a:pPr/>
+              <a:t>24</a:t>
+            </a:fld>
+            <a:endParaRPr lang="en-US" smtClean="0"/>
+          </a:p>
+        </p:txBody>
+      </p:sp>
+    </p:spTree>
+  </p:cSld>
+  <p:clrMapOvr>
+    <a:masterClrMapping/>
+  </p:clrMapOvr>
+</p:notes>
+</file>
+
+<file path=ppt/notesSlides/notesSlide25.xml><?xml version="1.0" encoding="utf-8"?>
+<p:notes xmlns:a="http://schemas.openxmlformats.org/drawingml/2006/main" xmlns:r="http://schemas.openxmlformats.org/officeDocument/2006/relationships" xmlns:p="http://schemas.openxmlformats.org/presentationml/2006/main">
+  <p:cSld>
+    <p:spTree>
+      <p:nvGrpSpPr>
+        <p:cNvPr id="1" name=""/>
+        <p:cNvGrpSpPr/>
+        <p:nvPr/>
+      </p:nvGrpSpPr>
+      <p:grpSpPr>
+        <a:xfrm>
+          <a:off x="0" y="0"/>
+          <a:ext cx="0" cy="0"/>
+          <a:chOff x="0" y="0"/>
+          <a:chExt cx="0" cy="0"/>
+        </a:xfrm>
+      </p:grpSpPr>
+      <p:sp>
+        <p:nvSpPr>
+          <p:cNvPr id="94210" name="Slide Image Placeholder 1"/>
+          <p:cNvSpPr>
+            <a:spLocks noGrp="1" noRot="1" noChangeAspect="1" noTextEdit="1"/>
+          </p:cNvSpPr>
+          <p:nvPr>
+            <p:ph type="sldImg"/>
+          </p:nvPr>
+        </p:nvSpPr>
+        <p:spPr>
+          <a:ln/>
+        </p:spPr>
+      </p:sp>
+      <p:sp>
+        <p:nvSpPr>
+          <p:cNvPr id="94211" name="Notes Placeholder 2"/>
+          <p:cNvSpPr>
+            <a:spLocks noGrp="1"/>
+          </p:cNvSpPr>
+          <p:nvPr>
+            <p:ph type="body" idx="1"/>
+          </p:nvPr>
+        </p:nvSpPr>
+        <p:spPr>
+          <a:noFill/>
+          <a:ln/>
+        </p:spPr>
+        <p:txBody>
+          <a:bodyPr/>
+          <a:lstStyle/>
+          <a:p>
+            <a:endParaRPr lang="en-US" smtClean="0"/>
+          </a:p>
+        </p:txBody>
+      </p:sp>
+      <p:sp>
+        <p:nvSpPr>
+          <p:cNvPr id="94212" name="Slide Number Placeholder 3"/>
+          <p:cNvSpPr>
+            <a:spLocks noGrp="1"/>
+          </p:cNvSpPr>
+          <p:nvPr>
+            <p:ph type="sldNum" sz="quarter" idx="5"/>
+          </p:nvPr>
+        </p:nvSpPr>
+        <p:spPr>
+          <a:noFill/>
+        </p:spPr>
+        <p:txBody>
+          <a:bodyPr/>
+          <a:lstStyle/>
+          <a:p>
+            <a:fld id="{B52EDEB2-2B3E-4BA8-BD79-2F1760810C9F}" type="slidenum">
+              <a:rPr lang="en-US" smtClean="0"/>
+              <a:pPr/>
+              <a:t>25</a:t>
+            </a:fld>
+            <a:endParaRPr lang="en-US" smtClean="0"/>
+          </a:p>
+        </p:txBody>
+      </p:sp>
+    </p:spTree>
+  </p:cSld>
+  <p:clrMapOvr>
+    <a:masterClrMapping/>
+  </p:clrMapOvr>
+</p:notes>
+</file>
+
+<file path=ppt/notesSlides/notesSlide26.xml><?xml version="1.0" encoding="utf-8"?>
+<p:notes xmlns:a="http://schemas.openxmlformats.org/drawingml/2006/main" xmlns:r="http://schemas.openxmlformats.org/officeDocument/2006/relationships" xmlns:p="http://schemas.openxmlformats.org/presentationml/2006/main">
+  <p:cSld>
+    <p:spTree>
+      <p:nvGrpSpPr>
+        <p:cNvPr id="1" name=""/>
+        <p:cNvGrpSpPr/>
+        <p:nvPr/>
+      </p:nvGrpSpPr>
+      <p:grpSpPr>
+        <a:xfrm>
+          <a:off x="0" y="0"/>
+          <a:ext cx="0" cy="0"/>
+          <a:chOff x="0" y="0"/>
+          <a:chExt cx="0" cy="0"/>
+        </a:xfrm>
+      </p:grpSpPr>
+      <p:sp>
+        <p:nvSpPr>
+          <p:cNvPr id="2" name="Slide Image Placeholder 1"/>
+          <p:cNvSpPr>
+            <a:spLocks noGrp="1" noRot="1" noChangeAspect="1"/>
+          </p:cNvSpPr>
+          <p:nvPr>
+            <p:ph type="sldImg"/>
+          </p:nvPr>
+        </p:nvSpPr>
+        <p:spPr/>
+      </p:sp>
+      <p:sp>
+        <p:nvSpPr>
+          <p:cNvPr id="3" name="Notes Placeholder 2"/>
+          <p:cNvSpPr>
+            <a:spLocks noGrp="1"/>
+          </p:cNvSpPr>
+          <p:nvPr>
+            <p:ph type="body" idx="1"/>
+          </p:nvPr>
+        </p:nvSpPr>
+        <p:spPr/>
+        <p:txBody>
+          <a:bodyPr>
+            <a:normAutofit/>
+          </a:bodyPr>
+          <a:lstStyle/>
+          <a:p>
+            <a:endParaRPr lang="en-US"/>
+          </a:p>
+        </p:txBody>
+      </p:sp>
+      <p:sp>
+        <p:nvSpPr>
+          <p:cNvPr id="4" name="Slide Number Placeholder 3"/>
+          <p:cNvSpPr>
+            <a:spLocks noGrp="1"/>
+          </p:cNvSpPr>
+          <p:nvPr>
+            <p:ph type="sldNum" sz="quarter" idx="10"/>
+          </p:nvPr>
+        </p:nvSpPr>
+        <p:spPr/>
+        <p:txBody>
+          <a:bodyPr/>
+          <a:lstStyle/>
+          <a:p>
+            <a:fld id="{043764D9-6848-4674-ACDF-2EF4644A5B96}" type="slidenum">
+              <a:rPr lang="en-US" smtClean="0"/>
+              <a:pPr/>
+              <a:t>26</a:t>
+            </a:fld>
+            <a:endParaRPr lang="en-US"/>
+          </a:p>
+        </p:txBody>
+      </p:sp>
+    </p:spTree>
+  </p:cSld>
+  <p:clrMapOvr>
+    <a:masterClrMapping/>
+  </p:clrMapOvr>
+</p:notes>
+</file>
+
+<file path=ppt/notesSlides/notesSlide27.xml><?xml version="1.0" encoding="utf-8"?>
+<p:notes xmlns:a="http://schemas.openxmlformats.org/drawingml/2006/main" xmlns:r="http://schemas.openxmlformats.org/officeDocument/2006/relationships" xmlns:p="http://schemas.openxmlformats.org/presentationml/2006/main">
+  <p:cSld>
+    <p:spTree>
+      <p:nvGrpSpPr>
+        <p:cNvPr id="1" name=""/>
+        <p:cNvGrpSpPr/>
+        <p:nvPr/>
+      </p:nvGrpSpPr>
+      <p:grpSpPr>
+        <a:xfrm>
+          <a:off x="0" y="0"/>
+          <a:ext cx="0" cy="0"/>
+          <a:chOff x="0" y="0"/>
+          <a:chExt cx="0" cy="0"/>
+        </a:xfrm>
+      </p:grpSpPr>
+      <p:sp>
+        <p:nvSpPr>
+          <p:cNvPr id="2" name="Slide Image Placeholder 1"/>
+          <p:cNvSpPr>
+            <a:spLocks noGrp="1" noRot="1" noChangeAspect="1"/>
+          </p:cNvSpPr>
+          <p:nvPr>
+            <p:ph type="sldImg"/>
+          </p:nvPr>
+        </p:nvSpPr>
+        <p:spPr/>
+      </p:sp>
+      <p:sp>
+        <p:nvSpPr>
+          <p:cNvPr id="3" name="Notes Placeholder 2"/>
+          <p:cNvSpPr>
+            <a:spLocks noGrp="1"/>
+          </p:cNvSpPr>
+          <p:nvPr>
+            <p:ph type="body" idx="1"/>
+          </p:nvPr>
+        </p:nvSpPr>
+        <p:spPr/>
+        <p:txBody>
+          <a:bodyPr>
+            <a:normAutofit/>
+          </a:bodyPr>
+          <a:lstStyle/>
+          <a:p>
+            <a:endParaRPr lang="en-US"/>
+          </a:p>
+        </p:txBody>
+      </p:sp>
+      <p:sp>
+        <p:nvSpPr>
+          <p:cNvPr id="4" name="Slide Number Placeholder 3"/>
+          <p:cNvSpPr>
+            <a:spLocks noGrp="1"/>
+          </p:cNvSpPr>
+          <p:nvPr>
+            <p:ph type="sldNum" sz="quarter" idx="10"/>
+          </p:nvPr>
+        </p:nvSpPr>
+        <p:spPr/>
+        <p:txBody>
+          <a:bodyPr/>
+          <a:lstStyle/>
+          <a:p>
+            <a:fld id="{043764D9-6848-4674-ACDF-2EF4644A5B96}" type="slidenum">
+              <a:rPr lang="en-US" smtClean="0"/>
+              <a:pPr/>
+              <a:t>27</a:t>
+            </a:fld>
+            <a:endParaRPr lang="en-US"/>
+          </a:p>
+        </p:txBody>
+      </p:sp>
+    </p:spTree>
+  </p:cSld>
+  <p:clrMapOvr>
+    <a:masterClrMapping/>
+  </p:clrMapOvr>
+</p:notes>
+</file>
+
+<file path=ppt/notesSlides/notesSlide28.xml><?xml version="1.0" encoding="utf-8"?>
+<p:notes xmlns:a="http://schemas.openxmlformats.org/drawingml/2006/main" xmlns:r="http://schemas.openxmlformats.org/officeDocument/2006/relationships" xmlns:p="http://schemas.openxmlformats.org/presentationml/2006/main">
+  <p:cSld>
+    <p:spTree>
+      <p:nvGrpSpPr>
+        <p:cNvPr id="1" name=""/>
+        <p:cNvGrpSpPr/>
+        <p:nvPr/>
+      </p:nvGrpSpPr>
+      <p:grpSpPr>
+        <a:xfrm>
+          <a:off x="0" y="0"/>
+          <a:ext cx="0" cy="0"/>
+          <a:chOff x="0" y="0"/>
+          <a:chExt cx="0" cy="0"/>
+        </a:xfrm>
+      </p:grpSpPr>
+      <p:sp>
+        <p:nvSpPr>
+          <p:cNvPr id="2" name="Slide Image Placeholder 1"/>
+          <p:cNvSpPr>
+            <a:spLocks noGrp="1" noRot="1" noChangeAspect="1"/>
+          </p:cNvSpPr>
+          <p:nvPr>
+            <p:ph type="sldImg"/>
+          </p:nvPr>
+        </p:nvSpPr>
+        <p:spPr/>
+      </p:sp>
+      <p:sp>
+        <p:nvSpPr>
+          <p:cNvPr id="3" name="Notes Placeholder 2"/>
+          <p:cNvSpPr>
+            <a:spLocks noGrp="1"/>
+          </p:cNvSpPr>
+          <p:nvPr>
+            <p:ph type="body" idx="1"/>
+          </p:nvPr>
+        </p:nvSpPr>
+        <p:spPr/>
+        <p:txBody>
+          <a:bodyPr>
+            <a:normAutofit/>
+          </a:bodyPr>
+          <a:lstStyle/>
+          <a:p>
+            <a:endParaRPr lang="en-US"/>
+          </a:p>
+        </p:txBody>
+      </p:sp>
+      <p:sp>
+        <p:nvSpPr>
+          <p:cNvPr id="4" name="Slide Number Placeholder 3"/>
+          <p:cNvSpPr>
+            <a:spLocks noGrp="1"/>
+          </p:cNvSpPr>
+          <p:nvPr>
+            <p:ph type="sldNum" sz="quarter" idx="10"/>
+          </p:nvPr>
+        </p:nvSpPr>
+        <p:spPr/>
+        <p:txBody>
+          <a:bodyPr/>
+          <a:lstStyle/>
+          <a:p>
+            <a:fld id="{043764D9-6848-4674-ACDF-2EF4644A5B96}" type="slidenum">
+              <a:rPr lang="en-US" smtClean="0"/>
+              <a:pPr/>
+              <a:t>28</a:t>
+            </a:fld>
+            <a:endParaRPr lang="en-US"/>
+          </a:p>
+        </p:txBody>
+      </p:sp>
+    </p:spTree>
+  </p:cSld>
+  <p:clrMapOvr>
+    <a:masterClrMapping/>
+  </p:clrMapOvr>
+</p:notes>
+</file>
+
+<file path=ppt/notesSlides/notesSlide29.xml><?xml version="1.0" encoding="utf-8"?>
+<p:notes xmlns:a="http://schemas.openxmlformats.org/drawingml/2006/main" xmlns:r="http://schemas.openxmlformats.org/officeDocument/2006/relationships" xmlns:p="http://schemas.openxmlformats.org/presentationml/2006/main">
+  <p:cSld>
+    <p:spTree>
+      <p:nvGrpSpPr>
+        <p:cNvPr id="1" name=""/>
+        <p:cNvGrpSpPr/>
+        <p:nvPr/>
+      </p:nvGrpSpPr>
+      <p:grpSpPr>
+        <a:xfrm>
+          <a:off x="0" y="0"/>
+          <a:ext cx="0" cy="0"/>
+          <a:chOff x="0" y="0"/>
+          <a:chExt cx="0" cy="0"/>
+        </a:xfrm>
+      </p:grpSpPr>
+      <p:sp>
+        <p:nvSpPr>
+          <p:cNvPr id="2" name="Slide Image Placeholder 1"/>
+          <p:cNvSpPr>
+            <a:spLocks noGrp="1" noRot="1" noChangeAspect="1"/>
+          </p:cNvSpPr>
+          <p:nvPr>
+            <p:ph type="sldImg"/>
+          </p:nvPr>
+        </p:nvSpPr>
+        <p:spPr/>
+      </p:sp>
+      <p:sp>
+        <p:nvSpPr>
+          <p:cNvPr id="3" name="Notes Placeholder 2"/>
+          <p:cNvSpPr>
+            <a:spLocks noGrp="1"/>
+          </p:cNvSpPr>
+          <p:nvPr>
+            <p:ph type="body" idx="1"/>
+          </p:nvPr>
+        </p:nvSpPr>
+        <p:spPr/>
+        <p:txBody>
+          <a:bodyPr>
+            <a:normAutofit/>
+          </a:bodyPr>
+          <a:lstStyle/>
+          <a:p>
+            <a:endParaRPr lang="en-US"/>
+          </a:p>
+        </p:txBody>
+      </p:sp>
+      <p:sp>
+        <p:nvSpPr>
+          <p:cNvPr id="4" name="Slide Number Placeholder 3"/>
+          <p:cNvSpPr>
+            <a:spLocks noGrp="1"/>
+          </p:cNvSpPr>
+          <p:nvPr>
+            <p:ph type="sldNum" sz="quarter" idx="10"/>
+          </p:nvPr>
+        </p:nvSpPr>
+        <p:spPr/>
+        <p:txBody>
+          <a:bodyPr/>
+          <a:lstStyle/>
+          <a:p>
+            <a:fld id="{043764D9-6848-4674-ACDF-2EF4644A5B96}" type="slidenum">
+              <a:rPr lang="en-US" smtClean="0"/>
+              <a:pPr/>
+              <a:t>29</a:t>
+            </a:fld>
+            <a:endParaRPr lang="en-US"/>
           </a:p>
         </p:txBody>
       </p:sp>
@@ -686,21 +2540,19 @@
       </p:grpSpPr>
       <p:sp>
         <p:nvSpPr>
-          <p:cNvPr id="87042" name="Slide Image Placeholder 1"/>
-          <p:cNvSpPr>
-            <a:spLocks noGrp="1" noRot="1" noChangeAspect="1" noTextEdit="1"/>
+          <p:cNvPr id="2" name="Slide Image Placeholder 1"/>
+          <p:cNvSpPr>
+            <a:spLocks noGrp="1" noRot="1" noChangeAspect="1"/>
           </p:cNvSpPr>
           <p:nvPr>
             <p:ph type="sldImg"/>
           </p:nvPr>
         </p:nvSpPr>
-        <p:spPr>
-          <a:ln/>
-        </p:spPr>
-      </p:sp>
-      <p:sp>
-        <p:nvSpPr>
-          <p:cNvPr id="87043" name="Notes Placeholder 2"/>
+        <p:spPr/>
+      </p:sp>
+      <p:sp>
+        <p:nvSpPr>
+          <p:cNvPr id="3" name="Notes Placeholder 2"/>
           <p:cNvSpPr>
             <a:spLocks noGrp="1"/>
           </p:cNvSpPr>
@@ -708,47 +2560,448 @@
             <p:ph type="body" idx="1"/>
           </p:nvPr>
         </p:nvSpPr>
-        <p:spPr>
-          <a:noFill/>
-          <a:ln/>
-        </p:spPr>
+        <p:spPr/>
+        <p:txBody>
+          <a:bodyPr>
+            <a:normAutofit/>
+          </a:bodyPr>
+          <a:lstStyle/>
+          <a:p>
+            <a:endParaRPr lang="en-US"/>
+          </a:p>
+        </p:txBody>
+      </p:sp>
+      <p:sp>
+        <p:nvSpPr>
+          <p:cNvPr id="4" name="Slide Number Placeholder 3"/>
+          <p:cNvSpPr>
+            <a:spLocks noGrp="1"/>
+          </p:cNvSpPr>
+          <p:nvPr>
+            <p:ph type="sldNum" sz="quarter" idx="10"/>
+          </p:nvPr>
+        </p:nvSpPr>
+        <p:spPr/>
         <p:txBody>
           <a:bodyPr/>
           <a:lstStyle/>
           <a:p>
-            <a:endParaRPr lang="en-US" smtClean="0">
-              <a:ea typeface="ＭＳ Ｐゴシック" charset="-128"/>
-            </a:endParaRPr>
-          </a:p>
-        </p:txBody>
-      </p:sp>
-      <p:sp>
-        <p:nvSpPr>
-          <p:cNvPr id="87044" name="Slide Number Placeholder 3"/>
-          <p:cNvSpPr>
-            <a:spLocks noGrp="1"/>
-          </p:cNvSpPr>
-          <p:nvPr>
-            <p:ph type="sldNum" sz="quarter" idx="5"/>
-          </p:nvPr>
-        </p:nvSpPr>
-        <p:spPr>
-          <a:noFill/>
-        </p:spPr>
+            <a:fld id="{043764D9-6848-4674-ACDF-2EF4644A5B96}" type="slidenum">
+              <a:rPr lang="en-US" smtClean="0"/>
+              <a:pPr/>
+              <a:t>3</a:t>
+            </a:fld>
+            <a:endParaRPr lang="en-US"/>
+          </a:p>
+        </p:txBody>
+      </p:sp>
+    </p:spTree>
+  </p:cSld>
+  <p:clrMapOvr>
+    <a:masterClrMapping/>
+  </p:clrMapOvr>
+</p:notes>
+</file>
+
+<file path=ppt/notesSlides/notesSlide30.xml><?xml version="1.0" encoding="utf-8"?>
+<p:notes xmlns:a="http://schemas.openxmlformats.org/drawingml/2006/main" xmlns:r="http://schemas.openxmlformats.org/officeDocument/2006/relationships" xmlns:p="http://schemas.openxmlformats.org/presentationml/2006/main">
+  <p:cSld>
+    <p:spTree>
+      <p:nvGrpSpPr>
+        <p:cNvPr id="1" name=""/>
+        <p:cNvGrpSpPr/>
+        <p:nvPr/>
+      </p:nvGrpSpPr>
+      <p:grpSpPr>
+        <a:xfrm>
+          <a:off x="0" y="0"/>
+          <a:ext cx="0" cy="0"/>
+          <a:chOff x="0" y="0"/>
+          <a:chExt cx="0" cy="0"/>
+        </a:xfrm>
+      </p:grpSpPr>
+      <p:sp>
+        <p:nvSpPr>
+          <p:cNvPr id="2" name="Slide Image Placeholder 1"/>
+          <p:cNvSpPr>
+            <a:spLocks noGrp="1" noRot="1" noChangeAspect="1"/>
+          </p:cNvSpPr>
+          <p:nvPr>
+            <p:ph type="sldImg"/>
+          </p:nvPr>
+        </p:nvSpPr>
+        <p:spPr/>
+      </p:sp>
+      <p:sp>
+        <p:nvSpPr>
+          <p:cNvPr id="3" name="Notes Placeholder 2"/>
+          <p:cNvSpPr>
+            <a:spLocks noGrp="1"/>
+          </p:cNvSpPr>
+          <p:nvPr>
+            <p:ph type="body" idx="1"/>
+          </p:nvPr>
+        </p:nvSpPr>
+        <p:spPr/>
+        <p:txBody>
+          <a:bodyPr>
+            <a:normAutofit/>
+          </a:bodyPr>
+          <a:lstStyle/>
+          <a:p>
+            <a:endParaRPr lang="en-US"/>
+          </a:p>
+        </p:txBody>
+      </p:sp>
+      <p:sp>
+        <p:nvSpPr>
+          <p:cNvPr id="4" name="Slide Number Placeholder 3"/>
+          <p:cNvSpPr>
+            <a:spLocks noGrp="1"/>
+          </p:cNvSpPr>
+          <p:nvPr>
+            <p:ph type="sldNum" sz="quarter" idx="10"/>
+          </p:nvPr>
+        </p:nvSpPr>
+        <p:spPr/>
         <p:txBody>
           <a:bodyPr/>
           <a:lstStyle/>
           <a:p>
-            <a:fld id="{5DC8324F-09B4-44AE-991F-8666ABF5C4BE}" type="slidenum">
-              <a:rPr lang="en-US" smtClean="0">
-                <a:ea typeface="ＭＳ Ｐゴシック" charset="-128"/>
-              </a:rPr>
+            <a:fld id="{043764D9-6848-4674-ACDF-2EF4644A5B96}" type="slidenum">
+              <a:rPr lang="en-US" smtClean="0"/>
               <a:pPr/>
-              <a:t>18</a:t>
+              <a:t>30</a:t>
             </a:fld>
-            <a:endParaRPr lang="en-US" smtClean="0">
-              <a:ea typeface="ＭＳ Ｐゴシック" charset="-128"/>
-            </a:endParaRPr>
+            <a:endParaRPr lang="en-US"/>
+          </a:p>
+        </p:txBody>
+      </p:sp>
+    </p:spTree>
+  </p:cSld>
+  <p:clrMapOvr>
+    <a:masterClrMapping/>
+  </p:clrMapOvr>
+</p:notes>
+</file>
+
+<file path=ppt/notesSlides/notesSlide31.xml><?xml version="1.0" encoding="utf-8"?>
+<p:notes xmlns:a="http://schemas.openxmlformats.org/drawingml/2006/main" xmlns:r="http://schemas.openxmlformats.org/officeDocument/2006/relationships" xmlns:p="http://schemas.openxmlformats.org/presentationml/2006/main">
+  <p:cSld>
+    <p:spTree>
+      <p:nvGrpSpPr>
+        <p:cNvPr id="1" name=""/>
+        <p:cNvGrpSpPr/>
+        <p:nvPr/>
+      </p:nvGrpSpPr>
+      <p:grpSpPr>
+        <a:xfrm>
+          <a:off x="0" y="0"/>
+          <a:ext cx="0" cy="0"/>
+          <a:chOff x="0" y="0"/>
+          <a:chExt cx="0" cy="0"/>
+        </a:xfrm>
+      </p:grpSpPr>
+      <p:sp>
+        <p:nvSpPr>
+          <p:cNvPr id="2" name="Slide Image Placeholder 1"/>
+          <p:cNvSpPr>
+            <a:spLocks noGrp="1" noRot="1" noChangeAspect="1"/>
+          </p:cNvSpPr>
+          <p:nvPr>
+            <p:ph type="sldImg"/>
+          </p:nvPr>
+        </p:nvSpPr>
+        <p:spPr/>
+      </p:sp>
+      <p:sp>
+        <p:nvSpPr>
+          <p:cNvPr id="3" name="Notes Placeholder 2"/>
+          <p:cNvSpPr>
+            <a:spLocks noGrp="1"/>
+          </p:cNvSpPr>
+          <p:nvPr>
+            <p:ph type="body" idx="1"/>
+          </p:nvPr>
+        </p:nvSpPr>
+        <p:spPr/>
+        <p:txBody>
+          <a:bodyPr>
+            <a:normAutofit/>
+          </a:bodyPr>
+          <a:lstStyle/>
+          <a:p>
+            <a:endParaRPr lang="en-US"/>
+          </a:p>
+        </p:txBody>
+      </p:sp>
+      <p:sp>
+        <p:nvSpPr>
+          <p:cNvPr id="4" name="Slide Number Placeholder 3"/>
+          <p:cNvSpPr>
+            <a:spLocks noGrp="1"/>
+          </p:cNvSpPr>
+          <p:nvPr>
+            <p:ph type="sldNum" sz="quarter" idx="10"/>
+          </p:nvPr>
+        </p:nvSpPr>
+        <p:spPr/>
+        <p:txBody>
+          <a:bodyPr/>
+          <a:lstStyle/>
+          <a:p>
+            <a:fld id="{043764D9-6848-4674-ACDF-2EF4644A5B96}" type="slidenum">
+              <a:rPr lang="en-US" smtClean="0"/>
+              <a:pPr/>
+              <a:t>31</a:t>
+            </a:fld>
+            <a:endParaRPr lang="en-US"/>
+          </a:p>
+        </p:txBody>
+      </p:sp>
+    </p:spTree>
+  </p:cSld>
+  <p:clrMapOvr>
+    <a:masterClrMapping/>
+  </p:clrMapOvr>
+</p:notes>
+</file>
+
+<file path=ppt/notesSlides/notesSlide32.xml><?xml version="1.0" encoding="utf-8"?>
+<p:notes xmlns:a="http://schemas.openxmlformats.org/drawingml/2006/main" xmlns:r="http://schemas.openxmlformats.org/officeDocument/2006/relationships" xmlns:p="http://schemas.openxmlformats.org/presentationml/2006/main">
+  <p:cSld>
+    <p:spTree>
+      <p:nvGrpSpPr>
+        <p:cNvPr id="1" name=""/>
+        <p:cNvGrpSpPr/>
+        <p:nvPr/>
+      </p:nvGrpSpPr>
+      <p:grpSpPr>
+        <a:xfrm>
+          <a:off x="0" y="0"/>
+          <a:ext cx="0" cy="0"/>
+          <a:chOff x="0" y="0"/>
+          <a:chExt cx="0" cy="0"/>
+        </a:xfrm>
+      </p:grpSpPr>
+      <p:sp>
+        <p:nvSpPr>
+          <p:cNvPr id="2" name="Slide Image Placeholder 1"/>
+          <p:cNvSpPr>
+            <a:spLocks noGrp="1" noRot="1" noChangeAspect="1"/>
+          </p:cNvSpPr>
+          <p:nvPr>
+            <p:ph type="sldImg"/>
+          </p:nvPr>
+        </p:nvSpPr>
+        <p:spPr/>
+      </p:sp>
+      <p:sp>
+        <p:nvSpPr>
+          <p:cNvPr id="3" name="Notes Placeholder 2"/>
+          <p:cNvSpPr>
+            <a:spLocks noGrp="1"/>
+          </p:cNvSpPr>
+          <p:nvPr>
+            <p:ph type="body" idx="1"/>
+          </p:nvPr>
+        </p:nvSpPr>
+        <p:spPr/>
+        <p:txBody>
+          <a:bodyPr>
+            <a:normAutofit/>
+          </a:bodyPr>
+          <a:lstStyle/>
+          <a:p>
+            <a:endParaRPr lang="en-US"/>
+          </a:p>
+        </p:txBody>
+      </p:sp>
+      <p:sp>
+        <p:nvSpPr>
+          <p:cNvPr id="4" name="Slide Number Placeholder 3"/>
+          <p:cNvSpPr>
+            <a:spLocks noGrp="1"/>
+          </p:cNvSpPr>
+          <p:nvPr>
+            <p:ph type="sldNum" sz="quarter" idx="10"/>
+          </p:nvPr>
+        </p:nvSpPr>
+        <p:spPr/>
+        <p:txBody>
+          <a:bodyPr/>
+          <a:lstStyle/>
+          <a:p>
+            <a:fld id="{043764D9-6848-4674-ACDF-2EF4644A5B96}" type="slidenum">
+              <a:rPr lang="en-US" smtClean="0"/>
+              <a:pPr/>
+              <a:t>32</a:t>
+            </a:fld>
+            <a:endParaRPr lang="en-US"/>
+          </a:p>
+        </p:txBody>
+      </p:sp>
+    </p:spTree>
+  </p:cSld>
+  <p:clrMapOvr>
+    <a:masterClrMapping/>
+  </p:clrMapOvr>
+</p:notes>
+</file>
+
+<file path=ppt/notesSlides/notesSlide33.xml><?xml version="1.0" encoding="utf-8"?>
+<p:notes xmlns:a="http://schemas.openxmlformats.org/drawingml/2006/main" xmlns:r="http://schemas.openxmlformats.org/officeDocument/2006/relationships" xmlns:p="http://schemas.openxmlformats.org/presentationml/2006/main">
+  <p:cSld>
+    <p:spTree>
+      <p:nvGrpSpPr>
+        <p:cNvPr id="1" name=""/>
+        <p:cNvGrpSpPr/>
+        <p:nvPr/>
+      </p:nvGrpSpPr>
+      <p:grpSpPr>
+        <a:xfrm>
+          <a:off x="0" y="0"/>
+          <a:ext cx="0" cy="0"/>
+          <a:chOff x="0" y="0"/>
+          <a:chExt cx="0" cy="0"/>
+        </a:xfrm>
+      </p:grpSpPr>
+      <p:sp>
+        <p:nvSpPr>
+          <p:cNvPr id="2" name="Slide Image Placeholder 1"/>
+          <p:cNvSpPr>
+            <a:spLocks noGrp="1" noRot="1" noChangeAspect="1"/>
+          </p:cNvSpPr>
+          <p:nvPr>
+            <p:ph type="sldImg"/>
+          </p:nvPr>
+        </p:nvSpPr>
+        <p:spPr/>
+      </p:sp>
+      <p:sp>
+        <p:nvSpPr>
+          <p:cNvPr id="3" name="Notes Placeholder 2"/>
+          <p:cNvSpPr>
+            <a:spLocks noGrp="1"/>
+          </p:cNvSpPr>
+          <p:nvPr>
+            <p:ph type="body" idx="1"/>
+          </p:nvPr>
+        </p:nvSpPr>
+        <p:spPr/>
+        <p:txBody>
+          <a:bodyPr>
+            <a:normAutofit/>
+          </a:bodyPr>
+          <a:lstStyle/>
+          <a:p>
+            <a:endParaRPr lang="en-US"/>
+          </a:p>
+        </p:txBody>
+      </p:sp>
+      <p:sp>
+        <p:nvSpPr>
+          <p:cNvPr id="4" name="Slide Number Placeholder 3"/>
+          <p:cNvSpPr>
+            <a:spLocks noGrp="1"/>
+          </p:cNvSpPr>
+          <p:nvPr>
+            <p:ph type="sldNum" sz="quarter" idx="10"/>
+          </p:nvPr>
+        </p:nvSpPr>
+        <p:spPr/>
+        <p:txBody>
+          <a:bodyPr/>
+          <a:lstStyle/>
+          <a:p>
+            <a:fld id="{043764D9-6848-4674-ACDF-2EF4644A5B96}" type="slidenum">
+              <a:rPr lang="en-US" smtClean="0"/>
+              <a:pPr/>
+              <a:t>33</a:t>
+            </a:fld>
+            <a:endParaRPr lang="en-US"/>
+          </a:p>
+        </p:txBody>
+      </p:sp>
+    </p:spTree>
+  </p:cSld>
+  <p:clrMapOvr>
+    <a:masterClrMapping/>
+  </p:clrMapOvr>
+</p:notes>
+</file>
+
+<file path=ppt/notesSlides/notesSlide34.xml><?xml version="1.0" encoding="utf-8"?>
+<p:notes xmlns:a="http://schemas.openxmlformats.org/drawingml/2006/main" xmlns:r="http://schemas.openxmlformats.org/officeDocument/2006/relationships" xmlns:p="http://schemas.openxmlformats.org/presentationml/2006/main">
+  <p:cSld>
+    <p:spTree>
+      <p:nvGrpSpPr>
+        <p:cNvPr id="1" name=""/>
+        <p:cNvGrpSpPr/>
+        <p:nvPr/>
+      </p:nvGrpSpPr>
+      <p:grpSpPr>
+        <a:xfrm>
+          <a:off x="0" y="0"/>
+          <a:ext cx="0" cy="0"/>
+          <a:chOff x="0" y="0"/>
+          <a:chExt cx="0" cy="0"/>
+        </a:xfrm>
+      </p:grpSpPr>
+      <p:sp>
+        <p:nvSpPr>
+          <p:cNvPr id="2" name="Slide Image Placeholder 1"/>
+          <p:cNvSpPr>
+            <a:spLocks noGrp="1" noRot="1" noChangeAspect="1"/>
+          </p:cNvSpPr>
+          <p:nvPr>
+            <p:ph type="sldImg"/>
+          </p:nvPr>
+        </p:nvSpPr>
+        <p:spPr/>
+      </p:sp>
+      <p:sp>
+        <p:nvSpPr>
+          <p:cNvPr id="3" name="Notes Placeholder 2"/>
+          <p:cNvSpPr>
+            <a:spLocks noGrp="1"/>
+          </p:cNvSpPr>
+          <p:nvPr>
+            <p:ph type="body" idx="1"/>
+          </p:nvPr>
+        </p:nvSpPr>
+        <p:spPr/>
+        <p:txBody>
+          <a:bodyPr>
+            <a:normAutofit/>
+          </a:bodyPr>
+          <a:lstStyle/>
+          <a:p>
+            <a:endParaRPr lang="en-US"/>
+          </a:p>
+        </p:txBody>
+      </p:sp>
+      <p:sp>
+        <p:nvSpPr>
+          <p:cNvPr id="4" name="Slide Number Placeholder 3"/>
+          <p:cNvSpPr>
+            <a:spLocks noGrp="1"/>
+          </p:cNvSpPr>
+          <p:nvPr>
+            <p:ph type="sldNum" sz="quarter" idx="10"/>
+          </p:nvPr>
+        </p:nvSpPr>
+        <p:spPr/>
+        <p:txBody>
+          <a:bodyPr/>
+          <a:lstStyle/>
+          <a:p>
+            <a:fld id="{043764D9-6848-4674-ACDF-2EF4644A5B96}" type="slidenum">
+              <a:rPr lang="en-US" smtClean="0"/>
+              <a:pPr/>
+              <a:t>34</a:t>
+            </a:fld>
+            <a:endParaRPr lang="en-US"/>
           </a:p>
         </p:txBody>
       </p:sp>
@@ -779,21 +3032,19 @@
       </p:grpSpPr>
       <p:sp>
         <p:nvSpPr>
-          <p:cNvPr id="88066" name="Slide Image Placeholder 1"/>
-          <p:cNvSpPr>
-            <a:spLocks noGrp="1" noRot="1" noChangeAspect="1" noTextEdit="1"/>
+          <p:cNvPr id="2" name="Slide Image Placeholder 1"/>
+          <p:cNvSpPr>
+            <a:spLocks noGrp="1" noRot="1" noChangeAspect="1"/>
           </p:cNvSpPr>
           <p:nvPr>
             <p:ph type="sldImg"/>
           </p:nvPr>
         </p:nvSpPr>
-        <p:spPr>
-          <a:ln/>
-        </p:spPr>
-      </p:sp>
-      <p:sp>
-        <p:nvSpPr>
-          <p:cNvPr id="88067" name="Notes Placeholder 2"/>
+        <p:spPr/>
+      </p:sp>
+      <p:sp>
+        <p:nvSpPr>
+          <p:cNvPr id="3" name="Notes Placeholder 2"/>
           <p:cNvSpPr>
             <a:spLocks noGrp="1"/>
           </p:cNvSpPr>
@@ -801,47 +3052,38 @@
             <p:ph type="body" idx="1"/>
           </p:nvPr>
         </p:nvSpPr>
-        <p:spPr>
-          <a:noFill/>
-          <a:ln/>
-        </p:spPr>
+        <p:spPr/>
+        <p:txBody>
+          <a:bodyPr>
+            <a:normAutofit/>
+          </a:bodyPr>
+          <a:lstStyle/>
+          <a:p>
+            <a:endParaRPr lang="en-US"/>
+          </a:p>
+        </p:txBody>
+      </p:sp>
+      <p:sp>
+        <p:nvSpPr>
+          <p:cNvPr id="4" name="Slide Number Placeholder 3"/>
+          <p:cNvSpPr>
+            <a:spLocks noGrp="1"/>
+          </p:cNvSpPr>
+          <p:nvPr>
+            <p:ph type="sldNum" sz="quarter" idx="10"/>
+          </p:nvPr>
+        </p:nvSpPr>
+        <p:spPr/>
         <p:txBody>
           <a:bodyPr/>
           <a:lstStyle/>
           <a:p>
-            <a:endParaRPr lang="en-US" smtClean="0">
-              <a:ea typeface="ＭＳ Ｐゴシック" charset="-128"/>
-            </a:endParaRPr>
-          </a:p>
-        </p:txBody>
-      </p:sp>
-      <p:sp>
-        <p:nvSpPr>
-          <p:cNvPr id="88068" name="Slide Number Placeholder 3"/>
-          <p:cNvSpPr>
-            <a:spLocks noGrp="1"/>
-          </p:cNvSpPr>
-          <p:nvPr>
-            <p:ph type="sldNum" sz="quarter" idx="5"/>
-          </p:nvPr>
-        </p:nvSpPr>
-        <p:spPr>
-          <a:noFill/>
-        </p:spPr>
-        <p:txBody>
-          <a:bodyPr/>
-          <a:lstStyle/>
-          <a:p>
-            <a:fld id="{0463E2FA-EB00-4715-B582-79A69EC3DAE8}" type="slidenum">
-              <a:rPr lang="en-US" smtClean="0">
-                <a:ea typeface="ＭＳ Ｐゴシック" charset="-128"/>
-              </a:rPr>
+            <a:fld id="{043764D9-6848-4674-ACDF-2EF4644A5B96}" type="slidenum">
+              <a:rPr lang="en-US" smtClean="0"/>
               <a:pPr/>
-              <a:t>19</a:t>
+              <a:t>4</a:t>
             </a:fld>
-            <a:endParaRPr lang="en-US" smtClean="0">
-              <a:ea typeface="ＭＳ Ｐゴシック" charset="-128"/>
-            </a:endParaRPr>
+            <a:endParaRPr lang="en-US"/>
           </a:p>
         </p:txBody>
       </p:sp>
@@ -872,21 +3114,19 @@
       </p:grpSpPr>
       <p:sp>
         <p:nvSpPr>
-          <p:cNvPr id="90114" name="Slide Image Placeholder 1"/>
-          <p:cNvSpPr>
-            <a:spLocks noGrp="1" noRot="1" noChangeAspect="1" noTextEdit="1"/>
+          <p:cNvPr id="2" name="Slide Image Placeholder 1"/>
+          <p:cNvSpPr>
+            <a:spLocks noGrp="1" noRot="1" noChangeAspect="1"/>
           </p:cNvSpPr>
           <p:nvPr>
             <p:ph type="sldImg"/>
           </p:nvPr>
         </p:nvSpPr>
-        <p:spPr>
-          <a:ln/>
-        </p:spPr>
-      </p:sp>
-      <p:sp>
-        <p:nvSpPr>
-          <p:cNvPr id="90115" name="Notes Placeholder 2"/>
+        <p:spPr/>
+      </p:sp>
+      <p:sp>
+        <p:nvSpPr>
+          <p:cNvPr id="3" name="Notes Placeholder 2"/>
           <p:cNvSpPr>
             <a:spLocks noGrp="1"/>
           </p:cNvSpPr>
@@ -894,47 +3134,38 @@
             <p:ph type="body" idx="1"/>
           </p:nvPr>
         </p:nvSpPr>
-        <p:spPr>
-          <a:noFill/>
-          <a:ln/>
-        </p:spPr>
+        <p:spPr/>
+        <p:txBody>
+          <a:bodyPr>
+            <a:normAutofit/>
+          </a:bodyPr>
+          <a:lstStyle/>
+          <a:p>
+            <a:endParaRPr lang="en-US"/>
+          </a:p>
+        </p:txBody>
+      </p:sp>
+      <p:sp>
+        <p:nvSpPr>
+          <p:cNvPr id="4" name="Slide Number Placeholder 3"/>
+          <p:cNvSpPr>
+            <a:spLocks noGrp="1"/>
+          </p:cNvSpPr>
+          <p:nvPr>
+            <p:ph type="sldNum" sz="quarter" idx="10"/>
+          </p:nvPr>
+        </p:nvSpPr>
+        <p:spPr/>
         <p:txBody>
           <a:bodyPr/>
           <a:lstStyle/>
           <a:p>
-            <a:endParaRPr lang="en-US" smtClean="0">
-              <a:ea typeface="ＭＳ Ｐゴシック" charset="-128"/>
-            </a:endParaRPr>
-          </a:p>
-        </p:txBody>
-      </p:sp>
-      <p:sp>
-        <p:nvSpPr>
-          <p:cNvPr id="90116" name="Slide Number Placeholder 3"/>
-          <p:cNvSpPr>
-            <a:spLocks noGrp="1"/>
-          </p:cNvSpPr>
-          <p:nvPr>
-            <p:ph type="sldNum" sz="quarter" idx="5"/>
-          </p:nvPr>
-        </p:nvSpPr>
-        <p:spPr>
-          <a:noFill/>
-        </p:spPr>
-        <p:txBody>
-          <a:bodyPr/>
-          <a:lstStyle/>
-          <a:p>
-            <a:fld id="{E56C5EAE-81B1-4FC3-9EE3-C56C058AC911}" type="slidenum">
-              <a:rPr lang="en-US" smtClean="0">
-                <a:ea typeface="ＭＳ Ｐゴシック" charset="-128"/>
-              </a:rPr>
+            <a:fld id="{043764D9-6848-4674-ACDF-2EF4644A5B96}" type="slidenum">
+              <a:rPr lang="en-US" smtClean="0"/>
               <a:pPr/>
-              <a:t>20</a:t>
+              <a:t>5</a:t>
             </a:fld>
-            <a:endParaRPr lang="en-US" smtClean="0">
-              <a:ea typeface="ＭＳ Ｐゴシック" charset="-128"/>
-            </a:endParaRPr>
+            <a:endParaRPr lang="en-US"/>
           </a:p>
         </p:txBody>
       </p:sp>
@@ -965,21 +3196,19 @@
       </p:grpSpPr>
       <p:sp>
         <p:nvSpPr>
-          <p:cNvPr id="91138" name="Slide Image Placeholder 1"/>
-          <p:cNvSpPr>
-            <a:spLocks noGrp="1" noRot="1" noChangeAspect="1" noTextEdit="1"/>
+          <p:cNvPr id="2" name="Slide Image Placeholder 1"/>
+          <p:cNvSpPr>
+            <a:spLocks noGrp="1" noRot="1" noChangeAspect="1"/>
           </p:cNvSpPr>
           <p:nvPr>
             <p:ph type="sldImg"/>
           </p:nvPr>
         </p:nvSpPr>
-        <p:spPr>
-          <a:ln/>
-        </p:spPr>
-      </p:sp>
-      <p:sp>
-        <p:nvSpPr>
-          <p:cNvPr id="91139" name="Notes Placeholder 2"/>
+        <p:spPr/>
+      </p:sp>
+      <p:sp>
+        <p:nvSpPr>
+          <p:cNvPr id="3" name="Notes Placeholder 2"/>
           <p:cNvSpPr>
             <a:spLocks noGrp="1"/>
           </p:cNvSpPr>
@@ -987,41 +3216,38 @@
             <p:ph type="body" idx="1"/>
           </p:nvPr>
         </p:nvSpPr>
-        <p:spPr>
-          <a:noFill/>
-          <a:ln/>
-        </p:spPr>
+        <p:spPr/>
+        <p:txBody>
+          <a:bodyPr>
+            <a:normAutofit/>
+          </a:bodyPr>
+          <a:lstStyle/>
+          <a:p>
+            <a:endParaRPr lang="en-US"/>
+          </a:p>
+        </p:txBody>
+      </p:sp>
+      <p:sp>
+        <p:nvSpPr>
+          <p:cNvPr id="4" name="Slide Number Placeholder 3"/>
+          <p:cNvSpPr>
+            <a:spLocks noGrp="1"/>
+          </p:cNvSpPr>
+          <p:nvPr>
+            <p:ph type="sldNum" sz="quarter" idx="10"/>
+          </p:nvPr>
+        </p:nvSpPr>
+        <p:spPr/>
         <p:txBody>
           <a:bodyPr/>
           <a:lstStyle/>
           <a:p>
-            <a:endParaRPr lang="en-US" smtClean="0"/>
-          </a:p>
-        </p:txBody>
-      </p:sp>
-      <p:sp>
-        <p:nvSpPr>
-          <p:cNvPr id="91140" name="Slide Number Placeholder 3"/>
-          <p:cNvSpPr>
-            <a:spLocks noGrp="1"/>
-          </p:cNvSpPr>
-          <p:nvPr>
-            <p:ph type="sldNum" sz="quarter" idx="5"/>
-          </p:nvPr>
-        </p:nvSpPr>
-        <p:spPr>
-          <a:noFill/>
-        </p:spPr>
-        <p:txBody>
-          <a:bodyPr/>
-          <a:lstStyle/>
-          <a:p>
-            <a:fld id="{4C462C54-E486-4B28-9307-CDB491BA79F0}" type="slidenum">
+            <a:fld id="{043764D9-6848-4674-ACDF-2EF4644A5B96}" type="slidenum">
               <a:rPr lang="en-US" smtClean="0"/>
               <a:pPr/>
-              <a:t>21</a:t>
+              <a:t>6</a:t>
             </a:fld>
-            <a:endParaRPr lang="en-US" smtClean="0"/>
+            <a:endParaRPr lang="en-US"/>
           </a:p>
         </p:txBody>
       </p:sp>
@@ -1052,21 +3278,19 @@
       </p:grpSpPr>
       <p:sp>
         <p:nvSpPr>
-          <p:cNvPr id="92162" name="Slide Image Placeholder 1"/>
-          <p:cNvSpPr>
-            <a:spLocks noGrp="1" noRot="1" noChangeAspect="1" noTextEdit="1"/>
+          <p:cNvPr id="2" name="Slide Image Placeholder 1"/>
+          <p:cNvSpPr>
+            <a:spLocks noGrp="1" noRot="1" noChangeAspect="1"/>
           </p:cNvSpPr>
           <p:nvPr>
             <p:ph type="sldImg"/>
           </p:nvPr>
         </p:nvSpPr>
-        <p:spPr>
-          <a:ln/>
-        </p:spPr>
-      </p:sp>
-      <p:sp>
-        <p:nvSpPr>
-          <p:cNvPr id="92163" name="Notes Placeholder 2"/>
+        <p:spPr/>
+      </p:sp>
+      <p:sp>
+        <p:nvSpPr>
+          <p:cNvPr id="3" name="Notes Placeholder 2"/>
           <p:cNvSpPr>
             <a:spLocks noGrp="1"/>
           </p:cNvSpPr>
@@ -1074,41 +3298,38 @@
             <p:ph type="body" idx="1"/>
           </p:nvPr>
         </p:nvSpPr>
-        <p:spPr>
-          <a:noFill/>
-          <a:ln/>
-        </p:spPr>
+        <p:spPr/>
+        <p:txBody>
+          <a:bodyPr>
+            <a:normAutofit/>
+          </a:bodyPr>
+          <a:lstStyle/>
+          <a:p>
+            <a:endParaRPr lang="en-US"/>
+          </a:p>
+        </p:txBody>
+      </p:sp>
+      <p:sp>
+        <p:nvSpPr>
+          <p:cNvPr id="4" name="Slide Number Placeholder 3"/>
+          <p:cNvSpPr>
+            <a:spLocks noGrp="1"/>
+          </p:cNvSpPr>
+          <p:nvPr>
+            <p:ph type="sldNum" sz="quarter" idx="10"/>
+          </p:nvPr>
+        </p:nvSpPr>
+        <p:spPr/>
         <p:txBody>
           <a:bodyPr/>
           <a:lstStyle/>
           <a:p>
-            <a:endParaRPr lang="en-US" smtClean="0"/>
-          </a:p>
-        </p:txBody>
-      </p:sp>
-      <p:sp>
-        <p:nvSpPr>
-          <p:cNvPr id="92164" name="Slide Number Placeholder 3"/>
-          <p:cNvSpPr>
-            <a:spLocks noGrp="1"/>
-          </p:cNvSpPr>
-          <p:nvPr>
-            <p:ph type="sldNum" sz="quarter" idx="5"/>
-          </p:nvPr>
-        </p:nvSpPr>
-        <p:spPr>
-          <a:noFill/>
-        </p:spPr>
-        <p:txBody>
-          <a:bodyPr/>
-          <a:lstStyle/>
-          <a:p>
-            <a:fld id="{6ED9C3A4-E234-4BA6-996A-11FF1DC5F2CF}" type="slidenum">
+            <a:fld id="{043764D9-6848-4674-ACDF-2EF4644A5B96}" type="slidenum">
               <a:rPr lang="en-US" smtClean="0"/>
               <a:pPr/>
-              <a:t>22</a:t>
+              <a:t>7</a:t>
             </a:fld>
-            <a:endParaRPr lang="en-US" smtClean="0"/>
+            <a:endParaRPr lang="en-US"/>
           </a:p>
         </p:txBody>
       </p:sp>
@@ -1139,21 +3360,19 @@
       </p:grpSpPr>
       <p:sp>
         <p:nvSpPr>
-          <p:cNvPr id="93186" name="Slide Image Placeholder 1"/>
-          <p:cNvSpPr>
-            <a:spLocks noGrp="1" noRot="1" noChangeAspect="1" noTextEdit="1"/>
+          <p:cNvPr id="2" name="Slide Image Placeholder 1"/>
+          <p:cNvSpPr>
+            <a:spLocks noGrp="1" noRot="1" noChangeAspect="1"/>
           </p:cNvSpPr>
           <p:nvPr>
             <p:ph type="sldImg"/>
           </p:nvPr>
         </p:nvSpPr>
-        <p:spPr>
-          <a:ln/>
-        </p:spPr>
-      </p:sp>
-      <p:sp>
-        <p:nvSpPr>
-          <p:cNvPr id="93187" name="Notes Placeholder 2"/>
+        <p:spPr/>
+      </p:sp>
+      <p:sp>
+        <p:nvSpPr>
+          <p:cNvPr id="3" name="Notes Placeholder 2"/>
           <p:cNvSpPr>
             <a:spLocks noGrp="1"/>
           </p:cNvSpPr>
@@ -1161,41 +3380,42 @@
             <p:ph type="body" idx="1"/>
           </p:nvPr>
         </p:nvSpPr>
-        <p:spPr>
-          <a:noFill/>
-          <a:ln/>
-        </p:spPr>
+        <p:spPr/>
+        <p:txBody>
+          <a:bodyPr>
+            <a:normAutofit/>
+          </a:bodyPr>
+          <a:lstStyle/>
+          <a:p>
+            <a:r>
+              <a:rPr lang="en-US" dirty="0" smtClean="0"/>
+              <a:t>Remove planning</a:t>
+            </a:r>
+            <a:endParaRPr lang="en-US" dirty="0"/>
+          </a:p>
+        </p:txBody>
+      </p:sp>
+      <p:sp>
+        <p:nvSpPr>
+          <p:cNvPr id="4" name="Slide Number Placeholder 3"/>
+          <p:cNvSpPr>
+            <a:spLocks noGrp="1"/>
+          </p:cNvSpPr>
+          <p:nvPr>
+            <p:ph type="sldNum" sz="quarter" idx="10"/>
+          </p:nvPr>
+        </p:nvSpPr>
+        <p:spPr/>
         <p:txBody>
           <a:bodyPr/>
           <a:lstStyle/>
           <a:p>
-            <a:endParaRPr lang="en-US" smtClean="0"/>
-          </a:p>
-        </p:txBody>
-      </p:sp>
-      <p:sp>
-        <p:nvSpPr>
-          <p:cNvPr id="93188" name="Slide Number Placeholder 3"/>
-          <p:cNvSpPr>
-            <a:spLocks noGrp="1"/>
-          </p:cNvSpPr>
-          <p:nvPr>
-            <p:ph type="sldNum" sz="quarter" idx="5"/>
-          </p:nvPr>
-        </p:nvSpPr>
-        <p:spPr>
-          <a:noFill/>
-        </p:spPr>
-        <p:txBody>
-          <a:bodyPr/>
-          <a:lstStyle/>
-          <a:p>
-            <a:fld id="{EA7AA547-5FED-41BA-AB2A-0210BEECAC0E}" type="slidenum">
+            <a:fld id="{043764D9-6848-4674-ACDF-2EF4644A5B96}" type="slidenum">
               <a:rPr lang="en-US" smtClean="0"/>
               <a:pPr/>
-              <a:t>23</a:t>
+              <a:t>8</a:t>
             </a:fld>
-            <a:endParaRPr lang="en-US" smtClean="0"/>
+            <a:endParaRPr lang="en-US"/>
           </a:p>
         </p:txBody>
       </p:sp>
@@ -1226,21 +3446,19 @@
       </p:grpSpPr>
       <p:sp>
         <p:nvSpPr>
-          <p:cNvPr id="94210" name="Slide Image Placeholder 1"/>
-          <p:cNvSpPr>
-            <a:spLocks noGrp="1" noRot="1" noChangeAspect="1" noTextEdit="1"/>
+          <p:cNvPr id="2" name="Slide Image Placeholder 1"/>
+          <p:cNvSpPr>
+            <a:spLocks noGrp="1" noRot="1" noChangeAspect="1"/>
           </p:cNvSpPr>
           <p:nvPr>
             <p:ph type="sldImg"/>
           </p:nvPr>
         </p:nvSpPr>
-        <p:spPr>
-          <a:ln/>
-        </p:spPr>
-      </p:sp>
-      <p:sp>
-        <p:nvSpPr>
-          <p:cNvPr id="94211" name="Notes Placeholder 2"/>
+        <p:spPr/>
+      </p:sp>
+      <p:sp>
+        <p:nvSpPr>
+          <p:cNvPr id="3" name="Notes Placeholder 2"/>
           <p:cNvSpPr>
             <a:spLocks noGrp="1"/>
           </p:cNvSpPr>
@@ -1248,41 +3466,38 @@
             <p:ph type="body" idx="1"/>
           </p:nvPr>
         </p:nvSpPr>
-        <p:spPr>
-          <a:noFill/>
-          <a:ln/>
-        </p:spPr>
+        <p:spPr/>
+        <p:txBody>
+          <a:bodyPr>
+            <a:normAutofit/>
+          </a:bodyPr>
+          <a:lstStyle/>
+          <a:p>
+            <a:endParaRPr lang="en-US"/>
+          </a:p>
+        </p:txBody>
+      </p:sp>
+      <p:sp>
+        <p:nvSpPr>
+          <p:cNvPr id="4" name="Slide Number Placeholder 3"/>
+          <p:cNvSpPr>
+            <a:spLocks noGrp="1"/>
+          </p:cNvSpPr>
+          <p:nvPr>
+            <p:ph type="sldNum" sz="quarter" idx="10"/>
+          </p:nvPr>
+        </p:nvSpPr>
+        <p:spPr/>
         <p:txBody>
           <a:bodyPr/>
           <a:lstStyle/>
           <a:p>
-            <a:endParaRPr lang="en-US" smtClean="0"/>
-          </a:p>
-        </p:txBody>
-      </p:sp>
-      <p:sp>
-        <p:nvSpPr>
-          <p:cNvPr id="94212" name="Slide Number Placeholder 3"/>
-          <p:cNvSpPr>
-            <a:spLocks noGrp="1"/>
-          </p:cNvSpPr>
-          <p:nvPr>
-            <p:ph type="sldNum" sz="quarter" idx="5"/>
-          </p:nvPr>
-        </p:nvSpPr>
-        <p:spPr>
-          <a:noFill/>
-        </p:spPr>
-        <p:txBody>
-          <a:bodyPr/>
-          <a:lstStyle/>
-          <a:p>
-            <a:fld id="{B52EDEB2-2B3E-4BA8-BD79-2F1760810C9F}" type="slidenum">
+            <a:fld id="{043764D9-6848-4674-ACDF-2EF4644A5B96}" type="slidenum">
               <a:rPr lang="en-US" smtClean="0"/>
               <a:pPr/>
-              <a:t>24</a:t>
+              <a:t>9</a:t>
             </a:fld>
-            <a:endParaRPr lang="en-US" smtClean="0"/>
+            <a:endParaRPr lang="en-US"/>
           </a:p>
         </p:txBody>
       </p:sp>
@@ -1476,7 +3691,7 @@
             <a:fld id="{1D8BD707-D9CF-40AE-B4C6-C98DA3205C09}" type="datetimeFigureOut">
               <a:rPr lang="en-US" smtClean="0"/>
               <a:pPr/>
-              <a:t>7/20/2011</a:t>
+              <a:t>7/21/2011</a:t>
             </a:fld>
             <a:endParaRPr lang="en-US"/>
           </a:p>
@@ -1643,7 +3858,7 @@
             <a:fld id="{1D8BD707-D9CF-40AE-B4C6-C98DA3205C09}" type="datetimeFigureOut">
               <a:rPr lang="en-US" smtClean="0"/>
               <a:pPr/>
-              <a:t>7/20/2011</a:t>
+              <a:t>7/21/2011</a:t>
             </a:fld>
             <a:endParaRPr lang="en-US"/>
           </a:p>
@@ -1820,7 +4035,7 @@
             <a:fld id="{1D8BD707-D9CF-40AE-B4C6-C98DA3205C09}" type="datetimeFigureOut">
               <a:rPr lang="en-US" smtClean="0"/>
               <a:pPr/>
-              <a:t>7/20/2011</a:t>
+              <a:t>7/21/2011</a:t>
             </a:fld>
             <a:endParaRPr lang="en-US"/>
           </a:p>
@@ -1987,7 +4202,7 @@
             <a:fld id="{1D8BD707-D9CF-40AE-B4C6-C98DA3205C09}" type="datetimeFigureOut">
               <a:rPr lang="en-US" smtClean="0"/>
               <a:pPr/>
-              <a:t>7/20/2011</a:t>
+              <a:t>7/21/2011</a:t>
             </a:fld>
             <a:endParaRPr lang="en-US"/>
           </a:p>
@@ -2230,7 +4445,7 @@
             <a:fld id="{1D8BD707-D9CF-40AE-B4C6-C98DA3205C09}" type="datetimeFigureOut">
               <a:rPr lang="en-US" smtClean="0"/>
               <a:pPr/>
-              <a:t>7/20/2011</a:t>
+              <a:t>7/21/2011</a:t>
             </a:fld>
             <a:endParaRPr lang="en-US"/>
           </a:p>
@@ -2515,7 +4730,7 @@
             <a:fld id="{1D8BD707-D9CF-40AE-B4C6-C98DA3205C09}" type="datetimeFigureOut">
               <a:rPr lang="en-US" smtClean="0"/>
               <a:pPr/>
-              <a:t>7/20/2011</a:t>
+              <a:t>7/21/2011</a:t>
             </a:fld>
             <a:endParaRPr lang="en-US"/>
           </a:p>
@@ -2934,7 +5149,7 @@
             <a:fld id="{1D8BD707-D9CF-40AE-B4C6-C98DA3205C09}" type="datetimeFigureOut">
               <a:rPr lang="en-US" smtClean="0"/>
               <a:pPr/>
-              <a:t>7/20/2011</a:t>
+              <a:t>7/21/2011</a:t>
             </a:fld>
             <a:endParaRPr lang="en-US"/>
           </a:p>
@@ -3049,7 +5264,7 @@
             <a:fld id="{1D8BD707-D9CF-40AE-B4C6-C98DA3205C09}" type="datetimeFigureOut">
               <a:rPr lang="en-US" smtClean="0"/>
               <a:pPr/>
-              <a:t>7/20/2011</a:t>
+              <a:t>7/21/2011</a:t>
             </a:fld>
             <a:endParaRPr lang="en-US"/>
           </a:p>
@@ -3141,7 +5356,7 @@
             <a:fld id="{1D8BD707-D9CF-40AE-B4C6-C98DA3205C09}" type="datetimeFigureOut">
               <a:rPr lang="en-US" smtClean="0"/>
               <a:pPr/>
-              <a:t>7/20/2011</a:t>
+              <a:t>7/21/2011</a:t>
             </a:fld>
             <a:endParaRPr lang="en-US"/>
           </a:p>
@@ -3415,7 +5630,7 @@
             <a:fld id="{1D8BD707-D9CF-40AE-B4C6-C98DA3205C09}" type="datetimeFigureOut">
               <a:rPr lang="en-US" smtClean="0"/>
               <a:pPr/>
-              <a:t>7/20/2011</a:t>
+              <a:t>7/21/2011</a:t>
             </a:fld>
             <a:endParaRPr lang="en-US"/>
           </a:p>
@@ -3665,7 +5880,7 @@
             <a:fld id="{1D8BD707-D9CF-40AE-B4C6-C98DA3205C09}" type="datetimeFigureOut">
               <a:rPr lang="en-US" smtClean="0"/>
               <a:pPr/>
-              <a:t>7/20/2011</a:t>
+              <a:t>7/21/2011</a:t>
             </a:fld>
             <a:endParaRPr lang="en-US"/>
           </a:p>
@@ -3875,7 +6090,7 @@
             <a:fld id="{1D8BD707-D9CF-40AE-B4C6-C98DA3205C09}" type="datetimeFigureOut">
               <a:rPr lang="en-US" smtClean="0"/>
               <a:pPr/>
-              <a:t>7/20/2011</a:t>
+              <a:t>7/21/2011</a:t>
             </a:fld>
             <a:endParaRPr lang="en-US"/>
           </a:p>
@@ -4291,10 +6506,14 @@
           </a:p>
           <a:p>
             <a:r>
-              <a:rPr lang="en-US" dirty="0" smtClean="0"/>
-              <a:t>Buffalo, NY</a:t>
-            </a:r>
-            <a:endParaRPr lang="en-US" dirty="0"/>
+              <a:rPr lang="en-US" sz="2800" dirty="0" smtClean="0"/>
+              <a:t>7/27/2011, Buffalo</a:t>
+            </a:r>
+            <a:r>
+              <a:rPr lang="en-US" sz="2800" dirty="0" smtClean="0"/>
+              <a:t>, NY</a:t>
+            </a:r>
+            <a:endParaRPr lang="en-US" sz="2800" dirty="0"/>
           </a:p>
         </p:txBody>
       </p:sp>
@@ -4332,7 +6551,7 @@
       </p:grpSpPr>
       <p:sp>
         <p:nvSpPr>
-          <p:cNvPr id="2" name="Title 1"/>
+          <p:cNvPr id="4" name="Title 3"/>
           <p:cNvSpPr>
             <a:spLocks noGrp="1"/>
           </p:cNvSpPr>
@@ -4345,33 +6564,84 @@
           <a:bodyPr/>
           <a:lstStyle/>
           <a:p>
-            <a:endParaRPr lang="en-US"/>
-          </a:p>
-        </p:txBody>
-      </p:sp>
-      <p:pic>
-        <p:nvPicPr>
-          <p:cNvPr id="4" name="Content Placeholder 3" descr="Figure 2.jpg"/>
-          <p:cNvPicPr>
-            <a:picLocks noGrp="1" noChangeAspect="1"/>
-          </p:cNvPicPr>
+            <a:r>
+              <a:rPr lang="en-US" dirty="0" smtClean="0"/>
+              <a:t>planned process</a:t>
+            </a:r>
+            <a:endParaRPr lang="en-US" dirty="0"/>
+          </a:p>
+        </p:txBody>
+      </p:sp>
+      <p:sp>
+        <p:nvSpPr>
+          <p:cNvPr id="5" name="Content Placeholder 4"/>
+          <p:cNvSpPr>
+            <a:spLocks noGrp="1"/>
+          </p:cNvSpPr>
           <p:nvPr>
             <p:ph idx="1"/>
           </p:nvPr>
-        </p:nvPicPr>
-        <p:blipFill>
-          <a:blip r:embed="rId2" cstate="print"/>
-          <a:stretch>
-            <a:fillRect/>
-          </a:stretch>
-        </p:blipFill>
-        <p:spPr>
-          <a:xfrm>
-            <a:off x="0" y="319268"/>
-            <a:ext cx="9067800" cy="5509873"/>
-          </a:xfrm>
-        </p:spPr>
-      </p:pic>
+        </p:nvSpPr>
+        <p:spPr/>
+        <p:txBody>
+          <a:bodyPr>
+            <a:normAutofit/>
+          </a:bodyPr>
+          <a:lstStyle/>
+          <a:p>
+            <a:r>
+              <a:rPr lang="en-US" sz="2400" dirty="0" smtClean="0"/>
+              <a:t>realize a ‘plan specification’ which includes an ‘objective specification’ (describing the desired endpoint)</a:t>
+            </a:r>
+          </a:p>
+          <a:p>
+            <a:r>
+              <a:rPr lang="en-US" sz="2400" dirty="0" smtClean="0"/>
+              <a:t>have specified inputs and outputs </a:t>
+            </a:r>
+            <a:br>
+              <a:rPr lang="en-US" sz="2400" dirty="0" smtClean="0"/>
+            </a:br>
+            <a:r>
+              <a:rPr lang="en-US" sz="2400" dirty="0" smtClean="0"/>
+              <a:t>(=participants called out in the specification)</a:t>
+            </a:r>
+          </a:p>
+          <a:p>
+            <a:r>
+              <a:rPr lang="en-US" sz="2400" dirty="0" smtClean="0"/>
+              <a:t>high level classes: </a:t>
+            </a:r>
+          </a:p>
+          <a:p>
+            <a:pPr lvl="1"/>
+            <a:r>
+              <a:rPr lang="en-US" sz="2000" dirty="0" smtClean="0"/>
+              <a:t>material processing</a:t>
+            </a:r>
+          </a:p>
+          <a:p>
+            <a:pPr lvl="1"/>
+            <a:r>
+              <a:rPr lang="en-US" sz="2000" dirty="0" smtClean="0"/>
+              <a:t>assay</a:t>
+            </a:r>
+          </a:p>
+          <a:p>
+            <a:pPr lvl="1"/>
+            <a:r>
+              <a:rPr lang="en-US" sz="2000" dirty="0" smtClean="0"/>
+              <a:t>data transformation</a:t>
+            </a:r>
+          </a:p>
+          <a:p>
+            <a:endParaRPr lang="en-US" sz="2400" dirty="0" smtClean="0"/>
+          </a:p>
+          <a:p>
+            <a:endParaRPr lang="en-US" sz="2400" dirty="0"/>
+          </a:p>
+        </p:txBody>
+      </p:sp>
     </p:spTree>
   </p:cSld>
   <p:clrMapOvr>
@@ -4419,70 +6689,33 @@
           <a:bodyPr/>
           <a:lstStyle/>
           <a:p>
-            <a:r>
-              <a:rPr lang="en-US" dirty="0" smtClean="0"/>
-              <a:t>information content entities</a:t>
-            </a:r>
-            <a:endParaRPr lang="en-US" dirty="0"/>
-          </a:p>
-        </p:txBody>
-      </p:sp>
-      <p:sp>
-        <p:nvSpPr>
-          <p:cNvPr id="3" name="Content Placeholder 2"/>
-          <p:cNvSpPr>
-            <a:spLocks noGrp="1"/>
-          </p:cNvSpPr>
+            <a:endParaRPr lang="en-US"/>
+          </a:p>
+        </p:txBody>
+      </p:sp>
+      <p:pic>
+        <p:nvPicPr>
+          <p:cNvPr id="4" name="Content Placeholder 3" descr="Figure 2.jpg"/>
+          <p:cNvPicPr>
+            <a:picLocks noGrp="1" noChangeAspect="1"/>
+          </p:cNvPicPr>
           <p:nvPr>
             <p:ph idx="1"/>
           </p:nvPr>
-        </p:nvSpPr>
-        <p:spPr/>
-        <p:txBody>
-          <a:bodyPr>
-            <a:normAutofit/>
-          </a:bodyPr>
-          <a:lstStyle/>
-          <a:p>
-            <a:r>
-              <a:rPr lang="en-US" sz="2800" dirty="0" smtClean="0"/>
-              <a:t>IAO, separate effort spawned of from OBI, but tightly interlinked</a:t>
-            </a:r>
-          </a:p>
-          <a:p>
-            <a:r>
-              <a:rPr lang="en-US" sz="2800" dirty="0" smtClean="0"/>
-              <a:t>every information content entity </a:t>
-            </a:r>
-            <a:r>
-              <a:rPr lang="en-US" sz="2800" dirty="0" err="1" smtClean="0"/>
-              <a:t>is_about</a:t>
-            </a:r>
-            <a:r>
-              <a:rPr lang="en-US" sz="2800" dirty="0" smtClean="0"/>
-              <a:t> something</a:t>
-            </a:r>
-          </a:p>
-          <a:p>
-            <a:r>
-              <a:rPr lang="en-US" sz="2800" dirty="0" smtClean="0"/>
-              <a:t>Examples: plan specification, journal article, data item</a:t>
-            </a:r>
-          </a:p>
-          <a:p>
-            <a:r>
-              <a:rPr lang="en-US" sz="2800" dirty="0" smtClean="0"/>
-              <a:t>OBI subclasses these, e.g.: study design, dependent variable specification, measurement datum</a:t>
-            </a:r>
-          </a:p>
-          <a:p>
-            <a:endParaRPr lang="en-US" sz="2800" dirty="0" smtClean="0"/>
-          </a:p>
-          <a:p>
-            <a:endParaRPr lang="en-US" sz="2800" dirty="0"/>
-          </a:p>
-        </p:txBody>
-      </p:sp>
+        </p:nvPicPr>
+        <p:blipFill>
+          <a:blip r:embed="rId3" cstate="print"/>
+          <a:stretch>
+            <a:fillRect/>
+          </a:stretch>
+        </p:blipFill>
+        <p:spPr>
+          <a:xfrm>
+            <a:off x="0" y="319268"/>
+            <a:ext cx="9067800" cy="5509873"/>
+          </a:xfrm>
+        </p:spPr>
+      </p:pic>
     </p:spTree>
   </p:cSld>
   <p:clrMapOvr>
@@ -4532,7 +6765,7 @@
           <a:p>
             <a:r>
               <a:rPr lang="en-US" dirty="0" smtClean="0"/>
-              <a:t>More classes</a:t>
+              <a:t>information content entities</a:t>
             </a:r>
             <a:endParaRPr lang="en-US" dirty="0"/>
           </a:p>
@@ -4557,20 +6790,37 @@
           <a:p>
             <a:r>
               <a:rPr lang="en-US" sz="2800" dirty="0" smtClean="0"/>
-              <a:t>roles – specimen role, author role</a:t>
+              <a:t>IAO, separate effort spawned of from OBI, but tightly interlinked</a:t>
             </a:r>
           </a:p>
           <a:p>
             <a:r>
               <a:rPr lang="en-US" sz="2800" dirty="0" smtClean="0"/>
-              <a:t>functions – contain function, measurement function</a:t>
-            </a:r>
-          </a:p>
-          <a:p>
+              <a:t>every information content entity </a:t>
+            </a:r>
+            <a:r>
+              <a:rPr lang="en-US" sz="2800" dirty="0" err="1" smtClean="0"/>
+              <a:t>is_about</a:t>
+            </a:r>
             <a:r>
               <a:rPr lang="en-US" sz="2800" dirty="0" smtClean="0"/>
-              <a:t>organizations – manufacturer, regulatory agency</a:t>
-            </a:r>
+              <a:t> something</a:t>
+            </a:r>
+          </a:p>
+          <a:p>
+            <a:r>
+              <a:rPr lang="en-US" sz="2800" dirty="0" smtClean="0"/>
+              <a:t>Examples: plan specification, journal article, data item</a:t>
+            </a:r>
+          </a:p>
+          <a:p>
+            <a:r>
+              <a:rPr lang="en-US" sz="2800" dirty="0" smtClean="0"/>
+              <a:t>OBI subclasses these, e.g.: study design, dependent variable specification, measurement datum</a:t>
+            </a:r>
+          </a:p>
+          <a:p>
+            <a:endParaRPr lang="en-US" sz="2800" dirty="0" smtClean="0"/>
           </a:p>
           <a:p>
             <a:endParaRPr lang="en-US" sz="2800" dirty="0"/>
@@ -4626,7 +6876,7 @@
           <a:p>
             <a:r>
               <a:rPr lang="en-US" dirty="0" smtClean="0"/>
-              <a:t>Conclusions</a:t>
+              <a:t>More classes</a:t>
             </a:r>
             <a:endParaRPr lang="en-US" dirty="0"/>
           </a:p>
@@ -4644,26 +6894,30 @@
         </p:nvSpPr>
         <p:spPr/>
         <p:txBody>
-          <a:bodyPr/>
-          <a:lstStyle/>
-          <a:p>
-            <a:r>
-              <a:rPr lang="en-US" dirty="0" smtClean="0"/>
-              <a:t>core structure is in place, solidified over several years, and now usable  </a:t>
-            </a:r>
-          </a:p>
-          <a:p>
-            <a:r>
-              <a:rPr lang="en-US" dirty="0" smtClean="0"/>
-              <a:t>design process has been formalized, novel elements have been developed</a:t>
-            </a:r>
-          </a:p>
-          <a:p>
-            <a:r>
-              <a:rPr lang="en-US" dirty="0" smtClean="0"/>
-              <a:t>… but there is more than enough to do. </a:t>
-            </a:r>
-            <a:endParaRPr lang="en-US" dirty="0"/>
+          <a:bodyPr>
+            <a:normAutofit/>
+          </a:bodyPr>
+          <a:lstStyle/>
+          <a:p>
+            <a:r>
+              <a:rPr lang="en-US" sz="2800" dirty="0" smtClean="0"/>
+              <a:t>roles – specimen role, author role</a:t>
+            </a:r>
+          </a:p>
+          <a:p>
+            <a:r>
+              <a:rPr lang="en-US" sz="2800" dirty="0" smtClean="0"/>
+              <a:t>functions – contain function, measurement function</a:t>
+            </a:r>
+          </a:p>
+          <a:p>
+            <a:r>
+              <a:rPr lang="en-US" sz="2800" dirty="0" smtClean="0"/>
+              <a:t>organizations – manufacturer, regulatory agency</a:t>
+            </a:r>
+          </a:p>
+          <a:p>
+            <a:endParaRPr lang="en-US" sz="2800" dirty="0"/>
           </a:p>
         </p:txBody>
       </p:sp>
@@ -4709,21 +6963,14 @@
             <p:ph type="title"/>
           </p:nvPr>
         </p:nvSpPr>
-        <p:spPr>
-          <a:xfrm>
-            <a:off x="457200" y="0"/>
-            <a:ext cx="8229600" cy="1143000"/>
-          </a:xfrm>
-        </p:spPr>
-        <p:txBody>
-          <a:bodyPr>
-            <a:normAutofit fontScale="90000"/>
-          </a:bodyPr>
+        <p:spPr/>
+        <p:txBody>
+          <a:bodyPr/>
           <a:lstStyle/>
           <a:p>
             <a:r>
               <a:rPr lang="en-US" dirty="0" smtClean="0"/>
-              <a:t>Overview of application presentations</a:t>
+              <a:t>Conclusions</a:t>
             </a:r>
             <a:endParaRPr lang="en-US" dirty="0"/>
           </a:p>
@@ -4739,130 +6986,28 @@
             <p:ph idx="1"/>
           </p:nvPr>
         </p:nvSpPr>
-        <p:spPr>
-          <a:xfrm>
-            <a:off x="457200" y="1066800"/>
-            <a:ext cx="8839200" cy="4525963"/>
-          </a:xfrm>
-        </p:spPr>
-        <p:txBody>
-          <a:bodyPr>
-            <a:noAutofit/>
-          </a:bodyPr>
-          <a:lstStyle/>
-          <a:p>
-            <a:r>
-              <a:rPr lang="en-US" sz="1800" dirty="0" smtClean="0"/>
-              <a:t>IEDB - a manually </a:t>
-            </a:r>
-            <a:r>
-              <a:rPr lang="en-US" sz="1800" dirty="0" err="1" smtClean="0"/>
-              <a:t>curated</a:t>
-            </a:r>
-            <a:r>
-              <a:rPr lang="en-US" sz="1800" dirty="0" smtClean="0"/>
-              <a:t> database  of immune epitope defining experiments</a:t>
-            </a:r>
-          </a:p>
-          <a:p>
-            <a:pPr lvl="1"/>
-            <a:r>
-              <a:rPr lang="en-US" sz="1800" dirty="0" smtClean="0"/>
-              <a:t>How to use OBI to add value to an existing database</a:t>
-            </a:r>
-          </a:p>
-          <a:p>
-            <a:pPr lvl="1"/>
-            <a:r>
-              <a:rPr lang="en-US" sz="1800" dirty="0" smtClean="0"/>
-              <a:t>Create classes for types experiments, integrate links to those in the IEDB</a:t>
-            </a:r>
-          </a:p>
-          <a:p>
-            <a:pPr lvl="1"/>
-            <a:r>
-              <a:rPr lang="en-US" sz="1800" dirty="0" smtClean="0"/>
-              <a:t>enable enhanced consistency, documentation and queries </a:t>
-            </a:r>
-          </a:p>
-          <a:p>
-            <a:r>
-              <a:rPr lang="en-US" sz="1800" dirty="0" err="1" smtClean="0"/>
-              <a:t>EuPathDB</a:t>
-            </a:r>
-            <a:r>
-              <a:rPr lang="en-US" sz="1800" dirty="0" smtClean="0"/>
-              <a:t> - annotation of genomic-scale datasets associated with eukaryotic pathogens </a:t>
-            </a:r>
-          </a:p>
-          <a:p>
-            <a:pPr lvl="1"/>
-            <a:r>
-              <a:rPr lang="en-US" sz="1800" dirty="0" smtClean="0"/>
-              <a:t> How to design a data submission form based on an ontology model</a:t>
-            </a:r>
-          </a:p>
-          <a:p>
-            <a:pPr lvl="1"/>
-            <a:r>
-              <a:rPr lang="en-US" sz="1800" dirty="0" smtClean="0"/>
-              <a:t>How to reduce user effort in submission using restrictions defined in an ontology</a:t>
-            </a:r>
-          </a:p>
-          <a:p>
-            <a:r>
-              <a:rPr lang="en-US" sz="1800" dirty="0" smtClean="0"/>
-              <a:t>eagle-</a:t>
-            </a:r>
-            <a:r>
-              <a:rPr lang="en-US" sz="1800" dirty="0" err="1" smtClean="0"/>
-              <a:t>i</a:t>
-            </a:r>
-            <a:r>
-              <a:rPr lang="en-US" sz="1800" dirty="0" smtClean="0"/>
-              <a:t>  - representation of research resources</a:t>
-            </a:r>
-          </a:p>
-          <a:p>
-            <a:pPr lvl="1"/>
-            <a:r>
-              <a:rPr lang="en-US" sz="1400" dirty="0" smtClean="0"/>
-              <a:t>To inform development of an interoperable  ontology </a:t>
-            </a:r>
-          </a:p>
-          <a:p>
-            <a:pPr lvl="1"/>
-            <a:r>
-              <a:rPr lang="en-US" sz="1400" dirty="0" smtClean="0"/>
-              <a:t>How to use OBI to speed up ontology development for annotation of research resources</a:t>
-            </a:r>
-          </a:p>
-          <a:p>
-            <a:r>
-              <a:rPr lang="en-US" sz="1800" dirty="0" smtClean="0"/>
-              <a:t>ISA suite - tools for the annotation of functional genomics experiments</a:t>
-            </a:r>
-          </a:p>
-          <a:p>
-            <a:pPr lvl="1"/>
-            <a:r>
-              <a:rPr lang="en-US" sz="1400" dirty="0" smtClean="0"/>
-              <a:t> Configuration of OBI in annotation</a:t>
-            </a:r>
-          </a:p>
-          <a:p>
-            <a:r>
-              <a:rPr lang="en-US" sz="1800" dirty="0" smtClean="0"/>
-              <a:t>Evidence Code Ontology - Cross references to OBI within the (Marcus)</a:t>
-            </a:r>
-          </a:p>
-          <a:p>
-            <a:pPr lvl="1"/>
-            <a:r>
-              <a:rPr lang="en-US" sz="1400" dirty="0" smtClean="0"/>
-              <a:t> How to use OBI  to guide the development of an existing ontology</a:t>
-            </a:r>
-            <a:endParaRPr lang="en-US" sz="1400" dirty="0"/>
+        <p:spPr/>
+        <p:txBody>
+          <a:bodyPr/>
+          <a:lstStyle/>
+          <a:p>
+            <a:r>
+              <a:rPr lang="en-US" dirty="0" smtClean="0"/>
+              <a:t>core structure is in place, solidified over several years, and now usable  </a:t>
+            </a:r>
+          </a:p>
+          <a:p>
+            <a:r>
+              <a:rPr lang="en-US" dirty="0" smtClean="0"/>
+              <a:t>design process has been formalized, novel elements have been developed</a:t>
+            </a:r>
+          </a:p>
+          <a:p>
+            <a:r>
+              <a:rPr lang="en-US" dirty="0" smtClean="0"/>
+              <a:t>… but there is more than enough to do. </a:t>
+            </a:r>
+            <a:endParaRPr lang="en-US" dirty="0"/>
           </a:p>
         </p:txBody>
       </p:sp>
@@ -4900,15 +7045,20 @@
       </p:grpSpPr>
       <p:sp>
         <p:nvSpPr>
-          <p:cNvPr id="4" name="Title 3"/>
-          <p:cNvSpPr>
-            <a:spLocks noGrp="1"/>
-          </p:cNvSpPr>
-          <p:nvPr>
-            <p:ph type="ctrTitle"/>
-          </p:nvPr>
-        </p:nvSpPr>
-        <p:spPr/>
+          <p:cNvPr id="2" name="Title 1"/>
+          <p:cNvSpPr>
+            <a:spLocks noGrp="1"/>
+          </p:cNvSpPr>
+          <p:nvPr>
+            <p:ph type="title"/>
+          </p:nvPr>
+        </p:nvSpPr>
+        <p:spPr>
+          <a:xfrm>
+            <a:off x="457200" y="0"/>
+            <a:ext cx="8229600" cy="1143000"/>
+          </a:xfrm>
+        </p:spPr>
         <p:txBody>
           <a:bodyPr>
             <a:normAutofit fontScale="90000"/>
@@ -4917,18 +7067,7 @@
           <a:p>
             <a:r>
               <a:rPr lang="en-US" dirty="0" smtClean="0"/>
-              <a:t>Using OBI to enhance an existing database </a:t>
-            </a:r>
-            <a:br>
-              <a:rPr lang="en-US" dirty="0" smtClean="0"/>
-            </a:br>
-            <a:r>
-              <a:rPr lang="en-US" dirty="0" smtClean="0"/>
-              <a:t>(Immune Epitope </a:t>
-            </a:r>
-            <a:r>
-              <a:rPr lang="en-US" dirty="0" smtClean="0"/>
-              <a:t>Database = IEDB)</a:t>
+              <a:t>Overview of application presentations</a:t>
             </a:r>
             <a:endParaRPr lang="en-US" dirty="0"/>
           </a:p>
@@ -4936,20 +7075,138 @@
       </p:sp>
       <p:sp>
         <p:nvSpPr>
-          <p:cNvPr id="5" name="Subtitle 4"/>
-          <p:cNvSpPr>
-            <a:spLocks noGrp="1"/>
-          </p:cNvSpPr>
-          <p:nvPr>
-            <p:ph type="subTitle" idx="1"/>
-          </p:nvPr>
-        </p:nvSpPr>
-        <p:spPr/>
-        <p:txBody>
-          <a:bodyPr/>
-          <a:lstStyle/>
-          <a:p>
-            <a:endParaRPr lang="en-US"/>
+          <p:cNvPr id="3" name="Content Placeholder 2"/>
+          <p:cNvSpPr>
+            <a:spLocks noGrp="1"/>
+          </p:cNvSpPr>
+          <p:nvPr>
+            <p:ph idx="1"/>
+          </p:nvPr>
+        </p:nvSpPr>
+        <p:spPr>
+          <a:xfrm>
+            <a:off x="457200" y="1066800"/>
+            <a:ext cx="8839200" cy="4525963"/>
+          </a:xfrm>
+        </p:spPr>
+        <p:txBody>
+          <a:bodyPr>
+            <a:noAutofit/>
+          </a:bodyPr>
+          <a:lstStyle/>
+          <a:p>
+            <a:r>
+              <a:rPr lang="en-US" sz="1800" dirty="0" smtClean="0"/>
+              <a:t>IEDB - a manually </a:t>
+            </a:r>
+            <a:r>
+              <a:rPr lang="en-US" sz="1800" dirty="0" err="1" smtClean="0"/>
+              <a:t>curated</a:t>
+            </a:r>
+            <a:r>
+              <a:rPr lang="en-US" sz="1800" dirty="0" smtClean="0"/>
+              <a:t> database  of immune epitope defining experiments</a:t>
+            </a:r>
+          </a:p>
+          <a:p>
+            <a:pPr lvl="1"/>
+            <a:r>
+              <a:rPr lang="en-US" sz="1800" dirty="0" smtClean="0"/>
+              <a:t>How to use OBI to add value to an existing database</a:t>
+            </a:r>
+          </a:p>
+          <a:p>
+            <a:pPr lvl="1"/>
+            <a:r>
+              <a:rPr lang="en-US" sz="1800" dirty="0" smtClean="0"/>
+              <a:t>Create classes for types experiments, integrate links to those in the IEDB</a:t>
+            </a:r>
+          </a:p>
+          <a:p>
+            <a:pPr lvl="1"/>
+            <a:r>
+              <a:rPr lang="en-US" sz="1800" dirty="0" smtClean="0"/>
+              <a:t>enable enhanced consistency, documentation and queries </a:t>
+            </a:r>
+          </a:p>
+          <a:p>
+            <a:r>
+              <a:rPr lang="en-US" sz="1800" dirty="0" err="1" smtClean="0"/>
+              <a:t>EuPathDB</a:t>
+            </a:r>
+            <a:r>
+              <a:rPr lang="en-US" sz="1800" dirty="0" smtClean="0"/>
+              <a:t> - annotation of genomic-scale datasets associated with eukaryotic pathogens </a:t>
+            </a:r>
+          </a:p>
+          <a:p>
+            <a:pPr lvl="1"/>
+            <a:r>
+              <a:rPr lang="en-US" sz="1800" dirty="0" smtClean="0"/>
+              <a:t> How to design a data submission form based on an ontology model</a:t>
+            </a:r>
+          </a:p>
+          <a:p>
+            <a:pPr lvl="1"/>
+            <a:r>
+              <a:rPr lang="en-US" sz="1800" dirty="0" smtClean="0"/>
+              <a:t>How to reduce user effort in submission using restrictions defined in an ontology</a:t>
+            </a:r>
+          </a:p>
+          <a:p>
+            <a:r>
+              <a:rPr lang="en-US" sz="1800" dirty="0" smtClean="0"/>
+              <a:t>eagle-</a:t>
+            </a:r>
+            <a:r>
+              <a:rPr lang="en-US" sz="1800" dirty="0" err="1" smtClean="0"/>
+              <a:t>i</a:t>
+            </a:r>
+            <a:r>
+              <a:rPr lang="en-US" sz="1800" dirty="0" smtClean="0"/>
+              <a:t>  - representation of research resources</a:t>
+            </a:r>
+          </a:p>
+          <a:p>
+            <a:pPr lvl="1"/>
+            <a:r>
+              <a:rPr lang="en-US" sz="1400" dirty="0" smtClean="0"/>
+              <a:t>To inform development of an interoperable  ontology </a:t>
+            </a:r>
+          </a:p>
+          <a:p>
+            <a:pPr lvl="1"/>
+            <a:r>
+              <a:rPr lang="en-US" sz="1400" dirty="0" smtClean="0"/>
+              <a:t>How to use OBI to speed up ontology development for annotation of research resources</a:t>
+            </a:r>
+          </a:p>
+          <a:p>
+            <a:r>
+              <a:rPr lang="en-US" sz="1800" dirty="0" smtClean="0"/>
+              <a:t>ISA suite - tools for the annotation of functional genomics experiments</a:t>
+            </a:r>
+          </a:p>
+          <a:p>
+            <a:pPr lvl="1"/>
+            <a:r>
+              <a:rPr lang="en-US" sz="1400" dirty="0" smtClean="0"/>
+              <a:t> Configuration of OBI in annotation</a:t>
+            </a:r>
+          </a:p>
+          <a:p>
+            <a:r>
+              <a:rPr lang="en-US" sz="1800" dirty="0" smtClean="0"/>
+              <a:t>Evidence Code Ontology - Cross references to OBI within the (Marcus)</a:t>
+            </a:r>
+          </a:p>
+          <a:p>
+            <a:pPr lvl="1"/>
+            <a:r>
+              <a:rPr lang="en-US" sz="1400" dirty="0" smtClean="0"/>
+              <a:t> How to use OBI  to guide the development of an existing ontology</a:t>
+            </a:r>
+            <a:endParaRPr lang="en-US" sz="1400" dirty="0"/>
           </a:p>
         </p:txBody>
       </p:sp>
@@ -4987,129 +7244,52 @@
       </p:grpSpPr>
       <p:sp>
         <p:nvSpPr>
-          <p:cNvPr id="2" name="Title 1"/>
-          <p:cNvSpPr>
-            <a:spLocks noGrp="1"/>
-          </p:cNvSpPr>
-          <p:nvPr>
-            <p:ph type="title"/>
-          </p:nvPr>
-        </p:nvSpPr>
-        <p:spPr>
-          <a:xfrm>
-            <a:off x="0" y="274638"/>
-            <a:ext cx="8229600" cy="1143000"/>
-          </a:xfrm>
-        </p:spPr>
+          <p:cNvPr id="4" name="Title 3"/>
+          <p:cNvSpPr>
+            <a:spLocks noGrp="1"/>
+          </p:cNvSpPr>
+          <p:nvPr>
+            <p:ph type="ctrTitle"/>
+          </p:nvPr>
+        </p:nvSpPr>
+        <p:spPr/>
         <p:txBody>
           <a:bodyPr>
-            <a:normAutofit/>
+            <a:normAutofit fontScale="90000"/>
           </a:bodyPr>
           <a:lstStyle/>
           <a:p>
-            <a:pPr algn="l"/>
-            <a:r>
-              <a:rPr lang="en-US" sz="3200" u="sng" dirty="0" smtClean="0"/>
-              <a:t>This presentation demonstrates:</a:t>
-            </a:r>
-            <a:endParaRPr lang="en-US" sz="3200" u="sng" dirty="0"/>
-          </a:p>
-        </p:txBody>
-      </p:sp>
-      <p:sp>
-        <p:nvSpPr>
-          <p:cNvPr id="3" name="Content Placeholder 2"/>
-          <p:cNvSpPr>
-            <a:spLocks noGrp="1"/>
-          </p:cNvSpPr>
-          <p:nvPr>
-            <p:ph idx="1"/>
-          </p:nvPr>
-        </p:nvSpPr>
-        <p:spPr>
-          <a:xfrm>
-            <a:off x="228600" y="1295400"/>
-            <a:ext cx="8686800" cy="4525963"/>
-          </a:xfrm>
-        </p:spPr>
-        <p:txBody>
-          <a:bodyPr>
-            <a:noAutofit/>
-          </a:bodyPr>
-          <a:lstStyle/>
-          <a:p>
             <a:r>
               <a:rPr lang="en-US" dirty="0" smtClean="0"/>
-              <a:t>How to replace a controlled vocabulary with OBI classes</a:t>
-            </a:r>
-          </a:p>
-          <a:p>
-            <a:r>
+              <a:t>Using OBI to enhance an existing database </a:t>
+            </a:r>
+            <a:br>
               <a:rPr lang="en-US" dirty="0" smtClean="0"/>
-              <a:t>How this can be used to</a:t>
-            </a:r>
-            <a:endParaRPr lang="en-US" sz="3600" dirty="0" smtClean="0"/>
-          </a:p>
-          <a:p>
-            <a:pPr lvl="1"/>
-            <a:r>
-              <a:rPr lang="en-US" sz="3200" dirty="0" smtClean="0"/>
-              <a:t>Increase consistency </a:t>
-            </a:r>
-            <a:r>
-              <a:rPr lang="en-US" sz="3200" dirty="0" smtClean="0"/>
-              <a:t>in </a:t>
-            </a:r>
-            <a:r>
-              <a:rPr lang="en-US" sz="3200" dirty="0" smtClean="0"/>
-              <a:t>data </a:t>
-            </a:r>
-            <a:r>
-              <a:rPr lang="en-US" sz="3200" dirty="0" err="1" smtClean="0"/>
-              <a:t>curation</a:t>
-            </a:r>
-            <a:endParaRPr lang="en-US" sz="3200" dirty="0" smtClean="0"/>
-          </a:p>
-          <a:p>
-            <a:pPr lvl="1"/>
-            <a:r>
-              <a:rPr lang="en-US" sz="3200" dirty="0" smtClean="0"/>
-              <a:t>Reduce duplicates</a:t>
-            </a:r>
-            <a:endParaRPr lang="en-US" sz="3200" dirty="0" smtClean="0"/>
-          </a:p>
-          <a:p>
-            <a:pPr lvl="1"/>
-            <a:r>
-              <a:rPr lang="en-US" sz="3200" dirty="0" smtClean="0"/>
-              <a:t>Improve documentation to external users</a:t>
-            </a:r>
-            <a:endParaRPr lang="en-US" sz="3200" dirty="0" smtClean="0"/>
-          </a:p>
-          <a:p>
-            <a:pPr lvl="1"/>
-            <a:r>
-              <a:rPr lang="en-US" sz="3200" dirty="0" smtClean="0"/>
-              <a:t>Enhance search capabilities</a:t>
-            </a:r>
-          </a:p>
-          <a:p>
-            <a:pPr lvl="1"/>
-            <a:r>
-              <a:rPr lang="en-US" sz="3200" dirty="0" smtClean="0"/>
-              <a:t>Detect errors</a:t>
-            </a:r>
-          </a:p>
-          <a:p>
-            <a:pPr lvl="1"/>
-            <a:r>
-              <a:rPr lang="en-US" sz="3200" dirty="0" smtClean="0"/>
-              <a:t>Improve interoperability</a:t>
-            </a:r>
-            <a:endParaRPr lang="en-US" sz="3200" dirty="0" smtClean="0"/>
-          </a:p>
-          <a:p>
-            <a:endParaRPr lang="en-US" sz="3600" dirty="0"/>
+            </a:br>
+            <a:r>
+              <a:rPr lang="en-US" dirty="0" smtClean="0"/>
+              <a:t>(Immune Epitope Database = IEDB)</a:t>
+            </a:r>
+            <a:endParaRPr lang="en-US" dirty="0"/>
+          </a:p>
+        </p:txBody>
+      </p:sp>
+      <p:sp>
+        <p:nvSpPr>
+          <p:cNvPr id="5" name="Subtitle 4"/>
+          <p:cNvSpPr>
+            <a:spLocks noGrp="1"/>
+          </p:cNvSpPr>
+          <p:nvPr>
+            <p:ph type="subTitle" idx="1"/>
+          </p:nvPr>
+        </p:nvSpPr>
+        <p:spPr/>
+        <p:txBody>
+          <a:bodyPr/>
+          <a:lstStyle/>
+          <a:p>
+            <a:endParaRPr lang="en-US"/>
           </a:p>
         </p:txBody>
       </p:sp>
@@ -5129,6 +7309,155 @@
 </file>
 
 <file path=ppt/slides/slide17.xml><?xml version="1.0" encoding="utf-8"?>
+<p:sld xmlns:a="http://schemas.openxmlformats.org/drawingml/2006/main" xmlns:r="http://schemas.openxmlformats.org/officeDocument/2006/relationships" xmlns:p="http://schemas.openxmlformats.org/presentationml/2006/main">
+  <p:cSld>
+    <p:spTree>
+      <p:nvGrpSpPr>
+        <p:cNvPr id="1" name=""/>
+        <p:cNvGrpSpPr/>
+        <p:nvPr/>
+      </p:nvGrpSpPr>
+      <p:grpSpPr>
+        <a:xfrm>
+          <a:off x="0" y="0"/>
+          <a:ext cx="0" cy="0"/>
+          <a:chOff x="0" y="0"/>
+          <a:chExt cx="0" cy="0"/>
+        </a:xfrm>
+      </p:grpSpPr>
+      <p:sp>
+        <p:nvSpPr>
+          <p:cNvPr id="2" name="Title 1"/>
+          <p:cNvSpPr>
+            <a:spLocks noGrp="1"/>
+          </p:cNvSpPr>
+          <p:nvPr>
+            <p:ph type="title"/>
+          </p:nvPr>
+        </p:nvSpPr>
+        <p:spPr>
+          <a:xfrm>
+            <a:off x="0" y="274638"/>
+            <a:ext cx="8229600" cy="1143000"/>
+          </a:xfrm>
+        </p:spPr>
+        <p:txBody>
+          <a:bodyPr>
+            <a:normAutofit/>
+          </a:bodyPr>
+          <a:lstStyle/>
+          <a:p>
+            <a:pPr algn="l"/>
+            <a:r>
+              <a:rPr lang="en-US" sz="3200" u="sng" dirty="0" smtClean="0"/>
+              <a:t>This presentation demonstrates:</a:t>
+            </a:r>
+            <a:endParaRPr lang="en-US" sz="3200" u="sng" dirty="0"/>
+          </a:p>
+        </p:txBody>
+      </p:sp>
+      <p:sp>
+        <p:nvSpPr>
+          <p:cNvPr id="3" name="Content Placeholder 2"/>
+          <p:cNvSpPr>
+            <a:spLocks noGrp="1"/>
+          </p:cNvSpPr>
+          <p:nvPr>
+            <p:ph idx="1"/>
+          </p:nvPr>
+        </p:nvSpPr>
+        <p:spPr>
+          <a:xfrm>
+            <a:off x="228600" y="1295400"/>
+            <a:ext cx="8686800" cy="4525963"/>
+          </a:xfrm>
+        </p:spPr>
+        <p:txBody>
+          <a:bodyPr>
+            <a:noAutofit/>
+          </a:bodyPr>
+          <a:lstStyle/>
+          <a:p>
+            <a:r>
+              <a:rPr lang="en-US" dirty="0" smtClean="0"/>
+              <a:t>How to replace a controlled vocabulary with OBI classes</a:t>
+            </a:r>
+          </a:p>
+          <a:p>
+            <a:r>
+              <a:rPr lang="en-US" dirty="0" smtClean="0"/>
+              <a:t>How this can be used to</a:t>
+            </a:r>
+            <a:endParaRPr lang="en-US" sz="3600" dirty="0" smtClean="0"/>
+          </a:p>
+          <a:p>
+            <a:pPr lvl="1"/>
+            <a:r>
+              <a:rPr lang="en-US" dirty="0" smtClean="0"/>
+              <a:t>Increase consistency in data </a:t>
+            </a:r>
+            <a:r>
+              <a:rPr lang="en-US" dirty="0" err="1" smtClean="0"/>
+              <a:t>curation</a:t>
+            </a:r>
+            <a:endParaRPr lang="en-US" dirty="0" smtClean="0"/>
+          </a:p>
+          <a:p>
+            <a:pPr lvl="1"/>
+            <a:r>
+              <a:rPr lang="en-US" dirty="0" smtClean="0"/>
+              <a:t>Reduce duplicates</a:t>
+            </a:r>
+          </a:p>
+          <a:p>
+            <a:pPr lvl="1"/>
+            <a:r>
+              <a:rPr lang="en-US" dirty="0" smtClean="0"/>
+              <a:t>Improve documentation to external users</a:t>
+            </a:r>
+          </a:p>
+          <a:p>
+            <a:pPr lvl="1"/>
+            <a:r>
+              <a:rPr lang="en-US" dirty="0" smtClean="0"/>
+              <a:t>Enhance search capabilities</a:t>
+            </a:r>
+          </a:p>
+          <a:p>
+            <a:pPr lvl="1"/>
+            <a:r>
+              <a:rPr lang="en-US" dirty="0" smtClean="0"/>
+              <a:t>Detect errors</a:t>
+            </a:r>
+          </a:p>
+          <a:p>
+            <a:pPr lvl="1"/>
+            <a:r>
+              <a:rPr lang="en-US" dirty="0" smtClean="0"/>
+              <a:t>Improve interoperability</a:t>
+            </a:r>
+          </a:p>
+          <a:p>
+            <a:endParaRPr lang="en-US" dirty="0"/>
+          </a:p>
+        </p:txBody>
+      </p:sp>
+    </p:spTree>
+  </p:cSld>
+  <p:clrMapOvr>
+    <a:masterClrMapping/>
+  </p:clrMapOvr>
+  <p:timing>
+    <p:tnLst>
+      <p:par>
+        <p:cTn id="1" dur="indefinite" restart="never" nodeType="tmRoot"/>
+      </p:par>
+    </p:tnLst>
+  </p:timing>
+</p:sld>
+</file>
+
+<file path=ppt/slides/slide18.xml><?xml version="1.0" encoding="utf-8"?>
 <p:sld xmlns:a="http://schemas.openxmlformats.org/drawingml/2006/main" xmlns:r="http://schemas.openxmlformats.org/officeDocument/2006/relationships" xmlns:p="http://schemas.openxmlformats.org/presentationml/2006/main">
   <p:cSld>
     <p:spTree>
@@ -5934,19 +8263,7 @@
               <a:rPr lang="en-US" sz="3600" dirty="0" smtClean="0">
                 <a:ea typeface="ＭＳ Ｐゴシック" charset="-128"/>
               </a:rPr>
-              <a:t>The IEDB catalogs immune </a:t>
-            </a:r>
-            <a:r>
-              <a:rPr lang="en-US" sz="3600" dirty="0" smtClean="0">
-                <a:ea typeface="ＭＳ Ｐゴシック" charset="-128"/>
-              </a:rPr>
-              <a:t>epitope related </a:t>
-            </a:r>
-            <a:r>
-              <a:rPr lang="en-US" sz="3600" dirty="0" smtClean="0">
-                <a:ea typeface="ＭＳ Ｐゴシック" charset="-128"/>
-              </a:rPr>
-              <a:t>experiments through m</a:t>
+              <a:t>The IEDB catalogs immune epitope related experiments through m</a:t>
             </a:r>
             <a:r>
               <a:rPr lang="en-US" sz="3600" dirty="0" smtClean="0"/>
@@ -5987,11 +8304,7 @@
           <a:p>
             <a:r>
               <a:rPr lang="en-US" sz="2400" dirty="0" smtClean="0"/>
-              <a:t> 497,452 </a:t>
-            </a:r>
-            <a:r>
-              <a:rPr lang="en-US" sz="2400" dirty="0" smtClean="0"/>
-              <a:t>experiments</a:t>
+              <a:t> 497,452 experiments</a:t>
             </a:r>
           </a:p>
           <a:p>
@@ -6208,7 +8521,7 @@
 </p:sld>
 </file>
 
-<file path=ppt/slides/slide18.xml><?xml version="1.0" encoding="utf-8"?>
+<file path=ppt/slides/slide19.xml><?xml version="1.0" encoding="utf-8"?>
 <p:sld xmlns:a="http://schemas.openxmlformats.org/drawingml/2006/main" xmlns:r="http://schemas.openxmlformats.org/officeDocument/2006/relationships" xmlns:p="http://schemas.openxmlformats.org/presentationml/2006/main">
   <p:cSld>
     <p:spTree>
@@ -6378,7 +8691,111 @@
 </p:sld>
 </file>
 
-<file path=ppt/slides/slide19.xml><?xml version="1.0" encoding="utf-8"?>
+<file path=ppt/slides/slide2.xml><?xml version="1.0" encoding="utf-8"?>
+<p:sld xmlns:a="http://schemas.openxmlformats.org/drawingml/2006/main" xmlns:r="http://schemas.openxmlformats.org/officeDocument/2006/relationships" xmlns:p="http://schemas.openxmlformats.org/presentationml/2006/main">
+  <p:cSld>
+    <p:spTree>
+      <p:nvGrpSpPr>
+        <p:cNvPr id="1" name=""/>
+        <p:cNvGrpSpPr/>
+        <p:nvPr/>
+      </p:nvGrpSpPr>
+      <p:grpSpPr>
+        <a:xfrm>
+          <a:off x="0" y="0"/>
+          <a:ext cx="0" cy="0"/>
+          <a:chOff x="0" y="0"/>
+          <a:chExt cx="0" cy="0"/>
+        </a:xfrm>
+      </p:grpSpPr>
+      <p:sp>
+        <p:nvSpPr>
+          <p:cNvPr id="2" name="Title 1"/>
+          <p:cNvSpPr>
+            <a:spLocks noGrp="1"/>
+          </p:cNvSpPr>
+          <p:nvPr>
+            <p:ph type="title"/>
+          </p:nvPr>
+        </p:nvSpPr>
+        <p:spPr/>
+        <p:txBody>
+          <a:bodyPr/>
+          <a:lstStyle/>
+          <a:p>
+            <a:r>
+              <a:rPr lang="en-US" dirty="0" smtClean="0"/>
+              <a:t>Tutorial Overview</a:t>
+            </a:r>
+            <a:endParaRPr lang="en-US" dirty="0"/>
+          </a:p>
+        </p:txBody>
+      </p:sp>
+      <p:sp>
+        <p:nvSpPr>
+          <p:cNvPr id="3" name="Content Placeholder 2"/>
+          <p:cNvSpPr>
+            <a:spLocks noGrp="1"/>
+          </p:cNvSpPr>
+          <p:nvPr>
+            <p:ph idx="1"/>
+          </p:nvPr>
+        </p:nvSpPr>
+        <p:spPr/>
+        <p:txBody>
+          <a:bodyPr/>
+          <a:lstStyle/>
+          <a:p>
+            <a:r>
+              <a:rPr lang="en-US" dirty="0" smtClean="0"/>
+              <a:t>OBI – high level</a:t>
+            </a:r>
+          </a:p>
+          <a:p>
+            <a:r>
+              <a:rPr lang="en-US" dirty="0" smtClean="0"/>
+              <a:t>OBI </a:t>
+            </a:r>
+            <a:r>
+              <a:rPr lang="en-US" dirty="0" smtClean="0"/>
+              <a:t>applications</a:t>
+            </a:r>
+          </a:p>
+          <a:p>
+            <a:r>
+              <a:rPr lang="en-US" dirty="0" smtClean="0"/>
+              <a:t>Break </a:t>
+            </a:r>
+          </a:p>
+          <a:p>
+            <a:r>
+              <a:rPr lang="en-US" dirty="0" smtClean="0"/>
+              <a:t>Hands on session</a:t>
+            </a:r>
+            <a:endParaRPr lang="en-US" dirty="0" smtClean="0"/>
+          </a:p>
+          <a:p>
+            <a:pPr lvl="1"/>
+            <a:endParaRPr lang="en-US" dirty="0"/>
+          </a:p>
+        </p:txBody>
+      </p:sp>
+    </p:spTree>
+  </p:cSld>
+  <p:clrMapOvr>
+    <a:masterClrMapping/>
+  </p:clrMapOvr>
+  <p:timing>
+    <p:tnLst>
+      <p:par>
+        <p:cTn id="1" dur="indefinite" restart="never" nodeType="tmRoot"/>
+      </p:par>
+    </p:tnLst>
+  </p:timing>
+</p:sld>
+</file>
+
+<file path=ppt/slides/slide20.xml><?xml version="1.0" encoding="utf-8"?>
 <p:sld xmlns:a="http://schemas.openxmlformats.org/drawingml/2006/main" xmlns:r="http://schemas.openxmlformats.org/officeDocument/2006/relationships" xmlns:p="http://schemas.openxmlformats.org/presentationml/2006/main">
   <p:cSld>
     <p:spTree>
@@ -6582,94 +8999,7 @@
 </p:sld>
 </file>
 
-<file path=ppt/slides/slide2.xml><?xml version="1.0" encoding="utf-8"?>
-<p:sld xmlns:a="http://schemas.openxmlformats.org/drawingml/2006/main" xmlns:r="http://schemas.openxmlformats.org/officeDocument/2006/relationships" xmlns:p="http://schemas.openxmlformats.org/presentationml/2006/main">
-  <p:cSld>
-    <p:spTree>
-      <p:nvGrpSpPr>
-        <p:cNvPr id="1" name=""/>
-        <p:cNvGrpSpPr/>
-        <p:nvPr/>
-      </p:nvGrpSpPr>
-      <p:grpSpPr>
-        <a:xfrm>
-          <a:off x="0" y="0"/>
-          <a:ext cx="0" cy="0"/>
-          <a:chOff x="0" y="0"/>
-          <a:chExt cx="0" cy="0"/>
-        </a:xfrm>
-      </p:grpSpPr>
-      <p:sp>
-        <p:nvSpPr>
-          <p:cNvPr id="2" name="Title 1"/>
-          <p:cNvSpPr>
-            <a:spLocks noGrp="1"/>
-          </p:cNvSpPr>
-          <p:nvPr>
-            <p:ph type="title"/>
-          </p:nvPr>
-        </p:nvSpPr>
-        <p:spPr/>
-        <p:txBody>
-          <a:bodyPr/>
-          <a:lstStyle/>
-          <a:p>
-            <a:r>
-              <a:rPr lang="en-US" dirty="0" smtClean="0"/>
-              <a:t>Tutorial Overview</a:t>
-            </a:r>
-            <a:endParaRPr lang="en-US" dirty="0"/>
-          </a:p>
-        </p:txBody>
-      </p:sp>
-      <p:sp>
-        <p:nvSpPr>
-          <p:cNvPr id="3" name="Content Placeholder 2"/>
-          <p:cNvSpPr>
-            <a:spLocks noGrp="1"/>
-          </p:cNvSpPr>
-          <p:nvPr>
-            <p:ph idx="1"/>
-          </p:nvPr>
-        </p:nvSpPr>
-        <p:spPr/>
-        <p:txBody>
-          <a:bodyPr/>
-          <a:lstStyle/>
-          <a:p>
-            <a:r>
-              <a:rPr lang="en-US" dirty="0" smtClean="0"/>
-              <a:t>OBI – high level</a:t>
-            </a:r>
-          </a:p>
-          <a:p>
-            <a:r>
-              <a:rPr lang="en-US" dirty="0" smtClean="0"/>
-              <a:t>OBI applications</a:t>
-            </a:r>
-          </a:p>
-          <a:p>
-            <a:pPr lvl="1"/>
-            <a:endParaRPr lang="en-US" dirty="0"/>
-          </a:p>
-        </p:txBody>
-      </p:sp>
-    </p:spTree>
-  </p:cSld>
-  <p:clrMapOvr>
-    <a:masterClrMapping/>
-  </p:clrMapOvr>
-  <p:timing>
-    <p:tnLst>
-      <p:par>
-        <p:cTn id="1" dur="indefinite" restart="never" nodeType="tmRoot"/>
-      </p:par>
-    </p:tnLst>
-  </p:timing>
-</p:sld>
-</file>
-
-<file path=ppt/slides/slide20.xml><?xml version="1.0" encoding="utf-8"?>
+<file path=ppt/slides/slide21.xml><?xml version="1.0" encoding="utf-8"?>
 <p:sld xmlns:a="http://schemas.openxmlformats.org/drawingml/2006/main" xmlns:r="http://schemas.openxmlformats.org/officeDocument/2006/relationships" xmlns:p="http://schemas.openxmlformats.org/presentationml/2006/main">
   <p:cSld>
     <p:spTree>
@@ -6731,182 +9061,6 @@
         <p:spPr bwMode="auto">
           <a:xfrm flipH="1">
             <a:off x="762000" y="3981450"/>
-            <a:ext cx="560388" cy="361950"/>
-          </a:xfrm>
-          <a:prstGeom prst="rightArrow">
-            <a:avLst>
-              <a:gd name="adj1" fmla="val 50000"/>
-              <a:gd name="adj2" fmla="val 40240"/>
-            </a:avLst>
-          </a:prstGeom>
-          <a:solidFill>
-            <a:srgbClr val="FF0212"/>
-          </a:solidFill>
-          <a:ln w="9525">
-            <a:solidFill>
-              <a:schemeClr val="tx1"/>
-            </a:solidFill>
-            <a:miter lim="800000"/>
-            <a:headEnd/>
-            <a:tailEnd/>
-          </a:ln>
-        </p:spPr>
-        <p:txBody>
-          <a:bodyPr wrap="none" anchor="ctr"/>
-          <a:lstStyle/>
-          <a:p>
-            <a:endParaRPr lang="en-US"/>
-          </a:p>
-        </p:txBody>
-      </p:sp>
-    </p:spTree>
-  </p:cSld>
-  <p:clrMapOvr>
-    <a:masterClrMapping/>
-  </p:clrMapOvr>
-  <p:timing>
-    <p:tnLst>
-      <p:par>
-        <p:cTn id="1" dur="indefinite" restart="never" nodeType="tmRoot">
-          <p:childTnLst>
-            <p:seq concurrent="1" nextAc="seek">
-              <p:cTn id="2" dur="indefinite" nodeType="mainSeq">
-                <p:childTnLst>
-                  <p:par>
-                    <p:cTn id="3" fill="hold">
-                      <p:stCondLst>
-                        <p:cond delay="indefinite"/>
-                      </p:stCondLst>
-                      <p:childTnLst>
-                        <p:par>
-                          <p:cTn id="4" fill="hold">
-                            <p:stCondLst>
-                              <p:cond delay="0"/>
-                            </p:stCondLst>
-                            <p:childTnLst>
-                              <p:par>
-                                <p:cTn id="5" presetID="1" presetClass="entr" presetSubtype="0" fill="hold" grpId="0" nodeType="clickEffect">
-                                  <p:stCondLst>
-                                    <p:cond delay="0"/>
-                                  </p:stCondLst>
-                                  <p:childTnLst>
-                                    <p:set>
-                                      <p:cBhvr>
-                                        <p:cTn id="6" dur="1" fill="hold">
-                                          <p:stCondLst>
-                                            <p:cond delay="0"/>
-                                          </p:stCondLst>
-                                        </p:cTn>
-                                        <p:tgtEl>
-                                          <p:spTgt spid="3"/>
-                                        </p:tgtEl>
-                                        <p:attrNameLst>
-                                          <p:attrName>style.visibility</p:attrName>
-                                        </p:attrNameLst>
-                                      </p:cBhvr>
-                                      <p:to>
-                                        <p:strVal val="visible"/>
-                                      </p:to>
-                                    </p:set>
-                                  </p:childTnLst>
-                                </p:cTn>
-                              </p:par>
-                            </p:childTnLst>
-                          </p:cTn>
-                        </p:par>
-                      </p:childTnLst>
-                    </p:cTn>
-                  </p:par>
-                </p:childTnLst>
-              </p:cTn>
-              <p:prevCondLst>
-                <p:cond evt="onPrev" delay="0">
-                  <p:tgtEl>
-                    <p:sldTgt/>
-                  </p:tgtEl>
-                </p:cond>
-              </p:prevCondLst>
-              <p:nextCondLst>
-                <p:cond evt="onNext" delay="0">
-                  <p:tgtEl>
-                    <p:sldTgt/>
-                  </p:tgtEl>
-                </p:cond>
-              </p:nextCondLst>
-            </p:seq>
-          </p:childTnLst>
-        </p:cTn>
-      </p:par>
-    </p:tnLst>
-    <p:bldLst>
-      <p:bldP spid="3" grpId="0" animBg="1"/>
-    </p:bldLst>
-  </p:timing>
-</p:sld>
-</file>
-
-<file path=ppt/slides/slide21.xml><?xml version="1.0" encoding="utf-8"?>
-<p:sld xmlns:a="http://schemas.openxmlformats.org/drawingml/2006/main" xmlns:r="http://schemas.openxmlformats.org/officeDocument/2006/relationships" xmlns:p="http://schemas.openxmlformats.org/presentationml/2006/main">
-  <p:cSld>
-    <p:spTree>
-      <p:nvGrpSpPr>
-        <p:cNvPr id="1" name=""/>
-        <p:cNvGrpSpPr/>
-        <p:nvPr/>
-      </p:nvGrpSpPr>
-      <p:grpSpPr>
-        <a:xfrm>
-          <a:off x="0" y="0"/>
-          <a:ext cx="0" cy="0"/>
-          <a:chOff x="0" y="0"/>
-          <a:chExt cx="0" cy="0"/>
-        </a:xfrm>
-      </p:grpSpPr>
-      <p:pic>
-        <p:nvPicPr>
-          <p:cNvPr id="21506" name="Picture 2"/>
-          <p:cNvPicPr>
-            <a:picLocks noChangeAspect="1" noChangeArrowheads="1"/>
-          </p:cNvPicPr>
-          <p:nvPr/>
-        </p:nvPicPr>
-        <p:blipFill>
-          <a:blip r:embed="rId3" cstate="print"/>
-          <a:srcRect/>
-          <a:stretch>
-            <a:fillRect/>
-          </a:stretch>
-        </p:blipFill>
-        <p:spPr bwMode="auto">
-          <a:xfrm>
-            <a:off x="0" y="0"/>
-            <a:ext cx="13011150" cy="7315200"/>
-          </a:xfrm>
-          <a:prstGeom prst="rect">
-            <a:avLst/>
-          </a:prstGeom>
-          <a:noFill/>
-          <a:ln w="9525">
-            <a:noFill/>
-            <a:miter lim="800000"/>
-            <a:headEnd/>
-            <a:tailEnd/>
-          </a:ln>
-        </p:spPr>
-      </p:pic>
-      <p:sp>
-        <p:nvSpPr>
-          <p:cNvPr id="3" name="AutoShape 4">
-            <a:hlinkClick r:id="rId4"/>
-          </p:cNvPr>
-          <p:cNvSpPr>
-            <a:spLocks noChangeArrowheads="1"/>
-          </p:cNvSpPr>
-          <p:nvPr/>
-        </p:nvSpPr>
-        <p:spPr bwMode="auto">
-          <a:xfrm flipH="1">
-            <a:off x="762000" y="2609850"/>
             <a:ext cx="560388" cy="361950"/>
           </a:xfrm>
           <a:prstGeom prst="rightArrow">
@@ -7040,7 +9194,7 @@
       </p:grpSpPr>
       <p:pic>
         <p:nvPicPr>
-          <p:cNvPr id="22530" name="Picture 2"/>
+          <p:cNvPr id="21506" name="Picture 2"/>
           <p:cNvPicPr>
             <a:picLocks noChangeAspect="1" noChangeArrowheads="1"/>
           </p:cNvPicPr>
@@ -7081,14 +9235,14 @@
           <p:nvPr/>
         </p:nvSpPr>
         <p:spPr bwMode="auto">
-          <a:xfrm rot="16200000" flipH="1">
-            <a:off x="4016375" y="3913188"/>
-            <a:ext cx="558800" cy="361950"/>
+          <a:xfrm flipH="1">
+            <a:off x="762000" y="2609850"/>
+            <a:ext cx="560388" cy="361950"/>
           </a:xfrm>
           <a:prstGeom prst="rightArrow">
             <a:avLst>
               <a:gd name="adj1" fmla="val 50000"/>
-              <a:gd name="adj2" fmla="val 40126"/>
+              <a:gd name="adj2" fmla="val 40240"/>
             </a:avLst>
           </a:prstGeom>
           <a:solidFill>
@@ -7216,7 +9370,7 @@
       </p:grpSpPr>
       <p:pic>
         <p:nvPicPr>
-          <p:cNvPr id="23554" name="Picture 2"/>
+          <p:cNvPr id="22530" name="Picture 2"/>
           <p:cNvPicPr>
             <a:picLocks noChangeAspect="1" noChangeArrowheads="1"/>
           </p:cNvPicPr>
@@ -7248,7 +9402,7 @@
       </p:pic>
       <p:sp>
         <p:nvSpPr>
-          <p:cNvPr id="23555" name="AutoShape 4">
+          <p:cNvPr id="3" name="AutoShape 4">
             <a:hlinkClick r:id="rId4"/>
           </p:cNvPr>
           <p:cNvSpPr>
@@ -7283,116 +9437,6 @@
           <a:bodyPr wrap="none" anchor="ctr"/>
           <a:lstStyle/>
           <a:p>
-            <a:endParaRPr lang="en-US"/>
-          </a:p>
-        </p:txBody>
-      </p:sp>
-    </p:spTree>
-  </p:cSld>
-  <p:clrMapOvr>
-    <a:masterClrMapping/>
-  </p:clrMapOvr>
-  <p:timing>
-    <p:tnLst>
-      <p:par>
-        <p:cTn id="1" dur="indefinite" restart="never" nodeType="tmRoot"/>
-      </p:par>
-    </p:tnLst>
-  </p:timing>
-</p:sld>
-</file>
-
-<file path=ppt/slides/slide24.xml><?xml version="1.0" encoding="utf-8"?>
-<p:sld xmlns:a="http://schemas.openxmlformats.org/drawingml/2006/main" xmlns:r="http://schemas.openxmlformats.org/officeDocument/2006/relationships" xmlns:p="http://schemas.openxmlformats.org/presentationml/2006/main">
-  <p:cSld>
-    <p:spTree>
-      <p:nvGrpSpPr>
-        <p:cNvPr id="1" name=""/>
-        <p:cNvGrpSpPr/>
-        <p:nvPr/>
-      </p:nvGrpSpPr>
-      <p:grpSpPr>
-        <a:xfrm>
-          <a:off x="0" y="0"/>
-          <a:ext cx="0" cy="0"/>
-          <a:chOff x="0" y="0"/>
-          <a:chExt cx="0" cy="0"/>
-        </a:xfrm>
-      </p:grpSpPr>
-      <p:pic>
-        <p:nvPicPr>
-          <p:cNvPr id="24578" name="Picture 2"/>
-          <p:cNvPicPr>
-            <a:picLocks noChangeAspect="1" noChangeArrowheads="1"/>
-          </p:cNvPicPr>
-          <p:nvPr/>
-        </p:nvPicPr>
-        <p:blipFill>
-          <a:blip r:embed="rId3" cstate="print"/>
-          <a:srcRect/>
-          <a:stretch>
-            <a:fillRect/>
-          </a:stretch>
-        </p:blipFill>
-        <p:spPr bwMode="auto">
-          <a:xfrm>
-            <a:off x="0" y="0"/>
-            <a:ext cx="13011150" cy="7315200"/>
-          </a:xfrm>
-          <a:prstGeom prst="rect">
-            <a:avLst/>
-          </a:prstGeom>
-          <a:noFill/>
-          <a:ln w="9525">
-            <a:noFill/>
-            <a:miter lim="800000"/>
-            <a:headEnd/>
-            <a:tailEnd/>
-          </a:ln>
-        </p:spPr>
-      </p:pic>
-      <p:sp>
-        <p:nvSpPr>
-          <p:cNvPr id="3" name="Rectangle 2"/>
-          <p:cNvSpPr/>
-          <p:nvPr/>
-        </p:nvSpPr>
-        <p:spPr>
-          <a:xfrm>
-            <a:off x="1676400" y="1447800"/>
-            <a:ext cx="3048000" cy="228600"/>
-          </a:xfrm>
-          <a:prstGeom prst="rect">
-            <a:avLst/>
-          </a:prstGeom>
-          <a:noFill/>
-          <a:ln>
-            <a:solidFill>
-              <a:srgbClr val="FF0000"/>
-            </a:solidFill>
-          </a:ln>
-        </p:spPr>
-        <p:style>
-          <a:lnRef idx="2">
-            <a:schemeClr val="accent1">
-              <a:shade val="50000"/>
-            </a:schemeClr>
-          </a:lnRef>
-          <a:fillRef idx="1">
-            <a:schemeClr val="accent1"/>
-          </a:fillRef>
-          <a:effectRef idx="0">
-            <a:schemeClr val="accent1"/>
-          </a:effectRef>
-          <a:fontRef idx="minor">
-            <a:schemeClr val="lt1"/>
-          </a:fontRef>
-        </p:style>
-        <p:txBody>
-          <a:bodyPr rtlCol="0" anchor="ctr"/>
-          <a:lstStyle/>
-          <a:p>
-            <a:pPr algn="ctr"/>
             <a:endParaRPr lang="en-US"/>
           </a:p>
         </p:txBody>
@@ -7483,6 +9527,111 @@
 </p:sld>
 </file>
 
+<file path=ppt/slides/slide24.xml><?xml version="1.0" encoding="utf-8"?>
+<p:sld xmlns:a="http://schemas.openxmlformats.org/drawingml/2006/main" xmlns:r="http://schemas.openxmlformats.org/officeDocument/2006/relationships" xmlns:p="http://schemas.openxmlformats.org/presentationml/2006/main">
+  <p:cSld>
+    <p:spTree>
+      <p:nvGrpSpPr>
+        <p:cNvPr id="1" name=""/>
+        <p:cNvGrpSpPr/>
+        <p:nvPr/>
+      </p:nvGrpSpPr>
+      <p:grpSpPr>
+        <a:xfrm>
+          <a:off x="0" y="0"/>
+          <a:ext cx="0" cy="0"/>
+          <a:chOff x="0" y="0"/>
+          <a:chExt cx="0" cy="0"/>
+        </a:xfrm>
+      </p:grpSpPr>
+      <p:pic>
+        <p:nvPicPr>
+          <p:cNvPr id="23554" name="Picture 2"/>
+          <p:cNvPicPr>
+            <a:picLocks noChangeAspect="1" noChangeArrowheads="1"/>
+          </p:cNvPicPr>
+          <p:nvPr/>
+        </p:nvPicPr>
+        <p:blipFill>
+          <a:blip r:embed="rId3" cstate="print"/>
+          <a:srcRect/>
+          <a:stretch>
+            <a:fillRect/>
+          </a:stretch>
+        </p:blipFill>
+        <p:spPr bwMode="auto">
+          <a:xfrm>
+            <a:off x="0" y="0"/>
+            <a:ext cx="13011150" cy="7315200"/>
+          </a:xfrm>
+          <a:prstGeom prst="rect">
+            <a:avLst/>
+          </a:prstGeom>
+          <a:noFill/>
+          <a:ln w="9525">
+            <a:noFill/>
+            <a:miter lim="800000"/>
+            <a:headEnd/>
+            <a:tailEnd/>
+          </a:ln>
+        </p:spPr>
+      </p:pic>
+      <p:sp>
+        <p:nvSpPr>
+          <p:cNvPr id="23555" name="AutoShape 4">
+            <a:hlinkClick r:id="rId4"/>
+          </p:cNvPr>
+          <p:cNvSpPr>
+            <a:spLocks noChangeArrowheads="1"/>
+          </p:cNvSpPr>
+          <p:nvPr/>
+        </p:nvSpPr>
+        <p:spPr bwMode="auto">
+          <a:xfrm rot="16200000" flipH="1">
+            <a:off x="4016375" y="3913188"/>
+            <a:ext cx="558800" cy="361950"/>
+          </a:xfrm>
+          <a:prstGeom prst="rightArrow">
+            <a:avLst>
+              <a:gd name="adj1" fmla="val 50000"/>
+              <a:gd name="adj2" fmla="val 40126"/>
+            </a:avLst>
+          </a:prstGeom>
+          <a:solidFill>
+            <a:srgbClr val="FF0212"/>
+          </a:solidFill>
+          <a:ln w="9525">
+            <a:solidFill>
+              <a:schemeClr val="tx1"/>
+            </a:solidFill>
+            <a:miter lim="800000"/>
+            <a:headEnd/>
+            <a:tailEnd/>
+          </a:ln>
+        </p:spPr>
+        <p:txBody>
+          <a:bodyPr wrap="none" anchor="ctr"/>
+          <a:lstStyle/>
+          <a:p>
+            <a:endParaRPr lang="en-US"/>
+          </a:p>
+        </p:txBody>
+      </p:sp>
+    </p:spTree>
+  </p:cSld>
+  <p:clrMapOvr>
+    <a:masterClrMapping/>
+  </p:clrMapOvr>
+  <p:timing>
+    <p:tnLst>
+      <p:par>
+        <p:cTn id="1" dur="indefinite" restart="never" nodeType="tmRoot"/>
+      </p:par>
+    </p:tnLst>
+  </p:timing>
+</p:sld>
+</file>
+
 <file path=ppt/slides/slide25.xml><?xml version="1.0" encoding="utf-8"?>
 <p:sld xmlns:a="http://schemas.openxmlformats.org/drawingml/2006/main" xmlns:r="http://schemas.openxmlformats.org/officeDocument/2006/relationships" xmlns:p="http://schemas.openxmlformats.org/presentationml/2006/main">
   <p:cSld>
@@ -7500,188 +9649,81 @@
           <a:chExt cx="0" cy="0"/>
         </a:xfrm>
       </p:grpSpPr>
-      <p:sp>
-        <p:nvSpPr>
-          <p:cNvPr id="2" name="Title 1"/>
-          <p:cNvSpPr>
-            <a:spLocks noGrp="1"/>
-          </p:cNvSpPr>
-          <p:nvPr>
-            <p:ph type="title"/>
-          </p:nvPr>
+      <p:pic>
+        <p:nvPicPr>
+          <p:cNvPr id="24578" name="Picture 2"/>
+          <p:cNvPicPr>
+            <a:picLocks noChangeAspect="1" noChangeArrowheads="1"/>
+          </p:cNvPicPr>
+          <p:nvPr/>
+        </p:nvPicPr>
+        <p:blipFill>
+          <a:blip r:embed="rId3" cstate="print"/>
+          <a:srcRect/>
+          <a:stretch>
+            <a:fillRect/>
+          </a:stretch>
+        </p:blipFill>
+        <p:spPr bwMode="auto">
+          <a:xfrm>
+            <a:off x="0" y="0"/>
+            <a:ext cx="13011150" cy="7315200"/>
+          </a:xfrm>
+          <a:prstGeom prst="rect">
+            <a:avLst/>
+          </a:prstGeom>
+          <a:noFill/>
+          <a:ln w="9525">
+            <a:noFill/>
+            <a:miter lim="800000"/>
+            <a:headEnd/>
+            <a:tailEnd/>
+          </a:ln>
+        </p:spPr>
+      </p:pic>
+      <p:sp>
+        <p:nvSpPr>
+          <p:cNvPr id="3" name="Rectangle 2"/>
+          <p:cNvSpPr/>
+          <p:nvPr/>
         </p:nvSpPr>
         <p:spPr>
           <a:xfrm>
-            <a:off x="0" y="76200"/>
-            <a:ext cx="9144000" cy="1143000"/>
+            <a:off x="1676400" y="1447800"/>
+            <a:ext cx="3048000" cy="228600"/>
           </a:xfrm>
+          <a:prstGeom prst="rect">
+            <a:avLst/>
+          </a:prstGeom>
+          <a:noFill/>
+          <a:ln>
+            <a:solidFill>
+              <a:srgbClr val="FF0000"/>
+            </a:solidFill>
+          </a:ln>
         </p:spPr>
-        <p:txBody>
-          <a:bodyPr>
-            <a:noAutofit/>
-          </a:bodyPr>
-          <a:lstStyle/>
-          <a:p>
-            <a:r>
-              <a:rPr lang="en-US" sz="3600" dirty="0" smtClean="0"/>
-              <a:t>Original </a:t>
-            </a:r>
-            <a:r>
-              <a:rPr lang="en-US" sz="3600" dirty="0" smtClean="0"/>
-              <a:t>approach: controlled vocabularies</a:t>
-            </a:r>
-            <a:endParaRPr lang="en-US" sz="3600" dirty="0"/>
-          </a:p>
-        </p:txBody>
-      </p:sp>
-      <p:sp>
-        <p:nvSpPr>
-          <p:cNvPr id="3" name="Content Placeholder 2"/>
-          <p:cNvSpPr>
-            <a:spLocks noGrp="1"/>
-          </p:cNvSpPr>
-          <p:nvPr>
-            <p:ph idx="1"/>
-          </p:nvPr>
-        </p:nvSpPr>
-        <p:spPr>
-          <a:xfrm>
-            <a:off x="457200" y="1219200"/>
-            <a:ext cx="8229600" cy="5029200"/>
-          </a:xfrm>
-        </p:spPr>
-        <p:txBody>
-          <a:bodyPr>
-            <a:normAutofit lnSpcReduction="10000"/>
-          </a:bodyPr>
-          <a:lstStyle/>
-          <a:p>
-            <a:r>
-              <a:rPr lang="en-US" sz="2400" dirty="0" smtClean="0"/>
-              <a:t>Use existing </a:t>
-            </a:r>
-            <a:r>
-              <a:rPr lang="en-US" sz="2400" dirty="0" err="1" smtClean="0"/>
-              <a:t>ontologies</a:t>
-            </a:r>
-            <a:r>
-              <a:rPr lang="en-US" sz="2400" dirty="0" smtClean="0"/>
-              <a:t> /controlled vocabularies where possible (none available for epitope specific T cell assays) </a:t>
-            </a:r>
-          </a:p>
-          <a:p>
-            <a:r>
-              <a:rPr lang="en-US" sz="2400" dirty="0" smtClean="0"/>
-              <a:t>Maintain </a:t>
-            </a:r>
-            <a:r>
-              <a:rPr lang="en-US" sz="2400" dirty="0" smtClean="0"/>
-              <a:t>list of assays; if a publication uses an assay that is different, add to this list</a:t>
-            </a:r>
-          </a:p>
-          <a:p>
-            <a:r>
-              <a:rPr lang="en-US" sz="2400" dirty="0" smtClean="0"/>
-              <a:t>At present 140 T cell assays</a:t>
-            </a:r>
-          </a:p>
-          <a:p>
-            <a:r>
-              <a:rPr lang="en-US" sz="2400" dirty="0" smtClean="0"/>
-              <a:t>Challenges encountered: </a:t>
-            </a:r>
-            <a:endParaRPr lang="en-US" sz="2400" dirty="0" smtClean="0"/>
-          </a:p>
-          <a:p>
-            <a:pPr lvl="1"/>
-            <a:r>
-              <a:rPr lang="en-US" sz="2000" dirty="0" smtClean="0"/>
-              <a:t>Ensure curators pick the right assays</a:t>
-            </a:r>
-            <a:endParaRPr lang="en-US" sz="2000" dirty="0" smtClean="0"/>
-          </a:p>
-          <a:p>
-            <a:pPr lvl="1"/>
-            <a:r>
-              <a:rPr lang="en-US" sz="2000" dirty="0" smtClean="0"/>
-              <a:t>Communicate to external </a:t>
-            </a:r>
-            <a:r>
-              <a:rPr lang="en-US" sz="2000" dirty="0" smtClean="0"/>
-              <a:t>users </a:t>
-            </a:r>
-            <a:r>
-              <a:rPr lang="en-US" sz="2000" dirty="0" smtClean="0"/>
-              <a:t>what each assay is</a:t>
-            </a:r>
-            <a:endParaRPr lang="en-US" sz="2000" dirty="0" smtClean="0"/>
-          </a:p>
-          <a:p>
-            <a:pPr lvl="1"/>
-            <a:r>
-              <a:rPr lang="en-US" sz="2000" dirty="0" smtClean="0"/>
-              <a:t>Avoid  introducing duplicates (“MCP-1 IFA” </a:t>
-            </a:r>
-            <a:r>
-              <a:rPr lang="en-US" sz="2000" dirty="0" smtClean="0"/>
-              <a:t>= </a:t>
-            </a:r>
-            <a:r>
-              <a:rPr lang="en-US" sz="2000" dirty="0" smtClean="0"/>
-              <a:t>“CCL-2 </a:t>
-            </a:r>
-            <a:r>
-              <a:rPr lang="en-US" sz="2000" dirty="0" err="1" smtClean="0"/>
-              <a:t>histostain</a:t>
-            </a:r>
-            <a:r>
-              <a:rPr lang="en-US" sz="2000" dirty="0" smtClean="0"/>
-              <a:t>”)</a:t>
-            </a:r>
-          </a:p>
-          <a:p>
-            <a:r>
-              <a:rPr lang="en-US" sz="2400" dirty="0" smtClean="0"/>
-              <a:t>In addition we want to </a:t>
-            </a:r>
-            <a:endParaRPr lang="en-US" sz="2400" dirty="0" smtClean="0"/>
-          </a:p>
-          <a:p>
-            <a:pPr lvl="1"/>
-            <a:r>
-              <a:rPr lang="en-US" sz="2000" dirty="0" smtClean="0"/>
-              <a:t>Search for </a:t>
-            </a:r>
-            <a:r>
-              <a:rPr lang="en-US" sz="2000" dirty="0" smtClean="0"/>
-              <a:t>groups of related </a:t>
-            </a:r>
-            <a:r>
-              <a:rPr lang="en-US" sz="2000" dirty="0" smtClean="0"/>
-              <a:t>assays</a:t>
-            </a:r>
-          </a:p>
-          <a:p>
-            <a:pPr lvl="1"/>
-            <a:r>
-              <a:rPr lang="en-US" sz="2000" dirty="0" smtClean="0"/>
-              <a:t>Interoperability (lots of it)</a:t>
-            </a:r>
-          </a:p>
-          <a:p>
-            <a:pPr>
-              <a:buNone/>
-            </a:pPr>
-            <a:r>
-              <a:rPr lang="en-US" sz="2400" dirty="0" smtClean="0">
-                <a:sym typeface="Wingdings" pitchFamily="2" charset="2"/>
-              </a:rPr>
-              <a:t> Create an OBI class for each entry in our list of assay types</a:t>
-            </a:r>
-            <a:endParaRPr lang="en-US" sz="2400" dirty="0" smtClean="0"/>
-          </a:p>
-          <a:p>
-            <a:endParaRPr lang="en-US" sz="2400" dirty="0" smtClean="0"/>
+        <p:style>
+          <a:lnRef idx="2">
+            <a:schemeClr val="accent1">
+              <a:shade val="50000"/>
+            </a:schemeClr>
+          </a:lnRef>
+          <a:fillRef idx="1">
+            <a:schemeClr val="accent1"/>
+          </a:fillRef>
+          <a:effectRef idx="0">
+            <a:schemeClr val="accent1"/>
+          </a:effectRef>
+          <a:fontRef idx="minor">
+            <a:schemeClr val="lt1"/>
+          </a:fontRef>
+        </p:style>
+        <p:txBody>
+          <a:bodyPr rtlCol="0" anchor="ctr"/>
+          <a:lstStyle/>
+          <a:p>
+            <a:pPr algn="ctr"/>
+            <a:endParaRPr lang="en-US"/>
           </a:p>
         </p:txBody>
       </p:sp>
@@ -7693,9 +9735,80 @@
   <p:timing>
     <p:tnLst>
       <p:par>
-        <p:cTn id="1" dur="indefinite" restart="never" nodeType="tmRoot"/>
+        <p:cTn id="1" dur="indefinite" restart="never" nodeType="tmRoot">
+          <p:childTnLst>
+            <p:seq concurrent="1" nextAc="seek">
+              <p:cTn id="2" dur="indefinite" nodeType="mainSeq">
+                <p:childTnLst>
+                  <p:par>
+                    <p:cTn id="3" fill="hold">
+                      <p:stCondLst>
+                        <p:cond delay="indefinite"/>
+                      </p:stCondLst>
+                      <p:childTnLst>
+                        <p:par>
+                          <p:cTn id="4" fill="hold">
+                            <p:stCondLst>
+                              <p:cond delay="0"/>
+                            </p:stCondLst>
+                            <p:childTnLst>
+                              <p:par>
+                                <p:cTn id="5" presetID="1" presetClass="entr" presetSubtype="0" fill="hold" grpId="0" nodeType="clickEffect">
+                                  <p:stCondLst>
+                                    <p:cond delay="0"/>
+                                  </p:stCondLst>
+                                  <p:childTnLst>
+                                    <p:set>
+                                      <p:cBhvr>
+                                        <p:cTn id="6" dur="1" fill="hold">
+                                          <p:stCondLst>
+                                            <p:cond delay="0"/>
+                                          </p:stCondLst>
+                                        </p:cTn>
+                                        <p:tgtEl>
+                                          <p:spTgt spid="3"/>
+                                        </p:tgtEl>
+                                        <p:attrNameLst>
+                                          <p:attrName>style.visibility</p:attrName>
+                                        </p:attrNameLst>
+                                      </p:cBhvr>
+                                      <p:to>
+                                        <p:strVal val="visible"/>
+                                      </p:to>
+                                    </p:set>
+                                  </p:childTnLst>
+                                </p:cTn>
+                              </p:par>
+                            </p:childTnLst>
+                          </p:cTn>
+                        </p:par>
+                      </p:childTnLst>
+                    </p:cTn>
+                  </p:par>
+                </p:childTnLst>
+              </p:cTn>
+              <p:prevCondLst>
+                <p:cond evt="onPrev" delay="0">
+                  <p:tgtEl>
+                    <p:sldTgt/>
+                  </p:tgtEl>
+                </p:cond>
+              </p:prevCondLst>
+              <p:nextCondLst>
+                <p:cond evt="onNext" delay="0">
+                  <p:tgtEl>
+                    <p:sldTgt/>
+                  </p:tgtEl>
+                </p:cond>
+              </p:nextCondLst>
+            </p:seq>
+          </p:childTnLst>
+        </p:cTn>
       </p:par>
     </p:tnLst>
+    <p:bldLst>
+      <p:bldP spid="3" grpId="0" animBg="1"/>
+    </p:bldLst>
   </p:timing>
 </p:sld>
 </file>
@@ -7727,6 +9840,786 @@
             <p:ph type="title"/>
           </p:nvPr>
         </p:nvSpPr>
+        <p:spPr>
+          <a:xfrm>
+            <a:off x="0" y="76200"/>
+            <a:ext cx="9144000" cy="1143000"/>
+          </a:xfrm>
+        </p:spPr>
+        <p:txBody>
+          <a:bodyPr>
+            <a:noAutofit/>
+          </a:bodyPr>
+          <a:lstStyle/>
+          <a:p>
+            <a:r>
+              <a:rPr lang="en-US" sz="3600" dirty="0" smtClean="0"/>
+              <a:t>Original approach: controlled vocabularies</a:t>
+            </a:r>
+            <a:endParaRPr lang="en-US" sz="3600" dirty="0"/>
+          </a:p>
+        </p:txBody>
+      </p:sp>
+      <p:sp>
+        <p:nvSpPr>
+          <p:cNvPr id="3" name="Content Placeholder 2"/>
+          <p:cNvSpPr>
+            <a:spLocks noGrp="1"/>
+          </p:cNvSpPr>
+          <p:nvPr>
+            <p:ph idx="1"/>
+          </p:nvPr>
+        </p:nvSpPr>
+        <p:spPr>
+          <a:xfrm>
+            <a:off x="457200" y="1219200"/>
+            <a:ext cx="8229600" cy="5029200"/>
+          </a:xfrm>
+        </p:spPr>
+        <p:txBody>
+          <a:bodyPr>
+            <a:normAutofit/>
+          </a:bodyPr>
+          <a:lstStyle/>
+          <a:p>
+            <a:r>
+              <a:rPr lang="en-US" sz="2400" dirty="0" smtClean="0"/>
+              <a:t>Use existing </a:t>
+            </a:r>
+            <a:r>
+              <a:rPr lang="en-US" sz="2400" dirty="0" err="1" smtClean="0"/>
+              <a:t>ontologies</a:t>
+            </a:r>
+            <a:r>
+              <a:rPr lang="en-US" sz="2400" dirty="0" smtClean="0"/>
+              <a:t> /controlled vocabularies where possible (none available for epitope specific T cell assays) </a:t>
+            </a:r>
+          </a:p>
+          <a:p>
+            <a:r>
+              <a:rPr lang="en-US" sz="2400" dirty="0" smtClean="0"/>
+              <a:t>Maintain list of assays; if a publication uses an assay that is different, add to this </a:t>
+            </a:r>
+            <a:r>
+              <a:rPr lang="en-US" sz="2400" dirty="0" smtClean="0"/>
+              <a:t>list </a:t>
+            </a:r>
+            <a:r>
+              <a:rPr lang="en-US" sz="2400" dirty="0" smtClean="0">
+                <a:sym typeface="Wingdings" pitchFamily="2" charset="2"/>
+              </a:rPr>
+              <a:t> </a:t>
+            </a:r>
+            <a:r>
+              <a:rPr lang="en-US" sz="2400" dirty="0" smtClean="0"/>
+              <a:t>140 </a:t>
+            </a:r>
+            <a:r>
+              <a:rPr lang="en-US" sz="2400" dirty="0" smtClean="0"/>
+              <a:t>T cell assays</a:t>
+            </a:r>
+          </a:p>
+          <a:p>
+            <a:r>
+              <a:rPr lang="en-US" sz="2400" dirty="0" smtClean="0"/>
+              <a:t>Challenges encountered: </a:t>
+            </a:r>
+          </a:p>
+          <a:p>
+            <a:pPr lvl="1"/>
+            <a:r>
+              <a:rPr lang="en-US" sz="2000" dirty="0" smtClean="0"/>
+              <a:t>Ensure curators pick the right assays</a:t>
+            </a:r>
+          </a:p>
+          <a:p>
+            <a:pPr lvl="1"/>
+            <a:r>
+              <a:rPr lang="en-US" sz="2000" dirty="0" smtClean="0"/>
+              <a:t>Communicate to external users what each assay is</a:t>
+            </a:r>
+          </a:p>
+          <a:p>
+            <a:pPr lvl="1"/>
+            <a:r>
+              <a:rPr lang="en-US" sz="2000" dirty="0" smtClean="0"/>
+              <a:t>Avoid  introducing duplicates (“MCP-1 IFA” = “CCL-2 </a:t>
+            </a:r>
+            <a:r>
+              <a:rPr lang="en-US" sz="2000" dirty="0" err="1" smtClean="0"/>
+              <a:t>histostain</a:t>
+            </a:r>
+            <a:r>
+              <a:rPr lang="en-US" sz="2000" dirty="0" smtClean="0"/>
+              <a:t>”)</a:t>
+            </a:r>
+          </a:p>
+          <a:p>
+            <a:r>
+              <a:rPr lang="en-US" sz="2400" dirty="0" smtClean="0"/>
+              <a:t>In addition we want to </a:t>
+            </a:r>
+          </a:p>
+          <a:p>
+            <a:pPr lvl="1"/>
+            <a:r>
+              <a:rPr lang="en-US" sz="2000" dirty="0" smtClean="0"/>
+              <a:t>Search for groups of related assays</a:t>
+            </a:r>
+          </a:p>
+          <a:p>
+            <a:pPr lvl="1"/>
+            <a:r>
+              <a:rPr lang="en-US" sz="2000" dirty="0" smtClean="0"/>
+              <a:t>Interoperability (lots of it)</a:t>
+            </a:r>
+          </a:p>
+          <a:p>
+            <a:pPr>
+              <a:buNone/>
+            </a:pPr>
+            <a:r>
+              <a:rPr lang="en-US" sz="2400" dirty="0" smtClean="0">
+                <a:sym typeface="Wingdings" pitchFamily="2" charset="2"/>
+              </a:rPr>
+              <a:t> Create an OBI class for each entry in our list of assay types</a:t>
+            </a:r>
+            <a:endParaRPr lang="en-US" sz="2400" dirty="0" smtClean="0"/>
+          </a:p>
+          <a:p>
+            <a:endParaRPr lang="en-US" sz="2400" dirty="0" smtClean="0"/>
+          </a:p>
+        </p:txBody>
+      </p:sp>
+    </p:spTree>
+  </p:cSld>
+  <p:clrMapOvr>
+    <a:masterClrMapping/>
+  </p:clrMapOvr>
+  <p:timing>
+    <p:tnLst>
+      <p:par>
+        <p:cTn id="1" dur="indefinite" restart="never" nodeType="tmRoot"/>
+      </p:par>
+    </p:tnLst>
+  </p:timing>
+</p:sld>
+</file>
+
+<file path=ppt/slides/slide27.xml><?xml version="1.0" encoding="utf-8"?>
+<p:sld xmlns:a="http://schemas.openxmlformats.org/drawingml/2006/main" xmlns:r="http://schemas.openxmlformats.org/officeDocument/2006/relationships" xmlns:p="http://schemas.openxmlformats.org/presentationml/2006/main">
+  <p:cSld>
+    <p:spTree>
+      <p:nvGrpSpPr>
+        <p:cNvPr id="1" name=""/>
+        <p:cNvGrpSpPr/>
+        <p:nvPr/>
+      </p:nvGrpSpPr>
+      <p:grpSpPr>
+        <a:xfrm>
+          <a:off x="0" y="0"/>
+          <a:ext cx="0" cy="0"/>
+          <a:chOff x="0" y="0"/>
+          <a:chExt cx="0" cy="0"/>
+        </a:xfrm>
+      </p:grpSpPr>
+      <p:graphicFrame>
+        <p:nvGraphicFramePr>
+          <p:cNvPr id="5" name="Content Placeholder 4"/>
+          <p:cNvGraphicFramePr>
+            <a:graphicFrameLocks noGrp="1"/>
+          </p:cNvGraphicFramePr>
+          <p:nvPr>
+            <p:ph idx="1"/>
+          </p:nvPr>
+        </p:nvGraphicFramePr>
+        <p:xfrm>
+          <a:off x="381000" y="2438400"/>
+          <a:ext cx="8610600" cy="2987040"/>
+        </p:xfrm>
+        <a:graphic>
+          <a:graphicData uri="http://schemas.openxmlformats.org/drawingml/2006/table">
+            <a:tbl>
+              <a:tblPr firstRow="1" bandRow="1">
+                <a:tableStyleId>{5C22544A-7EE6-4342-B048-85BDC9FD1C3A}</a:tableStyleId>
+              </a:tblPr>
+              <a:tblGrid>
+                <a:gridCol w="1676400"/>
+                <a:gridCol w="1635369"/>
+                <a:gridCol w="5298831"/>
+              </a:tblGrid>
+              <a:tr h="370840">
+                <a:tc>
+                  <a:txBody>
+                    <a:bodyPr/>
+                    <a:lstStyle/>
+                    <a:p>
+                      <a:r>
+                        <a:rPr lang="en-US" sz="2000" dirty="0" smtClean="0"/>
+                        <a:t>Assay type ID </a:t>
+                      </a:r>
+                      <a:br>
+                        <a:rPr lang="en-US" sz="2000" dirty="0" smtClean="0"/>
+                      </a:br>
+                      <a:r>
+                        <a:rPr lang="en-US" sz="2000" dirty="0" smtClean="0"/>
+                        <a:t>[Primary Key]</a:t>
+                      </a:r>
+                      <a:endParaRPr lang="en-US" sz="2000" dirty="0"/>
+                    </a:p>
+                  </a:txBody>
+                  <a:tcPr/>
+                </a:tc>
+                <a:tc>
+                  <a:txBody>
+                    <a:bodyPr/>
+                    <a:lstStyle/>
+                    <a:p>
+                      <a:r>
+                        <a:rPr lang="en-US" sz="2000" dirty="0" smtClean="0"/>
+                        <a:t>Assay type name</a:t>
+                      </a:r>
+                    </a:p>
+                    <a:p>
+                      <a:endParaRPr lang="en-US" sz="2000" dirty="0"/>
+                    </a:p>
+                  </a:txBody>
+                  <a:tcPr/>
+                </a:tc>
+                <a:tc>
+                  <a:txBody>
+                    <a:bodyPr/>
+                    <a:lstStyle/>
+                    <a:p>
+                      <a:r>
+                        <a:rPr lang="en-US" sz="2000" dirty="0" smtClean="0"/>
+                        <a:t>Ontology ID</a:t>
+                      </a:r>
+                    </a:p>
+                    <a:p>
+                      <a:r>
+                        <a:rPr lang="en-US" sz="2000" dirty="0" smtClean="0"/>
+                        <a:t>[could be more than just OBI]</a:t>
+                      </a:r>
+                      <a:endParaRPr lang="en-US" sz="2000" dirty="0"/>
+                    </a:p>
+                  </a:txBody>
+                  <a:tcPr/>
+                </a:tc>
+              </a:tr>
+              <a:tr h="370840">
+                <a:tc>
+                  <a:txBody>
+                    <a:bodyPr/>
+                    <a:lstStyle/>
+                    <a:p>
+                      <a:r>
+                        <a:rPr lang="en-US" sz="2000" dirty="0" smtClean="0"/>
+                        <a:t>1</a:t>
+                      </a:r>
+                      <a:endParaRPr lang="en-US" sz="2000" dirty="0"/>
+                    </a:p>
+                  </a:txBody>
+                  <a:tcPr/>
+                </a:tc>
+                <a:tc>
+                  <a:txBody>
+                    <a:bodyPr/>
+                    <a:lstStyle/>
+                    <a:p>
+                      <a:r>
+                        <a:rPr lang="en-US" sz="2000" dirty="0" smtClean="0"/>
+                        <a:t>IFN-g ELISPOT</a:t>
+                      </a:r>
+                      <a:endParaRPr lang="en-US" sz="2000" dirty="0"/>
+                    </a:p>
+                  </a:txBody>
+                  <a:tcPr/>
+                </a:tc>
+                <a:tc>
+                  <a:txBody>
+                    <a:bodyPr/>
+                    <a:lstStyle/>
+                    <a:p>
+                      <a:r>
+                        <a:rPr lang="en-US" sz="2000" dirty="0" smtClean="0"/>
+                        <a:t>http://purl.obolibrary.org/obo/OBI_0001414</a:t>
+                      </a:r>
+                      <a:endParaRPr lang="en-US" sz="2000" dirty="0"/>
+                    </a:p>
+                  </a:txBody>
+                  <a:tcPr/>
+                </a:tc>
+              </a:tr>
+              <a:tr h="370840">
+                <a:tc>
+                  <a:txBody>
+                    <a:bodyPr/>
+                    <a:lstStyle/>
+                    <a:p>
+                      <a:r>
+                        <a:rPr lang="en-US" sz="2000" dirty="0" smtClean="0"/>
+                        <a:t>2</a:t>
+                      </a:r>
+                      <a:endParaRPr lang="en-US" sz="2000" dirty="0"/>
+                    </a:p>
+                  </a:txBody>
+                  <a:tcPr/>
+                </a:tc>
+                <a:tc>
+                  <a:txBody>
+                    <a:bodyPr/>
+                    <a:lstStyle/>
+                    <a:p>
+                      <a:r>
+                        <a:rPr lang="en-US" sz="2000" smtClean="0"/>
+                        <a:t>Survival</a:t>
+                      </a:r>
+                      <a:endParaRPr lang="en-US" sz="2000" dirty="0"/>
+                    </a:p>
+                  </a:txBody>
+                  <a:tcPr/>
+                </a:tc>
+                <a:tc>
+                  <a:txBody>
+                    <a:bodyPr/>
+                    <a:lstStyle/>
+                    <a:p>
+                      <a:pPr marL="0" marR="0" indent="0" algn="l" defTabSz="914400" rtl="0" eaLnBrk="1" fontAlgn="auto" latinLnBrk="0" hangingPunct="1">
+                        <a:lnSpc>
+                          <a:spcPct val="100000"/>
+                        </a:lnSpc>
+                        <a:spcBef>
+                          <a:spcPts val="0"/>
+                        </a:spcBef>
+                        <a:spcAft>
+                          <a:spcPts val="0"/>
+                        </a:spcAft>
+                        <a:buClrTx/>
+                        <a:buSzTx/>
+                        <a:buFontTx/>
+                        <a:buNone/>
+                        <a:tabLst/>
+                        <a:defRPr/>
+                      </a:pPr>
+                      <a:r>
+                        <a:rPr lang="en-US" sz="2000" dirty="0" smtClean="0"/>
+                        <a:t>http://purl.obolibrary.org/obo/OBI_0001334</a:t>
+                      </a:r>
+                    </a:p>
+                  </a:txBody>
+                  <a:tcPr/>
+                </a:tc>
+              </a:tr>
+              <a:tr h="370840">
+                <a:tc>
+                  <a:txBody>
+                    <a:bodyPr/>
+                    <a:lstStyle/>
+                    <a:p>
+                      <a:r>
+                        <a:rPr lang="en-US" sz="2000" dirty="0" smtClean="0"/>
+                        <a:t>3</a:t>
+                      </a:r>
+                      <a:endParaRPr lang="en-US" sz="2000" dirty="0"/>
+                    </a:p>
+                  </a:txBody>
+                  <a:tcPr/>
+                </a:tc>
+                <a:tc>
+                  <a:txBody>
+                    <a:bodyPr/>
+                    <a:lstStyle/>
+                    <a:p>
+                      <a:r>
+                        <a:rPr lang="en-US" sz="2000" dirty="0" smtClean="0"/>
+                        <a:t>IL-10</a:t>
+                      </a:r>
+                      <a:r>
+                        <a:rPr lang="en-US" sz="2000" baseline="0" dirty="0" smtClean="0"/>
+                        <a:t> FACS</a:t>
+                      </a:r>
+                      <a:endParaRPr lang="en-US" sz="2000" dirty="0"/>
+                    </a:p>
+                  </a:txBody>
+                  <a:tcPr/>
+                </a:tc>
+                <a:tc>
+                  <a:txBody>
+                    <a:bodyPr/>
+                    <a:lstStyle/>
+                    <a:p>
+                      <a:pPr marL="0" marR="0" indent="0" algn="l" defTabSz="914400" rtl="0" eaLnBrk="1" fontAlgn="auto" latinLnBrk="0" hangingPunct="1">
+                        <a:lnSpc>
+                          <a:spcPct val="100000"/>
+                        </a:lnSpc>
+                        <a:spcBef>
+                          <a:spcPts val="0"/>
+                        </a:spcBef>
+                        <a:spcAft>
+                          <a:spcPts val="0"/>
+                        </a:spcAft>
+                        <a:buClrTx/>
+                        <a:buSzTx/>
+                        <a:buFontTx/>
+                        <a:buNone/>
+                        <a:tabLst/>
+                        <a:defRPr/>
+                      </a:pPr>
+                      <a:r>
+                        <a:rPr lang="en-US" sz="2000" dirty="0" smtClean="0"/>
+                        <a:t>http://purl.obolibrary.org/obo/OBI_0000414</a:t>
+                      </a:r>
+                      <a:endParaRPr lang="en-US" sz="2000" dirty="0"/>
+                    </a:p>
+                  </a:txBody>
+                  <a:tcPr/>
+                </a:tc>
+              </a:tr>
+              <a:tr h="370840">
+                <a:tc>
+                  <a:txBody>
+                    <a:bodyPr/>
+                    <a:lstStyle/>
+                    <a:p>
+                      <a:r>
+                        <a:rPr lang="en-US" sz="2000" dirty="0" smtClean="0"/>
+                        <a:t>4</a:t>
+                      </a:r>
+                      <a:endParaRPr lang="en-US" sz="2000" dirty="0"/>
+                    </a:p>
+                  </a:txBody>
+                  <a:tcPr/>
+                </a:tc>
+                <a:tc>
+                  <a:txBody>
+                    <a:bodyPr/>
+                    <a:lstStyle/>
+                    <a:p>
+                      <a:r>
+                        <a:rPr lang="en-US" sz="2000" dirty="0" smtClean="0"/>
+                        <a:t>DTH</a:t>
+                      </a:r>
+                      <a:endParaRPr lang="en-US" sz="2000" dirty="0"/>
+                    </a:p>
+                  </a:txBody>
+                  <a:tcPr/>
+                </a:tc>
+                <a:tc>
+                  <a:txBody>
+                    <a:bodyPr/>
+                    <a:lstStyle/>
+                    <a:p>
+                      <a:pPr marL="0" marR="0" indent="0" algn="l" defTabSz="914400" rtl="0" eaLnBrk="1" fontAlgn="auto" latinLnBrk="0" hangingPunct="1">
+                        <a:lnSpc>
+                          <a:spcPct val="100000"/>
+                        </a:lnSpc>
+                        <a:spcBef>
+                          <a:spcPts val="0"/>
+                        </a:spcBef>
+                        <a:spcAft>
+                          <a:spcPts val="0"/>
+                        </a:spcAft>
+                        <a:buClrTx/>
+                        <a:buSzTx/>
+                        <a:buFontTx/>
+                        <a:buNone/>
+                        <a:tabLst/>
+                        <a:defRPr/>
+                      </a:pPr>
+                      <a:r>
+                        <a:rPr lang="en-US" sz="2000" dirty="0" smtClean="0"/>
+                        <a:t>http://purl.obolibrary.org/obo/OBI_0002114</a:t>
+                      </a:r>
+                      <a:r>
+                        <a:rPr lang="en-US" sz="2000" baseline="0" dirty="0" smtClean="0"/>
+                        <a:t> </a:t>
+                      </a:r>
+                      <a:endParaRPr lang="en-US" sz="2000" dirty="0" smtClean="0"/>
+                    </a:p>
+                  </a:txBody>
+                  <a:tcPr/>
+                </a:tc>
+              </a:tr>
+              <a:tr h="370840">
+                <a:tc>
+                  <a:txBody>
+                    <a:bodyPr/>
+                    <a:lstStyle/>
+                    <a:p>
+                      <a:r>
+                        <a:rPr lang="en-US" sz="2000" dirty="0" smtClean="0"/>
+                        <a:t>…</a:t>
+                      </a:r>
+                      <a:endParaRPr lang="en-US" sz="2000" dirty="0"/>
+                    </a:p>
+                  </a:txBody>
+                  <a:tcPr/>
+                </a:tc>
+                <a:tc>
+                  <a:txBody>
+                    <a:bodyPr/>
+                    <a:lstStyle/>
+                    <a:p>
+                      <a:r>
+                        <a:rPr lang="en-US" sz="2000" dirty="0" smtClean="0"/>
+                        <a:t>…</a:t>
+                      </a:r>
+                      <a:endParaRPr lang="en-US" sz="2000" dirty="0"/>
+                    </a:p>
+                  </a:txBody>
+                  <a:tcPr/>
+                </a:tc>
+                <a:tc>
+                  <a:txBody>
+                    <a:bodyPr/>
+                    <a:lstStyle/>
+                    <a:p>
+                      <a:r>
+                        <a:rPr lang="en-US" sz="2000" dirty="0" smtClean="0"/>
+                        <a:t>…</a:t>
+                      </a:r>
+                      <a:endParaRPr lang="en-US" sz="2000" dirty="0"/>
+                    </a:p>
+                  </a:txBody>
+                  <a:tcPr/>
+                </a:tc>
+              </a:tr>
+            </a:tbl>
+          </a:graphicData>
+        </a:graphic>
+      </p:graphicFrame>
+      <p:sp>
+        <p:nvSpPr>
+          <p:cNvPr id="2" name="Title 1"/>
+          <p:cNvSpPr>
+            <a:spLocks noGrp="1"/>
+          </p:cNvSpPr>
+          <p:nvPr>
+            <p:ph type="title"/>
+          </p:nvPr>
+        </p:nvSpPr>
+        <p:spPr/>
+        <p:txBody>
+          <a:bodyPr>
+            <a:normAutofit fontScale="90000"/>
+          </a:bodyPr>
+          <a:lstStyle/>
+          <a:p>
+            <a:r>
+              <a:rPr lang="en-US" dirty="0" smtClean="0"/>
+              <a:t>Minimal modification to the database</a:t>
+            </a:r>
+            <a:endParaRPr lang="en-US" dirty="0"/>
+          </a:p>
+        </p:txBody>
+      </p:sp>
+      <p:sp>
+        <p:nvSpPr>
+          <p:cNvPr id="6" name="TextBox 5"/>
+          <p:cNvSpPr txBox="1"/>
+          <p:nvPr/>
+        </p:nvSpPr>
+        <p:spPr>
+          <a:xfrm>
+            <a:off x="457200" y="1524000"/>
+            <a:ext cx="6781800" cy="646331"/>
+          </a:xfrm>
+          <a:prstGeom prst="rect">
+            <a:avLst/>
+          </a:prstGeom>
+          <a:noFill/>
+        </p:spPr>
+        <p:txBody>
+          <a:bodyPr wrap="square" rtlCol="0">
+            <a:spAutoFit/>
+          </a:bodyPr>
+          <a:lstStyle/>
+          <a:p>
+            <a:r>
+              <a:rPr lang="en-US" sz="3600" dirty="0" smtClean="0"/>
+              <a:t>Assay type table</a:t>
+            </a:r>
+            <a:endParaRPr lang="en-US" sz="3600" dirty="0"/>
+          </a:p>
+        </p:txBody>
+      </p:sp>
+      <p:pic>
+        <p:nvPicPr>
+          <p:cNvPr id="1028" name="Picture 4"/>
+          <p:cNvPicPr>
+            <a:picLocks noChangeAspect="1" noChangeArrowheads="1"/>
+          </p:cNvPicPr>
+          <p:nvPr/>
+        </p:nvPicPr>
+        <p:blipFill>
+          <a:blip r:embed="rId3" cstate="print"/>
+          <a:srcRect r="61704"/>
+          <a:stretch>
+            <a:fillRect/>
+          </a:stretch>
+        </p:blipFill>
+        <p:spPr bwMode="auto">
+          <a:xfrm>
+            <a:off x="304800" y="2362200"/>
+            <a:ext cx="3352800" cy="3133725"/>
+          </a:xfrm>
+          <a:prstGeom prst="rect">
+            <a:avLst/>
+          </a:prstGeom>
+          <a:noFill/>
+          <a:ln w="9525">
+            <a:noFill/>
+            <a:miter lim="800000"/>
+            <a:headEnd/>
+            <a:tailEnd/>
+          </a:ln>
+          <a:effectLst/>
+        </p:spPr>
+      </p:pic>
+      <p:sp>
+        <p:nvSpPr>
+          <p:cNvPr id="11" name="TextBox 10"/>
+          <p:cNvSpPr txBox="1"/>
+          <p:nvPr/>
+        </p:nvSpPr>
+        <p:spPr>
+          <a:xfrm>
+            <a:off x="1828800" y="5562600"/>
+            <a:ext cx="7162800" cy="461665"/>
+          </a:xfrm>
+          <a:prstGeom prst="rect">
+            <a:avLst/>
+          </a:prstGeom>
+          <a:noFill/>
+        </p:spPr>
+        <p:txBody>
+          <a:bodyPr wrap="square" rtlCol="0">
+            <a:spAutoFit/>
+          </a:bodyPr>
+          <a:lstStyle/>
+          <a:p>
+            <a:pPr algn="r"/>
+            <a:r>
+              <a:rPr lang="en-US" sz="2400" dirty="0" smtClean="0">
+                <a:sym typeface="Wingdings" pitchFamily="2" charset="2"/>
+              </a:rPr>
+              <a:t> Need to ensure that appropriate assays exist in OBI</a:t>
+            </a:r>
+            <a:endParaRPr lang="en-US" sz="2400" dirty="0"/>
+          </a:p>
+        </p:txBody>
+      </p:sp>
+    </p:spTree>
+  </p:cSld>
+  <p:clrMapOvr>
+    <a:masterClrMapping/>
+  </p:clrMapOvr>
+  <p:timing>
+    <p:tnLst>
+      <p:par>
+        <p:cTn id="1" dur="indefinite" restart="never" nodeType="tmRoot">
+          <p:childTnLst>
+            <p:seq concurrent="1" nextAc="seek">
+              <p:cTn id="2" dur="indefinite" nodeType="mainSeq">
+                <p:childTnLst>
+                  <p:par>
+                    <p:cTn id="3" fill="hold">
+                      <p:stCondLst>
+                        <p:cond delay="indefinite"/>
+                      </p:stCondLst>
+                      <p:childTnLst>
+                        <p:par>
+                          <p:cTn id="4" fill="hold">
+                            <p:stCondLst>
+                              <p:cond delay="0"/>
+                            </p:stCondLst>
+                            <p:childTnLst>
+                              <p:par>
+                                <p:cTn id="5" presetID="1" presetClass="entr" presetSubtype="0" fill="hold" nodeType="clickEffect">
+                                  <p:stCondLst>
+                                    <p:cond delay="0"/>
+                                  </p:stCondLst>
+                                  <p:childTnLst>
+                                    <p:set>
+                                      <p:cBhvr>
+                                        <p:cTn id="6" dur="1" fill="hold">
+                                          <p:stCondLst>
+                                            <p:cond delay="0"/>
+                                          </p:stCondLst>
+                                        </p:cTn>
+                                        <p:tgtEl>
+                                          <p:spTgt spid="5"/>
+                                        </p:tgtEl>
+                                        <p:attrNameLst>
+                                          <p:attrName>style.visibility</p:attrName>
+                                        </p:attrNameLst>
+                                      </p:cBhvr>
+                                      <p:to>
+                                        <p:strVal val="visible"/>
+                                      </p:to>
+                                    </p:set>
+                                  </p:childTnLst>
+                                </p:cTn>
+                              </p:par>
+                            </p:childTnLst>
+                          </p:cTn>
+                        </p:par>
+                      </p:childTnLst>
+                    </p:cTn>
+                  </p:par>
+                </p:childTnLst>
+              </p:cTn>
+              <p:prevCondLst>
+                <p:cond evt="onPrev" delay="0">
+                  <p:tgtEl>
+                    <p:sldTgt/>
+                  </p:tgtEl>
+                </p:cond>
+              </p:prevCondLst>
+              <p:nextCondLst>
+                <p:cond evt="onNext" delay="0">
+                  <p:tgtEl>
+                    <p:sldTgt/>
+                  </p:tgtEl>
+                </p:cond>
+              </p:nextCondLst>
+            </p:seq>
+          </p:childTnLst>
+        </p:cTn>
+      </p:par>
+    </p:tnLst>
+  </p:timing>
+</p:sld>
+</file>
+
+<file path=ppt/slides/slide28.xml><?xml version="1.0" encoding="utf-8"?>
+<p:sld xmlns:a="http://schemas.openxmlformats.org/drawingml/2006/main" xmlns:r="http://schemas.openxmlformats.org/officeDocument/2006/relationships" xmlns:p="http://schemas.openxmlformats.org/presentationml/2006/main">
+  <p:cSld>
+    <p:spTree>
+      <p:nvGrpSpPr>
+        <p:cNvPr id="1" name=""/>
+        <p:cNvGrpSpPr/>
+        <p:nvPr/>
+      </p:nvGrpSpPr>
+      <p:grpSpPr>
+        <a:xfrm>
+          <a:off x="0" y="0"/>
+          <a:ext cx="0" cy="0"/>
+          <a:chOff x="0" y="0"/>
+          <a:chExt cx="0" cy="0"/>
+        </a:xfrm>
+      </p:grpSpPr>
+      <p:sp>
+        <p:nvSpPr>
+          <p:cNvPr id="2" name="Title 1"/>
+          <p:cNvSpPr>
+            <a:spLocks noGrp="1"/>
+          </p:cNvSpPr>
+          <p:nvPr>
+            <p:ph type="title"/>
+          </p:nvPr>
+        </p:nvSpPr>
         <p:spPr/>
         <p:txBody>
           <a:bodyPr>
@@ -7759,7 +10652,7 @@
           <p:nvPr/>
         </p:nvPicPr>
         <p:blipFill>
-          <a:blip r:embed="rId2" cstate="print"/>
+          <a:blip r:embed="rId3" cstate="print"/>
           <a:srcRect l="2343" t="20833" r="67951" b="21875"/>
           <a:stretch>
             <a:fillRect/>
@@ -7797,7 +10690,7 @@
 </p:sld>
 </file>
 
-<file path=ppt/slides/slide27.xml><?xml version="1.0" encoding="utf-8"?>
+<file path=ppt/slides/slide29.xml><?xml version="1.0" encoding="utf-8"?>
 <p:sld xmlns:a="http://schemas.openxmlformats.org/drawingml/2006/main" xmlns:r="http://schemas.openxmlformats.org/officeDocument/2006/relationships" xmlns:p="http://schemas.openxmlformats.org/presentationml/2006/main">
   <p:cSld>
     <p:spTree>
@@ -7892,19 +10785,7 @@
             </a:br>
             <a:r>
               <a:rPr lang="en-US" sz="2400" i="1" dirty="0" smtClean="0"/>
-              <a:t>'measurement datum‘ </a:t>
-            </a:r>
-            <a:r>
-              <a:rPr lang="en-US" sz="2400" i="1" dirty="0" smtClean="0"/>
-              <a:t> and </a:t>
-            </a:r>
-            <a:r>
-              <a:rPr lang="en-US" sz="2400" i="1" dirty="0" smtClean="0"/>
-              <a:t>'is about' some </a:t>
-            </a:r>
-            <a:r>
-              <a:rPr lang="en-US" sz="2400" i="1" dirty="0" smtClean="0"/>
-              <a:t/>
+              <a:t>'measurement datum‘  and 'is about' some </a:t>
             </a:r>
             <a:br>
               <a:rPr lang="en-US" sz="2400" i="1" dirty="0" smtClean="0"/>
@@ -7923,11 +10804,7 @@
             </a:r>
             <a:r>
               <a:rPr lang="en-US" sz="2400" i="1" dirty="0" smtClean="0"/>
-              <a:t>and 'process </a:t>
-            </a:r>
-            <a:r>
-              <a:rPr lang="en-US" sz="2400" i="1" dirty="0" smtClean="0"/>
-              <a:t>is result of' some '</a:t>
+              <a:t>and 'process is result of' some '</a:t>
             </a:r>
             <a:r>
               <a:rPr lang="en-US" sz="2400" i="1" dirty="0" err="1" smtClean="0"/>
@@ -7935,11 +10812,7 @@
             </a:r>
             <a:r>
               <a:rPr lang="en-US" sz="2400" i="1" dirty="0" smtClean="0"/>
-              <a:t> complex binding to TCR</a:t>
-            </a:r>
-            <a:r>
-              <a:rPr lang="en-US" sz="2400" i="1" dirty="0" smtClean="0"/>
-              <a:t>')</a:t>
+              <a:t> complex binding to TCR')</a:t>
             </a:r>
           </a:p>
           <a:p>
@@ -7947,7 +10820,6 @@
               <a:rPr lang="en-US" sz="2400" dirty="0" smtClean="0"/>
               <a:t>For example: “IL-17 ELISPOT” in the IEDB is logically defined as</a:t>
             </a:r>
-            <a:endParaRPr lang="en-US" sz="2400" dirty="0" smtClean="0"/>
           </a:p>
           <a:p>
             <a:pPr>
@@ -7982,15 +10854,7 @@
             </a:br>
             <a:r>
               <a:rPr lang="en-US" sz="2400" i="1" dirty="0" smtClean="0"/>
-              <a:t>'measurement datum‘  and 'is </a:t>
-            </a:r>
-            <a:r>
-              <a:rPr lang="en-US" sz="2400" i="1" dirty="0" smtClean="0"/>
-              <a:t>about' some </a:t>
-            </a:r>
-            <a:r>
-              <a:rPr lang="en-US" sz="2400" i="1" dirty="0" smtClean="0"/>
-              <a:t/>
+              <a:t>'measurement datum‘  and 'is about' some </a:t>
             </a:r>
             <a:br>
               <a:rPr lang="en-US" sz="2400" i="1" dirty="0" smtClean="0"/>
@@ -8009,11 +10873,7 @@
             </a:r>
             <a:r>
               <a:rPr lang="en-US" sz="2400" i="1" dirty="0" smtClean="0"/>
-              <a:t>and process </a:t>
-            </a:r>
-            <a:r>
-              <a:rPr lang="en-US" sz="2400" i="1" dirty="0" smtClean="0"/>
-              <a:t>is result of' some '</a:t>
+              <a:t>and process is result of' some '</a:t>
             </a:r>
             <a:r>
               <a:rPr lang="en-US" sz="2400" i="1" dirty="0" err="1" smtClean="0"/>
@@ -8021,11 +10881,7 @@
             </a:r>
             <a:r>
               <a:rPr lang="en-US" sz="2400" i="1" dirty="0" smtClean="0"/>
-              <a:t> complex binding to TCR</a:t>
-            </a:r>
-            <a:r>
-              <a:rPr lang="en-US" sz="2400" i="1" dirty="0" smtClean="0"/>
-              <a:t>')</a:t>
+              <a:t> complex binding to TCR')</a:t>
             </a:r>
           </a:p>
         </p:txBody>
@@ -8148,234 +11004,6 @@
 </p:sld>
 </file>
 
-<file path=ppt/slides/slide28.xml><?xml version="1.0" encoding="utf-8"?>
-<p:sld xmlns:a="http://schemas.openxmlformats.org/drawingml/2006/main" xmlns:r="http://schemas.openxmlformats.org/officeDocument/2006/relationships" xmlns:p="http://schemas.openxmlformats.org/presentationml/2006/main">
-  <p:cSld>
-    <p:spTree>
-      <p:nvGrpSpPr>
-        <p:cNvPr id="1" name=""/>
-        <p:cNvGrpSpPr/>
-        <p:nvPr/>
-      </p:nvGrpSpPr>
-      <p:grpSpPr>
-        <a:xfrm>
-          <a:off x="0" y="0"/>
-          <a:ext cx="0" cy="0"/>
-          <a:chOff x="0" y="0"/>
-          <a:chExt cx="0" cy="0"/>
-        </a:xfrm>
-      </p:grpSpPr>
-      <p:sp>
-        <p:nvSpPr>
-          <p:cNvPr id="2" name="Title 1"/>
-          <p:cNvSpPr>
-            <a:spLocks noGrp="1"/>
-          </p:cNvSpPr>
-          <p:nvPr>
-            <p:ph type="title"/>
-          </p:nvPr>
-        </p:nvSpPr>
-        <p:spPr/>
-        <p:txBody>
-          <a:bodyPr/>
-          <a:lstStyle/>
-          <a:p>
-            <a:r>
-              <a:rPr lang="en-US" dirty="0" smtClean="0"/>
-              <a:t>OBI development for IEDB</a:t>
-            </a:r>
-            <a:endParaRPr lang="en-US" dirty="0"/>
-          </a:p>
-        </p:txBody>
-      </p:sp>
-      <p:sp>
-        <p:nvSpPr>
-          <p:cNvPr id="3" name="Content Placeholder 2"/>
-          <p:cNvSpPr>
-            <a:spLocks noGrp="1"/>
-          </p:cNvSpPr>
-          <p:nvPr>
-            <p:ph idx="1"/>
-          </p:nvPr>
-        </p:nvSpPr>
-        <p:spPr/>
-        <p:txBody>
-          <a:bodyPr/>
-          <a:lstStyle/>
-          <a:p>
-            <a:r>
-              <a:rPr lang="en-US" dirty="0" smtClean="0"/>
-              <a:t>Provide mapping of all content in the IEDB to OBI (in OWL)</a:t>
-            </a:r>
-          </a:p>
-          <a:p>
-            <a:r>
-              <a:rPr lang="en-US" dirty="0" smtClean="0"/>
-              <a:t>Primary current focus: assays</a:t>
-            </a:r>
-          </a:p>
-          <a:p>
-            <a:pPr>
-              <a:buNone/>
-            </a:pPr>
-            <a:r>
-              <a:rPr lang="en-US" dirty="0" smtClean="0">
-                <a:sym typeface="Wingdings" pitchFamily="2" charset="2"/>
-              </a:rPr>
-              <a:t> Needs to be capable to present all T cell epitope experiments ever made (100k+)</a:t>
-            </a:r>
-            <a:endParaRPr lang="en-US" dirty="0" smtClean="0"/>
-          </a:p>
-        </p:txBody>
-      </p:sp>
-    </p:spTree>
-  </p:cSld>
-  <p:clrMapOvr>
-    <a:masterClrMapping/>
-  </p:clrMapOvr>
-  <p:timing>
-    <p:tnLst>
-      <p:par>
-        <p:cTn id="1" dur="indefinite" restart="never" nodeType="tmRoot"/>
-      </p:par>
-    </p:tnLst>
-  </p:timing>
-</p:sld>
-</file>
-
-<file path=ppt/slides/slide29.xml><?xml version="1.0" encoding="utf-8"?>
-<p:sld xmlns:a="http://schemas.openxmlformats.org/drawingml/2006/main" xmlns:r="http://schemas.openxmlformats.org/officeDocument/2006/relationships" xmlns:p="http://schemas.openxmlformats.org/presentationml/2006/main">
-  <p:cSld>
-    <p:spTree>
-      <p:nvGrpSpPr>
-        <p:cNvPr id="1" name=""/>
-        <p:cNvGrpSpPr/>
-        <p:nvPr/>
-      </p:nvGrpSpPr>
-      <p:grpSpPr>
-        <a:xfrm>
-          <a:off x="0" y="0"/>
-          <a:ext cx="0" cy="0"/>
-          <a:chOff x="0" y="0"/>
-          <a:chExt cx="0" cy="0"/>
-        </a:xfrm>
-      </p:grpSpPr>
-      <p:sp>
-        <p:nvSpPr>
-          <p:cNvPr id="2" name="Title 1"/>
-          <p:cNvSpPr>
-            <a:spLocks noGrp="1"/>
-          </p:cNvSpPr>
-          <p:nvPr>
-            <p:ph type="title"/>
-          </p:nvPr>
-        </p:nvSpPr>
-        <p:spPr/>
-        <p:txBody>
-          <a:bodyPr/>
-          <a:lstStyle/>
-          <a:p>
-            <a:r>
-              <a:rPr lang="en-US" dirty="0" smtClean="0"/>
-              <a:t>IEDB assay</a:t>
-            </a:r>
-            <a:endParaRPr lang="en-US" dirty="0"/>
-          </a:p>
-        </p:txBody>
-      </p:sp>
-      <p:sp>
-        <p:nvSpPr>
-          <p:cNvPr id="3" name="Content Placeholder 2"/>
-          <p:cNvSpPr>
-            <a:spLocks noGrp="1"/>
-          </p:cNvSpPr>
-          <p:nvPr>
-            <p:ph idx="1"/>
-          </p:nvPr>
-        </p:nvSpPr>
-        <p:spPr/>
-        <p:txBody>
-          <a:bodyPr/>
-          <a:lstStyle/>
-          <a:p>
-            <a:r>
-              <a:rPr lang="en-US" dirty="0" smtClean="0"/>
-              <a:t>Where are assays in OBI</a:t>
-            </a:r>
-          </a:p>
-          <a:p>
-            <a:r>
-              <a:rPr lang="en-US" dirty="0" smtClean="0"/>
-              <a:t>Show assay template, link to GO</a:t>
-            </a:r>
-          </a:p>
-          <a:p>
-            <a:r>
-              <a:rPr lang="en-US" dirty="0" smtClean="0"/>
-              <a:t>Show: this </a:t>
-            </a:r>
-            <a:r>
-              <a:rPr lang="en-US" dirty="0" err="1" smtClean="0"/>
-              <a:t>correponds</a:t>
-            </a:r>
-            <a:r>
-              <a:rPr lang="en-US" dirty="0" smtClean="0"/>
-              <a:t> to adding one column into existing database table</a:t>
-            </a:r>
-          </a:p>
-          <a:p>
-            <a:pPr>
-              <a:buFont typeface="Wingdings" pitchFamily="2" charset="2"/>
-              <a:buChar char="à"/>
-            </a:pPr>
-            <a:r>
-              <a:rPr lang="en-US" dirty="0" smtClean="0">
-                <a:sym typeface="Wingdings" pitchFamily="2" charset="2"/>
-              </a:rPr>
-              <a:t> Identification of duplicates in writing definitions</a:t>
-            </a:r>
-          </a:p>
-          <a:p>
-            <a:pPr>
-              <a:buFont typeface="Wingdings" pitchFamily="2" charset="2"/>
-              <a:buChar char="à"/>
-            </a:pPr>
-            <a:r>
-              <a:rPr lang="en-US" dirty="0" smtClean="0"/>
-              <a:t> Definitions provide </a:t>
-            </a:r>
-            <a:r>
-              <a:rPr lang="en-US" dirty="0" err="1" smtClean="0"/>
-              <a:t>curation</a:t>
-            </a:r>
-            <a:r>
-              <a:rPr lang="en-US" dirty="0" smtClean="0"/>
-              <a:t> rules</a:t>
-            </a:r>
-          </a:p>
-          <a:p>
-            <a:pPr>
-              <a:buNone/>
-            </a:pPr>
-            <a:endParaRPr lang="en-US" dirty="0"/>
-          </a:p>
-        </p:txBody>
-      </p:sp>
-    </p:spTree>
-  </p:cSld>
-  <p:clrMapOvr>
-    <a:masterClrMapping/>
-  </p:clrMapOvr>
-  <p:timing>
-    <p:tnLst>
-      <p:par>
-        <p:cTn id="1" dur="indefinite" restart="never" nodeType="tmRoot"/>
-      </p:par>
-    </p:tnLst>
-  </p:timing>
-</p:sld>
-</file>
-
 <file path=ppt/slides/slide3.xml><?xml version="1.0" encoding="utf-8"?>
 <p:sld xmlns:a="http://schemas.openxmlformats.org/drawingml/2006/main" xmlns:r="http://schemas.openxmlformats.org/officeDocument/2006/relationships" xmlns:p="http://schemas.openxmlformats.org/presentationml/2006/main">
   <p:cSld>
@@ -8400,7 +11028,7 @@
             <a:spLocks noGrp="1"/>
           </p:cNvSpPr>
           <p:nvPr>
-            <p:ph type="ctrTitle"/>
+            <p:ph type="title"/>
           </p:nvPr>
         </p:nvSpPr>
         <p:spPr/>
@@ -8412,7 +11040,7 @@
           <a:p>
             <a:r>
               <a:rPr lang="en-US" dirty="0" smtClean="0"/>
-              <a:t>OBI – a high level overview</a:t>
+              <a:t>Software - preparation </a:t>
             </a:r>
             <a:endParaRPr lang="en-US" dirty="0"/>
           </a:p>
@@ -8420,12 +11048,12 @@
       </p:sp>
       <p:sp>
         <p:nvSpPr>
-          <p:cNvPr id="3" name="Subtitle 2"/>
-          <p:cNvSpPr>
-            <a:spLocks noGrp="1"/>
-          </p:cNvSpPr>
-          <p:nvPr>
-            <p:ph type="subTitle" idx="1"/>
+          <p:cNvPr id="3" name="Content Placeholder 2"/>
+          <p:cNvSpPr>
+            <a:spLocks noGrp="1"/>
+          </p:cNvSpPr>
+          <p:nvPr>
+            <p:ph idx="1"/>
           </p:nvPr>
         </p:nvSpPr>
         <p:spPr/>
@@ -8435,20 +11063,50 @@
           <a:p>
             <a:r>
               <a:rPr lang="en-US" dirty="0" smtClean="0"/>
-              <a:t>Bjoern Peters</a:t>
+              <a:t>Instructions were emailed</a:t>
             </a:r>
           </a:p>
           <a:p>
             <a:r>
               <a:rPr lang="en-US" dirty="0" smtClean="0"/>
-              <a:t>3/21/2011</a:t>
-            </a:r>
-          </a:p>
-          <a:p>
+              <a:t>Before hands-on session, please minimally</a:t>
+            </a:r>
+          </a:p>
+          <a:p>
+            <a:pPr lvl="1"/>
             <a:r>
               <a:rPr lang="en-US" dirty="0" smtClean="0"/>
-              <a:t>San Diego Workshop</a:t>
-            </a:r>
+              <a:t>Install Protégé 4.1</a:t>
+            </a:r>
+            <a:endParaRPr lang="en-US" dirty="0" smtClean="0"/>
+          </a:p>
+          <a:p>
+            <a:pPr lvl="1"/>
+            <a:r>
+              <a:rPr lang="en-US" dirty="0" smtClean="0"/>
+              <a:t>Load OBI</a:t>
+            </a:r>
+          </a:p>
+          <a:p>
+            <a:pPr lvl="1"/>
+            <a:r>
+              <a:rPr lang="en-US" dirty="0" smtClean="0"/>
+              <a:t>Run </a:t>
+            </a:r>
+            <a:r>
+              <a:rPr lang="en-US" dirty="0" err="1" smtClean="0"/>
+              <a:t>Reasoner</a:t>
+            </a:r>
+            <a:endParaRPr lang="en-US" dirty="0" smtClean="0"/>
+          </a:p>
+          <a:p>
+            <a:r>
+              <a:rPr lang="en-US" dirty="0" smtClean="0"/>
+              <a:t>Let me know if you have problems</a:t>
+            </a:r>
+          </a:p>
+          <a:p>
+            <a:pPr lvl="1"/>
             <a:endParaRPr lang="en-US" dirty="0"/>
           </a:p>
         </p:txBody>
@@ -8502,7 +11160,7 @@
           <a:p>
             <a:r>
               <a:rPr lang="en-US" dirty="0" smtClean="0"/>
-              <a:t>Old vs. new assay finder</a:t>
+              <a:t>OBI development for IEDB</a:t>
             </a:r>
             <a:endParaRPr lang="en-US" dirty="0"/>
           </a:p>
@@ -8525,28 +11183,26 @@
           <a:p>
             <a:r>
               <a:rPr lang="en-US" dirty="0" smtClean="0"/>
-              <a:t>Show: from list to tree; search by grouping</a:t>
+              <a:t>Provide mapping of all content in the IEDB to OBI (in OWL)</a:t>
             </a:r>
           </a:p>
           <a:p>
             <a:r>
               <a:rPr lang="en-US" dirty="0" smtClean="0"/>
-              <a:t>Show: use of community labels (community view of OBI)</a:t>
-            </a:r>
-          </a:p>
-          <a:p>
-            <a:pPr lvl="1"/>
-            <a:r>
-              <a:rPr lang="en-US" dirty="0" smtClean="0"/>
-              <a:t>Refer to second session? Alternative mechanisms of using community specific labels (as annotation properties in OBI.owl, or in external spreadsheet)</a:t>
-            </a:r>
-          </a:p>
-          <a:p>
-            <a:pPr lvl="1"/>
+              <a:t>Primary current focus: assays</a:t>
+            </a:r>
+          </a:p>
+          <a:p>
+            <a:pPr>
+              <a:buNone/>
+            </a:pPr>
+            <a:r>
+              <a:rPr lang="en-US" dirty="0" smtClean="0">
+                <a:sym typeface="Wingdings" pitchFamily="2" charset="2"/>
+              </a:rPr>
+              <a:t> Needs to be capable to present all T cell epitope experiments ever made (100k+)</a:t>
+            </a:r>
             <a:endParaRPr lang="en-US" dirty="0" smtClean="0"/>
-          </a:p>
-          <a:p>
-            <a:endParaRPr lang="en-US" dirty="0"/>
           </a:p>
         </p:txBody>
       </p:sp>
@@ -8555,6 +11211,13 @@
   <p:clrMapOvr>
     <a:masterClrMapping/>
   </p:clrMapOvr>
+  <p:timing>
+    <p:tnLst>
+      <p:par>
+        <p:cTn id="1" dur="indefinite" restart="never" nodeType="tmRoot"/>
+      </p:par>
+    </p:tnLst>
+  </p:timing>
 </p:sld>
 </file>
 
@@ -8592,7 +11255,7 @@
           <a:p>
             <a:r>
               <a:rPr lang="en-US" dirty="0" smtClean="0"/>
-              <a:t>Future work</a:t>
+              <a:t>IEDB assay</a:t>
             </a:r>
             <a:endParaRPr lang="en-US" dirty="0"/>
           </a:p>
@@ -8615,31 +11278,158 @@
           <a:p>
             <a:r>
               <a:rPr lang="en-US" dirty="0" smtClean="0"/>
-              <a:t>Show: </a:t>
+              <a:t>Where are assays in OBI</a:t>
+            </a:r>
+          </a:p>
+          <a:p>
+            <a:r>
+              <a:rPr lang="en-US" dirty="0" smtClean="0"/>
+              <a:t>Show assay template, link to GO</a:t>
+            </a:r>
+          </a:p>
+          <a:p>
+            <a:r>
+              <a:rPr lang="en-US" dirty="0" smtClean="0"/>
+              <a:t>Show: this </a:t>
             </a:r>
             <a:r>
               <a:rPr lang="en-US" dirty="0" err="1" smtClean="0"/>
-              <a:t>Sparql</a:t>
+              <a:t>correponds</a:t>
             </a:r>
             <a:r>
               <a:rPr lang="en-US" dirty="0" smtClean="0"/>
-              <a:t> query against IEDB export</a:t>
-            </a:r>
-          </a:p>
-          <a:p>
+              <a:t> to adding one column into existing database table</a:t>
+            </a:r>
+          </a:p>
+          <a:p>
+            <a:pPr>
+              <a:buFont typeface="Wingdings" pitchFamily="2" charset="2"/>
+              <a:buChar char="à"/>
+            </a:pPr>
             <a:r>
               <a:rPr lang="en-US" dirty="0" smtClean="0">
                 <a:sym typeface="Wingdings" pitchFamily="2" charset="2"/>
               </a:rPr>
-              <a:t> interoperability</a:t>
-            </a:r>
+              <a:t> Identification of duplicates in writing definitions</a:t>
+            </a:r>
+          </a:p>
+          <a:p>
+            <a:pPr>
+              <a:buFont typeface="Wingdings" pitchFamily="2" charset="2"/>
+              <a:buChar char="à"/>
+            </a:pPr>
+            <a:r>
+              <a:rPr lang="en-US" dirty="0" smtClean="0"/>
+              <a:t> Definitions provide </a:t>
+            </a:r>
+            <a:r>
+              <a:rPr lang="en-US" dirty="0" err="1" smtClean="0"/>
+              <a:t>curation</a:t>
+            </a:r>
+            <a:r>
+              <a:rPr lang="en-US" dirty="0" smtClean="0"/>
+              <a:t> rules</a:t>
+            </a:r>
+          </a:p>
+          <a:p>
+            <a:pPr>
+              <a:buNone/>
+            </a:pPr>
+            <a:endParaRPr lang="en-US" dirty="0"/>
+          </a:p>
+        </p:txBody>
+      </p:sp>
+    </p:spTree>
+  </p:cSld>
+  <p:clrMapOvr>
+    <a:masterClrMapping/>
+  </p:clrMapOvr>
+  <p:timing>
+    <p:tnLst>
+      <p:par>
+        <p:cTn id="1" dur="indefinite" restart="never" nodeType="tmRoot"/>
+      </p:par>
+    </p:tnLst>
+  </p:timing>
+</p:sld>
+</file>
+
+<file path=ppt/slides/slide32.xml><?xml version="1.0" encoding="utf-8"?>
+<p:sld xmlns:a="http://schemas.openxmlformats.org/drawingml/2006/main" xmlns:r="http://schemas.openxmlformats.org/officeDocument/2006/relationships" xmlns:p="http://schemas.openxmlformats.org/presentationml/2006/main">
+  <p:cSld>
+    <p:spTree>
+      <p:nvGrpSpPr>
+        <p:cNvPr id="1" name=""/>
+        <p:cNvGrpSpPr/>
+        <p:nvPr/>
+      </p:nvGrpSpPr>
+      <p:grpSpPr>
+        <a:xfrm>
+          <a:off x="0" y="0"/>
+          <a:ext cx="0" cy="0"/>
+          <a:chOff x="0" y="0"/>
+          <a:chExt cx="0" cy="0"/>
+        </a:xfrm>
+      </p:grpSpPr>
+      <p:sp>
+        <p:nvSpPr>
+          <p:cNvPr id="2" name="Title 1"/>
+          <p:cNvSpPr>
+            <a:spLocks noGrp="1"/>
+          </p:cNvSpPr>
+          <p:nvPr>
+            <p:ph type="title"/>
+          </p:nvPr>
+        </p:nvSpPr>
+        <p:spPr/>
+        <p:txBody>
+          <a:bodyPr/>
+          <a:lstStyle/>
+          <a:p>
+            <a:r>
+              <a:rPr lang="en-US" dirty="0" smtClean="0"/>
+              <a:t>Old vs. new assay finder</a:t>
+            </a:r>
+            <a:endParaRPr lang="en-US" dirty="0"/>
+          </a:p>
+        </p:txBody>
+      </p:sp>
+      <p:sp>
+        <p:nvSpPr>
+          <p:cNvPr id="3" name="Content Placeholder 2"/>
+          <p:cNvSpPr>
+            <a:spLocks noGrp="1"/>
+          </p:cNvSpPr>
+          <p:nvPr>
+            <p:ph idx="1"/>
+          </p:nvPr>
+        </p:nvSpPr>
+        <p:spPr/>
+        <p:txBody>
+          <a:bodyPr/>
+          <a:lstStyle/>
+          <a:p>
+            <a:r>
+              <a:rPr lang="en-US" dirty="0" smtClean="0"/>
+              <a:t>Show: from list to tree; search by grouping</a:t>
+            </a:r>
+          </a:p>
+          <a:p>
+            <a:r>
+              <a:rPr lang="en-US" dirty="0" smtClean="0"/>
+              <a:t>Show: use of community labels (community view of OBI)</a:t>
+            </a:r>
+          </a:p>
+          <a:p>
+            <a:pPr lvl="1"/>
+            <a:r>
+              <a:rPr lang="en-US" dirty="0" smtClean="0"/>
+              <a:t>Refer to second session? Alternative mechanisms of using community specific labels (as annotation properties in OBI.owl, or in external spreadsheet)</a:t>
+            </a:r>
+          </a:p>
+          <a:p>
+            <a:pPr lvl="1"/>
             <a:endParaRPr lang="en-US" dirty="0" smtClean="0"/>
-          </a:p>
-          <a:p>
-            <a:r>
-              <a:rPr lang="en-US" dirty="0" smtClean="0"/>
-              <a:t>Show: link to OBI for assays provides definitions</a:t>
-            </a:r>
           </a:p>
           <a:p>
             <a:endParaRPr lang="en-US" dirty="0"/>
@@ -8654,7 +11444,103 @@
 </p:sld>
 </file>
 
-<file path=ppt/slides/slide32.xml><?xml version="1.0" encoding="utf-8"?>
+<file path=ppt/slides/slide33.xml><?xml version="1.0" encoding="utf-8"?>
+<p:sld xmlns:a="http://schemas.openxmlformats.org/drawingml/2006/main" xmlns:r="http://schemas.openxmlformats.org/officeDocument/2006/relationships" xmlns:p="http://schemas.openxmlformats.org/presentationml/2006/main">
+  <p:cSld>
+    <p:spTree>
+      <p:nvGrpSpPr>
+        <p:cNvPr id="1" name=""/>
+        <p:cNvGrpSpPr/>
+        <p:nvPr/>
+      </p:nvGrpSpPr>
+      <p:grpSpPr>
+        <a:xfrm>
+          <a:off x="0" y="0"/>
+          <a:ext cx="0" cy="0"/>
+          <a:chOff x="0" y="0"/>
+          <a:chExt cx="0" cy="0"/>
+        </a:xfrm>
+      </p:grpSpPr>
+      <p:sp>
+        <p:nvSpPr>
+          <p:cNvPr id="2" name="Title 1"/>
+          <p:cNvSpPr>
+            <a:spLocks noGrp="1"/>
+          </p:cNvSpPr>
+          <p:nvPr>
+            <p:ph type="title"/>
+          </p:nvPr>
+        </p:nvSpPr>
+        <p:spPr/>
+        <p:txBody>
+          <a:bodyPr/>
+          <a:lstStyle/>
+          <a:p>
+            <a:r>
+              <a:rPr lang="en-US" dirty="0" smtClean="0"/>
+              <a:t>Future work</a:t>
+            </a:r>
+            <a:endParaRPr lang="en-US" dirty="0"/>
+          </a:p>
+        </p:txBody>
+      </p:sp>
+      <p:sp>
+        <p:nvSpPr>
+          <p:cNvPr id="3" name="Content Placeholder 2"/>
+          <p:cNvSpPr>
+            <a:spLocks noGrp="1"/>
+          </p:cNvSpPr>
+          <p:nvPr>
+            <p:ph idx="1"/>
+          </p:nvPr>
+        </p:nvSpPr>
+        <p:spPr/>
+        <p:txBody>
+          <a:bodyPr/>
+          <a:lstStyle/>
+          <a:p>
+            <a:r>
+              <a:rPr lang="en-US" dirty="0" smtClean="0"/>
+              <a:t>Show: </a:t>
+            </a:r>
+            <a:r>
+              <a:rPr lang="en-US" dirty="0" err="1" smtClean="0"/>
+              <a:t>Sparql</a:t>
+            </a:r>
+            <a:r>
+              <a:rPr lang="en-US" dirty="0" smtClean="0"/>
+              <a:t> query against IEDB export</a:t>
+            </a:r>
+          </a:p>
+          <a:p>
+            <a:r>
+              <a:rPr lang="en-US" dirty="0" smtClean="0">
+                <a:sym typeface="Wingdings" pitchFamily="2" charset="2"/>
+              </a:rPr>
+              <a:t> interoperability</a:t>
+            </a:r>
+            <a:endParaRPr lang="en-US" dirty="0" smtClean="0"/>
+          </a:p>
+          <a:p>
+            <a:r>
+              <a:rPr lang="en-US" dirty="0" smtClean="0"/>
+              <a:t>Show: link to OBI for assays provides definitions</a:t>
+            </a:r>
+          </a:p>
+          <a:p>
+            <a:endParaRPr lang="en-US" dirty="0"/>
+          </a:p>
+        </p:txBody>
+      </p:sp>
+    </p:spTree>
+  </p:cSld>
+  <p:clrMapOvr>
+    <a:masterClrMapping/>
+  </p:clrMapOvr>
+</p:sld>
+</file>
+
+<file path=ppt/slides/slide34.xml><?xml version="1.0" encoding="utf-8"?>
 <p:sld xmlns:a="http://schemas.openxmlformats.org/drawingml/2006/main" xmlns:r="http://schemas.openxmlformats.org/officeDocument/2006/relationships" xmlns:p="http://schemas.openxmlformats.org/presentationml/2006/main">
   <p:cSld>
     <p:spTree>
@@ -8824,30 +11710,7 @@
             <a:spLocks noGrp="1"/>
           </p:cNvSpPr>
           <p:nvPr>
-            <p:ph type="title"/>
-          </p:nvPr>
-        </p:nvSpPr>
-        <p:spPr/>
-        <p:txBody>
-          <a:bodyPr/>
-          <a:lstStyle/>
-          <a:p>
-            <a:r>
-              <a:rPr lang="en-US" dirty="0" smtClean="0"/>
-              <a:t>OBI – a user driven project</a:t>
-            </a:r>
-            <a:endParaRPr lang="en-US" dirty="0"/>
-          </a:p>
-        </p:txBody>
-      </p:sp>
-      <p:sp>
-        <p:nvSpPr>
-          <p:cNvPr id="3" name="Content Placeholder 2"/>
-          <p:cNvSpPr>
-            <a:spLocks noGrp="1"/>
-          </p:cNvSpPr>
-          <p:nvPr>
-            <p:ph idx="1"/>
+            <p:ph type="ctrTitle"/>
           </p:nvPr>
         </p:nvSpPr>
         <p:spPr/>
@@ -8859,38 +11722,44 @@
           <a:p>
             <a:r>
               <a:rPr lang="en-US" dirty="0" smtClean="0"/>
-              <a:t>19 communities that recognized they were trying to solve the same / related problems</a:t>
-            </a:r>
-          </a:p>
+              <a:t>OBI – a high level overview</a:t>
+            </a:r>
+            <a:endParaRPr lang="en-US" dirty="0"/>
+          </a:p>
+        </p:txBody>
+      </p:sp>
+      <p:sp>
+        <p:nvSpPr>
+          <p:cNvPr id="3" name="Subtitle 2"/>
+          <p:cNvSpPr>
+            <a:spLocks noGrp="1"/>
+          </p:cNvSpPr>
+          <p:nvPr>
+            <p:ph type="subTitle" idx="1"/>
+          </p:nvPr>
+        </p:nvSpPr>
+        <p:spPr/>
+        <p:txBody>
+          <a:bodyPr/>
+          <a:lstStyle/>
           <a:p>
             <a:r>
               <a:rPr lang="en-US" dirty="0" smtClean="0"/>
-              <a:t>6 year effort</a:t>
+              <a:t>Bjoern Peters</a:t>
             </a:r>
           </a:p>
           <a:p>
             <a:r>
               <a:rPr lang="en-US" dirty="0" smtClean="0"/>
-              <a:t>1-2 phone calls per week, 1-2 meetings per year</a:t>
+              <a:t>3/21/2011</a:t>
             </a:r>
           </a:p>
           <a:p>
             <a:r>
               <a:rPr lang="en-US" dirty="0" smtClean="0"/>
-              <a:t>first stable release (Philly / 1.0) in Oct. 2009</a:t>
-            </a:r>
-          </a:p>
-          <a:p>
-            <a:pPr>
-              <a:buNone/>
-            </a:pPr>
-            <a:r>
-              <a:rPr lang="en-US" dirty="0" smtClean="0">
-                <a:sym typeface="Wingdings" pitchFamily="2" charset="2"/>
-              </a:rPr>
-              <a:t> Open project with constant addition of new communities, please consider joining!</a:t>
-            </a:r>
-            <a:endParaRPr lang="en-US" dirty="0" smtClean="0"/>
+              <a:t>San Diego Workshop</a:t>
+            </a:r>
+            <a:endParaRPr lang="en-US" dirty="0"/>
           </a:p>
         </p:txBody>
       </p:sp>
@@ -8910,6 +11779,115 @@
 </file>
 
 <file path=ppt/slides/slide5.xml><?xml version="1.0" encoding="utf-8"?>
+<p:sld xmlns:a="http://schemas.openxmlformats.org/drawingml/2006/main" xmlns:r="http://schemas.openxmlformats.org/officeDocument/2006/relationships" xmlns:p="http://schemas.openxmlformats.org/presentationml/2006/main">
+  <p:cSld>
+    <p:spTree>
+      <p:nvGrpSpPr>
+        <p:cNvPr id="1" name=""/>
+        <p:cNvGrpSpPr/>
+        <p:nvPr/>
+      </p:nvGrpSpPr>
+      <p:grpSpPr>
+        <a:xfrm>
+          <a:off x="0" y="0"/>
+          <a:ext cx="0" cy="0"/>
+          <a:chOff x="0" y="0"/>
+          <a:chExt cx="0" cy="0"/>
+        </a:xfrm>
+      </p:grpSpPr>
+      <p:sp>
+        <p:nvSpPr>
+          <p:cNvPr id="2" name="Title 1"/>
+          <p:cNvSpPr>
+            <a:spLocks noGrp="1"/>
+          </p:cNvSpPr>
+          <p:nvPr>
+            <p:ph type="title"/>
+          </p:nvPr>
+        </p:nvSpPr>
+        <p:spPr/>
+        <p:txBody>
+          <a:bodyPr/>
+          <a:lstStyle/>
+          <a:p>
+            <a:r>
+              <a:rPr lang="en-US" dirty="0" smtClean="0"/>
+              <a:t>OBI – a user driven project</a:t>
+            </a:r>
+            <a:endParaRPr lang="en-US" dirty="0"/>
+          </a:p>
+        </p:txBody>
+      </p:sp>
+      <p:sp>
+        <p:nvSpPr>
+          <p:cNvPr id="3" name="Content Placeholder 2"/>
+          <p:cNvSpPr>
+            <a:spLocks noGrp="1"/>
+          </p:cNvSpPr>
+          <p:nvPr>
+            <p:ph idx="1"/>
+          </p:nvPr>
+        </p:nvSpPr>
+        <p:spPr/>
+        <p:txBody>
+          <a:bodyPr>
+            <a:normAutofit/>
+          </a:bodyPr>
+          <a:lstStyle/>
+          <a:p>
+            <a:r>
+              <a:rPr lang="en-US" dirty="0" smtClean="0"/>
+              <a:t>19 communities that recognized they were trying to solve the same / related problems</a:t>
+            </a:r>
+          </a:p>
+          <a:p>
+            <a:r>
+              <a:rPr lang="en-US" dirty="0" smtClean="0"/>
+              <a:t>6 year effort</a:t>
+            </a:r>
+          </a:p>
+          <a:p>
+            <a:r>
+              <a:rPr lang="en-US" dirty="0" smtClean="0"/>
+              <a:t>1-2 phone calls per week, 1-2 meetings per year</a:t>
+            </a:r>
+          </a:p>
+          <a:p>
+            <a:r>
+              <a:rPr lang="en-US" dirty="0" smtClean="0"/>
+              <a:t>first stable release (Philly / 1.0) in Oct. 2009</a:t>
+            </a:r>
+          </a:p>
+          <a:p>
+            <a:pPr>
+              <a:buNone/>
+            </a:pPr>
+            <a:r>
+              <a:rPr lang="en-US" dirty="0" smtClean="0">
+                <a:sym typeface="Wingdings" pitchFamily="2" charset="2"/>
+              </a:rPr>
+              <a:t> Open project with constant addition of new communities, please consider joining!</a:t>
+            </a:r>
+            <a:endParaRPr lang="en-US" dirty="0" smtClean="0"/>
+          </a:p>
+        </p:txBody>
+      </p:sp>
+    </p:spTree>
+  </p:cSld>
+  <p:clrMapOvr>
+    <a:masterClrMapping/>
+  </p:clrMapOvr>
+  <p:timing>
+    <p:tnLst>
+      <p:par>
+        <p:cTn id="1" dur="indefinite" restart="never" nodeType="tmRoot"/>
+      </p:par>
+    </p:tnLst>
+  </p:timing>
+</p:sld>
+</file>
+
+<file path=ppt/slides/slide6.xml><?xml version="1.0" encoding="utf-8"?>
 <p:sld xmlns:a="http://schemas.openxmlformats.org/drawingml/2006/main" xmlns:r="http://schemas.openxmlformats.org/officeDocument/2006/relationships" xmlns:p="http://schemas.openxmlformats.org/presentationml/2006/main">
   <p:cSld>
     <p:spTree>
@@ -10282,7 +13260,7 @@
 </p:sld>
 </file>
 
-<file path=ppt/slides/slide6.xml><?xml version="1.0" encoding="utf-8"?>
+<file path=ppt/slides/slide7.xml><?xml version="1.0" encoding="utf-8"?>
 <p:sld xmlns:a="http://schemas.openxmlformats.org/drawingml/2006/main" xmlns:r="http://schemas.openxmlformats.org/officeDocument/2006/relationships" xmlns:p="http://schemas.openxmlformats.org/presentationml/2006/main">
   <p:cSld>
     <p:spTree>
@@ -11520,89 +14498,6 @@
 </p:sld>
 </file>
 
-<file path=ppt/slides/slide7.xml><?xml version="1.0" encoding="utf-8"?>
-<p:sld xmlns:a="http://schemas.openxmlformats.org/drawingml/2006/main" xmlns:r="http://schemas.openxmlformats.org/officeDocument/2006/relationships" xmlns:p="http://schemas.openxmlformats.org/presentationml/2006/main">
-  <p:cSld>
-    <p:spTree>
-      <p:nvGrpSpPr>
-        <p:cNvPr id="1" name=""/>
-        <p:cNvGrpSpPr/>
-        <p:nvPr/>
-      </p:nvGrpSpPr>
-      <p:grpSpPr>
-        <a:xfrm>
-          <a:off x="0" y="0"/>
-          <a:ext cx="0" cy="0"/>
-          <a:chOff x="0" y="0"/>
-          <a:chExt cx="0" cy="0"/>
-        </a:xfrm>
-      </p:grpSpPr>
-      <p:sp>
-        <p:nvSpPr>
-          <p:cNvPr id="2" name="Title 1"/>
-          <p:cNvSpPr>
-            <a:spLocks noGrp="1"/>
-          </p:cNvSpPr>
-          <p:nvPr>
-            <p:ph type="title"/>
-          </p:nvPr>
-        </p:nvSpPr>
-        <p:spPr>
-          <a:xfrm>
-            <a:off x="457200" y="0"/>
-            <a:ext cx="8229600" cy="1143000"/>
-          </a:xfrm>
-        </p:spPr>
-        <p:txBody>
-          <a:bodyPr/>
-          <a:lstStyle/>
-          <a:p>
-            <a:r>
-              <a:rPr lang="en-US" dirty="0" smtClean="0"/>
-              <a:t>High level class hierarchy</a:t>
-            </a:r>
-            <a:endParaRPr lang="en-US" dirty="0"/>
-          </a:p>
-        </p:txBody>
-      </p:sp>
-      <p:pic>
-        <p:nvPicPr>
-          <p:cNvPr id="5" name="Content Placeholder 4" descr="Figure 1.jpg"/>
-          <p:cNvPicPr>
-            <a:picLocks noGrp="1" noChangeAspect="1"/>
-          </p:cNvPicPr>
-          <p:nvPr>
-            <p:ph idx="1"/>
-          </p:nvPr>
-        </p:nvPicPr>
-        <p:blipFill>
-          <a:blip r:embed="rId3" cstate="print"/>
-          <a:stretch>
-            <a:fillRect/>
-          </a:stretch>
-        </p:blipFill>
-        <p:spPr>
-          <a:xfrm>
-            <a:off x="609600" y="1454086"/>
-            <a:ext cx="7891324" cy="5403914"/>
-          </a:xfrm>
-        </p:spPr>
-      </p:pic>
-    </p:spTree>
-  </p:cSld>
-  <p:clrMapOvr>
-    <a:masterClrMapping/>
-  </p:clrMapOvr>
-  <p:timing>
-    <p:tnLst>
-      <p:par>
-        <p:cTn id="1" dur="indefinite" restart="never" nodeType="tmRoot"/>
-      </p:par>
-    </p:tnLst>
-  </p:timing>
-</p:sld>
-</file>
-
 <file path=ppt/slides/slide8.xml><?xml version="1.0" encoding="utf-8"?>
 <p:sld xmlns:a="http://schemas.openxmlformats.org/drawingml/2006/main" xmlns:r="http://schemas.openxmlformats.org/officeDocument/2006/relationships" xmlns:p="http://schemas.openxmlformats.org/presentationml/2006/main">
   <p:cSld>
@@ -11630,146 +14525,47 @@
             <p:ph type="title"/>
           </p:nvPr>
         </p:nvSpPr>
-        <p:spPr/>
+        <p:spPr>
+          <a:xfrm>
+            <a:off x="457200" y="0"/>
+            <a:ext cx="8229600" cy="1143000"/>
+          </a:xfrm>
+        </p:spPr>
         <p:txBody>
           <a:bodyPr/>
           <a:lstStyle/>
           <a:p>
             <a:r>
               <a:rPr lang="en-US" dirty="0" smtClean="0"/>
-              <a:t>material entity</a:t>
+              <a:t>High level class hierarchy</a:t>
             </a:r>
             <a:endParaRPr lang="en-US" dirty="0"/>
           </a:p>
         </p:txBody>
       </p:sp>
-      <p:sp>
-        <p:nvSpPr>
-          <p:cNvPr id="3" name="Content Placeholder 2"/>
-          <p:cNvSpPr>
-            <a:spLocks noGrp="1"/>
-          </p:cNvSpPr>
+      <p:pic>
+        <p:nvPicPr>
+          <p:cNvPr id="5" name="Content Placeholder 4" descr="Figure 1.jpg"/>
+          <p:cNvPicPr>
+            <a:picLocks noGrp="1" noChangeAspect="1"/>
+          </p:cNvPicPr>
           <p:nvPr>
             <p:ph idx="1"/>
           </p:nvPr>
-        </p:nvSpPr>
-        <p:spPr/>
-        <p:txBody>
-          <a:bodyPr>
-            <a:noAutofit/>
-          </a:bodyPr>
-          <a:lstStyle/>
-          <a:p>
-            <a:r>
-              <a:rPr lang="en-US" sz="2000" dirty="0" smtClean="0"/>
-              <a:t>merged </a:t>
-            </a:r>
-            <a:r>
-              <a:rPr lang="en-US" sz="2000" dirty="0" err="1" smtClean="0"/>
-              <a:t>bfo:object</a:t>
-            </a:r>
-            <a:r>
-              <a:rPr lang="en-US" sz="2000" dirty="0" smtClean="0"/>
-              <a:t>, object part, object aggregate </a:t>
-            </a:r>
-            <a:br>
-              <a:rPr lang="en-US" sz="2000" dirty="0" smtClean="0"/>
-            </a:br>
-            <a:r>
-              <a:rPr lang="en-US" sz="2000" dirty="0" smtClean="0"/>
-              <a:t>(what is a cell inside my body?) </a:t>
-            </a:r>
-          </a:p>
-          <a:p>
-            <a:r>
-              <a:rPr lang="en-US" sz="2000" dirty="0" smtClean="0"/>
-              <a:t>import ‘natural biomaterials’ (MIREOT mechanism), </a:t>
-            </a:r>
-            <a:br>
-              <a:rPr lang="en-US" sz="2000" dirty="0" smtClean="0"/>
-            </a:br>
-            <a:r>
-              <a:rPr lang="en-US" sz="2000" dirty="0" smtClean="0"/>
-              <a:t>e.g. o</a:t>
-            </a:r>
-            <a:r>
-              <a:rPr lang="en-US" sz="1800" dirty="0" smtClean="0"/>
-              <a:t>rganism (NCBI taxonomy), anatomical entity (FMA), molecular entity (ChEBI)</a:t>
-            </a:r>
-          </a:p>
-          <a:p>
-            <a:pPr>
-              <a:buNone/>
-            </a:pPr>
-            <a:r>
-              <a:rPr lang="en-US" sz="2000" dirty="0" smtClean="0"/>
-              <a:t>OBI’s primary scope</a:t>
-            </a:r>
-          </a:p>
-          <a:p>
-            <a:r>
-              <a:rPr lang="en-US" sz="2000" dirty="0" smtClean="0"/>
-              <a:t>‘processed material entities’</a:t>
-            </a:r>
-          </a:p>
-          <a:p>
-            <a:pPr lvl="1"/>
-            <a:r>
-              <a:rPr lang="en-US" sz="1800" dirty="0" smtClean="0"/>
-              <a:t>output of a planned material transformation process</a:t>
-            </a:r>
-          </a:p>
-          <a:p>
-            <a:pPr lvl="1"/>
-            <a:r>
-              <a:rPr lang="en-US" sz="1800" dirty="0" smtClean="0"/>
-              <a:t>would not exist without intelligent life around</a:t>
-            </a:r>
-          </a:p>
-          <a:p>
-            <a:pPr lvl="1"/>
-            <a:r>
-              <a:rPr lang="en-US" sz="1800" dirty="0" smtClean="0"/>
-              <a:t>some ‘natural biomaterials’ can also be created (e.g. molecules) </a:t>
-            </a:r>
-            <a:br>
-              <a:rPr lang="en-US" sz="1800" dirty="0" smtClean="0"/>
-            </a:br>
-            <a:r>
-              <a:rPr lang="en-US" sz="1800" dirty="0" smtClean="0">
-                <a:sym typeface="Wingdings" pitchFamily="2" charset="2"/>
-              </a:rPr>
-              <a:t> no asserted disjoint</a:t>
-            </a:r>
-          </a:p>
-          <a:p>
-            <a:r>
-              <a:rPr lang="en-US" sz="2000" dirty="0" smtClean="0">
-                <a:sym typeface="Wingdings" pitchFamily="2" charset="2"/>
-              </a:rPr>
-              <a:t>specimen, study subject</a:t>
-            </a:r>
-          </a:p>
-          <a:p>
-            <a:pPr lvl="1"/>
-            <a:r>
-              <a:rPr lang="en-US" sz="1800" dirty="0" smtClean="0">
-                <a:sym typeface="Wingdings" pitchFamily="2" charset="2"/>
-              </a:rPr>
-              <a:t>material entities about which information is gathered during an investigation</a:t>
-            </a:r>
-          </a:p>
-          <a:p>
-            <a:pPr lvl="1"/>
-            <a:r>
-              <a:rPr lang="en-US" sz="1800" dirty="0" smtClean="0">
-                <a:sym typeface="Wingdings" pitchFamily="2" charset="2"/>
-              </a:rPr>
-              <a:t>may or may not be processed materials </a:t>
-            </a:r>
-          </a:p>
-        </p:txBody>
-      </p:sp>
+        </p:nvPicPr>
+        <p:blipFill>
+          <a:blip r:embed="rId3" cstate="print"/>
+          <a:stretch>
+            <a:fillRect/>
+          </a:stretch>
+        </p:blipFill>
+        <p:spPr>
+          <a:xfrm>
+            <a:off x="609600" y="1454086"/>
+            <a:ext cx="7891324" cy="5403914"/>
+          </a:xfrm>
+        </p:spPr>
+      </p:pic>
     </p:spTree>
   </p:cSld>
   <p:clrMapOvr>
@@ -11804,7 +14600,7 @@
       </p:grpSpPr>
       <p:sp>
         <p:nvSpPr>
-          <p:cNvPr id="4" name="Title 3"/>
+          <p:cNvPr id="2" name="Title 1"/>
           <p:cNvSpPr>
             <a:spLocks noGrp="1"/>
           </p:cNvSpPr>
@@ -11819,7 +14615,7 @@
           <a:p>
             <a:r>
               <a:rPr lang="en-US" dirty="0" smtClean="0"/>
-              <a:t>planned process</a:t>
+              <a:t>material entity</a:t>
             </a:r>
             <a:endParaRPr lang="en-US" dirty="0"/>
           </a:p>
@@ -11827,7 +14623,7 @@
       </p:sp>
       <p:sp>
         <p:nvSpPr>
-          <p:cNvPr id="5" name="Content Placeholder 4"/>
+          <p:cNvPr id="3" name="Content Placeholder 2"/>
           <p:cNvSpPr>
             <a:spLocks noGrp="1"/>
           </p:cNvSpPr>
@@ -11838,60 +14634,117 @@
         <p:spPr/>
         <p:txBody>
           <a:bodyPr>
-            <a:normAutofit/>
+            <a:noAutofit/>
           </a:bodyPr>
           <a:lstStyle/>
           <a:p>
             <a:r>
-              <a:rPr lang="en-US" sz="2400" dirty="0" smtClean="0"/>
-              <a:t>realize a ‘plan specification’ which includes an ‘objective specification’ (describing the desired endpoint)</a:t>
-            </a:r>
-          </a:p>
-          <a:p>
-            <a:r>
-              <a:rPr lang="en-US" sz="2400" dirty="0" smtClean="0"/>
-              <a:t>have specified inputs and outputs </a:t>
+              <a:rPr lang="en-US" sz="2000" dirty="0" smtClean="0"/>
+              <a:t>merged </a:t>
+            </a:r>
+            <a:r>
+              <a:rPr lang="en-US" sz="2000" dirty="0" err="1" smtClean="0"/>
+              <a:t>bfo:object</a:t>
+            </a:r>
+            <a:r>
+              <a:rPr lang="en-US" sz="2000" dirty="0" smtClean="0"/>
+              <a:t>, object part, object aggregate </a:t>
             </a:r>
             <a:br>
-              <a:rPr lang="en-US" sz="2400" dirty="0" smtClean="0"/>
+              <a:rPr lang="en-US" sz="2000" dirty="0" smtClean="0"/>
             </a:br>
             <a:r>
-              <a:rPr lang="en-US" sz="2400" dirty="0" smtClean="0"/>
-              <a:t>(=participants called out in the specification)</a:t>
-            </a:r>
-          </a:p>
-          <a:p>
-            <a:r>
-              <a:rPr lang="en-US" sz="2400" dirty="0" smtClean="0"/>
-              <a:t>high level classes: </a:t>
+              <a:rPr lang="en-US" sz="2000" dirty="0" smtClean="0"/>
+              <a:t>(what is a cell inside my body?) </a:t>
+            </a:r>
+          </a:p>
+          <a:p>
+            <a:r>
+              <a:rPr lang="en-US" sz="2000" dirty="0" smtClean="0"/>
+              <a:t>import ‘natural biomaterials’ (MIREOT mechanism), </a:t>
+            </a:r>
+            <a:br>
+              <a:rPr lang="en-US" sz="2000" dirty="0" smtClean="0"/>
+            </a:br>
+            <a:r>
+              <a:rPr lang="en-US" sz="2000" dirty="0" smtClean="0"/>
+              <a:t>e.g. o</a:t>
+            </a:r>
+            <a:r>
+              <a:rPr lang="en-US" sz="1800" dirty="0" smtClean="0"/>
+              <a:t>rganism (NCBI taxonomy), anatomical entity (FMA), molecular entity (ChEBI)</a:t>
+            </a:r>
+          </a:p>
+          <a:p>
+            <a:pPr>
+              <a:buNone/>
+            </a:pPr>
+            <a:r>
+              <a:rPr lang="en-US" sz="2000" dirty="0" smtClean="0"/>
+              <a:t>OBI’s primary scope</a:t>
+            </a:r>
+          </a:p>
+          <a:p>
+            <a:r>
+              <a:rPr lang="en-US" sz="2000" dirty="0" smtClean="0"/>
+              <a:t>‘processed material entities’</a:t>
             </a:r>
           </a:p>
           <a:p>
             <a:pPr lvl="1"/>
             <a:r>
-              <a:rPr lang="en-US" sz="2000" dirty="0" smtClean="0"/>
-              <a:t>material processing</a:t>
+              <a:rPr lang="en-US" sz="1800" dirty="0" smtClean="0"/>
+              <a:t>output of a planned material transformation process</a:t>
             </a:r>
           </a:p>
           <a:p>
             <a:pPr lvl="1"/>
             <a:r>
-              <a:rPr lang="en-US" sz="2000" dirty="0" smtClean="0"/>
-              <a:t>assay</a:t>
+              <a:rPr lang="en-US" sz="1800" dirty="0" smtClean="0"/>
+              <a:t>would not exist without intelligent life around</a:t>
             </a:r>
           </a:p>
           <a:p>
             <a:pPr lvl="1"/>
             <a:r>
-              <a:rPr lang="en-US" sz="2000" dirty="0" smtClean="0"/>
-              <a:t>data transformation</a:t>
-            </a:r>
-          </a:p>
-          <a:p>
-            <a:endParaRPr lang="en-US" sz="2400" dirty="0" smtClean="0"/>
-          </a:p>
-          <a:p>
-            <a:endParaRPr lang="en-US" sz="2400" dirty="0"/>
+              <a:rPr lang="en-US" sz="1800" dirty="0" smtClean="0"/>
+              <a:t>some ‘natural biomaterials’ can also be created (e.g. molecules) </a:t>
+            </a:r>
+            <a:br>
+              <a:rPr lang="en-US" sz="1800" dirty="0" smtClean="0"/>
+            </a:br>
+            <a:r>
+              <a:rPr lang="en-US" sz="1800" dirty="0" smtClean="0">
+                <a:sym typeface="Wingdings" pitchFamily="2" charset="2"/>
+              </a:rPr>
+              <a:t> no asserted disjoint</a:t>
+            </a:r>
+          </a:p>
+          <a:p>
+            <a:r>
+              <a:rPr lang="en-US" sz="2000" dirty="0" smtClean="0">
+                <a:sym typeface="Wingdings" pitchFamily="2" charset="2"/>
+              </a:rPr>
+              <a:t>specimen, study subject</a:t>
+            </a:r>
+          </a:p>
+          <a:p>
+            <a:pPr lvl="1"/>
+            <a:r>
+              <a:rPr lang="en-US" sz="1800" dirty="0" smtClean="0">
+                <a:sym typeface="Wingdings" pitchFamily="2" charset="2"/>
+              </a:rPr>
+              <a:t>material entities about which information is gathered during an investigation</a:t>
+            </a:r>
+          </a:p>
+          <a:p>
+            <a:pPr lvl="1"/>
+            <a:r>
+              <a:rPr lang="en-US" sz="1800" dirty="0" smtClean="0">
+                <a:sym typeface="Wingdings" pitchFamily="2" charset="2"/>
+              </a:rPr>
+              <a:t>may or may not be processed materials </a:t>
+            </a:r>
           </a:p>
         </p:txBody>
       </p:sp>
@@ -12474,4 +15327,287 @@
   <a:objectDefaults/>
   <a:extraClrSchemeLst/>
 </a:theme>
+</file>
+
+<file path=ppt/theme/theme3.xml><?xml version="1.0" encoding="utf-8"?>
+<a:theme xmlns:a="http://schemas.openxmlformats.org/drawingml/2006/main" name="Office Theme">
+  <a:themeElements>
+    <a:clrScheme name="Office">
+      <a:dk1>
+        <a:sysClr val="windowText" lastClr="000000"/>
+      </a:dk1>
+      <a:lt1>
+        <a:sysClr val="window" lastClr="FFFFFF"/>
+      </a:lt1>
+      <a:dk2>
+        <a:srgbClr val="1F497D"/>
+      </a:dk2>
+      <a:lt2>
+        <a:srgbClr val="EEECE1"/>
+      </a:lt2>
+      <a:accent1>
+        <a:srgbClr val="4F81BD"/>
+      </a:accent1>
+      <a:accent2>
+        <a:srgbClr val="C0504D"/>
+      </a:accent2>
+      <a:accent3>
+        <a:srgbClr val="9BBB59"/>
+      </a:accent3>
+      <a:accent4>
+        <a:srgbClr val="8064A2"/>
+      </a:accent4>
+      <a:accent5>
+        <a:srgbClr val="4BACC6"/>
+      </a:accent5>
+      <a:accent6>
+        <a:srgbClr val="F79646"/>
+      </a:accent6>
+      <a:hlink>
+        <a:srgbClr val="0000FF"/>
+      </a:hlink>
+      <a:folHlink>
+        <a:srgbClr val="800080"/>
+      </a:folHlink>
+    </a:clrScheme>
+    <a:fontScheme name="Office">
+      <a:majorFont>
+        <a:latin typeface="Calibri"/>
+        <a:ea typeface=""/>
+        <a:cs typeface=""/>
+        <a:font script="Jpan" typeface="ＭＳ Ｐゴシック"/>
+        <a:font script="Hang" typeface="맑은 고딕"/>
+        <a:font script="Hans" typeface="宋体"/>
+        <a:font script="Hant" typeface="新細明體"/>
+        <a:font script="Arab" typeface="Times New Roman"/>
+        <a:font script="Hebr" typeface="Times New Roman"/>
+        <a:font script="Thai" typeface="Angsana New"/>
+        <a:font script="Ethi" typeface="Nyala"/>
+        <a:font script="Beng" typeface="Vrinda"/>
+        <a:font script="Gujr" typeface="Shruti"/>
+        <a:font script="Khmr" typeface="MoolBoran"/>
+        <a:font script="Knda" typeface="Tunga"/>
+        <a:font script="Guru" typeface="Raavi"/>
+        <a:font script="Cans" typeface="Euphemia"/>
+        <a:font script="Cher" typeface="Plantagenet Cherokee"/>
+        <a:font script="Yiii" typeface="Microsoft Yi Baiti"/>
+        <a:font script="Tibt" typeface="Microsoft Himalaya"/>
+        <a:font script="Thaa" typeface="MV Boli"/>
+        <a:font script="Deva" typeface="Mangal"/>
+        <a:font script="Telu" typeface="Gautami"/>
+        <a:font script="Taml" typeface="Latha"/>
+        <a:font script="Syrc" typeface="Estrangelo Edessa"/>
+        <a:font script="Orya" typeface="Kalinga"/>
+        <a:font script="Mlym" typeface="Kartika"/>
+        <a:font script="Laoo" typeface="DokChampa"/>
+        <a:font script="Sinh" typeface="Iskoola Pota"/>
+        <a:font script="Mong" typeface="Mongolian Baiti"/>
+        <a:font script="Viet" typeface="Times New Roman"/>
+        <a:font script="Uigh" typeface="Microsoft Uighur"/>
+      </a:majorFont>
+      <a:minorFont>
+        <a:latin typeface="Calibri"/>
+        <a:ea typeface=""/>
+        <a:cs typeface=""/>
+        <a:font script="Jpan" typeface="ＭＳ Ｐゴシック"/>
+        <a:font script="Hang" typeface="맑은 고딕"/>
+        <a:font script="Hans" typeface="宋体"/>
+        <a:font script="Hant" typeface="新細明體"/>
+        <a:font script="Arab" typeface="Arial"/>
+        <a:font script="Hebr" typeface="Arial"/>
+        <a:font script="Thai" typeface="Cordia New"/>
+        <a:font script="Ethi" typeface="Nyala"/>
+        <a:font script="Beng" typeface="Vrinda"/>
+        <a:font script="Gujr" typeface="Shruti"/>
+        <a:font script="Khmr" typeface="DaunPenh"/>
+        <a:font script="Knda" typeface="Tunga"/>
+        <a:font script="Guru" typeface="Raavi"/>
+        <a:font script="Cans" typeface="Euphemia"/>
+        <a:font script="Cher" typeface="Plantagenet Cherokee"/>
+        <a:font script="Yiii" typeface="Microsoft Yi Baiti"/>
+        <a:font script="Tibt" typeface="Microsoft Himalaya"/>
+        <a:font script="Thaa" typeface="MV Boli"/>
+        <a:font script="Deva" typeface="Mangal"/>
+        <a:font script="Telu" typeface="Gautami"/>
+        <a:font script="Taml" typeface="Latha"/>
+        <a:font script="Syrc" typeface="Estrangelo Edessa"/>
+        <a:font script="Orya" typeface="Kalinga"/>
+        <a:font script="Mlym" typeface="Kartika"/>
+        <a:font script="Laoo" typeface="DokChampa"/>
+        <a:font script="Sinh" typeface="Iskoola Pota"/>
+        <a:font script="Mong" typeface="Mongolian Baiti"/>
+        <a:font script="Viet" typeface="Arial"/>
+        <a:font script="Uigh" typeface="Microsoft Uighur"/>
+      </a:minorFont>
+    </a:fontScheme>
+    <a:fmtScheme name="Office">
+      <a:fillStyleLst>
+        <a:solidFill>
+          <a:schemeClr val="phClr"/>
+        </a:solidFill>
+        <a:gradFill rotWithShape="1">
+          <a:gsLst>
+            <a:gs pos="0">
+              <a:schemeClr val="phClr">
+                <a:tint val="50000"/>
+                <a:satMod val="300000"/>
+              </a:schemeClr>
+            </a:gs>
+            <a:gs pos="35000">
+              <a:schemeClr val="phClr">
+                <a:tint val="37000"/>
+                <a:satMod val="300000"/>
+              </a:schemeClr>
+            </a:gs>
+            <a:gs pos="100000">
+              <a:schemeClr val="phClr">
+                <a:tint val="15000"/>
+                <a:satMod val="350000"/>
+              </a:schemeClr>
+            </a:gs>
+          </a:gsLst>
+          <a:lin ang="16200000" scaled="1"/>
+        </a:gradFill>
+        <a:gradFill rotWithShape="1">
+          <a:gsLst>
+            <a:gs pos="0">
+              <a:schemeClr val="phClr">
+                <a:shade val="51000"/>
+                <a:satMod val="130000"/>
+              </a:schemeClr>
+            </a:gs>
+            <a:gs pos="80000">
+              <a:schemeClr val="phClr">
+                <a:shade val="93000"/>
+                <a:satMod val="130000"/>
+              </a:schemeClr>
+            </a:gs>
+            <a:gs pos="100000">
+              <a:schemeClr val="phClr">
+                <a:shade val="94000"/>
+                <a:satMod val="135000"/>
+              </a:schemeClr>
+            </a:gs>
+          </a:gsLst>
+          <a:lin ang="16200000" scaled="0"/>
+        </a:gradFill>
+      </a:fillStyleLst>
+      <a:lnStyleLst>
+        <a:ln w="9525" cap="flat" cmpd="sng" algn="ctr">
+          <a:solidFill>
+            <a:schemeClr val="phClr">
+              <a:shade val="95000"/>
+              <a:satMod val="105000"/>
+            </a:schemeClr>
+          </a:solidFill>
+          <a:prstDash val="solid"/>
+        </a:ln>
+        <a:ln w="25400" cap="flat" cmpd="sng" algn="ctr">
+          <a:solidFill>
+            <a:schemeClr val="phClr"/>
+          </a:solidFill>
+          <a:prstDash val="solid"/>
+        </a:ln>
+        <a:ln w="38100" cap="flat" cmpd="sng" algn="ctr">
+          <a:solidFill>
+            <a:schemeClr val="phClr"/>
+          </a:solidFill>
+          <a:prstDash val="solid"/>
+        </a:ln>
+      </a:lnStyleLst>
+      <a:effectStyleLst>
+        <a:effectStyle>
+          <a:effectLst>
+            <a:outerShdw blurRad="40000" dist="20000" dir="5400000" rotWithShape="0">
+              <a:srgbClr val="000000">
+                <a:alpha val="38000"/>
+              </a:srgbClr>
+            </a:outerShdw>
+          </a:effectLst>
+        </a:effectStyle>
+        <a:effectStyle>
+          <a:effectLst>
+            <a:outerShdw blurRad="40000" dist="23000" dir="5400000" rotWithShape="0">
+              <a:srgbClr val="000000">
+                <a:alpha val="35000"/>
+              </a:srgbClr>
+            </a:outerShdw>
+          </a:effectLst>
+        </a:effectStyle>
+        <a:effectStyle>
+          <a:effectLst>
+            <a:outerShdw blurRad="40000" dist="23000" dir="5400000" rotWithShape="0">
+              <a:srgbClr val="000000">
+                <a:alpha val="35000"/>
+              </a:srgbClr>
+            </a:outerShdw>
+          </a:effectLst>
+          <a:scene3d>
+            <a:camera prst="orthographicFront">
+              <a:rot lat="0" lon="0" rev="0"/>
+            </a:camera>
+            <a:lightRig rig="threePt" dir="t">
+              <a:rot lat="0" lon="0" rev="1200000"/>
+            </a:lightRig>
+          </a:scene3d>
+          <a:sp3d>
+            <a:bevelT w="63500" h="25400"/>
+          </a:sp3d>
+        </a:effectStyle>
+      </a:effectStyleLst>
+      <a:bgFillStyleLst>
+        <a:solidFill>
+          <a:schemeClr val="phClr"/>
+        </a:solidFill>
+        <a:gradFill rotWithShape="1">
+          <a:gsLst>
+            <a:gs pos="0">
+              <a:schemeClr val="phClr">
+                <a:tint val="40000"/>
+                <a:satMod val="350000"/>
+              </a:schemeClr>
+            </a:gs>
+            <a:gs pos="40000">
+              <a:schemeClr val="phClr">
+                <a:tint val="45000"/>
+                <a:shade val="99000"/>
+                <a:satMod val="350000"/>
+              </a:schemeClr>
+            </a:gs>
+            <a:gs pos="100000">
+              <a:schemeClr val="phClr">
+                <a:shade val="20000"/>
+                <a:satMod val="255000"/>
+              </a:schemeClr>
+            </a:gs>
+          </a:gsLst>
+          <a:path path="circle">
+            <a:fillToRect l="50000" t="-80000" r="50000" b="180000"/>
+          </a:path>
+        </a:gradFill>
+        <a:gradFill rotWithShape="1">
+          <a:gsLst>
+            <a:gs pos="0">
+              <a:schemeClr val="phClr">
+                <a:tint val="80000"/>
+                <a:satMod val="300000"/>
+              </a:schemeClr>
+            </a:gs>
+            <a:gs pos="100000">
+              <a:schemeClr val="phClr">
+                <a:shade val="30000"/>
+                <a:satMod val="200000"/>
+              </a:schemeClr>
+            </a:gs>
+          </a:gsLst>
+          <a:path path="circle">
+            <a:fillToRect l="50000" t="50000" r="50000" b="50000"/>
+          </a:path>
+        </a:gradFill>
+      </a:bgFillStyleLst>
+    </a:fmtScheme>
+  </a:themeElements>
+  <a:objectDefaults/>
+  <a:extraClrSchemeLst/>
+</a:theme>
 </file>
--- a/trunk/docs/presentations/OBI tutorial July 2011 ICBO/OBI overview and IEDB.pptx
+++ b/trunk/docs/presentations/OBI tutorial July 2011 ICBO/OBI overview and IEDB.pptx
@@ -5,10 +5,10 @@
     <p:sldMasterId id="2147483648" r:id="rId1"/>
   </p:sldMasterIdLst>
   <p:notesMasterIdLst>
-    <p:notesMasterId r:id="rId36"/>
+    <p:notesMasterId r:id="rId40"/>
   </p:notesMasterIdLst>
   <p:handoutMasterIdLst>
-    <p:handoutMasterId r:id="rId37"/>
+    <p:handoutMasterId r:id="rId41"/>
   </p:handoutMasterIdLst>
   <p:sldIdLst>
     <p:sldId id="301" r:id="rId2"/>
@@ -37,14 +37,18 @@
     <p:sldId id="288" r:id="rId25"/>
     <p:sldId id="289" r:id="rId26"/>
     <p:sldId id="292" r:id="rId27"/>
-    <p:sldId id="305" r:id="rId28"/>
-    <p:sldId id="300" r:id="rId29"/>
-    <p:sldId id="303" r:id="rId30"/>
-    <p:sldId id="290" r:id="rId31"/>
-    <p:sldId id="293" r:id="rId32"/>
-    <p:sldId id="296" r:id="rId33"/>
-    <p:sldId id="297" r:id="rId34"/>
-    <p:sldId id="299" r:id="rId35"/>
+    <p:sldId id="300" r:id="rId28"/>
+    <p:sldId id="303" r:id="rId29"/>
+    <p:sldId id="307" r:id="rId30"/>
+    <p:sldId id="308" r:id="rId31"/>
+    <p:sldId id="309" r:id="rId32"/>
+    <p:sldId id="306" r:id="rId33"/>
+    <p:sldId id="310" r:id="rId34"/>
+    <p:sldId id="305" r:id="rId35"/>
+    <p:sldId id="293" r:id="rId36"/>
+    <p:sldId id="296" r:id="rId37"/>
+    <p:sldId id="297" r:id="rId38"/>
+    <p:sldId id="299" r:id="rId39"/>
   </p:sldIdLst>
   <p:sldSz cx="9144000" cy="6858000" type="screen4x3"/>
   <p:notesSz cx="6858000" cy="9144000"/>
@@ -228,7 +232,8 @@
           <a:p>
             <a:fld id="{AAF942D6-0552-473E-8743-A8E9A7F141B6}" type="datetimeFigureOut">
               <a:rPr lang="en-US" smtClean="0"/>
-              <a:t>7/21/2011</a:t>
+              <a:pPr/>
+              <a:t>7/24/2011</a:t>
             </a:fld>
             <a:endParaRPr lang="en-US"/>
           </a:p>
@@ -294,6 +299,7 @@
           <a:p>
             <a:fld id="{6C29E7FB-5482-4D29-9989-9F6C36074206}" type="slidenum">
               <a:rPr lang="en-US" smtClean="0"/>
+              <a:pPr/>
               <a:t>‹#›</a:t>
             </a:fld>
             <a:endParaRPr lang="en-US"/>
@@ -389,7 +395,7 @@
             <a:fld id="{F7CCDDCE-D6AC-4D0B-9F0F-460BBA4686DC}" type="datetimeFigureOut">
               <a:rPr lang="en-US" smtClean="0"/>
               <a:pPr/>
-              <a:t>7/21/2011</a:t>
+              <a:t>7/24/2011</a:t>
             </a:fld>
             <a:endParaRPr lang="en-US"/>
           </a:p>
@@ -2507,7 +2513,7 @@
             <a:fld id="{043764D9-6848-4674-ACDF-2EF4644A5B96}" type="slidenum">
               <a:rPr lang="en-US" smtClean="0"/>
               <a:pPr/>
-              <a:t>29</a:t>
+              <a:t>34</a:t>
             </a:fld>
             <a:endParaRPr lang="en-US"/>
           </a:p>
@@ -2671,7 +2677,7 @@
             <a:fld id="{043764D9-6848-4674-ACDF-2EF4644A5B96}" type="slidenum">
               <a:rPr lang="en-US" smtClean="0"/>
               <a:pPr/>
-              <a:t>30</a:t>
+              <a:t>35</a:t>
             </a:fld>
             <a:endParaRPr lang="en-US"/>
           </a:p>
@@ -2753,7 +2759,7 @@
             <a:fld id="{043764D9-6848-4674-ACDF-2EF4644A5B96}" type="slidenum">
               <a:rPr lang="en-US" smtClean="0"/>
               <a:pPr/>
-              <a:t>31</a:t>
+              <a:t>36</a:t>
             </a:fld>
             <a:endParaRPr lang="en-US"/>
           </a:p>
@@ -2835,7 +2841,7 @@
             <a:fld id="{043764D9-6848-4674-ACDF-2EF4644A5B96}" type="slidenum">
               <a:rPr lang="en-US" smtClean="0"/>
               <a:pPr/>
-              <a:t>32</a:t>
+              <a:t>37</a:t>
             </a:fld>
             <a:endParaRPr lang="en-US"/>
           </a:p>
@@ -2917,89 +2923,7 @@
             <a:fld id="{043764D9-6848-4674-ACDF-2EF4644A5B96}" type="slidenum">
               <a:rPr lang="en-US" smtClean="0"/>
               <a:pPr/>
-              <a:t>33</a:t>
-            </a:fld>
-            <a:endParaRPr lang="en-US"/>
-          </a:p>
-        </p:txBody>
-      </p:sp>
-    </p:spTree>
-  </p:cSld>
-  <p:clrMapOvr>
-    <a:masterClrMapping/>
-  </p:clrMapOvr>
-</p:notes>
-</file>
-
-<file path=ppt/notesSlides/notesSlide34.xml><?xml version="1.0" encoding="utf-8"?>
-<p:notes xmlns:a="http://schemas.openxmlformats.org/drawingml/2006/main" xmlns:r="http://schemas.openxmlformats.org/officeDocument/2006/relationships" xmlns:p="http://schemas.openxmlformats.org/presentationml/2006/main">
-  <p:cSld>
-    <p:spTree>
-      <p:nvGrpSpPr>
-        <p:cNvPr id="1" name=""/>
-        <p:cNvGrpSpPr/>
-        <p:nvPr/>
-      </p:nvGrpSpPr>
-      <p:grpSpPr>
-        <a:xfrm>
-          <a:off x="0" y="0"/>
-          <a:ext cx="0" cy="0"/>
-          <a:chOff x="0" y="0"/>
-          <a:chExt cx="0" cy="0"/>
-        </a:xfrm>
-      </p:grpSpPr>
-      <p:sp>
-        <p:nvSpPr>
-          <p:cNvPr id="2" name="Slide Image Placeholder 1"/>
-          <p:cNvSpPr>
-            <a:spLocks noGrp="1" noRot="1" noChangeAspect="1"/>
-          </p:cNvSpPr>
-          <p:nvPr>
-            <p:ph type="sldImg"/>
-          </p:nvPr>
-        </p:nvSpPr>
-        <p:spPr/>
-      </p:sp>
-      <p:sp>
-        <p:nvSpPr>
-          <p:cNvPr id="3" name="Notes Placeholder 2"/>
-          <p:cNvSpPr>
-            <a:spLocks noGrp="1"/>
-          </p:cNvSpPr>
-          <p:nvPr>
-            <p:ph type="body" idx="1"/>
-          </p:nvPr>
-        </p:nvSpPr>
-        <p:spPr/>
-        <p:txBody>
-          <a:bodyPr>
-            <a:normAutofit/>
-          </a:bodyPr>
-          <a:lstStyle/>
-          <a:p>
-            <a:endParaRPr lang="en-US"/>
-          </a:p>
-        </p:txBody>
-      </p:sp>
-      <p:sp>
-        <p:nvSpPr>
-          <p:cNvPr id="4" name="Slide Number Placeholder 3"/>
-          <p:cNvSpPr>
-            <a:spLocks noGrp="1"/>
-          </p:cNvSpPr>
-          <p:nvPr>
-            <p:ph type="sldNum" sz="quarter" idx="10"/>
-          </p:nvPr>
-        </p:nvSpPr>
-        <p:spPr/>
-        <p:txBody>
-          <a:bodyPr/>
-          <a:lstStyle/>
-          <a:p>
-            <a:fld id="{043764D9-6848-4674-ACDF-2EF4644A5B96}" type="slidenum">
-              <a:rPr lang="en-US" smtClean="0"/>
-              <a:pPr/>
-              <a:t>34</a:t>
+              <a:t>38</a:t>
             </a:fld>
             <a:endParaRPr lang="en-US"/>
           </a:p>
@@ -3691,7 +3615,7 @@
             <a:fld id="{1D8BD707-D9CF-40AE-B4C6-C98DA3205C09}" type="datetimeFigureOut">
               <a:rPr lang="en-US" smtClean="0"/>
               <a:pPr/>
-              <a:t>7/21/2011</a:t>
+              <a:t>7/24/2011</a:t>
             </a:fld>
             <a:endParaRPr lang="en-US"/>
           </a:p>
@@ -3858,7 +3782,7 @@
             <a:fld id="{1D8BD707-D9CF-40AE-B4C6-C98DA3205C09}" type="datetimeFigureOut">
               <a:rPr lang="en-US" smtClean="0"/>
               <a:pPr/>
-              <a:t>7/21/2011</a:t>
+              <a:t>7/24/2011</a:t>
             </a:fld>
             <a:endParaRPr lang="en-US"/>
           </a:p>
@@ -4035,7 +3959,7 @@
             <a:fld id="{1D8BD707-D9CF-40AE-B4C6-C98DA3205C09}" type="datetimeFigureOut">
               <a:rPr lang="en-US" smtClean="0"/>
               <a:pPr/>
-              <a:t>7/21/2011</a:t>
+              <a:t>7/24/2011</a:t>
             </a:fld>
             <a:endParaRPr lang="en-US"/>
           </a:p>
@@ -4202,7 +4126,7 @@
             <a:fld id="{1D8BD707-D9CF-40AE-B4C6-C98DA3205C09}" type="datetimeFigureOut">
               <a:rPr lang="en-US" smtClean="0"/>
               <a:pPr/>
-              <a:t>7/21/2011</a:t>
+              <a:t>7/24/2011</a:t>
             </a:fld>
             <a:endParaRPr lang="en-US"/>
           </a:p>
@@ -4445,7 +4369,7 @@
             <a:fld id="{1D8BD707-D9CF-40AE-B4C6-C98DA3205C09}" type="datetimeFigureOut">
               <a:rPr lang="en-US" smtClean="0"/>
               <a:pPr/>
-              <a:t>7/21/2011</a:t>
+              <a:t>7/24/2011</a:t>
             </a:fld>
             <a:endParaRPr lang="en-US"/>
           </a:p>
@@ -4730,7 +4654,7 @@
             <a:fld id="{1D8BD707-D9CF-40AE-B4C6-C98DA3205C09}" type="datetimeFigureOut">
               <a:rPr lang="en-US" smtClean="0"/>
               <a:pPr/>
-              <a:t>7/21/2011</a:t>
+              <a:t>7/24/2011</a:t>
             </a:fld>
             <a:endParaRPr lang="en-US"/>
           </a:p>
@@ -5149,7 +5073,7 @@
             <a:fld id="{1D8BD707-D9CF-40AE-B4C6-C98DA3205C09}" type="datetimeFigureOut">
               <a:rPr lang="en-US" smtClean="0"/>
               <a:pPr/>
-              <a:t>7/21/2011</a:t>
+              <a:t>7/24/2011</a:t>
             </a:fld>
             <a:endParaRPr lang="en-US"/>
           </a:p>
@@ -5264,7 +5188,7 @@
             <a:fld id="{1D8BD707-D9CF-40AE-B4C6-C98DA3205C09}" type="datetimeFigureOut">
               <a:rPr lang="en-US" smtClean="0"/>
               <a:pPr/>
-              <a:t>7/21/2011</a:t>
+              <a:t>7/24/2011</a:t>
             </a:fld>
             <a:endParaRPr lang="en-US"/>
           </a:p>
@@ -5356,7 +5280,7 @@
             <a:fld id="{1D8BD707-D9CF-40AE-B4C6-C98DA3205C09}" type="datetimeFigureOut">
               <a:rPr lang="en-US" smtClean="0"/>
               <a:pPr/>
-              <a:t>7/21/2011</a:t>
+              <a:t>7/24/2011</a:t>
             </a:fld>
             <a:endParaRPr lang="en-US"/>
           </a:p>
@@ -5630,7 +5554,7 @@
             <a:fld id="{1D8BD707-D9CF-40AE-B4C6-C98DA3205C09}" type="datetimeFigureOut">
               <a:rPr lang="en-US" smtClean="0"/>
               <a:pPr/>
-              <a:t>7/21/2011</a:t>
+              <a:t>7/24/2011</a:t>
             </a:fld>
             <a:endParaRPr lang="en-US"/>
           </a:p>
@@ -5880,7 +5804,7 @@
             <a:fld id="{1D8BD707-D9CF-40AE-B4C6-C98DA3205C09}" type="datetimeFigureOut">
               <a:rPr lang="en-US" smtClean="0"/>
               <a:pPr/>
-              <a:t>7/21/2011</a:t>
+              <a:t>7/24/2011</a:t>
             </a:fld>
             <a:endParaRPr lang="en-US"/>
           </a:p>
@@ -6090,7 +6014,7 @@
             <a:fld id="{1D8BD707-D9CF-40AE-B4C6-C98DA3205C09}" type="datetimeFigureOut">
               <a:rPr lang="en-US" smtClean="0"/>
               <a:pPr/>
-              <a:t>7/21/2011</a:t>
+              <a:t>7/24/2011</a:t>
             </a:fld>
             <a:endParaRPr lang="en-US"/>
           </a:p>
@@ -6507,11 +6431,7 @@
           <a:p>
             <a:r>
               <a:rPr lang="en-US" sz="2800" dirty="0" smtClean="0"/>
-              <a:t>7/27/2011, Buffalo</a:t>
-            </a:r>
-            <a:r>
-              <a:rPr lang="en-US" sz="2800" dirty="0" smtClean="0"/>
-              <a:t>, NY</a:t>
+              <a:t>7/27/2011, Buffalo, NY</a:t>
             </a:r>
             <a:endParaRPr lang="en-US" sz="2800" dirty="0"/>
           </a:p>
@@ -7406,8 +7326,9 @@
             <a:pPr lvl="1"/>
             <a:r>
               <a:rPr lang="en-US" dirty="0" smtClean="0"/>
-              <a:t>Reduce duplicates</a:t>
-            </a:r>
+              <a:t>Avoid duplicates</a:t>
+            </a:r>
+            <a:endParaRPr lang="en-US" dirty="0" smtClean="0"/>
           </a:p>
           <a:p>
             <a:pPr lvl="1"/>
@@ -7426,14 +7347,14 @@
           <a:p>
             <a:pPr lvl="1"/>
             <a:r>
-              <a:rPr lang="en-US" dirty="0" smtClean="0"/>
+              <a:rPr lang="en-US" i="1" dirty="0" smtClean="0"/>
               <a:t>Detect errors</a:t>
             </a:r>
           </a:p>
           <a:p>
             <a:pPr lvl="1"/>
             <a:r>
-              <a:rPr lang="en-US" dirty="0" smtClean="0"/>
+              <a:rPr lang="en-US" i="1" dirty="0" smtClean="0"/>
               <a:t>Improve interoperability</a:t>
             </a:r>
           </a:p>
@@ -8318,7 +8239,31 @@
               <a:rPr lang="en-US" sz="2400" dirty="0" smtClean="0">
                 <a:sym typeface="Wingdings" pitchFamily="2" charset="2"/>
               </a:rPr>
-              <a:t> On track to curate all articles in scope by end of 2011</a:t>
+              <a:t> On track to curate all </a:t>
+            </a:r>
+            <a:r>
+              <a:rPr lang="en-US" sz="2400" dirty="0" smtClean="0">
+                <a:sym typeface="Wingdings" pitchFamily="2" charset="2"/>
+              </a:rPr>
+              <a:t>in </a:t>
+            </a:r>
+            <a:r>
+              <a:rPr lang="en-US" sz="2400" dirty="0" smtClean="0">
+                <a:sym typeface="Wingdings" pitchFamily="2" charset="2"/>
+              </a:rPr>
+              <a:t>scope </a:t>
+            </a:r>
+            <a:r>
+              <a:rPr lang="en-US" sz="2400" dirty="0" smtClean="0">
+                <a:sym typeface="Wingdings" pitchFamily="2" charset="2"/>
+              </a:rPr>
+              <a:t>articles by </a:t>
+            </a:r>
+            <a:r>
+              <a:rPr lang="en-US" sz="2400" dirty="0" smtClean="0">
+                <a:sym typeface="Wingdings" pitchFamily="2" charset="2"/>
+              </a:rPr>
+              <a:t>end of 2011</a:t>
             </a:r>
             <a:endParaRPr lang="en-US" sz="2400" dirty="0" smtClean="0"/>
           </a:p>
@@ -8493,6 +8438,51 @@
                       </p:childTnLst>
                     </p:cTn>
                   </p:par>
+                  <p:par>
+                    <p:cTn id="15" fill="hold">
+                      <p:stCondLst>
+                        <p:cond delay="indefinite"/>
+                      </p:stCondLst>
+                      <p:childTnLst>
+                        <p:par>
+                          <p:cTn id="16" fill="hold">
+                            <p:stCondLst>
+                              <p:cond delay="0"/>
+                            </p:stCondLst>
+                            <p:childTnLst>
+                              <p:par>
+                                <p:cTn id="17" presetID="1" presetClass="entr" presetSubtype="0" fill="hold" grpId="0" nodeType="clickEffect">
+                                  <p:stCondLst>
+                                    <p:cond delay="0"/>
+                                  </p:stCondLst>
+                                  <p:childTnLst>
+                                    <p:set>
+                                      <p:cBhvr>
+                                        <p:cTn id="18" dur="1" fill="hold">
+                                          <p:stCondLst>
+                                            <p:cond delay="0"/>
+                                          </p:stCondLst>
+                                        </p:cTn>
+                                        <p:tgtEl>
+                                          <p:spTgt spid="24"/>
+                                        </p:tgtEl>
+                                        <p:attrNameLst>
+                                          <p:attrName>style.visibility</p:attrName>
+                                        </p:attrNameLst>
+                                      </p:cBhvr>
+                                      <p:to>
+                                        <p:strVal val="visible"/>
+                                      </p:to>
+                                    </p:set>
+                                  </p:childTnLst>
+                                </p:cTn>
+                              </p:par>
+                            </p:childTnLst>
+                          </p:cTn>
+                        </p:par>
+                      </p:childTnLst>
+                    </p:cTn>
+                  </p:par>
                 </p:childTnLst>
               </p:cTn>
               <p:prevCondLst>
@@ -8516,6 +8506,7 @@
     </p:tnLst>
     <p:bldLst>
       <p:bldP spid="308241" grpId="0" animBg="1"/>
+      <p:bldP spid="24" grpId="0"/>
     </p:bldLst>
   </p:timing>
 </p:sld>
@@ -8754,11 +8745,7 @@
           <a:p>
             <a:r>
               <a:rPr lang="en-US" dirty="0" smtClean="0"/>
-              <a:t>OBI </a:t>
-            </a:r>
-            <a:r>
-              <a:rPr lang="en-US" dirty="0" smtClean="0"/>
-              <a:t>applications</a:t>
+              <a:t>OBI applications</a:t>
             </a:r>
           </a:p>
           <a:p>
@@ -8772,7 +8759,6 @@
               <a:rPr lang="en-US" dirty="0" smtClean="0"/>
               <a:t>Hands on session</a:t>
             </a:r>
-            <a:endParaRPr lang="en-US" dirty="0" smtClean="0"/>
           </a:p>
           <a:p>
             <a:pPr lvl="1"/>
@@ -9873,7 +9859,7 @@
         <p:spPr>
           <a:xfrm>
             <a:off x="457200" y="1219200"/>
-            <a:ext cx="8229600" cy="5029200"/>
+            <a:ext cx="8686800" cy="5029200"/>
           </a:xfrm>
         </p:spPr>
         <p:txBody>
@@ -9887,22 +9873,26 @@
               <a:t>Use existing </a:t>
             </a:r>
             <a:r>
+              <a:rPr lang="en-US" sz="2400" dirty="0" smtClean="0"/>
+              <a:t>external </a:t>
+            </a:r>
+            <a:r>
               <a:rPr lang="en-US" sz="2400" dirty="0" err="1" smtClean="0"/>
               <a:t>ontologies</a:t>
             </a:r>
             <a:r>
               <a:rPr lang="en-US" sz="2400" dirty="0" smtClean="0"/>
-              <a:t> /controlled vocabularies where possible (none available for epitope specific T cell assays) </a:t>
-            </a:r>
-          </a:p>
-          <a:p>
+              <a:t> </a:t>
+            </a:r>
             <a:r>
               <a:rPr lang="en-US" sz="2400" dirty="0" smtClean="0"/>
-              <a:t>Maintain list of assays; if a publication uses an assay that is different, add to this </a:t>
-            </a:r>
+              <a:t>/controlled vocabularies where possible (none available for epitope specific T cell assays) </a:t>
+            </a:r>
+          </a:p>
+          <a:p>
             <a:r>
               <a:rPr lang="en-US" sz="2400" dirty="0" smtClean="0"/>
-              <a:t>list </a:t>
+              <a:t>Maintain list of assays; if a publication uses an assay that is different, add to this list </a:t>
             </a:r>
             <a:r>
               <a:rPr lang="en-US" sz="2400" dirty="0" smtClean="0">
@@ -9912,11 +9902,7 @@
             </a:r>
             <a:r>
               <a:rPr lang="en-US" sz="2400" dirty="0" smtClean="0"/>
-              <a:t>140 </a:t>
-            </a:r>
-            <a:r>
-              <a:rPr lang="en-US" sz="2400" dirty="0" smtClean="0"/>
-              <a:t>T cell assays</a:t>
+              <a:t>140 T cell assays</a:t>
             </a:r>
           </a:p>
           <a:p>
@@ -9982,12 +9968,712 @@
               <a:rPr lang="en-US" sz="2400" dirty="0" smtClean="0">
                 <a:sym typeface="Wingdings" pitchFamily="2" charset="2"/>
               </a:rPr>
-              <a:t> Create an OBI class for each entry in our list of assay types</a:t>
+              <a:t> Create an OBI class for </a:t>
+            </a:r>
+            <a:r>
+              <a:rPr lang="en-US" sz="2400" b="1" i="1" dirty="0" smtClean="0">
+                <a:sym typeface="Wingdings" pitchFamily="2" charset="2"/>
+              </a:rPr>
+              <a:t>each entry </a:t>
+            </a:r>
+            <a:r>
+              <a:rPr lang="en-US" sz="2400" dirty="0" smtClean="0">
+                <a:sym typeface="Wingdings" pitchFamily="2" charset="2"/>
+              </a:rPr>
+              <a:t>in our list of assay types</a:t>
             </a:r>
             <a:endParaRPr lang="en-US" sz="2400" dirty="0" smtClean="0"/>
           </a:p>
           <a:p>
             <a:endParaRPr lang="en-US" sz="2400" dirty="0" smtClean="0"/>
+          </a:p>
+        </p:txBody>
+      </p:sp>
+    </p:spTree>
+  </p:cSld>
+  <p:clrMapOvr>
+    <a:masterClrMapping/>
+  </p:clrMapOvr>
+  <p:timing>
+    <p:tnLst>
+      <p:par>
+        <p:cTn id="1" dur="indefinite" restart="never" nodeType="tmRoot">
+          <p:childTnLst>
+            <p:seq concurrent="1" nextAc="seek">
+              <p:cTn id="2" dur="indefinite" nodeType="mainSeq">
+                <p:childTnLst>
+                  <p:par>
+                    <p:cTn id="3" fill="hold">
+                      <p:stCondLst>
+                        <p:cond delay="indefinite"/>
+                      </p:stCondLst>
+                      <p:childTnLst>
+                        <p:par>
+                          <p:cTn id="4" fill="hold">
+                            <p:stCondLst>
+                              <p:cond delay="0"/>
+                            </p:stCondLst>
+                            <p:childTnLst>
+                              <p:par>
+                                <p:cTn id="5" presetID="1" presetClass="entr" presetSubtype="0" fill="hold" grpId="0" nodeType="clickEffect">
+                                  <p:stCondLst>
+                                    <p:cond delay="0"/>
+                                  </p:stCondLst>
+                                  <p:childTnLst>
+                                    <p:set>
+                                      <p:cBhvr>
+                                        <p:cTn id="6" dur="1" fill="hold">
+                                          <p:stCondLst>
+                                            <p:cond delay="0"/>
+                                          </p:stCondLst>
+                                        </p:cTn>
+                                        <p:tgtEl>
+                                          <p:spTgt spid="3">
+                                            <p:txEl>
+                                              <p:pRg st="0" end="0"/>
+                                            </p:txEl>
+                                          </p:spTgt>
+                                        </p:tgtEl>
+                                        <p:attrNameLst>
+                                          <p:attrName>style.visibility</p:attrName>
+                                        </p:attrNameLst>
+                                      </p:cBhvr>
+                                      <p:to>
+                                        <p:strVal val="visible"/>
+                                      </p:to>
+                                    </p:set>
+                                  </p:childTnLst>
+                                </p:cTn>
+                              </p:par>
+                            </p:childTnLst>
+                          </p:cTn>
+                        </p:par>
+                      </p:childTnLst>
+                    </p:cTn>
+                  </p:par>
+                  <p:par>
+                    <p:cTn id="7" fill="hold">
+                      <p:stCondLst>
+                        <p:cond delay="indefinite"/>
+                      </p:stCondLst>
+                      <p:childTnLst>
+                        <p:par>
+                          <p:cTn id="8" fill="hold">
+                            <p:stCondLst>
+                              <p:cond delay="0"/>
+                            </p:stCondLst>
+                            <p:childTnLst>
+                              <p:par>
+                                <p:cTn id="9" presetID="1" presetClass="entr" presetSubtype="0" fill="hold" grpId="0" nodeType="clickEffect">
+                                  <p:stCondLst>
+                                    <p:cond delay="0"/>
+                                  </p:stCondLst>
+                                  <p:childTnLst>
+                                    <p:set>
+                                      <p:cBhvr>
+                                        <p:cTn id="10" dur="1" fill="hold">
+                                          <p:stCondLst>
+                                            <p:cond delay="0"/>
+                                          </p:stCondLst>
+                                        </p:cTn>
+                                        <p:tgtEl>
+                                          <p:spTgt spid="3">
+                                            <p:txEl>
+                                              <p:pRg st="1" end="1"/>
+                                            </p:txEl>
+                                          </p:spTgt>
+                                        </p:tgtEl>
+                                        <p:attrNameLst>
+                                          <p:attrName>style.visibility</p:attrName>
+                                        </p:attrNameLst>
+                                      </p:cBhvr>
+                                      <p:to>
+                                        <p:strVal val="visible"/>
+                                      </p:to>
+                                    </p:set>
+                                  </p:childTnLst>
+                                </p:cTn>
+                              </p:par>
+                            </p:childTnLst>
+                          </p:cTn>
+                        </p:par>
+                      </p:childTnLst>
+                    </p:cTn>
+                  </p:par>
+                  <p:par>
+                    <p:cTn id="11" fill="hold">
+                      <p:stCondLst>
+                        <p:cond delay="indefinite"/>
+                      </p:stCondLst>
+                      <p:childTnLst>
+                        <p:par>
+                          <p:cTn id="12" fill="hold">
+                            <p:stCondLst>
+                              <p:cond delay="0"/>
+                            </p:stCondLst>
+                            <p:childTnLst>
+                              <p:par>
+                                <p:cTn id="13" presetID="1" presetClass="entr" presetSubtype="0" fill="hold" grpId="0" nodeType="clickEffect">
+                                  <p:stCondLst>
+                                    <p:cond delay="0"/>
+                                  </p:stCondLst>
+                                  <p:childTnLst>
+                                    <p:set>
+                                      <p:cBhvr>
+                                        <p:cTn id="14" dur="1" fill="hold">
+                                          <p:stCondLst>
+                                            <p:cond delay="0"/>
+                                          </p:stCondLst>
+                                        </p:cTn>
+                                        <p:tgtEl>
+                                          <p:spTgt spid="3">
+                                            <p:txEl>
+                                              <p:pRg st="2" end="2"/>
+                                            </p:txEl>
+                                          </p:spTgt>
+                                        </p:tgtEl>
+                                        <p:attrNameLst>
+                                          <p:attrName>style.visibility</p:attrName>
+                                        </p:attrNameLst>
+                                      </p:cBhvr>
+                                      <p:to>
+                                        <p:strVal val="visible"/>
+                                      </p:to>
+                                    </p:set>
+                                  </p:childTnLst>
+                                </p:cTn>
+                              </p:par>
+                              <p:par>
+                                <p:cTn id="15" presetID="1" presetClass="entr" presetSubtype="0" fill="hold" grpId="0" nodeType="withEffect">
+                                  <p:stCondLst>
+                                    <p:cond delay="0"/>
+                                  </p:stCondLst>
+                                  <p:childTnLst>
+                                    <p:set>
+                                      <p:cBhvr>
+                                        <p:cTn id="16" dur="1" fill="hold">
+                                          <p:stCondLst>
+                                            <p:cond delay="0"/>
+                                          </p:stCondLst>
+                                        </p:cTn>
+                                        <p:tgtEl>
+                                          <p:spTgt spid="3">
+                                            <p:txEl>
+                                              <p:pRg st="3" end="3"/>
+                                            </p:txEl>
+                                          </p:spTgt>
+                                        </p:tgtEl>
+                                        <p:attrNameLst>
+                                          <p:attrName>style.visibility</p:attrName>
+                                        </p:attrNameLst>
+                                      </p:cBhvr>
+                                      <p:to>
+                                        <p:strVal val="visible"/>
+                                      </p:to>
+                                    </p:set>
+                                  </p:childTnLst>
+                                </p:cTn>
+                              </p:par>
+                              <p:par>
+                                <p:cTn id="17" presetID="1" presetClass="entr" presetSubtype="0" fill="hold" grpId="0" nodeType="withEffect">
+                                  <p:stCondLst>
+                                    <p:cond delay="0"/>
+                                  </p:stCondLst>
+                                  <p:childTnLst>
+                                    <p:set>
+                                      <p:cBhvr>
+                                        <p:cTn id="18" dur="1" fill="hold">
+                                          <p:stCondLst>
+                                            <p:cond delay="0"/>
+                                          </p:stCondLst>
+                                        </p:cTn>
+                                        <p:tgtEl>
+                                          <p:spTgt spid="3">
+                                            <p:txEl>
+                                              <p:pRg st="4" end="4"/>
+                                            </p:txEl>
+                                          </p:spTgt>
+                                        </p:tgtEl>
+                                        <p:attrNameLst>
+                                          <p:attrName>style.visibility</p:attrName>
+                                        </p:attrNameLst>
+                                      </p:cBhvr>
+                                      <p:to>
+                                        <p:strVal val="visible"/>
+                                      </p:to>
+                                    </p:set>
+                                  </p:childTnLst>
+                                </p:cTn>
+                              </p:par>
+                              <p:par>
+                                <p:cTn id="19" presetID="1" presetClass="entr" presetSubtype="0" fill="hold" grpId="0" nodeType="withEffect">
+                                  <p:stCondLst>
+                                    <p:cond delay="0"/>
+                                  </p:stCondLst>
+                                  <p:childTnLst>
+                                    <p:set>
+                                      <p:cBhvr>
+                                        <p:cTn id="20" dur="1" fill="hold">
+                                          <p:stCondLst>
+                                            <p:cond delay="0"/>
+                                          </p:stCondLst>
+                                        </p:cTn>
+                                        <p:tgtEl>
+                                          <p:spTgt spid="3">
+                                            <p:txEl>
+                                              <p:pRg st="5" end="5"/>
+                                            </p:txEl>
+                                          </p:spTgt>
+                                        </p:tgtEl>
+                                        <p:attrNameLst>
+                                          <p:attrName>style.visibility</p:attrName>
+                                        </p:attrNameLst>
+                                      </p:cBhvr>
+                                      <p:to>
+                                        <p:strVal val="visible"/>
+                                      </p:to>
+                                    </p:set>
+                                  </p:childTnLst>
+                                </p:cTn>
+                              </p:par>
+                            </p:childTnLst>
+                          </p:cTn>
+                        </p:par>
+                      </p:childTnLst>
+                    </p:cTn>
+                  </p:par>
+                  <p:par>
+                    <p:cTn id="21" fill="hold">
+                      <p:stCondLst>
+                        <p:cond delay="indefinite"/>
+                      </p:stCondLst>
+                      <p:childTnLst>
+                        <p:par>
+                          <p:cTn id="22" fill="hold">
+                            <p:stCondLst>
+                              <p:cond delay="0"/>
+                            </p:stCondLst>
+                            <p:childTnLst>
+                              <p:par>
+                                <p:cTn id="23" presetID="1" presetClass="entr" presetSubtype="0" fill="hold" grpId="0" nodeType="clickEffect">
+                                  <p:stCondLst>
+                                    <p:cond delay="0"/>
+                                  </p:stCondLst>
+                                  <p:childTnLst>
+                                    <p:set>
+                                      <p:cBhvr>
+                                        <p:cTn id="24" dur="1" fill="hold">
+                                          <p:stCondLst>
+                                            <p:cond delay="0"/>
+                                          </p:stCondLst>
+                                        </p:cTn>
+                                        <p:tgtEl>
+                                          <p:spTgt spid="3">
+                                            <p:txEl>
+                                              <p:pRg st="6" end="6"/>
+                                            </p:txEl>
+                                          </p:spTgt>
+                                        </p:tgtEl>
+                                        <p:attrNameLst>
+                                          <p:attrName>style.visibility</p:attrName>
+                                        </p:attrNameLst>
+                                      </p:cBhvr>
+                                      <p:to>
+                                        <p:strVal val="visible"/>
+                                      </p:to>
+                                    </p:set>
+                                  </p:childTnLst>
+                                </p:cTn>
+                              </p:par>
+                              <p:par>
+                                <p:cTn id="25" presetID="1" presetClass="entr" presetSubtype="0" fill="hold" grpId="0" nodeType="withEffect">
+                                  <p:stCondLst>
+                                    <p:cond delay="0"/>
+                                  </p:stCondLst>
+                                  <p:childTnLst>
+                                    <p:set>
+                                      <p:cBhvr>
+                                        <p:cTn id="26" dur="1" fill="hold">
+                                          <p:stCondLst>
+                                            <p:cond delay="0"/>
+                                          </p:stCondLst>
+                                        </p:cTn>
+                                        <p:tgtEl>
+                                          <p:spTgt spid="3">
+                                            <p:txEl>
+                                              <p:pRg st="7" end="7"/>
+                                            </p:txEl>
+                                          </p:spTgt>
+                                        </p:tgtEl>
+                                        <p:attrNameLst>
+                                          <p:attrName>style.visibility</p:attrName>
+                                        </p:attrNameLst>
+                                      </p:cBhvr>
+                                      <p:to>
+                                        <p:strVal val="visible"/>
+                                      </p:to>
+                                    </p:set>
+                                  </p:childTnLst>
+                                </p:cTn>
+                              </p:par>
+                              <p:par>
+                                <p:cTn id="27" presetID="1" presetClass="entr" presetSubtype="0" fill="hold" grpId="0" nodeType="withEffect">
+                                  <p:stCondLst>
+                                    <p:cond delay="0"/>
+                                  </p:stCondLst>
+                                  <p:childTnLst>
+                                    <p:set>
+                                      <p:cBhvr>
+                                        <p:cTn id="28" dur="1" fill="hold">
+                                          <p:stCondLst>
+                                            <p:cond delay="0"/>
+                                          </p:stCondLst>
+                                        </p:cTn>
+                                        <p:tgtEl>
+                                          <p:spTgt spid="3">
+                                            <p:txEl>
+                                              <p:pRg st="8" end="8"/>
+                                            </p:txEl>
+                                          </p:spTgt>
+                                        </p:tgtEl>
+                                        <p:attrNameLst>
+                                          <p:attrName>style.visibility</p:attrName>
+                                        </p:attrNameLst>
+                                      </p:cBhvr>
+                                      <p:to>
+                                        <p:strVal val="visible"/>
+                                      </p:to>
+                                    </p:set>
+                                  </p:childTnLst>
+                                </p:cTn>
+                              </p:par>
+                            </p:childTnLst>
+                          </p:cTn>
+                        </p:par>
+                      </p:childTnLst>
+                    </p:cTn>
+                  </p:par>
+                  <p:par>
+                    <p:cTn id="29" fill="hold">
+                      <p:stCondLst>
+                        <p:cond delay="indefinite"/>
+                      </p:stCondLst>
+                      <p:childTnLst>
+                        <p:par>
+                          <p:cTn id="30" fill="hold">
+                            <p:stCondLst>
+                              <p:cond delay="0"/>
+                            </p:stCondLst>
+                            <p:childTnLst>
+                              <p:par>
+                                <p:cTn id="31" presetID="1" presetClass="entr" presetSubtype="0" fill="hold" grpId="0" nodeType="clickEffect">
+                                  <p:stCondLst>
+                                    <p:cond delay="0"/>
+                                  </p:stCondLst>
+                                  <p:childTnLst>
+                                    <p:set>
+                                      <p:cBhvr>
+                                        <p:cTn id="32" dur="1" fill="hold">
+                                          <p:stCondLst>
+                                            <p:cond delay="0"/>
+                                          </p:stCondLst>
+                                        </p:cTn>
+                                        <p:tgtEl>
+                                          <p:spTgt spid="3">
+                                            <p:txEl>
+                                              <p:pRg st="9" end="9"/>
+                                            </p:txEl>
+                                          </p:spTgt>
+                                        </p:tgtEl>
+                                        <p:attrNameLst>
+                                          <p:attrName>style.visibility</p:attrName>
+                                        </p:attrNameLst>
+                                      </p:cBhvr>
+                                      <p:to>
+                                        <p:strVal val="visible"/>
+                                      </p:to>
+                                    </p:set>
+                                  </p:childTnLst>
+                                </p:cTn>
+                              </p:par>
+                            </p:childTnLst>
+                          </p:cTn>
+                        </p:par>
+                      </p:childTnLst>
+                    </p:cTn>
+                  </p:par>
+                </p:childTnLst>
+              </p:cTn>
+              <p:prevCondLst>
+                <p:cond evt="onPrev" delay="0">
+                  <p:tgtEl>
+                    <p:sldTgt/>
+                  </p:tgtEl>
+                </p:cond>
+              </p:prevCondLst>
+              <p:nextCondLst>
+                <p:cond evt="onNext" delay="0">
+                  <p:tgtEl>
+                    <p:sldTgt/>
+                  </p:tgtEl>
+                </p:cond>
+              </p:nextCondLst>
+            </p:seq>
+          </p:childTnLst>
+        </p:cTn>
+      </p:par>
+    </p:tnLst>
+    <p:bldLst>
+      <p:bldP spid="3" grpId="0" uiExpand="1" build="p"/>
+    </p:bldLst>
+  </p:timing>
+</p:sld>
+</file>
+
+<file path=ppt/slides/slide27.xml><?xml version="1.0" encoding="utf-8"?>
+<p:sld xmlns:a="http://schemas.openxmlformats.org/drawingml/2006/main" xmlns:r="http://schemas.openxmlformats.org/officeDocument/2006/relationships" xmlns:p="http://schemas.openxmlformats.org/presentationml/2006/main">
+  <p:cSld>
+    <p:spTree>
+      <p:nvGrpSpPr>
+        <p:cNvPr id="1" name=""/>
+        <p:cNvGrpSpPr/>
+        <p:nvPr/>
+      </p:nvGrpSpPr>
+      <p:grpSpPr>
+        <a:xfrm>
+          <a:off x="0" y="0"/>
+          <a:ext cx="0" cy="0"/>
+          <a:chOff x="0" y="0"/>
+          <a:chExt cx="0" cy="0"/>
+        </a:xfrm>
+      </p:grpSpPr>
+      <p:sp>
+        <p:nvSpPr>
+          <p:cNvPr id="2" name="Title 1"/>
+          <p:cNvSpPr>
+            <a:spLocks noGrp="1"/>
+          </p:cNvSpPr>
+          <p:nvPr>
+            <p:ph type="title"/>
+          </p:nvPr>
+        </p:nvSpPr>
+        <p:spPr/>
+        <p:txBody>
+          <a:bodyPr>
+            <a:normAutofit fontScale="90000"/>
+          </a:bodyPr>
+          <a:lstStyle/>
+          <a:p>
+            <a:pPr algn="l"/>
+            <a:r>
+              <a:rPr lang="en-US" dirty="0" smtClean="0"/>
+              <a:t>OBI </a:t>
+            </a:r>
+            <a:br>
+              <a:rPr lang="en-US" dirty="0" smtClean="0"/>
+            </a:br>
+            <a:r>
+              <a:rPr lang="en-US" dirty="0" smtClean="0"/>
+              <a:t>hierarchy</a:t>
+            </a:r>
+            <a:endParaRPr lang="en-US" dirty="0"/>
+          </a:p>
+        </p:txBody>
+      </p:sp>
+      <p:pic>
+        <p:nvPicPr>
+          <p:cNvPr id="1026" name="Picture 2"/>
+          <p:cNvPicPr>
+            <a:picLocks noChangeAspect="1" noChangeArrowheads="1"/>
+          </p:cNvPicPr>
+          <p:nvPr/>
+        </p:nvPicPr>
+        <p:blipFill>
+          <a:blip r:embed="rId3" cstate="print"/>
+          <a:srcRect l="2343" t="20833" r="67951" b="21875"/>
+          <a:stretch>
+            <a:fillRect/>
+          </a:stretch>
+        </p:blipFill>
+        <p:spPr bwMode="auto">
+          <a:xfrm>
+            <a:off x="2819399" y="0"/>
+            <a:ext cx="6324601" cy="6858000"/>
+          </a:xfrm>
+          <a:prstGeom prst="rect">
+            <a:avLst/>
+          </a:prstGeom>
+          <a:noFill/>
+          <a:ln w="9525">
+            <a:noFill/>
+            <a:miter lim="800000"/>
+            <a:headEnd/>
+            <a:tailEnd/>
+          </a:ln>
+        </p:spPr>
+      </p:pic>
+      <p:sp>
+        <p:nvSpPr>
+          <p:cNvPr id="4" name="TextBox 3"/>
+          <p:cNvSpPr txBox="1"/>
+          <p:nvPr/>
+        </p:nvSpPr>
+        <p:spPr>
+          <a:xfrm>
+            <a:off x="0" y="2057400"/>
+            <a:ext cx="4343400" cy="4247317"/>
+          </a:xfrm>
+          <a:prstGeom prst="rect">
+            <a:avLst/>
+          </a:prstGeom>
+          <a:noFill/>
+        </p:spPr>
+        <p:txBody>
+          <a:bodyPr wrap="square" rtlCol="0">
+            <a:spAutoFit/>
+          </a:bodyPr>
+          <a:lstStyle/>
+          <a:p>
+            <a:r>
+              <a:rPr lang="en-US" b="1" dirty="0" smtClean="0"/>
+              <a:t>Assay definition: </a:t>
+            </a:r>
+          </a:p>
+          <a:p>
+            <a:r>
+              <a:rPr lang="en-US" dirty="0" smtClean="0"/>
+              <a:t>A </a:t>
+            </a:r>
+            <a:r>
+              <a:rPr lang="en-US" dirty="0" smtClean="0"/>
+              <a:t>planned process with the objective to produce information about </a:t>
+            </a:r>
+            <a:r>
+              <a:rPr lang="en-US" dirty="0" smtClean="0"/>
+              <a:t>an </a:t>
+            </a:r>
+            <a:r>
+              <a:rPr lang="en-US" dirty="0" err="1" smtClean="0"/>
+              <a:t>evaluant</a:t>
+            </a:r>
+            <a:endParaRPr lang="en-US" dirty="0" smtClean="0"/>
+          </a:p>
+          <a:p>
+            <a:endParaRPr lang="en-US" dirty="0" smtClean="0"/>
+          </a:p>
+          <a:p>
+            <a:r>
+              <a:rPr lang="en-US" b="1" dirty="0" smtClean="0"/>
+              <a:t>OWL (partial):</a:t>
+            </a:r>
+          </a:p>
+          <a:p>
+            <a:r>
+              <a:rPr lang="en-US" dirty="0" err="1" smtClean="0"/>
+              <a:t>has_specified_input</a:t>
+            </a:r>
+            <a:r>
+              <a:rPr lang="en-US" dirty="0" smtClean="0"/>
+              <a:t> some </a:t>
+            </a:r>
+          </a:p>
+          <a:p>
+            <a:r>
+              <a:rPr lang="en-US" dirty="0" smtClean="0"/>
+              <a:t>    (</a:t>
+            </a:r>
+            <a:r>
+              <a:rPr lang="en-US" dirty="0" err="1" smtClean="0"/>
+              <a:t>material_entity</a:t>
+            </a:r>
+            <a:endParaRPr lang="en-US" dirty="0" smtClean="0"/>
+          </a:p>
+          <a:p>
+            <a:r>
+              <a:rPr lang="en-US" dirty="0" smtClean="0"/>
+              <a:t>     and (</a:t>
+            </a:r>
+            <a:r>
+              <a:rPr lang="en-US" dirty="0" err="1" smtClean="0"/>
+              <a:t>has_role</a:t>
+            </a:r>
+            <a:r>
+              <a:rPr lang="en-US" dirty="0" smtClean="0"/>
+              <a:t> some '</a:t>
+            </a:r>
+            <a:r>
+              <a:rPr lang="en-US" dirty="0" err="1" smtClean="0"/>
+              <a:t>evaluant</a:t>
+            </a:r>
+            <a:r>
+              <a:rPr lang="en-US" dirty="0" smtClean="0"/>
+              <a:t> role</a:t>
+            </a:r>
+            <a:r>
+              <a:rPr lang="en-US" dirty="0" smtClean="0"/>
+              <a:t>'))</a:t>
+            </a:r>
+          </a:p>
+          <a:p>
+            <a:endParaRPr lang="en-US" dirty="0" smtClean="0"/>
+          </a:p>
+          <a:p>
+            <a:r>
+              <a:rPr lang="en-US" dirty="0" err="1" smtClean="0"/>
+              <a:t>has_specified_output</a:t>
+            </a:r>
+            <a:r>
+              <a:rPr lang="en-US" dirty="0" smtClean="0"/>
+              <a:t> </a:t>
+            </a:r>
+            <a:r>
+              <a:rPr lang="en-US" dirty="0" smtClean="0"/>
+              <a:t>some </a:t>
+            </a:r>
+          </a:p>
+          <a:p>
+            <a:r>
+              <a:rPr lang="en-US" dirty="0" smtClean="0"/>
+              <a:t>    ('information content entity'</a:t>
+            </a:r>
+          </a:p>
+          <a:p>
+            <a:r>
+              <a:rPr lang="en-US" dirty="0" smtClean="0"/>
+              <a:t>     and ('is about' some </a:t>
+            </a:r>
+          </a:p>
+          <a:p>
+            <a:r>
+              <a:rPr lang="en-US" dirty="0" smtClean="0"/>
+              <a:t>        (continuant</a:t>
+            </a:r>
+          </a:p>
+          <a:p>
+            <a:r>
+              <a:rPr lang="en-US" dirty="0" smtClean="0"/>
+              <a:t>         and (</a:t>
+            </a:r>
+            <a:r>
+              <a:rPr lang="en-US" dirty="0" err="1" smtClean="0"/>
+              <a:t>has_role</a:t>
+            </a:r>
+            <a:r>
+              <a:rPr lang="en-US" dirty="0" smtClean="0"/>
+              <a:t> some '</a:t>
+            </a:r>
+            <a:r>
+              <a:rPr lang="en-US" dirty="0" err="1" smtClean="0"/>
+              <a:t>evaluant</a:t>
+            </a:r>
+            <a:r>
+              <a:rPr lang="en-US" dirty="0" smtClean="0"/>
+              <a:t> role'))))</a:t>
+            </a:r>
+            <a:endParaRPr lang="en-US" dirty="0" smtClean="0"/>
+          </a:p>
+          <a:p>
+            <a:endParaRPr lang="en-US" dirty="0"/>
           </a:p>
         </p:txBody>
       </p:sp>
@@ -10006,7 +10692,1899 @@
 </p:sld>
 </file>
 
-<file path=ppt/slides/slide27.xml><?xml version="1.0" encoding="utf-8"?>
+<file path=ppt/slides/slide28.xml><?xml version="1.0" encoding="utf-8"?>
+<p:sld xmlns:a="http://schemas.openxmlformats.org/drawingml/2006/main" xmlns:r="http://schemas.openxmlformats.org/officeDocument/2006/relationships" xmlns:p="http://schemas.openxmlformats.org/presentationml/2006/main">
+  <p:cSld>
+    <p:spTree>
+      <p:nvGrpSpPr>
+        <p:cNvPr id="1" name=""/>
+        <p:cNvGrpSpPr/>
+        <p:nvPr/>
+      </p:nvGrpSpPr>
+      <p:grpSpPr>
+        <a:xfrm>
+          <a:off x="0" y="0"/>
+          <a:ext cx="0" cy="0"/>
+          <a:chOff x="0" y="0"/>
+          <a:chExt cx="0" cy="0"/>
+        </a:xfrm>
+      </p:grpSpPr>
+      <p:sp>
+        <p:nvSpPr>
+          <p:cNvPr id="2" name="Title 1"/>
+          <p:cNvSpPr>
+            <a:spLocks noGrp="1"/>
+          </p:cNvSpPr>
+          <p:nvPr>
+            <p:ph type="title"/>
+          </p:nvPr>
+        </p:nvSpPr>
+        <p:spPr/>
+        <p:txBody>
+          <a:bodyPr/>
+          <a:lstStyle/>
+          <a:p>
+            <a:r>
+              <a:rPr lang="en-US" dirty="0" smtClean="0"/>
+              <a:t>T cell epitope assay design pattern</a:t>
+            </a:r>
+            <a:endParaRPr lang="en-US" dirty="0"/>
+          </a:p>
+        </p:txBody>
+      </p:sp>
+      <p:sp>
+        <p:nvSpPr>
+          <p:cNvPr id="3" name="Content Placeholder 2"/>
+          <p:cNvSpPr>
+            <a:spLocks noGrp="1"/>
+          </p:cNvSpPr>
+          <p:nvPr>
+            <p:ph idx="1"/>
+          </p:nvPr>
+        </p:nvSpPr>
+        <p:spPr>
+          <a:xfrm>
+            <a:off x="457200" y="1600200"/>
+            <a:ext cx="8229600" cy="4953000"/>
+          </a:xfrm>
+        </p:spPr>
+        <p:txBody>
+          <a:bodyPr>
+            <a:normAutofit/>
+          </a:bodyPr>
+          <a:lstStyle/>
+          <a:p>
+            <a:r>
+              <a:rPr lang="en-US" sz="2400" dirty="0" smtClean="0"/>
+              <a:t>Majority of assays could be defined with N&amp;S conditions after specifying two variables: </a:t>
+            </a:r>
+          </a:p>
+          <a:p>
+            <a:pPr>
+              <a:buNone/>
+            </a:pPr>
+            <a:r>
+              <a:rPr lang="en-US" sz="2400" i="1" dirty="0" smtClean="0"/>
+              <a:t>	</a:t>
+            </a:r>
+            <a:r>
+              <a:rPr lang="en-US" sz="2400" i="1" dirty="0" smtClean="0">
+                <a:solidFill>
+                  <a:srgbClr val="FF0000"/>
+                </a:solidFill>
+              </a:rPr>
+              <a:t>&lt;parent assay type&gt; </a:t>
+            </a:r>
+            <a:r>
+              <a:rPr lang="en-US" sz="2400" i="1" dirty="0" smtClean="0"/>
+              <a:t> </a:t>
+            </a:r>
+            <a:r>
+              <a:rPr lang="en-US" sz="2400" i="1" dirty="0" smtClean="0"/>
+              <a:t>and </a:t>
+            </a:r>
+            <a:r>
+              <a:rPr lang="en-US" sz="2400" i="1" dirty="0" err="1" smtClean="0"/>
+              <a:t>has_specified_output</a:t>
+            </a:r>
+            <a:r>
+              <a:rPr lang="en-US" sz="2400" i="1" dirty="0" smtClean="0"/>
+              <a:t> some </a:t>
+            </a:r>
+            <a:br>
+              <a:rPr lang="en-US" sz="2400" i="1" dirty="0" smtClean="0"/>
+            </a:br>
+            <a:r>
+              <a:rPr lang="en-US" sz="2400" i="1" dirty="0" smtClean="0"/>
+              <a:t>'measurement datum‘  and 'is about' some </a:t>
+            </a:r>
+            <a:br>
+              <a:rPr lang="en-US" sz="2400" i="1" dirty="0" smtClean="0"/>
+            </a:br>
+            <a:r>
+              <a:rPr lang="en-US" sz="2400" i="1" dirty="0" smtClean="0"/>
+              <a:t>(</a:t>
+            </a:r>
+            <a:r>
+              <a:rPr lang="en-US" sz="2400" i="1" dirty="0" smtClean="0">
+                <a:solidFill>
+                  <a:srgbClr val="FF0000"/>
+                </a:solidFill>
+              </a:rPr>
+              <a:t>&lt;GO process Y&gt; </a:t>
+            </a:r>
+            <a:r>
+              <a:rPr lang="en-US" sz="2400" i="1" dirty="0" smtClean="0"/>
+              <a:t>and 'process is result of' some '</a:t>
+            </a:r>
+            <a:r>
+              <a:rPr lang="en-US" sz="2400" i="1" dirty="0" err="1" smtClean="0"/>
+              <a:t>MHC:epitope</a:t>
+            </a:r>
+            <a:r>
+              <a:rPr lang="en-US" sz="2400" i="1" dirty="0" smtClean="0"/>
+              <a:t> complex binding to TCR')</a:t>
+            </a:r>
+          </a:p>
+          <a:p>
+            <a:r>
+              <a:rPr lang="en-US" sz="2400" dirty="0" smtClean="0"/>
+              <a:t>For example: “IL-17 ELISPOT” in the IEDB is logically defined as</a:t>
+            </a:r>
+          </a:p>
+          <a:p>
+            <a:pPr>
+              <a:buNone/>
+            </a:pPr>
+            <a:r>
+              <a:rPr lang="en-US" sz="2400" dirty="0" smtClean="0"/>
+              <a:t>=  </a:t>
+            </a:r>
+            <a:r>
+              <a:rPr lang="en-US" sz="2400" i="1" dirty="0" smtClean="0">
+                <a:solidFill>
+                  <a:srgbClr val="FF0000"/>
+                </a:solidFill>
+              </a:rPr>
+              <a:t>'ELISPOT assay‘  </a:t>
+            </a:r>
+            <a:r>
+              <a:rPr lang="en-US" sz="2400" i="1" dirty="0" smtClean="0"/>
+              <a:t>and </a:t>
+            </a:r>
+            <a:r>
+              <a:rPr lang="en-US" sz="2400" i="1" dirty="0" err="1" smtClean="0"/>
+              <a:t>has_specified_output</a:t>
+            </a:r>
+            <a:r>
+              <a:rPr lang="en-US" sz="2400" i="1" dirty="0" smtClean="0"/>
+              <a:t> some </a:t>
+            </a:r>
+            <a:br>
+              <a:rPr lang="en-US" sz="2400" i="1" dirty="0" smtClean="0"/>
+            </a:br>
+            <a:r>
+              <a:rPr lang="en-US" sz="2400" i="1" dirty="0" smtClean="0"/>
+              <a:t>'measurement datum‘  and 'is about' some </a:t>
+            </a:r>
+            <a:br>
+              <a:rPr lang="en-US" sz="2400" i="1" dirty="0" smtClean="0"/>
+            </a:br>
+            <a:r>
+              <a:rPr lang="en-US" sz="2400" i="1" dirty="0" smtClean="0"/>
+              <a:t>(</a:t>
+            </a:r>
+            <a:r>
+              <a:rPr lang="en-US" sz="2400" i="1" dirty="0" smtClean="0">
+                <a:solidFill>
+                  <a:srgbClr val="FF0000"/>
+                </a:solidFill>
+              </a:rPr>
+              <a:t>‘IL-17 production’ </a:t>
+            </a:r>
+            <a:r>
+              <a:rPr lang="en-US" sz="2400" i="1" dirty="0" smtClean="0"/>
+              <a:t>and process is result of' some '</a:t>
+            </a:r>
+            <a:r>
+              <a:rPr lang="en-US" sz="2400" i="1" dirty="0" err="1" smtClean="0"/>
+              <a:t>MHC:epitope</a:t>
+            </a:r>
+            <a:r>
+              <a:rPr lang="en-US" sz="2400" i="1" dirty="0" smtClean="0"/>
+              <a:t> complex binding to TCR</a:t>
+            </a:r>
+            <a:r>
+              <a:rPr lang="en-US" sz="2400" i="1" dirty="0" smtClean="0"/>
+              <a:t>')</a:t>
+            </a:r>
+          </a:p>
+          <a:p>
+            <a:r>
+              <a:rPr lang="en-US" sz="2400" dirty="0" smtClean="0"/>
+              <a:t>Required expanding </a:t>
+            </a:r>
+            <a:r>
+              <a:rPr lang="en-US" sz="2400" i="1" dirty="0" smtClean="0"/>
+              <a:t>parent assay types </a:t>
+            </a:r>
+            <a:r>
+              <a:rPr lang="en-US" sz="2400" dirty="0" smtClean="0"/>
+              <a:t>(OBI) and </a:t>
+            </a:r>
+            <a:r>
+              <a:rPr lang="en-US" sz="2400" i="1" dirty="0" smtClean="0"/>
+              <a:t>GO process</a:t>
+            </a:r>
+            <a:endParaRPr lang="en-US" sz="2400" i="1" dirty="0" smtClean="0"/>
+          </a:p>
+          <a:p>
+            <a:pPr>
+              <a:buNone/>
+            </a:pPr>
+            <a:endParaRPr lang="en-US" sz="2400" i="1" dirty="0" smtClean="0"/>
+          </a:p>
+        </p:txBody>
+      </p:sp>
+    </p:spTree>
+  </p:cSld>
+  <p:clrMapOvr>
+    <a:masterClrMapping/>
+  </p:clrMapOvr>
+  <p:timing>
+    <p:tnLst>
+      <p:par>
+        <p:cTn id="1" dur="indefinite" restart="never" nodeType="tmRoot">
+          <p:childTnLst>
+            <p:seq concurrent="1" nextAc="seek">
+              <p:cTn id="2" dur="indefinite" nodeType="mainSeq">
+                <p:childTnLst>
+                  <p:par>
+                    <p:cTn id="3" fill="hold">
+                      <p:stCondLst>
+                        <p:cond delay="indefinite"/>
+                      </p:stCondLst>
+                      <p:childTnLst>
+                        <p:par>
+                          <p:cTn id="4" fill="hold">
+                            <p:stCondLst>
+                              <p:cond delay="0"/>
+                            </p:stCondLst>
+                            <p:childTnLst>
+                              <p:par>
+                                <p:cTn id="5" presetID="1" presetClass="entr" presetSubtype="0" fill="hold" nodeType="clickEffect">
+                                  <p:stCondLst>
+                                    <p:cond delay="0"/>
+                                  </p:stCondLst>
+                                  <p:childTnLst>
+                                    <p:set>
+                                      <p:cBhvr>
+                                        <p:cTn id="6" dur="1" fill="hold">
+                                          <p:stCondLst>
+                                            <p:cond delay="0"/>
+                                          </p:stCondLst>
+                                        </p:cTn>
+                                        <p:tgtEl>
+                                          <p:spTgt spid="3">
+                                            <p:txEl>
+                                              <p:pRg st="2" end="2"/>
+                                            </p:txEl>
+                                          </p:spTgt>
+                                        </p:tgtEl>
+                                        <p:attrNameLst>
+                                          <p:attrName>style.visibility</p:attrName>
+                                        </p:attrNameLst>
+                                      </p:cBhvr>
+                                      <p:to>
+                                        <p:strVal val="visible"/>
+                                      </p:to>
+                                    </p:set>
+                                  </p:childTnLst>
+                                </p:cTn>
+                              </p:par>
+                              <p:par>
+                                <p:cTn id="7" presetID="1" presetClass="entr" presetSubtype="0" fill="hold" nodeType="withEffect">
+                                  <p:stCondLst>
+                                    <p:cond delay="0"/>
+                                  </p:stCondLst>
+                                  <p:childTnLst>
+                                    <p:set>
+                                      <p:cBhvr>
+                                        <p:cTn id="8" dur="1" fill="hold">
+                                          <p:stCondLst>
+                                            <p:cond delay="0"/>
+                                          </p:stCondLst>
+                                        </p:cTn>
+                                        <p:tgtEl>
+                                          <p:spTgt spid="3">
+                                            <p:txEl>
+                                              <p:pRg st="3" end="3"/>
+                                            </p:txEl>
+                                          </p:spTgt>
+                                        </p:tgtEl>
+                                        <p:attrNameLst>
+                                          <p:attrName>style.visibility</p:attrName>
+                                        </p:attrNameLst>
+                                      </p:cBhvr>
+                                      <p:to>
+                                        <p:strVal val="visible"/>
+                                      </p:to>
+                                    </p:set>
+                                  </p:childTnLst>
+                                </p:cTn>
+                              </p:par>
+                            </p:childTnLst>
+                          </p:cTn>
+                        </p:par>
+                      </p:childTnLst>
+                    </p:cTn>
+                  </p:par>
+                  <p:par>
+                    <p:cTn id="9" fill="hold">
+                      <p:stCondLst>
+                        <p:cond delay="indefinite"/>
+                      </p:stCondLst>
+                      <p:childTnLst>
+                        <p:par>
+                          <p:cTn id="10" fill="hold">
+                            <p:stCondLst>
+                              <p:cond delay="0"/>
+                            </p:stCondLst>
+                            <p:childTnLst>
+                              <p:par>
+                                <p:cTn id="11" presetID="1" presetClass="entr" presetSubtype="0" fill="hold" nodeType="clickEffect">
+                                  <p:stCondLst>
+                                    <p:cond delay="0"/>
+                                  </p:stCondLst>
+                                  <p:childTnLst>
+                                    <p:set>
+                                      <p:cBhvr>
+                                        <p:cTn id="12" dur="1" fill="hold">
+                                          <p:stCondLst>
+                                            <p:cond delay="0"/>
+                                          </p:stCondLst>
+                                        </p:cTn>
+                                        <p:tgtEl>
+                                          <p:spTgt spid="3">
+                                            <p:txEl>
+                                              <p:pRg st="4" end="4"/>
+                                            </p:txEl>
+                                          </p:spTgt>
+                                        </p:tgtEl>
+                                        <p:attrNameLst>
+                                          <p:attrName>style.visibility</p:attrName>
+                                        </p:attrNameLst>
+                                      </p:cBhvr>
+                                      <p:to>
+                                        <p:strVal val="visible"/>
+                                      </p:to>
+                                    </p:set>
+                                  </p:childTnLst>
+                                </p:cTn>
+                              </p:par>
+                            </p:childTnLst>
+                          </p:cTn>
+                        </p:par>
+                      </p:childTnLst>
+                    </p:cTn>
+                  </p:par>
+                </p:childTnLst>
+              </p:cTn>
+              <p:prevCondLst>
+                <p:cond evt="onPrev" delay="0">
+                  <p:tgtEl>
+                    <p:sldTgt/>
+                  </p:tgtEl>
+                </p:cond>
+              </p:prevCondLst>
+              <p:nextCondLst>
+                <p:cond evt="onNext" delay="0">
+                  <p:tgtEl>
+                    <p:sldTgt/>
+                  </p:tgtEl>
+                </p:cond>
+              </p:nextCondLst>
+            </p:seq>
+          </p:childTnLst>
+        </p:cTn>
+      </p:par>
+    </p:tnLst>
+  </p:timing>
+</p:sld>
+</file>
+
+<file path=ppt/slides/slide29.xml><?xml version="1.0" encoding="utf-8"?>
+<p:sld xmlns:a="http://schemas.openxmlformats.org/drawingml/2006/main" xmlns:r="http://schemas.openxmlformats.org/officeDocument/2006/relationships" xmlns:p="http://schemas.openxmlformats.org/presentationml/2006/main">
+  <p:cSld>
+    <p:spTree>
+      <p:nvGrpSpPr>
+        <p:cNvPr id="1" name=""/>
+        <p:cNvGrpSpPr/>
+        <p:nvPr/>
+      </p:nvGrpSpPr>
+      <p:grpSpPr>
+        <a:xfrm>
+          <a:off x="0" y="0"/>
+          <a:ext cx="0" cy="0"/>
+          <a:chOff x="0" y="0"/>
+          <a:chExt cx="0" cy="0"/>
+        </a:xfrm>
+      </p:grpSpPr>
+      <p:sp>
+        <p:nvSpPr>
+          <p:cNvPr id="4" name="Rectangle 3"/>
+          <p:cNvSpPr/>
+          <p:nvPr/>
+        </p:nvSpPr>
+        <p:spPr>
+          <a:xfrm>
+            <a:off x="533400" y="1447800"/>
+            <a:ext cx="8305800" cy="2971800"/>
+          </a:xfrm>
+          <a:prstGeom prst="rect">
+            <a:avLst/>
+          </a:prstGeom>
+          <a:solidFill>
+            <a:schemeClr val="accent1">
+              <a:lumMod val="20000"/>
+              <a:lumOff val="80000"/>
+            </a:schemeClr>
+          </a:solidFill>
+        </p:spPr>
+        <p:style>
+          <a:lnRef idx="2">
+            <a:schemeClr val="accent1">
+              <a:shade val="50000"/>
+            </a:schemeClr>
+          </a:lnRef>
+          <a:fillRef idx="1">
+            <a:schemeClr val="accent1"/>
+          </a:fillRef>
+          <a:effectRef idx="0">
+            <a:schemeClr val="accent1"/>
+          </a:effectRef>
+          <a:fontRef idx="minor">
+            <a:schemeClr val="lt1"/>
+          </a:fontRef>
+        </p:style>
+        <p:txBody>
+          <a:bodyPr rtlCol="0" anchor="ctr"/>
+          <a:lstStyle/>
+          <a:p>
+            <a:pPr algn="ctr"/>
+            <a:endParaRPr lang="en-US"/>
+          </a:p>
+        </p:txBody>
+      </p:sp>
+      <p:sp>
+        <p:nvSpPr>
+          <p:cNvPr id="2" name="Title 1"/>
+          <p:cNvSpPr>
+            <a:spLocks noGrp="1"/>
+          </p:cNvSpPr>
+          <p:nvPr>
+            <p:ph type="title"/>
+          </p:nvPr>
+        </p:nvSpPr>
+        <p:spPr/>
+        <p:txBody>
+          <a:bodyPr>
+            <a:normAutofit/>
+          </a:bodyPr>
+          <a:lstStyle/>
+          <a:p>
+            <a:r>
+              <a:rPr lang="en-US" dirty="0" smtClean="0"/>
+              <a:t>Adding parent assay types to OBI</a:t>
+            </a:r>
+            <a:endParaRPr lang="en-US" dirty="0"/>
+          </a:p>
+        </p:txBody>
+      </p:sp>
+      <p:sp>
+        <p:nvSpPr>
+          <p:cNvPr id="3" name="Content Placeholder 2"/>
+          <p:cNvSpPr>
+            <a:spLocks noGrp="1"/>
+          </p:cNvSpPr>
+          <p:nvPr>
+            <p:ph idx="1"/>
+          </p:nvPr>
+        </p:nvSpPr>
+        <p:spPr>
+          <a:xfrm>
+            <a:off x="457200" y="1417637"/>
+            <a:ext cx="8229600" cy="4983163"/>
+          </a:xfrm>
+        </p:spPr>
+        <p:txBody>
+          <a:bodyPr>
+            <a:normAutofit fontScale="92500"/>
+          </a:bodyPr>
+          <a:lstStyle/>
+          <a:p>
+            <a:r>
+              <a:rPr lang="en-US" sz="2400" b="1" dirty="0" smtClean="0"/>
+              <a:t>label: </a:t>
+            </a:r>
+            <a:r>
+              <a:rPr lang="en-US" sz="2400" dirty="0" err="1" smtClean="0"/>
+              <a:t>cytometric</a:t>
+            </a:r>
+            <a:r>
+              <a:rPr lang="en-US" sz="2400" dirty="0" smtClean="0"/>
+              <a:t> bead array assay</a:t>
+            </a:r>
+            <a:endParaRPr lang="en-US" sz="2400" b="1" dirty="0" smtClean="0"/>
+          </a:p>
+          <a:p>
+            <a:r>
+              <a:rPr lang="en-US" sz="2400" b="1" dirty="0" smtClean="0"/>
+              <a:t>definition</a:t>
+            </a:r>
+            <a:r>
+              <a:rPr lang="en-US" sz="2400" dirty="0" smtClean="0"/>
+              <a:t>: An assay in which a series of beads coated with antibodies specific for different </a:t>
+            </a:r>
+            <a:r>
+              <a:rPr lang="en-US" sz="2400" dirty="0" err="1" smtClean="0"/>
+              <a:t>analytes</a:t>
+            </a:r>
+            <a:r>
+              <a:rPr lang="en-US" sz="2400" dirty="0" smtClean="0"/>
+              <a:t> and marked with discrete fluorescent labels are used to simultaneously capture and </a:t>
+            </a:r>
+            <a:r>
+              <a:rPr lang="en-US" sz="2400" dirty="0" err="1" smtClean="0"/>
+              <a:t>quantitate</a:t>
+            </a:r>
+            <a:r>
+              <a:rPr lang="en-US" sz="2400" dirty="0" smtClean="0"/>
+              <a:t> soluble </a:t>
+            </a:r>
+            <a:r>
+              <a:rPr lang="en-US" sz="2400" dirty="0" err="1" smtClean="0"/>
+              <a:t>analytes</a:t>
+            </a:r>
+            <a:r>
+              <a:rPr lang="en-US" sz="2400" dirty="0" smtClean="0"/>
+              <a:t> using flow </a:t>
+            </a:r>
+            <a:r>
+              <a:rPr lang="en-US" sz="2400" dirty="0" err="1" smtClean="0"/>
+              <a:t>cytometric</a:t>
+            </a:r>
+            <a:r>
+              <a:rPr lang="en-US" sz="2400" dirty="0" smtClean="0"/>
+              <a:t> analysis</a:t>
+            </a:r>
+            <a:r>
+              <a:rPr lang="en-US" sz="2400" dirty="0" smtClean="0"/>
+              <a:t>.</a:t>
+            </a:r>
+          </a:p>
+          <a:p>
+            <a:r>
+              <a:rPr lang="en-US" sz="2400" b="1" dirty="0" smtClean="0"/>
+              <a:t>a</a:t>
+            </a:r>
+            <a:r>
+              <a:rPr lang="en-US" sz="2400" b="1" dirty="0" smtClean="0"/>
+              <a:t>lternative term: </a:t>
+            </a:r>
+            <a:r>
+              <a:rPr lang="en-US" sz="2400" dirty="0" smtClean="0"/>
+              <a:t>multiplexed </a:t>
+            </a:r>
+            <a:r>
+              <a:rPr lang="en-US" sz="2400" dirty="0" smtClean="0"/>
+              <a:t>bead assay, CBA assay</a:t>
+            </a:r>
+            <a:endParaRPr lang="en-US" sz="2400" dirty="0" smtClean="0"/>
+          </a:p>
+          <a:p>
+            <a:r>
+              <a:rPr lang="en-US" sz="2400" b="1" dirty="0" smtClean="0"/>
+              <a:t>example </a:t>
+            </a:r>
+            <a:r>
+              <a:rPr lang="en-US" sz="2400" b="1" dirty="0" smtClean="0"/>
+              <a:t>of usage</a:t>
+            </a:r>
+            <a:r>
+              <a:rPr lang="en-US" sz="2400" dirty="0" smtClean="0"/>
+              <a:t>: Using a </a:t>
+            </a:r>
+            <a:r>
+              <a:rPr lang="en-US" sz="2400" dirty="0" err="1" smtClean="0"/>
+              <a:t>Luminex</a:t>
+            </a:r>
+            <a:r>
+              <a:rPr lang="en-US" sz="2400" dirty="0" smtClean="0"/>
+              <a:t> machine to detect IFN-gamma and IL-10 in the supernatant of a cell </a:t>
+            </a:r>
+            <a:r>
+              <a:rPr lang="en-US" sz="2400" dirty="0" smtClean="0"/>
+              <a:t>culture</a:t>
+            </a:r>
+          </a:p>
+          <a:p>
+            <a:pPr>
+              <a:buFont typeface="Wingdings"/>
+              <a:buChar char="à"/>
+            </a:pPr>
+            <a:r>
+              <a:rPr lang="en-US" sz="2400" dirty="0" smtClean="0">
+                <a:sym typeface="Wingdings" pitchFamily="2" charset="2"/>
+              </a:rPr>
+              <a:t>“Parent” assay definitions are discussed in OBI as a group and derived by consensus, to ensure exactness and ability to re-use. </a:t>
+            </a:r>
+          </a:p>
+          <a:p>
+            <a:pPr>
+              <a:buFont typeface="Wingdings"/>
+              <a:buChar char="à"/>
+            </a:pPr>
+            <a:r>
+              <a:rPr lang="en-US" sz="2400" dirty="0" smtClean="0">
+                <a:sym typeface="Wingdings" pitchFamily="2" charset="2"/>
+              </a:rPr>
+              <a:t>Child terms that follow design patterns are added without group discussion</a:t>
+            </a:r>
+            <a:endParaRPr lang="en-US" sz="2400" dirty="0"/>
+          </a:p>
+        </p:txBody>
+      </p:sp>
+    </p:spTree>
+  </p:cSld>
+  <p:clrMapOvr>
+    <a:masterClrMapping/>
+  </p:clrMapOvr>
+  <p:timing>
+    <p:tnLst>
+      <p:par>
+        <p:cTn id="1" dur="indefinite" restart="never" nodeType="tmRoot">
+          <p:childTnLst>
+            <p:seq concurrent="1" nextAc="seek">
+              <p:cTn id="2" dur="indefinite" nodeType="mainSeq">
+                <p:childTnLst>
+                  <p:par>
+                    <p:cTn id="3" fill="hold">
+                      <p:stCondLst>
+                        <p:cond delay="indefinite"/>
+                      </p:stCondLst>
+                      <p:childTnLst>
+                        <p:par>
+                          <p:cTn id="4" fill="hold">
+                            <p:stCondLst>
+                              <p:cond delay="0"/>
+                            </p:stCondLst>
+                            <p:childTnLst>
+                              <p:par>
+                                <p:cTn id="5" presetID="1" presetClass="entr" presetSubtype="0" fill="hold" nodeType="clickEffect">
+                                  <p:stCondLst>
+                                    <p:cond delay="0"/>
+                                  </p:stCondLst>
+                                  <p:childTnLst>
+                                    <p:set>
+                                      <p:cBhvr>
+                                        <p:cTn id="6" dur="1" fill="hold">
+                                          <p:stCondLst>
+                                            <p:cond delay="0"/>
+                                          </p:stCondLst>
+                                        </p:cTn>
+                                        <p:tgtEl>
+                                          <p:spTgt spid="3">
+                                            <p:txEl>
+                                              <p:pRg st="4" end="4"/>
+                                            </p:txEl>
+                                          </p:spTgt>
+                                        </p:tgtEl>
+                                        <p:attrNameLst>
+                                          <p:attrName>style.visibility</p:attrName>
+                                        </p:attrNameLst>
+                                      </p:cBhvr>
+                                      <p:to>
+                                        <p:strVal val="visible"/>
+                                      </p:to>
+                                    </p:set>
+                                  </p:childTnLst>
+                                </p:cTn>
+                              </p:par>
+                            </p:childTnLst>
+                          </p:cTn>
+                        </p:par>
+                      </p:childTnLst>
+                    </p:cTn>
+                  </p:par>
+                  <p:par>
+                    <p:cTn id="7" fill="hold">
+                      <p:stCondLst>
+                        <p:cond delay="indefinite"/>
+                      </p:stCondLst>
+                      <p:childTnLst>
+                        <p:par>
+                          <p:cTn id="8" fill="hold">
+                            <p:stCondLst>
+                              <p:cond delay="0"/>
+                            </p:stCondLst>
+                            <p:childTnLst>
+                              <p:par>
+                                <p:cTn id="9" presetID="1" presetClass="entr" presetSubtype="0" fill="hold" nodeType="clickEffect">
+                                  <p:stCondLst>
+                                    <p:cond delay="0"/>
+                                  </p:stCondLst>
+                                  <p:childTnLst>
+                                    <p:set>
+                                      <p:cBhvr>
+                                        <p:cTn id="10" dur="1" fill="hold">
+                                          <p:stCondLst>
+                                            <p:cond delay="0"/>
+                                          </p:stCondLst>
+                                        </p:cTn>
+                                        <p:tgtEl>
+                                          <p:spTgt spid="3">
+                                            <p:txEl>
+                                              <p:pRg st="5" end="5"/>
+                                            </p:txEl>
+                                          </p:spTgt>
+                                        </p:tgtEl>
+                                        <p:attrNameLst>
+                                          <p:attrName>style.visibility</p:attrName>
+                                        </p:attrNameLst>
+                                      </p:cBhvr>
+                                      <p:to>
+                                        <p:strVal val="visible"/>
+                                      </p:to>
+                                    </p:set>
+                                  </p:childTnLst>
+                                </p:cTn>
+                              </p:par>
+                            </p:childTnLst>
+                          </p:cTn>
+                        </p:par>
+                      </p:childTnLst>
+                    </p:cTn>
+                  </p:par>
+                </p:childTnLst>
+              </p:cTn>
+              <p:prevCondLst>
+                <p:cond evt="onPrev" delay="0">
+                  <p:tgtEl>
+                    <p:sldTgt/>
+                  </p:tgtEl>
+                </p:cond>
+              </p:prevCondLst>
+              <p:nextCondLst>
+                <p:cond evt="onNext" delay="0">
+                  <p:tgtEl>
+                    <p:sldTgt/>
+                  </p:tgtEl>
+                </p:cond>
+              </p:nextCondLst>
+            </p:seq>
+          </p:childTnLst>
+        </p:cTn>
+      </p:par>
+    </p:tnLst>
+  </p:timing>
+</p:sld>
+</file>
+
+<file path=ppt/slides/slide3.xml><?xml version="1.0" encoding="utf-8"?>
+<p:sld xmlns:a="http://schemas.openxmlformats.org/drawingml/2006/main" xmlns:r="http://schemas.openxmlformats.org/officeDocument/2006/relationships" xmlns:p="http://schemas.openxmlformats.org/presentationml/2006/main">
+  <p:cSld>
+    <p:spTree>
+      <p:nvGrpSpPr>
+        <p:cNvPr id="1" name=""/>
+        <p:cNvGrpSpPr/>
+        <p:nvPr/>
+      </p:nvGrpSpPr>
+      <p:grpSpPr>
+        <a:xfrm>
+          <a:off x="0" y="0"/>
+          <a:ext cx="0" cy="0"/>
+          <a:chOff x="0" y="0"/>
+          <a:chExt cx="0" cy="0"/>
+        </a:xfrm>
+      </p:grpSpPr>
+      <p:sp>
+        <p:nvSpPr>
+          <p:cNvPr id="2" name="Title 1"/>
+          <p:cNvSpPr>
+            <a:spLocks noGrp="1"/>
+          </p:cNvSpPr>
+          <p:nvPr>
+            <p:ph type="title"/>
+          </p:nvPr>
+        </p:nvSpPr>
+        <p:spPr/>
+        <p:txBody>
+          <a:bodyPr>
+            <a:normAutofit/>
+          </a:bodyPr>
+          <a:lstStyle/>
+          <a:p>
+            <a:r>
+              <a:rPr lang="en-US" dirty="0" smtClean="0"/>
+              <a:t>Software - preparation </a:t>
+            </a:r>
+            <a:endParaRPr lang="en-US" dirty="0"/>
+          </a:p>
+        </p:txBody>
+      </p:sp>
+      <p:sp>
+        <p:nvSpPr>
+          <p:cNvPr id="3" name="Content Placeholder 2"/>
+          <p:cNvSpPr>
+            <a:spLocks noGrp="1"/>
+          </p:cNvSpPr>
+          <p:nvPr>
+            <p:ph idx="1"/>
+          </p:nvPr>
+        </p:nvSpPr>
+        <p:spPr/>
+        <p:txBody>
+          <a:bodyPr/>
+          <a:lstStyle/>
+          <a:p>
+            <a:r>
+              <a:rPr lang="en-US" dirty="0" smtClean="0"/>
+              <a:t>Instructions were emailed</a:t>
+            </a:r>
+          </a:p>
+          <a:p>
+            <a:r>
+              <a:rPr lang="en-US" dirty="0" smtClean="0"/>
+              <a:t>Before hands-on session, please minimally</a:t>
+            </a:r>
+          </a:p>
+          <a:p>
+            <a:pPr lvl="1"/>
+            <a:r>
+              <a:rPr lang="en-US" dirty="0" smtClean="0"/>
+              <a:t>Install Protégé 4.1</a:t>
+            </a:r>
+          </a:p>
+          <a:p>
+            <a:pPr lvl="1"/>
+            <a:r>
+              <a:rPr lang="en-US" dirty="0" smtClean="0"/>
+              <a:t>Load OBI</a:t>
+            </a:r>
+          </a:p>
+          <a:p>
+            <a:pPr lvl="1"/>
+            <a:r>
+              <a:rPr lang="en-US" dirty="0" smtClean="0"/>
+              <a:t>Run </a:t>
+            </a:r>
+            <a:r>
+              <a:rPr lang="en-US" dirty="0" err="1" smtClean="0"/>
+              <a:t>Reasoner</a:t>
+            </a:r>
+            <a:endParaRPr lang="en-US" dirty="0" smtClean="0"/>
+          </a:p>
+          <a:p>
+            <a:r>
+              <a:rPr lang="en-US" dirty="0" smtClean="0"/>
+              <a:t>Let me know if you have problems</a:t>
+            </a:r>
+          </a:p>
+          <a:p>
+            <a:pPr lvl="1"/>
+            <a:endParaRPr lang="en-US" dirty="0"/>
+          </a:p>
+        </p:txBody>
+      </p:sp>
+    </p:spTree>
+  </p:cSld>
+  <p:clrMapOvr>
+    <a:masterClrMapping/>
+  </p:clrMapOvr>
+  <p:timing>
+    <p:tnLst>
+      <p:par>
+        <p:cTn id="1" dur="indefinite" restart="never" nodeType="tmRoot"/>
+      </p:par>
+    </p:tnLst>
+  </p:timing>
+</p:sld>
+</file>
+
+<file path=ppt/slides/slide30.xml><?xml version="1.0" encoding="utf-8"?>
+<p:sld xmlns:a="http://schemas.openxmlformats.org/drawingml/2006/main" xmlns:r="http://schemas.openxmlformats.org/officeDocument/2006/relationships" xmlns:p="http://schemas.openxmlformats.org/presentationml/2006/main">
+  <p:cSld>
+    <p:spTree>
+      <p:nvGrpSpPr>
+        <p:cNvPr id="1" name=""/>
+        <p:cNvGrpSpPr/>
+        <p:nvPr/>
+      </p:nvGrpSpPr>
+      <p:grpSpPr>
+        <a:xfrm>
+          <a:off x="0" y="0"/>
+          <a:ext cx="0" cy="0"/>
+          <a:chOff x="0" y="0"/>
+          <a:chExt cx="0" cy="0"/>
+        </a:xfrm>
+      </p:grpSpPr>
+      <p:sp>
+        <p:nvSpPr>
+          <p:cNvPr id="2" name="Title 1"/>
+          <p:cNvSpPr>
+            <a:spLocks noGrp="1"/>
+          </p:cNvSpPr>
+          <p:nvPr>
+            <p:ph type="title"/>
+          </p:nvPr>
+        </p:nvSpPr>
+        <p:spPr/>
+        <p:txBody>
+          <a:bodyPr>
+            <a:normAutofit/>
+          </a:bodyPr>
+          <a:lstStyle/>
+          <a:p>
+            <a:r>
+              <a:rPr lang="en-US" dirty="0" smtClean="0"/>
+              <a:t>Modifying external </a:t>
+            </a:r>
+            <a:r>
+              <a:rPr lang="en-US" dirty="0" err="1" smtClean="0"/>
+              <a:t>ontologies</a:t>
+            </a:r>
+            <a:endParaRPr lang="en-US" dirty="0"/>
+          </a:p>
+        </p:txBody>
+      </p:sp>
+      <p:sp>
+        <p:nvSpPr>
+          <p:cNvPr id="3" name="Content Placeholder 2"/>
+          <p:cNvSpPr>
+            <a:spLocks noGrp="1"/>
+          </p:cNvSpPr>
+          <p:nvPr>
+            <p:ph idx="1"/>
+          </p:nvPr>
+        </p:nvSpPr>
+        <p:spPr>
+          <a:xfrm>
+            <a:off x="457200" y="1600200"/>
+            <a:ext cx="8382000" cy="4525963"/>
+          </a:xfrm>
+        </p:spPr>
+        <p:txBody>
+          <a:bodyPr>
+            <a:normAutofit fontScale="92500" lnSpcReduction="10000"/>
+          </a:bodyPr>
+          <a:lstStyle/>
+          <a:p>
+            <a:r>
+              <a:rPr lang="en-US" sz="2800" dirty="0" smtClean="0"/>
+              <a:t>Requests for new / modified terms are made through their respective trackers (sometimes additional prodding is needed)</a:t>
+            </a:r>
+          </a:p>
+          <a:p>
+            <a:r>
+              <a:rPr lang="en-US" sz="2800" dirty="0" smtClean="0"/>
+              <a:t>Often results in email discussions that clarify issues and result in improved definitions (but take time)</a:t>
+            </a:r>
+          </a:p>
+          <a:p>
+            <a:r>
+              <a:rPr lang="en-US" sz="2800" dirty="0" smtClean="0"/>
+              <a:t>Succeeded with GO</a:t>
+            </a:r>
+            <a:r>
+              <a:rPr lang="en-US" sz="2800" dirty="0" smtClean="0"/>
+              <a:t>, </a:t>
+            </a:r>
+            <a:r>
+              <a:rPr lang="en-US" sz="2800" dirty="0" err="1" smtClean="0"/>
+              <a:t>ChEBI</a:t>
+            </a:r>
+            <a:r>
+              <a:rPr lang="en-US" sz="2800" dirty="0" smtClean="0"/>
+              <a:t>, PRO, OGMS, IDO, </a:t>
+            </a:r>
+            <a:r>
+              <a:rPr lang="en-US" sz="2800" dirty="0" smtClean="0"/>
+              <a:t>PATO, UO</a:t>
+            </a:r>
+            <a:r>
+              <a:rPr lang="en-US" sz="2800" dirty="0" smtClean="0"/>
+              <a:t>, …</a:t>
+            </a:r>
+          </a:p>
+          <a:p>
+            <a:r>
+              <a:rPr lang="en-US" sz="2800" dirty="0" smtClean="0"/>
+              <a:t>Resulting terms are imported into OBI to reference them in logical definitions (</a:t>
+            </a:r>
+            <a:r>
+              <a:rPr lang="en-US" sz="2800" i="1" dirty="0" smtClean="0"/>
+              <a:t>MIREOT mechanism explained more in hands on session</a:t>
+            </a:r>
+            <a:r>
+              <a:rPr lang="en-US" sz="2800" dirty="0" smtClean="0"/>
+              <a:t>)</a:t>
+            </a:r>
+          </a:p>
+          <a:p>
+            <a:r>
+              <a:rPr lang="en-US" sz="2800" dirty="0" smtClean="0"/>
+              <a:t> Some terms have no natural home ontology, and are kept in OBI until they can be moved</a:t>
+            </a:r>
+          </a:p>
+          <a:p>
+            <a:endParaRPr lang="en-US" sz="2800" dirty="0" smtClean="0"/>
+          </a:p>
+        </p:txBody>
+      </p:sp>
+    </p:spTree>
+  </p:cSld>
+  <p:clrMapOvr>
+    <a:masterClrMapping/>
+  </p:clrMapOvr>
+  <p:timing>
+    <p:tnLst>
+      <p:par>
+        <p:cTn id="1" dur="indefinite" restart="never" nodeType="tmRoot">
+          <p:childTnLst>
+            <p:seq concurrent="1" nextAc="seek">
+              <p:cTn id="2" dur="indefinite" nodeType="mainSeq">
+                <p:childTnLst>
+                  <p:par>
+                    <p:cTn id="3" fill="hold">
+                      <p:stCondLst>
+                        <p:cond delay="indefinite"/>
+                      </p:stCondLst>
+                      <p:childTnLst>
+                        <p:par>
+                          <p:cTn id="4" fill="hold">
+                            <p:stCondLst>
+                              <p:cond delay="0"/>
+                            </p:stCondLst>
+                            <p:childTnLst>
+                              <p:par>
+                                <p:cTn id="5" presetID="1" presetClass="entr" presetSubtype="0" fill="hold" grpId="0" nodeType="clickEffect">
+                                  <p:stCondLst>
+                                    <p:cond delay="0"/>
+                                  </p:stCondLst>
+                                  <p:childTnLst>
+                                    <p:set>
+                                      <p:cBhvr>
+                                        <p:cTn id="6" dur="1" fill="hold">
+                                          <p:stCondLst>
+                                            <p:cond delay="0"/>
+                                          </p:stCondLst>
+                                        </p:cTn>
+                                        <p:tgtEl>
+                                          <p:spTgt spid="3">
+                                            <p:txEl>
+                                              <p:pRg st="0" end="0"/>
+                                            </p:txEl>
+                                          </p:spTgt>
+                                        </p:tgtEl>
+                                        <p:attrNameLst>
+                                          <p:attrName>style.visibility</p:attrName>
+                                        </p:attrNameLst>
+                                      </p:cBhvr>
+                                      <p:to>
+                                        <p:strVal val="visible"/>
+                                      </p:to>
+                                    </p:set>
+                                  </p:childTnLst>
+                                </p:cTn>
+                              </p:par>
+                            </p:childTnLst>
+                          </p:cTn>
+                        </p:par>
+                      </p:childTnLst>
+                    </p:cTn>
+                  </p:par>
+                  <p:par>
+                    <p:cTn id="7" fill="hold">
+                      <p:stCondLst>
+                        <p:cond delay="indefinite"/>
+                      </p:stCondLst>
+                      <p:childTnLst>
+                        <p:par>
+                          <p:cTn id="8" fill="hold">
+                            <p:stCondLst>
+                              <p:cond delay="0"/>
+                            </p:stCondLst>
+                            <p:childTnLst>
+                              <p:par>
+                                <p:cTn id="9" presetID="1" presetClass="entr" presetSubtype="0" fill="hold" grpId="0" nodeType="clickEffect">
+                                  <p:stCondLst>
+                                    <p:cond delay="0"/>
+                                  </p:stCondLst>
+                                  <p:childTnLst>
+                                    <p:set>
+                                      <p:cBhvr>
+                                        <p:cTn id="10" dur="1" fill="hold">
+                                          <p:stCondLst>
+                                            <p:cond delay="0"/>
+                                          </p:stCondLst>
+                                        </p:cTn>
+                                        <p:tgtEl>
+                                          <p:spTgt spid="3">
+                                            <p:txEl>
+                                              <p:pRg st="1" end="1"/>
+                                            </p:txEl>
+                                          </p:spTgt>
+                                        </p:tgtEl>
+                                        <p:attrNameLst>
+                                          <p:attrName>style.visibility</p:attrName>
+                                        </p:attrNameLst>
+                                      </p:cBhvr>
+                                      <p:to>
+                                        <p:strVal val="visible"/>
+                                      </p:to>
+                                    </p:set>
+                                  </p:childTnLst>
+                                </p:cTn>
+                              </p:par>
+                            </p:childTnLst>
+                          </p:cTn>
+                        </p:par>
+                      </p:childTnLst>
+                    </p:cTn>
+                  </p:par>
+                  <p:par>
+                    <p:cTn id="11" fill="hold">
+                      <p:stCondLst>
+                        <p:cond delay="indefinite"/>
+                      </p:stCondLst>
+                      <p:childTnLst>
+                        <p:par>
+                          <p:cTn id="12" fill="hold">
+                            <p:stCondLst>
+                              <p:cond delay="0"/>
+                            </p:stCondLst>
+                            <p:childTnLst>
+                              <p:par>
+                                <p:cTn id="13" presetID="1" presetClass="entr" presetSubtype="0" fill="hold" grpId="0" nodeType="clickEffect">
+                                  <p:stCondLst>
+                                    <p:cond delay="0"/>
+                                  </p:stCondLst>
+                                  <p:childTnLst>
+                                    <p:set>
+                                      <p:cBhvr>
+                                        <p:cTn id="14" dur="1" fill="hold">
+                                          <p:stCondLst>
+                                            <p:cond delay="0"/>
+                                          </p:stCondLst>
+                                        </p:cTn>
+                                        <p:tgtEl>
+                                          <p:spTgt spid="3">
+                                            <p:txEl>
+                                              <p:pRg st="2" end="2"/>
+                                            </p:txEl>
+                                          </p:spTgt>
+                                        </p:tgtEl>
+                                        <p:attrNameLst>
+                                          <p:attrName>style.visibility</p:attrName>
+                                        </p:attrNameLst>
+                                      </p:cBhvr>
+                                      <p:to>
+                                        <p:strVal val="visible"/>
+                                      </p:to>
+                                    </p:set>
+                                  </p:childTnLst>
+                                </p:cTn>
+                              </p:par>
+                            </p:childTnLst>
+                          </p:cTn>
+                        </p:par>
+                      </p:childTnLst>
+                    </p:cTn>
+                  </p:par>
+                  <p:par>
+                    <p:cTn id="15" fill="hold">
+                      <p:stCondLst>
+                        <p:cond delay="indefinite"/>
+                      </p:stCondLst>
+                      <p:childTnLst>
+                        <p:par>
+                          <p:cTn id="16" fill="hold">
+                            <p:stCondLst>
+                              <p:cond delay="0"/>
+                            </p:stCondLst>
+                            <p:childTnLst>
+                              <p:par>
+                                <p:cTn id="17" presetID="1" presetClass="entr" presetSubtype="0" fill="hold" grpId="0" nodeType="clickEffect">
+                                  <p:stCondLst>
+                                    <p:cond delay="0"/>
+                                  </p:stCondLst>
+                                  <p:childTnLst>
+                                    <p:set>
+                                      <p:cBhvr>
+                                        <p:cTn id="18" dur="1" fill="hold">
+                                          <p:stCondLst>
+                                            <p:cond delay="0"/>
+                                          </p:stCondLst>
+                                        </p:cTn>
+                                        <p:tgtEl>
+                                          <p:spTgt spid="3">
+                                            <p:txEl>
+                                              <p:pRg st="3" end="3"/>
+                                            </p:txEl>
+                                          </p:spTgt>
+                                        </p:tgtEl>
+                                        <p:attrNameLst>
+                                          <p:attrName>style.visibility</p:attrName>
+                                        </p:attrNameLst>
+                                      </p:cBhvr>
+                                      <p:to>
+                                        <p:strVal val="visible"/>
+                                      </p:to>
+                                    </p:set>
+                                  </p:childTnLst>
+                                </p:cTn>
+                              </p:par>
+                            </p:childTnLst>
+                          </p:cTn>
+                        </p:par>
+                      </p:childTnLst>
+                    </p:cTn>
+                  </p:par>
+                  <p:par>
+                    <p:cTn id="19" fill="hold">
+                      <p:stCondLst>
+                        <p:cond delay="indefinite"/>
+                      </p:stCondLst>
+                      <p:childTnLst>
+                        <p:par>
+                          <p:cTn id="20" fill="hold">
+                            <p:stCondLst>
+                              <p:cond delay="0"/>
+                            </p:stCondLst>
+                            <p:childTnLst>
+                              <p:par>
+                                <p:cTn id="21" presetID="1" presetClass="entr" presetSubtype="0" fill="hold" grpId="0" nodeType="clickEffect">
+                                  <p:stCondLst>
+                                    <p:cond delay="0"/>
+                                  </p:stCondLst>
+                                  <p:childTnLst>
+                                    <p:set>
+                                      <p:cBhvr>
+                                        <p:cTn id="22" dur="1" fill="hold">
+                                          <p:stCondLst>
+                                            <p:cond delay="0"/>
+                                          </p:stCondLst>
+                                        </p:cTn>
+                                        <p:tgtEl>
+                                          <p:spTgt spid="3">
+                                            <p:txEl>
+                                              <p:pRg st="4" end="4"/>
+                                            </p:txEl>
+                                          </p:spTgt>
+                                        </p:tgtEl>
+                                        <p:attrNameLst>
+                                          <p:attrName>style.visibility</p:attrName>
+                                        </p:attrNameLst>
+                                      </p:cBhvr>
+                                      <p:to>
+                                        <p:strVal val="visible"/>
+                                      </p:to>
+                                    </p:set>
+                                  </p:childTnLst>
+                                </p:cTn>
+                              </p:par>
+                            </p:childTnLst>
+                          </p:cTn>
+                        </p:par>
+                      </p:childTnLst>
+                    </p:cTn>
+                  </p:par>
+                </p:childTnLst>
+              </p:cTn>
+              <p:prevCondLst>
+                <p:cond evt="onPrev" delay="0">
+                  <p:tgtEl>
+                    <p:sldTgt/>
+                  </p:tgtEl>
+                </p:cond>
+              </p:prevCondLst>
+              <p:nextCondLst>
+                <p:cond evt="onNext" delay="0">
+                  <p:tgtEl>
+                    <p:sldTgt/>
+                  </p:tgtEl>
+                </p:cond>
+              </p:nextCondLst>
+            </p:seq>
+          </p:childTnLst>
+        </p:cTn>
+      </p:par>
+    </p:tnLst>
+    <p:bldLst>
+      <p:bldP spid="3" grpId="0" build="p"/>
+    </p:bldLst>
+  </p:timing>
+</p:sld>
+</file>
+
+<file path=ppt/slides/slide31.xml><?xml version="1.0" encoding="utf-8"?>
+<p:sld xmlns:a="http://schemas.openxmlformats.org/drawingml/2006/main" xmlns:r="http://schemas.openxmlformats.org/officeDocument/2006/relationships" xmlns:p="http://schemas.openxmlformats.org/presentationml/2006/main">
+  <p:cSld>
+    <p:spTree>
+      <p:nvGrpSpPr>
+        <p:cNvPr id="1" name=""/>
+        <p:cNvGrpSpPr/>
+        <p:nvPr/>
+      </p:nvGrpSpPr>
+      <p:grpSpPr>
+        <a:xfrm>
+          <a:off x="0" y="0"/>
+          <a:ext cx="0" cy="0"/>
+          <a:chOff x="0" y="0"/>
+          <a:chExt cx="0" cy="0"/>
+        </a:xfrm>
+      </p:grpSpPr>
+      <p:sp>
+        <p:nvSpPr>
+          <p:cNvPr id="2" name="Title 1"/>
+          <p:cNvSpPr>
+            <a:spLocks noGrp="1"/>
+          </p:cNvSpPr>
+          <p:nvPr>
+            <p:ph type="title"/>
+          </p:nvPr>
+        </p:nvSpPr>
+        <p:spPr>
+          <a:xfrm>
+            <a:off x="0" y="274638"/>
+            <a:ext cx="9144000" cy="1143000"/>
+          </a:xfrm>
+        </p:spPr>
+        <p:txBody>
+          <a:bodyPr>
+            <a:normAutofit fontScale="90000"/>
+          </a:bodyPr>
+          <a:lstStyle/>
+          <a:p>
+            <a:r>
+              <a:rPr lang="en-US" dirty="0" smtClean="0"/>
+              <a:t>Mapping IEDB assay types to OBI classes</a:t>
+            </a:r>
+            <a:endParaRPr lang="en-US" dirty="0"/>
+          </a:p>
+        </p:txBody>
+      </p:sp>
+      <p:pic>
+        <p:nvPicPr>
+          <p:cNvPr id="1027" name="Picture 3"/>
+          <p:cNvPicPr>
+            <a:picLocks noChangeAspect="1" noChangeArrowheads="1"/>
+          </p:cNvPicPr>
+          <p:nvPr/>
+        </p:nvPicPr>
+        <p:blipFill>
+          <a:blip r:embed="rId2" cstate="print"/>
+          <a:srcRect/>
+          <a:stretch>
+            <a:fillRect/>
+          </a:stretch>
+        </p:blipFill>
+        <p:spPr bwMode="auto">
+          <a:xfrm>
+            <a:off x="123825" y="1219200"/>
+            <a:ext cx="9020175" cy="6324600"/>
+          </a:xfrm>
+          <a:prstGeom prst="rect">
+            <a:avLst/>
+          </a:prstGeom>
+          <a:noFill/>
+          <a:ln w="9525">
+            <a:noFill/>
+            <a:miter lim="800000"/>
+            <a:headEnd/>
+            <a:tailEnd/>
+          </a:ln>
+          <a:effectLst/>
+        </p:spPr>
+      </p:pic>
+    </p:spTree>
+  </p:cSld>
+  <p:clrMapOvr>
+    <a:masterClrMapping/>
+  </p:clrMapOvr>
+  <p:timing>
+    <p:tnLst>
+      <p:par>
+        <p:cTn id="1" dur="indefinite" restart="never" nodeType="tmRoot"/>
+      </p:par>
+    </p:tnLst>
+  </p:timing>
+</p:sld>
+</file>
+
+<file path=ppt/slides/slide32.xml><?xml version="1.0" encoding="utf-8"?>
+<p:sld xmlns:a="http://schemas.openxmlformats.org/drawingml/2006/main" xmlns:r="http://schemas.openxmlformats.org/officeDocument/2006/relationships" xmlns:p="http://schemas.openxmlformats.org/presentationml/2006/main">
+  <p:cSld>
+    <p:spTree>
+      <p:nvGrpSpPr>
+        <p:cNvPr id="1" name=""/>
+        <p:cNvGrpSpPr/>
+        <p:nvPr/>
+      </p:nvGrpSpPr>
+      <p:grpSpPr>
+        <a:xfrm>
+          <a:off x="0" y="0"/>
+          <a:ext cx="0" cy="0"/>
+          <a:chOff x="0" y="0"/>
+          <a:chExt cx="0" cy="0"/>
+        </a:xfrm>
+      </p:grpSpPr>
+      <p:sp>
+        <p:nvSpPr>
+          <p:cNvPr id="2" name="Title 1"/>
+          <p:cNvSpPr>
+            <a:spLocks noGrp="1"/>
+          </p:cNvSpPr>
+          <p:nvPr>
+            <p:ph type="title"/>
+          </p:nvPr>
+        </p:nvSpPr>
+        <p:spPr>
+          <a:xfrm>
+            <a:off x="304800" y="274638"/>
+            <a:ext cx="8534400" cy="1143000"/>
+          </a:xfrm>
+        </p:spPr>
+        <p:txBody>
+          <a:bodyPr>
+            <a:normAutofit fontScale="90000"/>
+          </a:bodyPr>
+          <a:lstStyle/>
+          <a:p>
+            <a:r>
+              <a:rPr lang="en-US" dirty="0" smtClean="0"/>
+              <a:t>Benefits of using OBI classes </a:t>
+            </a:r>
+            <a:br>
+              <a:rPr lang="en-US" dirty="0" smtClean="0"/>
+            </a:br>
+            <a:r>
+              <a:rPr lang="en-US" dirty="0" smtClean="0"/>
+              <a:t>for IEDB assay types internally</a:t>
+            </a:r>
+            <a:endParaRPr lang="en-US" dirty="0"/>
+          </a:p>
+        </p:txBody>
+      </p:sp>
+      <p:sp>
+        <p:nvSpPr>
+          <p:cNvPr id="3" name="Content Placeholder 2"/>
+          <p:cNvSpPr>
+            <a:spLocks noGrp="1"/>
+          </p:cNvSpPr>
+          <p:nvPr>
+            <p:ph idx="1"/>
+          </p:nvPr>
+        </p:nvSpPr>
+        <p:spPr>
+          <a:xfrm>
+            <a:off x="457200" y="1600200"/>
+            <a:ext cx="8686800" cy="4525963"/>
+          </a:xfrm>
+        </p:spPr>
+        <p:txBody>
+          <a:bodyPr>
+            <a:normAutofit/>
+          </a:bodyPr>
+          <a:lstStyle/>
+          <a:p>
+            <a:r>
+              <a:rPr lang="en-US" sz="2800" dirty="0" smtClean="0"/>
+              <a:t>Formal definitions of assay types serve as </a:t>
+            </a:r>
+            <a:r>
+              <a:rPr lang="en-US" sz="2800" dirty="0" err="1" smtClean="0"/>
+              <a:t>curation</a:t>
+            </a:r>
+            <a:r>
+              <a:rPr lang="en-US" sz="2800" dirty="0" smtClean="0"/>
+              <a:t> rules</a:t>
+            </a:r>
+          </a:p>
+          <a:p>
+            <a:r>
+              <a:rPr lang="en-US" sz="2800" dirty="0" smtClean="0"/>
+              <a:t>Issues arising in </a:t>
+            </a:r>
+            <a:r>
+              <a:rPr lang="en-US" sz="2800" dirty="0" err="1" smtClean="0"/>
+              <a:t>curation</a:t>
+            </a:r>
+            <a:r>
+              <a:rPr lang="en-US" sz="2800" dirty="0" smtClean="0"/>
+              <a:t> are reflected 1:1 by issues in writing definitions</a:t>
+            </a:r>
+          </a:p>
+          <a:p>
+            <a:r>
+              <a:rPr lang="en-US" sz="2800" dirty="0" smtClean="0"/>
+              <a:t>Linking to GO identified duplicate assay types (introduced in the IEDB controlled vocabulary as a result of changes in nomenclature over time)</a:t>
+            </a:r>
+          </a:p>
+          <a:p>
+            <a:pPr>
+              <a:buNone/>
+            </a:pPr>
+            <a:r>
+              <a:rPr lang="en-US" sz="2800" dirty="0" smtClean="0">
+                <a:sym typeface="Wingdings" pitchFamily="2" charset="2"/>
+              </a:rPr>
+              <a:t> The same could have been achieved by carefully writing definitions for our controlled vocabulary terms. But </a:t>
+            </a:r>
+            <a:r>
+              <a:rPr lang="en-US" sz="2800" dirty="0" err="1" smtClean="0">
+                <a:sym typeface="Wingdings" pitchFamily="2" charset="2"/>
+              </a:rPr>
+              <a:t>ontologies</a:t>
+            </a:r>
+            <a:r>
+              <a:rPr lang="en-US" sz="2800" dirty="0" smtClean="0">
+                <a:sym typeface="Wingdings" pitchFamily="2" charset="2"/>
+              </a:rPr>
+              <a:t> can do more…</a:t>
+            </a:r>
+            <a:endParaRPr lang="en-US" sz="2800" dirty="0" smtClean="0"/>
+          </a:p>
+        </p:txBody>
+      </p:sp>
+    </p:spTree>
+  </p:cSld>
+  <p:clrMapOvr>
+    <a:masterClrMapping/>
+  </p:clrMapOvr>
+  <p:timing>
+    <p:tnLst>
+      <p:par>
+        <p:cTn id="1" dur="indefinite" restart="never" nodeType="tmRoot"/>
+      </p:par>
+    </p:tnLst>
+  </p:timing>
+</p:sld>
+</file>
+
+<file path=ppt/slides/slide33.xml><?xml version="1.0" encoding="utf-8"?>
+<p:sld xmlns:a="http://schemas.openxmlformats.org/drawingml/2006/main" xmlns:r="http://schemas.openxmlformats.org/officeDocument/2006/relationships" xmlns:p="http://schemas.openxmlformats.org/presentationml/2006/main">
+  <p:cSld>
+    <p:spTree>
+      <p:nvGrpSpPr>
+        <p:cNvPr id="1" name=""/>
+        <p:cNvGrpSpPr/>
+        <p:nvPr/>
+      </p:nvGrpSpPr>
+      <p:grpSpPr>
+        <a:xfrm>
+          <a:off x="0" y="0"/>
+          <a:ext cx="0" cy="0"/>
+          <a:chOff x="0" y="0"/>
+          <a:chExt cx="0" cy="0"/>
+        </a:xfrm>
+      </p:grpSpPr>
+      <p:pic>
+        <p:nvPicPr>
+          <p:cNvPr id="87042" name="Picture 2"/>
+          <p:cNvPicPr>
+            <a:picLocks noChangeAspect="1" noChangeArrowheads="1"/>
+          </p:cNvPicPr>
+          <p:nvPr/>
+        </p:nvPicPr>
+        <p:blipFill>
+          <a:blip r:embed="rId2" cstate="print"/>
+          <a:srcRect t="11458" r="44948" b="34375"/>
+          <a:stretch>
+            <a:fillRect/>
+          </a:stretch>
+        </p:blipFill>
+        <p:spPr bwMode="auto">
+          <a:xfrm>
+            <a:off x="0" y="1295400"/>
+            <a:ext cx="9228992" cy="5105400"/>
+          </a:xfrm>
+          <a:prstGeom prst="rect">
+            <a:avLst/>
+          </a:prstGeom>
+          <a:noFill/>
+          <a:ln w="9525">
+            <a:noFill/>
+            <a:miter lim="800000"/>
+            <a:headEnd/>
+            <a:tailEnd/>
+          </a:ln>
+        </p:spPr>
+      </p:pic>
+      <p:pic>
+        <p:nvPicPr>
+          <p:cNvPr id="87044" name="Picture 4"/>
+          <p:cNvPicPr>
+            <a:picLocks noChangeAspect="1" noChangeArrowheads="1"/>
+          </p:cNvPicPr>
+          <p:nvPr/>
+        </p:nvPicPr>
+        <p:blipFill>
+          <a:blip r:embed="rId3" cstate="print"/>
+          <a:srcRect l="220" t="10417" r="44729" b="32292"/>
+          <a:stretch>
+            <a:fillRect/>
+          </a:stretch>
+        </p:blipFill>
+        <p:spPr bwMode="auto">
+          <a:xfrm>
+            <a:off x="-1" y="1295400"/>
+            <a:ext cx="9116291" cy="5334000"/>
+          </a:xfrm>
+          <a:prstGeom prst="rect">
+            <a:avLst/>
+          </a:prstGeom>
+          <a:noFill/>
+          <a:ln w="9525">
+            <a:noFill/>
+            <a:miter lim="800000"/>
+            <a:headEnd/>
+            <a:tailEnd/>
+          </a:ln>
+        </p:spPr>
+      </p:pic>
+      <p:sp>
+        <p:nvSpPr>
+          <p:cNvPr id="2" name="Title 1"/>
+          <p:cNvSpPr>
+            <a:spLocks noGrp="1"/>
+          </p:cNvSpPr>
+          <p:nvPr>
+            <p:ph type="title"/>
+          </p:nvPr>
+        </p:nvSpPr>
+        <p:spPr/>
+        <p:txBody>
+          <a:bodyPr/>
+          <a:lstStyle/>
+          <a:p>
+            <a:r>
+              <a:rPr lang="en-US" dirty="0" smtClean="0"/>
+              <a:t>Reasoning introduces hierarchy</a:t>
+            </a:r>
+            <a:endParaRPr lang="en-US" dirty="0"/>
+          </a:p>
+        </p:txBody>
+      </p:sp>
+      <p:pic>
+        <p:nvPicPr>
+          <p:cNvPr id="87045" name="Picture 5"/>
+          <p:cNvPicPr>
+            <a:picLocks noChangeAspect="1" noChangeArrowheads="1"/>
+          </p:cNvPicPr>
+          <p:nvPr/>
+        </p:nvPicPr>
+        <p:blipFill>
+          <a:blip r:embed="rId4" cstate="print"/>
+          <a:srcRect t="10417" r="44729" b="33333"/>
+          <a:stretch>
+            <a:fillRect/>
+          </a:stretch>
+        </p:blipFill>
+        <p:spPr bwMode="auto">
+          <a:xfrm>
+            <a:off x="0" y="1295400"/>
+            <a:ext cx="9322153" cy="5334000"/>
+          </a:xfrm>
+          <a:prstGeom prst="rect">
+            <a:avLst/>
+          </a:prstGeom>
+          <a:noFill/>
+          <a:ln w="9525">
+            <a:noFill/>
+            <a:miter lim="800000"/>
+            <a:headEnd/>
+            <a:tailEnd/>
+          </a:ln>
+        </p:spPr>
+      </p:pic>
+      <p:sp>
+        <p:nvSpPr>
+          <p:cNvPr id="8" name="TextBox 7"/>
+          <p:cNvSpPr txBox="1"/>
+          <p:nvPr/>
+        </p:nvSpPr>
+        <p:spPr>
+          <a:xfrm>
+            <a:off x="5334000" y="2438400"/>
+            <a:ext cx="3124200" cy="1200329"/>
+          </a:xfrm>
+          <a:prstGeom prst="rect">
+            <a:avLst/>
+          </a:prstGeom>
+          <a:noFill/>
+        </p:spPr>
+        <p:txBody>
+          <a:bodyPr wrap="square" rtlCol="0">
+            <a:spAutoFit/>
+          </a:bodyPr>
+          <a:lstStyle/>
+          <a:p>
+            <a:r>
+              <a:rPr lang="en-US" sz="2400" dirty="0" smtClean="0"/>
+              <a:t>Display with  community specific</a:t>
+            </a:r>
+            <a:br>
+              <a:rPr lang="en-US" sz="2400" dirty="0" smtClean="0"/>
+            </a:br>
+            <a:r>
+              <a:rPr lang="en-US" sz="2400" dirty="0" smtClean="0"/>
+              <a:t>“IEDB alternative label”</a:t>
+            </a:r>
+            <a:endParaRPr lang="en-US" sz="2400" dirty="0"/>
+          </a:p>
+        </p:txBody>
+      </p:sp>
+    </p:spTree>
+  </p:cSld>
+  <p:clrMapOvr>
+    <a:masterClrMapping/>
+  </p:clrMapOvr>
+  <p:timing>
+    <p:tnLst>
+      <p:par>
+        <p:cTn id="1" dur="indefinite" restart="never" nodeType="tmRoot">
+          <p:childTnLst>
+            <p:seq concurrent="1" nextAc="seek">
+              <p:cTn id="2" dur="indefinite" nodeType="mainSeq">
+                <p:childTnLst>
+                  <p:par>
+                    <p:cTn id="3" fill="hold">
+                      <p:stCondLst>
+                        <p:cond delay="indefinite"/>
+                      </p:stCondLst>
+                      <p:childTnLst>
+                        <p:par>
+                          <p:cTn id="4" fill="hold">
+                            <p:stCondLst>
+                              <p:cond delay="0"/>
+                            </p:stCondLst>
+                            <p:childTnLst>
+                              <p:par>
+                                <p:cTn id="5" presetID="1" presetClass="entr" presetSubtype="0" fill="hold" nodeType="clickEffect">
+                                  <p:stCondLst>
+                                    <p:cond delay="0"/>
+                                  </p:stCondLst>
+                                  <p:childTnLst>
+                                    <p:set>
+                                      <p:cBhvr>
+                                        <p:cTn id="6" dur="1" fill="hold">
+                                          <p:stCondLst>
+                                            <p:cond delay="0"/>
+                                          </p:stCondLst>
+                                        </p:cTn>
+                                        <p:tgtEl>
+                                          <p:spTgt spid="87044"/>
+                                        </p:tgtEl>
+                                        <p:attrNameLst>
+                                          <p:attrName>style.visibility</p:attrName>
+                                        </p:attrNameLst>
+                                      </p:cBhvr>
+                                      <p:to>
+                                        <p:strVal val="visible"/>
+                                      </p:to>
+                                    </p:set>
+                                  </p:childTnLst>
+                                </p:cTn>
+                              </p:par>
+                            </p:childTnLst>
+                          </p:cTn>
+                        </p:par>
+                      </p:childTnLst>
+                    </p:cTn>
+                  </p:par>
+                  <p:par>
+                    <p:cTn id="7" fill="hold">
+                      <p:stCondLst>
+                        <p:cond delay="indefinite"/>
+                      </p:stCondLst>
+                      <p:childTnLst>
+                        <p:par>
+                          <p:cTn id="8" fill="hold">
+                            <p:stCondLst>
+                              <p:cond delay="0"/>
+                            </p:stCondLst>
+                            <p:childTnLst>
+                              <p:par>
+                                <p:cTn id="9" presetID="1" presetClass="entr" presetSubtype="0" fill="hold" nodeType="clickEffect">
+                                  <p:stCondLst>
+                                    <p:cond delay="0"/>
+                                  </p:stCondLst>
+                                  <p:childTnLst>
+                                    <p:set>
+                                      <p:cBhvr>
+                                        <p:cTn id="10" dur="1" fill="hold">
+                                          <p:stCondLst>
+                                            <p:cond delay="0"/>
+                                          </p:stCondLst>
+                                        </p:cTn>
+                                        <p:tgtEl>
+                                          <p:spTgt spid="87045"/>
+                                        </p:tgtEl>
+                                        <p:attrNameLst>
+                                          <p:attrName>style.visibility</p:attrName>
+                                        </p:attrNameLst>
+                                      </p:cBhvr>
+                                      <p:to>
+                                        <p:strVal val="visible"/>
+                                      </p:to>
+                                    </p:set>
+                                  </p:childTnLst>
+                                </p:cTn>
+                              </p:par>
+                              <p:par>
+                                <p:cTn id="11" presetID="1" presetClass="entr" presetSubtype="0" fill="hold" grpId="0" nodeType="withEffect">
+                                  <p:stCondLst>
+                                    <p:cond delay="0"/>
+                                  </p:stCondLst>
+                                  <p:childTnLst>
+                                    <p:set>
+                                      <p:cBhvr>
+                                        <p:cTn id="12" dur="1" fill="hold">
+                                          <p:stCondLst>
+                                            <p:cond delay="0"/>
+                                          </p:stCondLst>
+                                        </p:cTn>
+                                        <p:tgtEl>
+                                          <p:spTgt spid="8"/>
+                                        </p:tgtEl>
+                                        <p:attrNameLst>
+                                          <p:attrName>style.visibility</p:attrName>
+                                        </p:attrNameLst>
+                                      </p:cBhvr>
+                                      <p:to>
+                                        <p:strVal val="visible"/>
+                                      </p:to>
+                                    </p:set>
+                                  </p:childTnLst>
+                                </p:cTn>
+                              </p:par>
+                            </p:childTnLst>
+                          </p:cTn>
+                        </p:par>
+                      </p:childTnLst>
+                    </p:cTn>
+                  </p:par>
+                </p:childTnLst>
+              </p:cTn>
+              <p:prevCondLst>
+                <p:cond evt="onPrev" delay="0">
+                  <p:tgtEl>
+                    <p:sldTgt/>
+                  </p:tgtEl>
+                </p:cond>
+              </p:prevCondLst>
+              <p:nextCondLst>
+                <p:cond evt="onNext" delay="0">
+                  <p:tgtEl>
+                    <p:sldTgt/>
+                  </p:tgtEl>
+                </p:cond>
+              </p:nextCondLst>
+            </p:seq>
+          </p:childTnLst>
+        </p:cTn>
+      </p:par>
+    </p:tnLst>
+    <p:bldLst>
+      <p:bldP spid="8" grpId="0"/>
+    </p:bldLst>
+  </p:timing>
+</p:sld>
+</file>
+
+<file path=ppt/slides/slide34.xml><?xml version="1.0" encoding="utf-8"?>
 <p:sld xmlns:a="http://schemas.openxmlformats.org/drawingml/2006/main" xmlns:r="http://schemas.openxmlformats.org/officeDocument/2006/relationships" xmlns:p="http://schemas.openxmlformats.org/presentationml/2006/main">
   <p:cSld>
     <p:spTree>
@@ -10408,7 +12986,7 @@
           <a:p>
             <a:r>
               <a:rPr lang="en-US" dirty="0" smtClean="0"/>
-              <a:t>Minimal modification to the database</a:t>
+              <a:t>Benefits of using OBI for external users</a:t>
             </a:r>
             <a:endParaRPr lang="en-US" dirty="0"/>
           </a:p>
@@ -10423,7 +13001,7 @@
         <p:spPr>
           <a:xfrm>
             <a:off x="457200" y="1524000"/>
-            <a:ext cx="6781800" cy="646331"/>
+            <a:ext cx="8534400" cy="523220"/>
           </a:xfrm>
           <a:prstGeom prst="rect">
             <a:avLst/>
@@ -10437,10 +13015,22 @@
           <a:lstStyle/>
           <a:p>
             <a:r>
-              <a:rPr lang="en-US" sz="3600" dirty="0" smtClean="0"/>
-              <a:t>Assay type table</a:t>
-            </a:r>
-            <a:endParaRPr lang="en-US" sz="3600" dirty="0"/>
+              <a:rPr lang="en-US" sz="2800" dirty="0" smtClean="0"/>
+              <a:t>Required (minimal) </a:t>
+            </a:r>
+            <a:r>
+              <a:rPr lang="en-US" sz="2800" dirty="0" smtClean="0"/>
+              <a:t>modification </a:t>
+            </a:r>
+            <a:r>
+              <a:rPr lang="en-US" sz="2800" dirty="0" smtClean="0"/>
+              <a:t>of the assay </a:t>
+            </a:r>
+            <a:r>
+              <a:rPr lang="en-US" sz="2800" dirty="0" smtClean="0"/>
+              <a:t>type table</a:t>
+            </a:r>
+            <a:endParaRPr lang="en-US" sz="2800" dirty="0"/>
           </a:p>
         </p:txBody>
       </p:sp>
@@ -10479,14 +13069,14 @@
       </p:pic>
       <p:sp>
         <p:nvSpPr>
-          <p:cNvPr id="11" name="TextBox 10"/>
+          <p:cNvPr id="7" name="TextBox 6"/>
           <p:cNvSpPr txBox="1"/>
           <p:nvPr/>
         </p:nvSpPr>
         <p:spPr>
           <a:xfrm>
-            <a:off x="1828800" y="5562600"/>
-            <a:ext cx="7162800" cy="461665"/>
+            <a:off x="381000" y="5562600"/>
+            <a:ext cx="8382000" cy="523220"/>
           </a:xfrm>
           <a:prstGeom prst="rect">
             <a:avLst/>
@@ -10499,14 +13089,17 @@
           </a:bodyPr>
           <a:lstStyle/>
           <a:p>
-            <a:pPr algn="r"/>
-            <a:r>
-              <a:rPr lang="en-US" sz="2400" dirty="0" smtClean="0">
+            <a:r>
+              <a:rPr lang="en-US" sz="2800" dirty="0" smtClean="0">
                 <a:sym typeface="Wingdings" pitchFamily="2" charset="2"/>
               </a:rPr>
-              <a:t> Need to ensure that appropriate assays exist in OBI</a:t>
-            </a:r>
-            <a:endParaRPr lang="en-US" sz="2400" dirty="0"/>
+              <a:t> </a:t>
+            </a:r>
+            <a:r>
+              <a:rPr lang="en-US" sz="2800" dirty="0" smtClean="0"/>
+              <a:t>This allowed us to use OBI </a:t>
+            </a:r>
+            <a:endParaRPr lang="en-US" sz="2800" dirty="0"/>
           </a:p>
         </p:txBody>
       </p:sp>
@@ -10593,7 +13186,7 @@
 </p:sld>
 </file>
 
-<file path=ppt/slides/slide28.xml><?xml version="1.0" encoding="utf-8"?>
+<file path=ppt/slides/slide35.xml><?xml version="1.0" encoding="utf-8"?>
 <p:sld xmlns:a="http://schemas.openxmlformats.org/drawingml/2006/main" xmlns:r="http://schemas.openxmlformats.org/officeDocument/2006/relationships" xmlns:p="http://schemas.openxmlformats.org/presentationml/2006/main">
   <p:cSld>
     <p:spTree>
@@ -10622,59 +13215,71 @@
         </p:nvSpPr>
         <p:spPr/>
         <p:txBody>
-          <a:bodyPr>
-            <a:normAutofit fontScale="90000"/>
-          </a:bodyPr>
-          <a:lstStyle/>
-          <a:p>
-            <a:pPr algn="l"/>
+          <a:bodyPr/>
+          <a:lstStyle/>
+          <a:p>
             <a:r>
               <a:rPr lang="en-US" dirty="0" smtClean="0"/>
-              <a:t>OBI </a:t>
-            </a:r>
-            <a:br>
+              <a:t>IEDB assay</a:t>
+            </a:r>
+            <a:endParaRPr lang="en-US" dirty="0"/>
+          </a:p>
+        </p:txBody>
+      </p:sp>
+      <p:sp>
+        <p:nvSpPr>
+          <p:cNvPr id="3" name="Content Placeholder 2"/>
+          <p:cNvSpPr>
+            <a:spLocks noGrp="1"/>
+          </p:cNvSpPr>
+          <p:nvPr>
+            <p:ph idx="1"/>
+          </p:nvPr>
+        </p:nvSpPr>
+        <p:spPr/>
+        <p:txBody>
+          <a:bodyPr/>
+          <a:lstStyle/>
+          <a:p>
+            <a:r>
+              <a:rPr lang="en-US" dirty="0" smtClean="0">
+                <a:sym typeface="Wingdings" pitchFamily="2" charset="2"/>
+              </a:rPr>
+              <a:t>Identification </a:t>
+            </a:r>
+            <a:r>
+              <a:rPr lang="en-US" dirty="0" smtClean="0">
+                <a:sym typeface="Wingdings" pitchFamily="2" charset="2"/>
+              </a:rPr>
+              <a:t>of duplicates in writing definitions</a:t>
+            </a:r>
+          </a:p>
+          <a:p>
+            <a:pPr>
+              <a:buFont typeface="Wingdings" pitchFamily="2" charset="2"/>
+              <a:buChar char="à"/>
+            </a:pPr>
+            <a:r>
               <a:rPr lang="en-US" dirty="0" smtClean="0"/>
-            </a:br>
+              <a:t> Definitions provide </a:t>
+            </a:r>
+            <a:r>
+              <a:rPr lang="en-US" dirty="0" err="1" smtClean="0"/>
+              <a:t>curation</a:t>
+            </a:r>
             <a:r>
               <a:rPr lang="en-US" dirty="0" smtClean="0"/>
-              <a:t>hierarchy</a:t>
-            </a:r>
+              <a:t> rules</a:t>
+            </a:r>
+          </a:p>
+          <a:p>
+            <a:pPr>
+              <a:buNone/>
+            </a:pPr>
             <a:endParaRPr lang="en-US" dirty="0"/>
           </a:p>
         </p:txBody>
       </p:sp>
-      <p:pic>
-        <p:nvPicPr>
-          <p:cNvPr id="1026" name="Picture 2"/>
-          <p:cNvPicPr>
-            <a:picLocks noChangeAspect="1" noChangeArrowheads="1"/>
-          </p:cNvPicPr>
-          <p:nvPr/>
-        </p:nvPicPr>
-        <p:blipFill>
-          <a:blip r:embed="rId3" cstate="print"/>
-          <a:srcRect l="2343" t="20833" r="67951" b="21875"/>
-          <a:stretch>
-            <a:fillRect/>
-          </a:stretch>
-        </p:blipFill>
-        <p:spPr bwMode="auto">
-          <a:xfrm>
-            <a:off x="2819399" y="0"/>
-            <a:ext cx="6324601" cy="6858000"/>
-          </a:xfrm>
-          <a:prstGeom prst="rect">
-            <a:avLst/>
-          </a:prstGeom>
-          <a:noFill/>
-          <a:ln w="9525">
-            <a:noFill/>
-            <a:miter lim="800000"/>
-            <a:headEnd/>
-            <a:tailEnd/>
-          </a:ln>
-        </p:spPr>
-      </p:pic>
     </p:spTree>
   </p:cSld>
   <p:clrMapOvr>
@@ -10690,7 +13295,7 @@
 </p:sld>
 </file>
 
-<file path=ppt/slides/slide29.xml><?xml version="1.0" encoding="utf-8"?>
+<file path=ppt/slides/slide36.xml><?xml version="1.0" encoding="utf-8"?>
 <p:sld xmlns:a="http://schemas.openxmlformats.org/drawingml/2006/main" xmlns:r="http://schemas.openxmlformats.org/officeDocument/2006/relationships" xmlns:p="http://schemas.openxmlformats.org/presentationml/2006/main">
   <p:cSld>
     <p:spTree>
@@ -10724,7 +13329,7 @@
           <a:p>
             <a:r>
               <a:rPr lang="en-US" dirty="0" smtClean="0"/>
-              <a:t>T cell epitope assay design pattern</a:t>
+              <a:t>Old vs. new assay finder</a:t>
             </a:r>
             <a:endParaRPr lang="en-US" dirty="0"/>
           </a:p>
@@ -10742,147 +13347,33 @@
         </p:nvSpPr>
         <p:spPr/>
         <p:txBody>
-          <a:bodyPr>
-            <a:normAutofit/>
-          </a:bodyPr>
-          <a:lstStyle/>
-          <a:p>
-            <a:r>
-              <a:rPr lang="en-US" sz="2400" dirty="0" smtClean="0"/>
-              <a:t>Majority of assays could be defined with N&amp;S conditions after specifying two variables: </a:t>
-            </a:r>
-          </a:p>
-          <a:p>
-            <a:pPr>
-              <a:buNone/>
-            </a:pPr>
-            <a:r>
-              <a:rPr lang="en-US" sz="2400" i="1" dirty="0" smtClean="0"/>
-              <a:t>	</a:t>
-            </a:r>
-            <a:r>
-              <a:rPr lang="en-US" sz="2400" i="1" dirty="0" smtClean="0">
-                <a:solidFill>
-                  <a:srgbClr val="FF0000"/>
-                </a:solidFill>
-              </a:rPr>
-              <a:t>&lt;assay technique X&gt; </a:t>
-            </a:r>
-            <a:r>
-              <a:rPr lang="en-US" sz="2400" i="1" dirty="0" smtClean="0"/>
-              <a:t> and </a:t>
-            </a:r>
-            <a:r>
-              <a:rPr lang="en-US" sz="2400" i="1" dirty="0" err="1" smtClean="0"/>
-              <a:t>has_specified_output</a:t>
-            </a:r>
-            <a:r>
-              <a:rPr lang="en-US" sz="2400" i="1" dirty="0" smtClean="0"/>
-              <a:t> some </a:t>
-            </a:r>
-            <a:br>
-              <a:rPr lang="en-US" sz="2400" i="1" dirty="0" smtClean="0"/>
-            </a:br>
-            <a:r>
-              <a:rPr lang="en-US" sz="2400" i="1" dirty="0" smtClean="0"/>
-              <a:t>'measurement datum‘  and 'is about' some </a:t>
-            </a:r>
-            <a:br>
-              <a:rPr lang="en-US" sz="2400" i="1" dirty="0" smtClean="0"/>
-            </a:br>
-            <a:r>
-              <a:rPr lang="en-US" sz="2400" i="1" dirty="0" smtClean="0"/>
-              <a:t>(</a:t>
-            </a:r>
-            <a:r>
-              <a:rPr lang="en-US" sz="2400" i="1" dirty="0" smtClean="0">
-                <a:solidFill>
-                  <a:srgbClr val="FF0000"/>
-                </a:solidFill>
-              </a:rPr>
-              <a:t>&lt;GO process Y&gt; </a:t>
-            </a:r>
-            <a:r>
-              <a:rPr lang="en-US" sz="2400" i="1" dirty="0" smtClean="0"/>
-              <a:t>and 'process is result of' some '</a:t>
-            </a:r>
-            <a:r>
-              <a:rPr lang="en-US" sz="2400" i="1" dirty="0" err="1" smtClean="0"/>
-              <a:t>MHC:epitope</a:t>
-            </a:r>
-            <a:r>
-              <a:rPr lang="en-US" sz="2400" i="1" dirty="0" smtClean="0"/>
-              <a:t> complex binding to TCR')</a:t>
-            </a:r>
-          </a:p>
-          <a:p>
-            <a:r>
-              <a:rPr lang="en-US" sz="2400" dirty="0" smtClean="0"/>
-              <a:t>For example: “IL-17 ELISPOT” in the IEDB is logically defined as</a:t>
-            </a:r>
-          </a:p>
-          <a:p>
-            <a:pPr>
-              <a:buNone/>
-            </a:pPr>
-            <a:r>
-              <a:rPr lang="en-US" sz="2400" dirty="0" smtClean="0"/>
-              <a:t>=  </a:t>
-            </a:r>
-            <a:r>
-              <a:rPr lang="en-US" sz="2400" i="1" dirty="0" smtClean="0">
-                <a:solidFill>
-                  <a:srgbClr val="FF0000"/>
-                </a:solidFill>
-              </a:rPr>
-              <a:t>'ELISPOT assay‘  </a:t>
-            </a:r>
-            <a:r>
-              <a:rPr lang="en-US" sz="2400" i="1" dirty="0" smtClean="0"/>
-              <a:t>and </a:t>
-            </a:r>
-            <a:r>
-              <a:rPr lang="en-US" sz="2400" i="1" dirty="0" err="1" smtClean="0"/>
-              <a:t>has_specified_output</a:t>
-            </a:r>
-            <a:r>
-              <a:rPr lang="en-US" sz="2400" i="1" dirty="0" smtClean="0"/>
-              <a:t> some </a:t>
-            </a:r>
-            <a:br>
-              <a:rPr lang="en-US" sz="2400" i="1" dirty="0" smtClean="0"/>
-            </a:br>
-            <a:r>
-              <a:rPr lang="en-US" sz="2400" i="1" dirty="0" smtClean="0"/>
-              <a:t>'measurement datum‘  and 'is about' some </a:t>
-            </a:r>
-            <a:br>
-              <a:rPr lang="en-US" sz="2400" i="1" dirty="0" smtClean="0"/>
-            </a:br>
-            <a:r>
-              <a:rPr lang="en-US" sz="2400" i="1" dirty="0" smtClean="0"/>
-              <a:t>(</a:t>
-            </a:r>
-            <a:r>
-              <a:rPr lang="en-US" sz="2400" i="1" dirty="0" smtClean="0">
-                <a:solidFill>
-                  <a:srgbClr val="FF0000"/>
-                </a:solidFill>
-              </a:rPr>
-              <a:t>‘IL-17 production’ </a:t>
-            </a:r>
-            <a:r>
-              <a:rPr lang="en-US" sz="2400" i="1" dirty="0" smtClean="0"/>
-              <a:t>and process is result of' some '</a:t>
-            </a:r>
-            <a:r>
-              <a:rPr lang="en-US" sz="2400" i="1" dirty="0" err="1" smtClean="0"/>
-              <a:t>MHC:epitope</a:t>
-            </a:r>
-            <a:r>
-              <a:rPr lang="en-US" sz="2400" i="1" dirty="0" smtClean="0"/>
-              <a:t> complex binding to TCR')</a:t>
-            </a:r>
+          <a:bodyPr/>
+          <a:lstStyle/>
+          <a:p>
+            <a:r>
+              <a:rPr lang="en-US" dirty="0" smtClean="0"/>
+              <a:t>Show: from list to tree; search by grouping</a:t>
+            </a:r>
+          </a:p>
+          <a:p>
+            <a:r>
+              <a:rPr lang="en-US" dirty="0" smtClean="0"/>
+              <a:t>Show: use of community labels (community view of OBI)</a:t>
+            </a:r>
+          </a:p>
+          <a:p>
+            <a:pPr lvl="1"/>
+            <a:r>
+              <a:rPr lang="en-US" dirty="0" smtClean="0"/>
+              <a:t>Refer to second session? Alternative mechanisms of using community specific labels (as annotation properties in OBI.owl, or in external spreadsheet)</a:t>
+            </a:r>
+          </a:p>
+          <a:p>
+            <a:pPr lvl="1"/>
+            <a:endParaRPr lang="en-US" dirty="0" smtClean="0"/>
+          </a:p>
+          <a:p>
+            <a:endParaRPr lang="en-US" dirty="0"/>
           </a:p>
         </p:txBody>
       </p:sp>
@@ -10891,120 +13382,10 @@
   <p:clrMapOvr>
     <a:masterClrMapping/>
   </p:clrMapOvr>
-  <p:timing>
-    <p:tnLst>
-      <p:par>
-        <p:cTn id="1" dur="indefinite" restart="never" nodeType="tmRoot">
-          <p:childTnLst>
-            <p:seq concurrent="1" nextAc="seek">
-              <p:cTn id="2" dur="indefinite" nodeType="mainSeq">
-                <p:childTnLst>
-                  <p:par>
-                    <p:cTn id="3" fill="hold">
-                      <p:stCondLst>
-                        <p:cond delay="indefinite"/>
-                      </p:stCondLst>
-                      <p:childTnLst>
-                        <p:par>
-                          <p:cTn id="4" fill="hold">
-                            <p:stCondLst>
-                              <p:cond delay="0"/>
-                            </p:stCondLst>
-                            <p:childTnLst>
-                              <p:par>
-                                <p:cTn id="5" presetID="1" presetClass="entr" presetSubtype="0" fill="hold" nodeType="clickEffect">
-                                  <p:stCondLst>
-                                    <p:cond delay="0"/>
-                                  </p:stCondLst>
-                                  <p:childTnLst>
-                                    <p:set>
-                                      <p:cBhvr>
-                                        <p:cTn id="6" dur="1" fill="hold">
-                                          <p:stCondLst>
-                                            <p:cond delay="0"/>
-                                          </p:stCondLst>
-                                        </p:cTn>
-                                        <p:tgtEl>
-                                          <p:spTgt spid="3">
-                                            <p:txEl>
-                                              <p:pRg st="2" end="2"/>
-                                            </p:txEl>
-                                          </p:spTgt>
-                                        </p:tgtEl>
-                                        <p:attrNameLst>
-                                          <p:attrName>style.visibility</p:attrName>
-                                        </p:attrNameLst>
-                                      </p:cBhvr>
-                                      <p:to>
-                                        <p:strVal val="visible"/>
-                                      </p:to>
-                                    </p:set>
-                                  </p:childTnLst>
-                                </p:cTn>
-                              </p:par>
-                              <p:par>
-                                <p:cTn id="7" presetID="1" presetClass="entr" presetSubtype="0" fill="hold" nodeType="withEffect">
-                                  <p:stCondLst>
-                                    <p:cond delay="0"/>
-                                  </p:stCondLst>
-                                  <p:childTnLst>
-                                    <p:set>
-                                      <p:cBhvr>
-                                        <p:cTn id="8" dur="1" fill="hold">
-                                          <p:stCondLst>
-                                            <p:cond delay="0"/>
-                                          </p:stCondLst>
-                                        </p:cTn>
-                                        <p:tgtEl>
-                                          <p:spTgt spid="3">
-                                            <p:txEl>
-                                              <p:pRg st="3" end="3"/>
-                                            </p:txEl>
-                                          </p:spTgt>
-                                        </p:tgtEl>
-                                        <p:attrNameLst>
-                                          <p:attrName>style.visibility</p:attrName>
-                                        </p:attrNameLst>
-                                      </p:cBhvr>
-                                      <p:to>
-                                        <p:strVal val="visible"/>
-                                      </p:to>
-                                    </p:set>
-                                  </p:childTnLst>
-                                </p:cTn>
-                              </p:par>
-                            </p:childTnLst>
-                          </p:cTn>
-                        </p:par>
-                      </p:childTnLst>
-                    </p:cTn>
-                  </p:par>
-                </p:childTnLst>
-              </p:cTn>
-              <p:prevCondLst>
-                <p:cond evt="onPrev" delay="0">
-                  <p:tgtEl>
-                    <p:sldTgt/>
-                  </p:tgtEl>
-                </p:cond>
-              </p:prevCondLst>
-              <p:nextCondLst>
-                <p:cond evt="onNext" delay="0">
-                  <p:tgtEl>
-                    <p:sldTgt/>
-                  </p:tgtEl>
-                </p:cond>
-              </p:nextCondLst>
-            </p:seq>
-          </p:childTnLst>
-        </p:cTn>
-      </p:par>
-    </p:tnLst>
-  </p:timing>
 </p:sld>
 </file>
 
-<file path=ppt/slides/slide3.xml><?xml version="1.0" encoding="utf-8"?>
+<file path=ppt/slides/slide37.xml><?xml version="1.0" encoding="utf-8"?>
 <p:sld xmlns:a="http://schemas.openxmlformats.org/drawingml/2006/main" xmlns:r="http://schemas.openxmlformats.org/officeDocument/2006/relationships" xmlns:p="http://schemas.openxmlformats.org/presentationml/2006/main">
   <p:cSld>
     <p:spTree>
@@ -11033,14 +13414,12 @@
         </p:nvSpPr>
         <p:spPr/>
         <p:txBody>
-          <a:bodyPr>
-            <a:normAutofit/>
-          </a:bodyPr>
+          <a:bodyPr/>
           <a:lstStyle/>
           <a:p>
             <a:r>
               <a:rPr lang="en-US" dirty="0" smtClean="0"/>
-              <a:t>Software - preparation </a:t>
+              <a:t>Future work</a:t>
             </a:r>
             <a:endParaRPr lang="en-US" dirty="0"/>
           </a:p>
@@ -11063,373 +13442,31 @@
           <a:p>
             <a:r>
               <a:rPr lang="en-US" dirty="0" smtClean="0"/>
-              <a:t>Instructions were emailed</a:t>
-            </a:r>
-          </a:p>
-          <a:p>
+              <a:t>Show: </a:t>
+            </a:r>
+            <a:r>
+              <a:rPr lang="en-US" dirty="0" err="1" smtClean="0"/>
+              <a:t>Sparql</a:t>
+            </a:r>
             <a:r>
               <a:rPr lang="en-US" dirty="0" smtClean="0"/>
-              <a:t>Before hands-on session, please minimally</a:t>
-            </a:r>
-          </a:p>
-          <a:p>
-            <a:pPr lvl="1"/>
-            <a:r>
-              <a:rPr lang="en-US" dirty="0" smtClean="0"/>
-              <a:t>Install Protégé 4.1</a:t>
-            </a:r>
-            <a:endParaRPr lang="en-US" dirty="0" smtClean="0"/>
-          </a:p>
-          <a:p>
-            <a:pPr lvl="1"/>
-            <a:r>
-              <a:rPr lang="en-US" dirty="0" smtClean="0"/>
-              <a:t>Load OBI</a:t>
-            </a:r>
-          </a:p>
-          <a:p>
-            <a:pPr lvl="1"/>
-            <a:r>
-              <a:rPr lang="en-US" dirty="0" smtClean="0"/>
-              <a:t>Run </a:t>
-            </a:r>
-            <a:r>
-              <a:rPr lang="en-US" dirty="0" err="1" smtClean="0"/>
-              <a:t>Reasoner</a:t>
-            </a:r>
-            <a:endParaRPr lang="en-US" dirty="0" smtClean="0"/>
-          </a:p>
-          <a:p>
-            <a:r>
-              <a:rPr lang="en-US" dirty="0" smtClean="0"/>
-              <a:t>Let me know if you have problems</a:t>
-            </a:r>
-          </a:p>
-          <a:p>
-            <a:pPr lvl="1"/>
-            <a:endParaRPr lang="en-US" dirty="0"/>
-          </a:p>
-        </p:txBody>
-      </p:sp>
-    </p:spTree>
-  </p:cSld>
-  <p:clrMapOvr>
-    <a:masterClrMapping/>
-  </p:clrMapOvr>
-  <p:timing>
-    <p:tnLst>
-      <p:par>
-        <p:cTn id="1" dur="indefinite" restart="never" nodeType="tmRoot"/>
-      </p:par>
-    </p:tnLst>
-  </p:timing>
-</p:sld>
-</file>
-
-<file path=ppt/slides/slide30.xml><?xml version="1.0" encoding="utf-8"?>
-<p:sld xmlns:a="http://schemas.openxmlformats.org/drawingml/2006/main" xmlns:r="http://schemas.openxmlformats.org/officeDocument/2006/relationships" xmlns:p="http://schemas.openxmlformats.org/presentationml/2006/main">
-  <p:cSld>
-    <p:spTree>
-      <p:nvGrpSpPr>
-        <p:cNvPr id="1" name=""/>
-        <p:cNvGrpSpPr/>
-        <p:nvPr/>
-      </p:nvGrpSpPr>
-      <p:grpSpPr>
-        <a:xfrm>
-          <a:off x="0" y="0"/>
-          <a:ext cx="0" cy="0"/>
-          <a:chOff x="0" y="0"/>
-          <a:chExt cx="0" cy="0"/>
-        </a:xfrm>
-      </p:grpSpPr>
-      <p:sp>
-        <p:nvSpPr>
-          <p:cNvPr id="2" name="Title 1"/>
-          <p:cNvSpPr>
-            <a:spLocks noGrp="1"/>
-          </p:cNvSpPr>
-          <p:nvPr>
-            <p:ph type="title"/>
-          </p:nvPr>
-        </p:nvSpPr>
-        <p:spPr/>
-        <p:txBody>
-          <a:bodyPr/>
-          <a:lstStyle/>
-          <a:p>
-            <a:r>
-              <a:rPr lang="en-US" dirty="0" smtClean="0"/>
-              <a:t>OBI development for IEDB</a:t>
-            </a:r>
-            <a:endParaRPr lang="en-US" dirty="0"/>
-          </a:p>
-        </p:txBody>
-      </p:sp>
-      <p:sp>
-        <p:nvSpPr>
-          <p:cNvPr id="3" name="Content Placeholder 2"/>
-          <p:cNvSpPr>
-            <a:spLocks noGrp="1"/>
-          </p:cNvSpPr>
-          <p:nvPr>
-            <p:ph idx="1"/>
-          </p:nvPr>
-        </p:nvSpPr>
-        <p:spPr/>
-        <p:txBody>
-          <a:bodyPr/>
-          <a:lstStyle/>
-          <a:p>
-            <a:r>
-              <a:rPr lang="en-US" dirty="0" smtClean="0"/>
-              <a:t>Provide mapping of all content in the IEDB to OBI (in OWL)</a:t>
-            </a:r>
-          </a:p>
-          <a:p>
-            <a:r>
-              <a:rPr lang="en-US" dirty="0" smtClean="0"/>
-              <a:t>Primary current focus: assays</a:t>
-            </a:r>
-          </a:p>
-          <a:p>
-            <a:pPr>
-              <a:buNone/>
-            </a:pPr>
+              <a:t> query against IEDB export</a:t>
+            </a:r>
+          </a:p>
+          <a:p>
             <a:r>
               <a:rPr lang="en-US" dirty="0" smtClean="0">
                 <a:sym typeface="Wingdings" pitchFamily="2" charset="2"/>
               </a:rPr>
-              <a:t> Needs to be capable to present all T cell epitope experiments ever made (100k+)</a:t>
+              <a:t> interoperability</a:t>
             </a:r>
             <a:endParaRPr lang="en-US" dirty="0" smtClean="0"/>
           </a:p>
-        </p:txBody>
-      </p:sp>
-    </p:spTree>
-  </p:cSld>
-  <p:clrMapOvr>
-    <a:masterClrMapping/>
-  </p:clrMapOvr>
-  <p:timing>
-    <p:tnLst>
-      <p:par>
-        <p:cTn id="1" dur="indefinite" restart="never" nodeType="tmRoot"/>
-      </p:par>
-    </p:tnLst>
-  </p:timing>
-</p:sld>
-</file>
-
-<file path=ppt/slides/slide31.xml><?xml version="1.0" encoding="utf-8"?>
-<p:sld xmlns:a="http://schemas.openxmlformats.org/drawingml/2006/main" xmlns:r="http://schemas.openxmlformats.org/officeDocument/2006/relationships" xmlns:p="http://schemas.openxmlformats.org/presentationml/2006/main">
-  <p:cSld>
-    <p:spTree>
-      <p:nvGrpSpPr>
-        <p:cNvPr id="1" name=""/>
-        <p:cNvGrpSpPr/>
-        <p:nvPr/>
-      </p:nvGrpSpPr>
-      <p:grpSpPr>
-        <a:xfrm>
-          <a:off x="0" y="0"/>
-          <a:ext cx="0" cy="0"/>
-          <a:chOff x="0" y="0"/>
-          <a:chExt cx="0" cy="0"/>
-        </a:xfrm>
-      </p:grpSpPr>
-      <p:sp>
-        <p:nvSpPr>
-          <p:cNvPr id="2" name="Title 1"/>
-          <p:cNvSpPr>
-            <a:spLocks noGrp="1"/>
-          </p:cNvSpPr>
-          <p:nvPr>
-            <p:ph type="title"/>
-          </p:nvPr>
-        </p:nvSpPr>
-        <p:spPr/>
-        <p:txBody>
-          <a:bodyPr/>
-          <a:lstStyle/>
           <a:p>
             <a:r>
               <a:rPr lang="en-US" dirty="0" smtClean="0"/>
-              <a:t>IEDB assay</a:t>
-            </a:r>
-            <a:endParaRPr lang="en-US" dirty="0"/>
-          </a:p>
-        </p:txBody>
-      </p:sp>
-      <p:sp>
-        <p:nvSpPr>
-          <p:cNvPr id="3" name="Content Placeholder 2"/>
-          <p:cNvSpPr>
-            <a:spLocks noGrp="1"/>
-          </p:cNvSpPr>
-          <p:nvPr>
-            <p:ph idx="1"/>
-          </p:nvPr>
-        </p:nvSpPr>
-        <p:spPr/>
-        <p:txBody>
-          <a:bodyPr/>
-          <a:lstStyle/>
-          <a:p>
-            <a:r>
-              <a:rPr lang="en-US" dirty="0" smtClean="0"/>
-              <a:t>Where are assays in OBI</a:t>
-            </a:r>
-          </a:p>
-          <a:p>
-            <a:r>
-              <a:rPr lang="en-US" dirty="0" smtClean="0"/>
-              <a:t>Show assay template, link to GO</a:t>
-            </a:r>
-          </a:p>
-          <a:p>
-            <a:r>
-              <a:rPr lang="en-US" dirty="0" smtClean="0"/>
-              <a:t>Show: this </a:t>
-            </a:r>
-            <a:r>
-              <a:rPr lang="en-US" dirty="0" err="1" smtClean="0"/>
-              <a:t>correponds</a:t>
-            </a:r>
-            <a:r>
-              <a:rPr lang="en-US" dirty="0" smtClean="0"/>
-              <a:t> to adding one column into existing database table</a:t>
-            </a:r>
-          </a:p>
-          <a:p>
-            <a:pPr>
-              <a:buFont typeface="Wingdings" pitchFamily="2" charset="2"/>
-              <a:buChar char="à"/>
-            </a:pPr>
-            <a:r>
-              <a:rPr lang="en-US" dirty="0" smtClean="0">
-                <a:sym typeface="Wingdings" pitchFamily="2" charset="2"/>
-              </a:rPr>
-              <a:t> Identification of duplicates in writing definitions</a:t>
-            </a:r>
-          </a:p>
-          <a:p>
-            <a:pPr>
-              <a:buFont typeface="Wingdings" pitchFamily="2" charset="2"/>
-              <a:buChar char="à"/>
-            </a:pPr>
-            <a:r>
-              <a:rPr lang="en-US" dirty="0" smtClean="0"/>
-              <a:t> Definitions provide </a:t>
-            </a:r>
-            <a:r>
-              <a:rPr lang="en-US" dirty="0" err="1" smtClean="0"/>
-              <a:t>curation</a:t>
-            </a:r>
-            <a:r>
-              <a:rPr lang="en-US" dirty="0" smtClean="0"/>
-              <a:t> rules</a:t>
-            </a:r>
-          </a:p>
-          <a:p>
-            <a:pPr>
-              <a:buNone/>
-            </a:pPr>
-            <a:endParaRPr lang="en-US" dirty="0"/>
-          </a:p>
-        </p:txBody>
-      </p:sp>
-    </p:spTree>
-  </p:cSld>
-  <p:clrMapOvr>
-    <a:masterClrMapping/>
-  </p:clrMapOvr>
-  <p:timing>
-    <p:tnLst>
-      <p:par>
-        <p:cTn id="1" dur="indefinite" restart="never" nodeType="tmRoot"/>
-      </p:par>
-    </p:tnLst>
-  </p:timing>
-</p:sld>
-</file>
-
-<file path=ppt/slides/slide32.xml><?xml version="1.0" encoding="utf-8"?>
-<p:sld xmlns:a="http://schemas.openxmlformats.org/drawingml/2006/main" xmlns:r="http://schemas.openxmlformats.org/officeDocument/2006/relationships" xmlns:p="http://schemas.openxmlformats.org/presentationml/2006/main">
-  <p:cSld>
-    <p:spTree>
-      <p:nvGrpSpPr>
-        <p:cNvPr id="1" name=""/>
-        <p:cNvGrpSpPr/>
-        <p:nvPr/>
-      </p:nvGrpSpPr>
-      <p:grpSpPr>
-        <a:xfrm>
-          <a:off x="0" y="0"/>
-          <a:ext cx="0" cy="0"/>
-          <a:chOff x="0" y="0"/>
-          <a:chExt cx="0" cy="0"/>
-        </a:xfrm>
-      </p:grpSpPr>
-      <p:sp>
-        <p:nvSpPr>
-          <p:cNvPr id="2" name="Title 1"/>
-          <p:cNvSpPr>
-            <a:spLocks noGrp="1"/>
-          </p:cNvSpPr>
-          <p:nvPr>
-            <p:ph type="title"/>
-          </p:nvPr>
-        </p:nvSpPr>
-        <p:spPr/>
-        <p:txBody>
-          <a:bodyPr/>
-          <a:lstStyle/>
-          <a:p>
-            <a:r>
-              <a:rPr lang="en-US" dirty="0" smtClean="0"/>
-              <a:t>Old vs. new assay finder</a:t>
-            </a:r>
-            <a:endParaRPr lang="en-US" dirty="0"/>
-          </a:p>
-        </p:txBody>
-      </p:sp>
-      <p:sp>
-        <p:nvSpPr>
-          <p:cNvPr id="3" name="Content Placeholder 2"/>
-          <p:cNvSpPr>
-            <a:spLocks noGrp="1"/>
-          </p:cNvSpPr>
-          <p:nvPr>
-            <p:ph idx="1"/>
-          </p:nvPr>
-        </p:nvSpPr>
-        <p:spPr/>
-        <p:txBody>
-          <a:bodyPr/>
-          <a:lstStyle/>
-          <a:p>
-            <a:r>
-              <a:rPr lang="en-US" dirty="0" smtClean="0"/>
-              <a:t>Show: from list to tree; search by grouping</a:t>
-            </a:r>
-          </a:p>
-          <a:p>
-            <a:r>
-              <a:rPr lang="en-US" dirty="0" smtClean="0"/>
-              <a:t>Show: use of community labels (community view of OBI)</a:t>
-            </a:r>
-          </a:p>
-          <a:p>
-            <a:pPr lvl="1"/>
-            <a:r>
-              <a:rPr lang="en-US" dirty="0" smtClean="0"/>
-              <a:t>Refer to second session? Alternative mechanisms of using community specific labels (as annotation properties in OBI.owl, or in external spreadsheet)</a:t>
-            </a:r>
-          </a:p>
-          <a:p>
-            <a:pPr lvl="1"/>
-            <a:endParaRPr lang="en-US" dirty="0" smtClean="0"/>
+              <a:t>Show: link to OBI for assays provides definitions</a:t>
+            </a:r>
           </a:p>
           <a:p>
             <a:endParaRPr lang="en-US" dirty="0"/>
@@ -11444,103 +13481,7 @@
 </p:sld>
 </file>
 
-<file path=ppt/slides/slide33.xml><?xml version="1.0" encoding="utf-8"?>
-<p:sld xmlns:a="http://schemas.openxmlformats.org/drawingml/2006/main" xmlns:r="http://schemas.openxmlformats.org/officeDocument/2006/relationships" xmlns:p="http://schemas.openxmlformats.org/presentationml/2006/main">
-  <p:cSld>
-    <p:spTree>
-      <p:nvGrpSpPr>
-        <p:cNvPr id="1" name=""/>
-        <p:cNvGrpSpPr/>
-        <p:nvPr/>
-      </p:nvGrpSpPr>
-      <p:grpSpPr>
-        <a:xfrm>
-          <a:off x="0" y="0"/>
-          <a:ext cx="0" cy="0"/>
-          <a:chOff x="0" y="0"/>
-          <a:chExt cx="0" cy="0"/>
-        </a:xfrm>
-      </p:grpSpPr>
-      <p:sp>
-        <p:nvSpPr>
-          <p:cNvPr id="2" name="Title 1"/>
-          <p:cNvSpPr>
-            <a:spLocks noGrp="1"/>
-          </p:cNvSpPr>
-          <p:nvPr>
-            <p:ph type="title"/>
-          </p:nvPr>
-        </p:nvSpPr>
-        <p:spPr/>
-        <p:txBody>
-          <a:bodyPr/>
-          <a:lstStyle/>
-          <a:p>
-            <a:r>
-              <a:rPr lang="en-US" dirty="0" smtClean="0"/>
-              <a:t>Future work</a:t>
-            </a:r>
-            <a:endParaRPr lang="en-US" dirty="0"/>
-          </a:p>
-        </p:txBody>
-      </p:sp>
-      <p:sp>
-        <p:nvSpPr>
-          <p:cNvPr id="3" name="Content Placeholder 2"/>
-          <p:cNvSpPr>
-            <a:spLocks noGrp="1"/>
-          </p:cNvSpPr>
-          <p:nvPr>
-            <p:ph idx="1"/>
-          </p:nvPr>
-        </p:nvSpPr>
-        <p:spPr/>
-        <p:txBody>
-          <a:bodyPr/>
-          <a:lstStyle/>
-          <a:p>
-            <a:r>
-              <a:rPr lang="en-US" dirty="0" smtClean="0"/>
-              <a:t>Show: </a:t>
-            </a:r>
-            <a:r>
-              <a:rPr lang="en-US" dirty="0" err="1" smtClean="0"/>
-              <a:t>Sparql</a:t>
-            </a:r>
-            <a:r>
-              <a:rPr lang="en-US" dirty="0" smtClean="0"/>
-              <a:t> query against IEDB export</a:t>
-            </a:r>
-          </a:p>
-          <a:p>
-            <a:r>
-              <a:rPr lang="en-US" dirty="0" smtClean="0">
-                <a:sym typeface="Wingdings" pitchFamily="2" charset="2"/>
-              </a:rPr>
-              <a:t> interoperability</a:t>
-            </a:r>
-            <a:endParaRPr lang="en-US" dirty="0" smtClean="0"/>
-          </a:p>
-          <a:p>
-            <a:r>
-              <a:rPr lang="en-US" dirty="0" smtClean="0"/>
-              <a:t>Show: link to OBI for assays provides definitions</a:t>
-            </a:r>
-          </a:p>
-          <a:p>
-            <a:endParaRPr lang="en-US" dirty="0"/>
-          </a:p>
-        </p:txBody>
-      </p:sp>
-    </p:spTree>
-  </p:cSld>
-  <p:clrMapOvr>
-    <a:masterClrMapping/>
-  </p:clrMapOvr>
-</p:sld>
-</file>
-
-<file path=ppt/slides/slide34.xml><?xml version="1.0" encoding="utf-8"?>
+<file path=ppt/slides/slide38.xml><?xml version="1.0" encoding="utf-8"?>
 <p:sld xmlns:a="http://schemas.openxmlformats.org/drawingml/2006/main" xmlns:r="http://schemas.openxmlformats.org/officeDocument/2006/relationships" xmlns:p="http://schemas.openxmlformats.org/presentationml/2006/main">
   <p:cSld>
     <p:spTree>
